--- a/CalculatorClientApp/Docs/Web API Client Lesson.pptx
+++ b/CalculatorClientApp/Docs/Web API Client Lesson.pptx
@@ -163,6 +163,1866 @@
 <file path=ppt/changesInfos/changesInfo1.xml><?xml version="1.0" encoding="utf-8"?>
 <pc:chgInfo xmlns:a="http://schemas.openxmlformats.org/drawingml/2006/main" xmlns:r="http://schemas.openxmlformats.org/officeDocument/2006/relationships" xmlns:ac="http://schemas.microsoft.com/office/drawing/2013/main/command" xmlns:pc="http://schemas.microsoft.com/office/powerpoint/2013/main/command">
   <pc:docChgLst>
+    <pc:chgData name="Ofer Zadikario" userId="f36b4b4543f14e71" providerId="LiveId" clId="{D25CF079-7669-47F7-A175-CD0DCA990239}"/>
+    <pc:docChg chg="undo custSel addSld delSld modSld sldOrd modSection">
+      <pc:chgData name="Ofer Zadikario" userId="f36b4b4543f14e71" providerId="LiveId" clId="{D25CF079-7669-47F7-A175-CD0DCA990239}" dt="2020-08-09T14:42:30.180" v="7620" actId="20577"/>
+      <pc:docMkLst>
+        <pc:docMk/>
+      </pc:docMkLst>
+      <pc:sldChg chg="del">
+        <pc:chgData name="Ofer Zadikario" userId="f36b4b4543f14e71" providerId="LiveId" clId="{D25CF079-7669-47F7-A175-CD0DCA990239}" dt="2020-08-02T16:07:26.510" v="538" actId="47"/>
+        <pc:sldMkLst>
+          <pc:docMk/>
+          <pc:sldMk cId="3286944901" sldId="1555"/>
+        </pc:sldMkLst>
+      </pc:sldChg>
+      <pc:sldChg chg="modSp mod">
+        <pc:chgData name="Ofer Zadikario" userId="f36b4b4543f14e71" providerId="LiveId" clId="{D25CF079-7669-47F7-A175-CD0DCA990239}" dt="2020-08-02T16:00:22.930" v="45" actId="1076"/>
+        <pc:sldMkLst>
+          <pc:docMk/>
+          <pc:sldMk cId="377166578" sldId="1945"/>
+        </pc:sldMkLst>
+        <pc:spChg chg="mod">
+          <ac:chgData name="Ofer Zadikario" userId="f36b4b4543f14e71" providerId="LiveId" clId="{D25CF079-7669-47F7-A175-CD0DCA990239}" dt="2020-08-02T16:00:22.930" v="45" actId="1076"/>
+          <ac:spMkLst>
+            <pc:docMk/>
+            <pc:sldMk cId="377166578" sldId="1945"/>
+            <ac:spMk id="3" creationId="{EAC9D90D-41ED-7A4E-AF05-87821125D59E}"/>
+          </ac:spMkLst>
+        </pc:spChg>
+        <pc:spChg chg="mod">
+          <ac:chgData name="Ofer Zadikario" userId="f36b4b4543f14e71" providerId="LiveId" clId="{D25CF079-7669-47F7-A175-CD0DCA990239}" dt="2020-08-02T16:00:08.873" v="28" actId="20577"/>
+          <ac:spMkLst>
+            <pc:docMk/>
+            <pc:sldMk cId="377166578" sldId="1945"/>
+            <ac:spMk id="5" creationId="{12A9DDC2-32C0-4089-9C42-2D8E189DC490}"/>
+          </ac:spMkLst>
+        </pc:spChg>
+      </pc:sldChg>
+      <pc:sldChg chg="del">
+        <pc:chgData name="Ofer Zadikario" userId="f36b4b4543f14e71" providerId="LiveId" clId="{D25CF079-7669-47F7-A175-CD0DCA990239}" dt="2020-08-02T16:07:26.510" v="538" actId="47"/>
+        <pc:sldMkLst>
+          <pc:docMk/>
+          <pc:sldMk cId="3622608159" sldId="1948"/>
+        </pc:sldMkLst>
+      </pc:sldChg>
+      <pc:sldChg chg="del">
+        <pc:chgData name="Ofer Zadikario" userId="f36b4b4543f14e71" providerId="LiveId" clId="{D25CF079-7669-47F7-A175-CD0DCA990239}" dt="2020-08-02T16:07:26.510" v="538" actId="47"/>
+        <pc:sldMkLst>
+          <pc:docMk/>
+          <pc:sldMk cId="3290748388" sldId="1949"/>
+        </pc:sldMkLst>
+      </pc:sldChg>
+      <pc:sldChg chg="del">
+        <pc:chgData name="Ofer Zadikario" userId="f36b4b4543f14e71" providerId="LiveId" clId="{D25CF079-7669-47F7-A175-CD0DCA990239}" dt="2020-08-02T16:07:26.510" v="538" actId="47"/>
+        <pc:sldMkLst>
+          <pc:docMk/>
+          <pc:sldMk cId="1111177144" sldId="1950"/>
+        </pc:sldMkLst>
+      </pc:sldChg>
+      <pc:sldChg chg="addSp delSp modSp mod">
+        <pc:chgData name="Ofer Zadikario" userId="f36b4b4543f14e71" providerId="LiveId" clId="{D25CF079-7669-47F7-A175-CD0DCA990239}" dt="2020-08-02T16:20:12.357" v="989" actId="14100"/>
+        <pc:sldMkLst>
+          <pc:docMk/>
+          <pc:sldMk cId="740251951" sldId="1951"/>
+        </pc:sldMkLst>
+        <pc:spChg chg="mod">
+          <ac:chgData name="Ofer Zadikario" userId="f36b4b4543f14e71" providerId="LiveId" clId="{D25CF079-7669-47F7-A175-CD0DCA990239}" dt="2020-08-02T16:01:50.752" v="107" actId="6549"/>
+          <ac:spMkLst>
+            <pc:docMk/>
+            <pc:sldMk cId="740251951" sldId="1951"/>
+            <ac:spMk id="2" creationId="{00000000-0000-0000-0000-000000000000}"/>
+          </ac:spMkLst>
+        </pc:spChg>
+        <pc:spChg chg="add mod">
+          <ac:chgData name="Ofer Zadikario" userId="f36b4b4543f14e71" providerId="LiveId" clId="{D25CF079-7669-47F7-A175-CD0DCA990239}" dt="2020-08-02T16:19:21.940" v="849" actId="1036"/>
+          <ac:spMkLst>
+            <pc:docMk/>
+            <pc:sldMk cId="740251951" sldId="1951"/>
+            <ac:spMk id="3" creationId="{F08FBF50-0668-4A06-94F2-9F305E3CC890}"/>
+          </ac:spMkLst>
+        </pc:spChg>
+        <pc:spChg chg="add mod">
+          <ac:chgData name="Ofer Zadikario" userId="f36b4b4543f14e71" providerId="LiveId" clId="{D25CF079-7669-47F7-A175-CD0DCA990239}" dt="2020-08-02T16:11:07.529" v="610" actId="1035"/>
+          <ac:spMkLst>
+            <pc:docMk/>
+            <pc:sldMk cId="740251951" sldId="1951"/>
+            <ac:spMk id="4" creationId="{3BADC5B3-C2CC-4AD2-86D5-0DDD2DAE102F}"/>
+          </ac:spMkLst>
+        </pc:spChg>
+        <pc:spChg chg="add mod">
+          <ac:chgData name="Ofer Zadikario" userId="f36b4b4543f14e71" providerId="LiveId" clId="{D25CF079-7669-47F7-A175-CD0DCA990239}" dt="2020-08-02T16:19:41.425" v="917" actId="1036"/>
+          <ac:spMkLst>
+            <pc:docMk/>
+            <pc:sldMk cId="740251951" sldId="1951"/>
+            <ac:spMk id="5" creationId="{9FD216C7-B2CE-40BF-9674-F1E3FF507F19}"/>
+          </ac:spMkLst>
+        </pc:spChg>
+        <pc:spChg chg="add del mod">
+          <ac:chgData name="Ofer Zadikario" userId="f36b4b4543f14e71" providerId="LiveId" clId="{D25CF079-7669-47F7-A175-CD0DCA990239}" dt="2020-08-02T16:19:47.308" v="919" actId="478"/>
+          <ac:spMkLst>
+            <pc:docMk/>
+            <pc:sldMk cId="740251951" sldId="1951"/>
+            <ac:spMk id="6" creationId="{3012C5C6-321E-4437-84AC-30EBC67D3693}"/>
+          </ac:spMkLst>
+        </pc:spChg>
+        <pc:spChg chg="add del mod">
+          <ac:chgData name="Ofer Zadikario" userId="f36b4b4543f14e71" providerId="LiveId" clId="{D25CF079-7669-47F7-A175-CD0DCA990239}" dt="2020-08-02T16:19:28.479" v="851" actId="478"/>
+          <ac:spMkLst>
+            <pc:docMk/>
+            <pc:sldMk cId="740251951" sldId="1951"/>
+            <ac:spMk id="7" creationId="{A3354755-C684-46CA-BCC0-68E95230FBBF}"/>
+          </ac:spMkLst>
+        </pc:spChg>
+        <pc:spChg chg="add del mod">
+          <ac:chgData name="Ofer Zadikario" userId="f36b4b4543f14e71" providerId="LiveId" clId="{D25CF079-7669-47F7-A175-CD0DCA990239}" dt="2020-08-02T16:19:26.259" v="850" actId="478"/>
+          <ac:spMkLst>
+            <pc:docMk/>
+            <pc:sldMk cId="740251951" sldId="1951"/>
+            <ac:spMk id="9" creationId="{170951F5-7BAE-49CE-A829-C9C08057F725}"/>
+          </ac:spMkLst>
+        </pc:spChg>
+        <pc:spChg chg="add del mod">
+          <ac:chgData name="Ofer Zadikario" userId="f36b4b4543f14e71" providerId="LiveId" clId="{D25CF079-7669-47F7-A175-CD0DCA990239}" dt="2020-08-02T16:19:44.890" v="918" actId="478"/>
+          <ac:spMkLst>
+            <pc:docMk/>
+            <pc:sldMk cId="740251951" sldId="1951"/>
+            <ac:spMk id="11" creationId="{F0AF862A-B4E7-4871-AC70-8A17A179226C}"/>
+          </ac:spMkLst>
+        </pc:spChg>
+        <pc:spChg chg="add mod">
+          <ac:chgData name="Ofer Zadikario" userId="f36b4b4543f14e71" providerId="LiveId" clId="{D25CF079-7669-47F7-A175-CD0DCA990239}" dt="2020-08-02T16:19:35.389" v="900" actId="1038"/>
+          <ac:spMkLst>
+            <pc:docMk/>
+            <pc:sldMk cId="740251951" sldId="1951"/>
+            <ac:spMk id="13" creationId="{D5B208CD-136E-46AA-B625-FD876EC9853F}"/>
+          </ac:spMkLst>
+        </pc:spChg>
+        <pc:spChg chg="mod">
+          <ac:chgData name="Ofer Zadikario" userId="f36b4b4543f14e71" providerId="LiveId" clId="{D25CF079-7669-47F7-A175-CD0DCA990239}" dt="2020-08-02T16:06:18.109" v="537" actId="20577"/>
+          <ac:spMkLst>
+            <pc:docMk/>
+            <pc:sldMk cId="740251951" sldId="1951"/>
+            <ac:spMk id="14" creationId="{00000000-0000-0000-0000-000000000000}"/>
+          </ac:spMkLst>
+        </pc:spChg>
+        <pc:spChg chg="add mod">
+          <ac:chgData name="Ofer Zadikario" userId="f36b4b4543f14e71" providerId="LiveId" clId="{D25CF079-7669-47F7-A175-CD0DCA990239}" dt="2020-08-02T16:20:12.357" v="989" actId="14100"/>
+          <ac:spMkLst>
+            <pc:docMk/>
+            <pc:sldMk cId="740251951" sldId="1951"/>
+            <ac:spMk id="16" creationId="{3A10EFCD-978B-45AB-B8FA-4B26D492A6AB}"/>
+          </ac:spMkLst>
+        </pc:spChg>
+      </pc:sldChg>
+      <pc:sldChg chg="addSp delSp modSp add mod">
+        <pc:chgData name="Ofer Zadikario" userId="f36b4b4543f14e71" providerId="LiveId" clId="{D25CF079-7669-47F7-A175-CD0DCA990239}" dt="2020-08-02T17:08:15.137" v="1400" actId="1037"/>
+        <pc:sldMkLst>
+          <pc:docMk/>
+          <pc:sldMk cId="3165780414" sldId="1952"/>
+        </pc:sldMkLst>
+        <pc:spChg chg="mod">
+          <ac:chgData name="Ofer Zadikario" userId="f36b4b4543f14e71" providerId="LiveId" clId="{D25CF079-7669-47F7-A175-CD0DCA990239}" dt="2020-08-02T16:25:55.157" v="998" actId="1076"/>
+          <ac:spMkLst>
+            <pc:docMk/>
+            <pc:sldMk cId="3165780414" sldId="1952"/>
+            <ac:spMk id="2" creationId="{00000000-0000-0000-0000-000000000000}"/>
+          </ac:spMkLst>
+        </pc:spChg>
+        <pc:spChg chg="del">
+          <ac:chgData name="Ofer Zadikario" userId="f36b4b4543f14e71" providerId="LiveId" clId="{D25CF079-7669-47F7-A175-CD0DCA990239}" dt="2020-08-02T16:59:21.581" v="999" actId="478"/>
+          <ac:spMkLst>
+            <pc:docMk/>
+            <pc:sldMk cId="3165780414" sldId="1952"/>
+            <ac:spMk id="3" creationId="{F08FBF50-0668-4A06-94F2-9F305E3CC890}"/>
+          </ac:spMkLst>
+        </pc:spChg>
+        <pc:spChg chg="del">
+          <ac:chgData name="Ofer Zadikario" userId="f36b4b4543f14e71" providerId="LiveId" clId="{D25CF079-7669-47F7-A175-CD0DCA990239}" dt="2020-08-02T16:59:21.581" v="999" actId="478"/>
+          <ac:spMkLst>
+            <pc:docMk/>
+            <pc:sldMk cId="3165780414" sldId="1952"/>
+            <ac:spMk id="4" creationId="{3BADC5B3-C2CC-4AD2-86D5-0DDD2DAE102F}"/>
+          </ac:spMkLst>
+        </pc:spChg>
+        <pc:spChg chg="del">
+          <ac:chgData name="Ofer Zadikario" userId="f36b4b4543f14e71" providerId="LiveId" clId="{D25CF079-7669-47F7-A175-CD0DCA990239}" dt="2020-08-02T16:59:21.581" v="999" actId="478"/>
+          <ac:spMkLst>
+            <pc:docMk/>
+            <pc:sldMk cId="3165780414" sldId="1952"/>
+            <ac:spMk id="5" creationId="{9FD216C7-B2CE-40BF-9674-F1E3FF507F19}"/>
+          </ac:spMkLst>
+        </pc:spChg>
+        <pc:spChg chg="add mod">
+          <ac:chgData name="Ofer Zadikario" userId="f36b4b4543f14e71" providerId="LiveId" clId="{D25CF079-7669-47F7-A175-CD0DCA990239}" dt="2020-08-02T17:04:13.941" v="1110" actId="404"/>
+          <ac:spMkLst>
+            <pc:docMk/>
+            <pc:sldMk cId="3165780414" sldId="1952"/>
+            <ac:spMk id="8" creationId="{A0F77AF3-CFA1-4EA7-B445-B9046B71ADE0}"/>
+          </ac:spMkLst>
+        </pc:spChg>
+        <pc:spChg chg="add mod">
+          <ac:chgData name="Ofer Zadikario" userId="f36b4b4543f14e71" providerId="LiveId" clId="{D25CF079-7669-47F7-A175-CD0DCA990239}" dt="2020-08-02T17:08:15.137" v="1400" actId="1037"/>
+          <ac:spMkLst>
+            <pc:docMk/>
+            <pc:sldMk cId="3165780414" sldId="1952"/>
+            <ac:spMk id="9" creationId="{29832ED4-0FD3-4779-A2E2-EEA0330FE51E}"/>
+          </ac:spMkLst>
+        </pc:spChg>
+        <pc:spChg chg="del">
+          <ac:chgData name="Ofer Zadikario" userId="f36b4b4543f14e71" providerId="LiveId" clId="{D25CF079-7669-47F7-A175-CD0DCA990239}" dt="2020-08-02T16:59:21.581" v="999" actId="478"/>
+          <ac:spMkLst>
+            <pc:docMk/>
+            <pc:sldMk cId="3165780414" sldId="1952"/>
+            <ac:spMk id="13" creationId="{D5B208CD-136E-46AA-B625-FD876EC9853F}"/>
+          </ac:spMkLst>
+        </pc:spChg>
+        <pc:spChg chg="del">
+          <ac:chgData name="Ofer Zadikario" userId="f36b4b4543f14e71" providerId="LiveId" clId="{D25CF079-7669-47F7-A175-CD0DCA990239}" dt="2020-08-02T17:00:19.404" v="1064" actId="478"/>
+          <ac:spMkLst>
+            <pc:docMk/>
+            <pc:sldMk cId="3165780414" sldId="1952"/>
+            <ac:spMk id="14" creationId="{00000000-0000-0000-0000-000000000000}"/>
+          </ac:spMkLst>
+        </pc:spChg>
+        <pc:spChg chg="del">
+          <ac:chgData name="Ofer Zadikario" userId="f36b4b4543f14e71" providerId="LiveId" clId="{D25CF079-7669-47F7-A175-CD0DCA990239}" dt="2020-08-02T16:59:21.581" v="999" actId="478"/>
+          <ac:spMkLst>
+            <pc:docMk/>
+            <pc:sldMk cId="3165780414" sldId="1952"/>
+            <ac:spMk id="16" creationId="{3A10EFCD-978B-45AB-B8FA-4B26D492A6AB}"/>
+          </ac:spMkLst>
+        </pc:spChg>
+        <pc:picChg chg="add mod">
+          <ac:chgData name="Ofer Zadikario" userId="f36b4b4543f14e71" providerId="LiveId" clId="{D25CF079-7669-47F7-A175-CD0DCA990239}" dt="2020-08-02T17:04:26.340" v="1135" actId="1035"/>
+          <ac:picMkLst>
+            <pc:docMk/>
+            <pc:sldMk cId="3165780414" sldId="1952"/>
+            <ac:picMk id="6" creationId="{C0169249-CDCB-4363-A4FD-F35961DBF75A}"/>
+          </ac:picMkLst>
+        </pc:picChg>
+        <pc:picChg chg="add mod">
+          <ac:chgData name="Ofer Zadikario" userId="f36b4b4543f14e71" providerId="LiveId" clId="{D25CF079-7669-47F7-A175-CD0DCA990239}" dt="2020-08-02T17:04:19.864" v="1121" actId="1038"/>
+          <ac:picMkLst>
+            <pc:docMk/>
+            <pc:sldMk cId="3165780414" sldId="1952"/>
+            <ac:picMk id="7" creationId="{E3E7C9EF-41D0-4648-B54A-3B7B0B951D5C}"/>
+          </ac:picMkLst>
+        </pc:picChg>
+      </pc:sldChg>
+      <pc:sldChg chg="addSp modSp new mod">
+        <pc:chgData name="Ofer Zadikario" userId="f36b4b4543f14e71" providerId="LiveId" clId="{D25CF079-7669-47F7-A175-CD0DCA990239}" dt="2020-08-09T14:42:30.180" v="7620" actId="20577"/>
+        <pc:sldMkLst>
+          <pc:docMk/>
+          <pc:sldMk cId="3672175715" sldId="1953"/>
+        </pc:sldMkLst>
+        <pc:spChg chg="mod">
+          <ac:chgData name="Ofer Zadikario" userId="f36b4b4543f14e71" providerId="LiveId" clId="{D25CF079-7669-47F7-A175-CD0DCA990239}" dt="2020-08-03T06:19:40.024" v="1417" actId="20577"/>
+          <ac:spMkLst>
+            <pc:docMk/>
+            <pc:sldMk cId="3672175715" sldId="1953"/>
+            <ac:spMk id="2" creationId="{680F74F8-8D62-4C90-884D-F516BD7B4D11}"/>
+          </ac:spMkLst>
+        </pc:spChg>
+        <pc:spChg chg="add mod">
+          <ac:chgData name="Ofer Zadikario" userId="f36b4b4543f14e71" providerId="LiveId" clId="{D25CF079-7669-47F7-A175-CD0DCA990239}" dt="2020-08-09T14:42:30.180" v="7620" actId="20577"/>
+          <ac:spMkLst>
+            <pc:docMk/>
+            <pc:sldMk cId="3672175715" sldId="1953"/>
+            <ac:spMk id="4" creationId="{27E82E66-2CB5-4E07-A5DF-E85ADB475E1F}"/>
+          </ac:spMkLst>
+        </pc:spChg>
+        <pc:picChg chg="add mod">
+          <ac:chgData name="Ofer Zadikario" userId="f36b4b4543f14e71" providerId="LiveId" clId="{D25CF079-7669-47F7-A175-CD0DCA990239}" dt="2020-08-03T06:30:36.196" v="1922" actId="1035"/>
+          <ac:picMkLst>
+            <pc:docMk/>
+            <pc:sldMk cId="3672175715" sldId="1953"/>
+            <ac:picMk id="5" creationId="{4C571EFF-65BF-4D8B-B2F4-34F8EE142F63}"/>
+          </ac:picMkLst>
+        </pc:picChg>
+      </pc:sldChg>
+      <pc:sldChg chg="addSp delSp modSp add mod">
+        <pc:chgData name="Ofer Zadikario" userId="f36b4b4543f14e71" providerId="LiveId" clId="{D25CF079-7669-47F7-A175-CD0DCA990239}" dt="2020-08-04T17:08:28.550" v="2135" actId="1037"/>
+        <pc:sldMkLst>
+          <pc:docMk/>
+          <pc:sldMk cId="1557348356" sldId="1954"/>
+        </pc:sldMkLst>
+        <pc:spChg chg="mod">
+          <ac:chgData name="Ofer Zadikario" userId="f36b4b4543f14e71" providerId="LiveId" clId="{D25CF079-7669-47F7-A175-CD0DCA990239}" dt="2020-08-04T17:06:20.903" v="2057" actId="20577"/>
+          <ac:spMkLst>
+            <pc:docMk/>
+            <pc:sldMk cId="1557348356" sldId="1954"/>
+            <ac:spMk id="2" creationId="{680F74F8-8D62-4C90-884D-F516BD7B4D11}"/>
+          </ac:spMkLst>
+        </pc:spChg>
+        <pc:spChg chg="del">
+          <ac:chgData name="Ofer Zadikario" userId="f36b4b4543f14e71" providerId="LiveId" clId="{D25CF079-7669-47F7-A175-CD0DCA990239}" dt="2020-08-04T17:06:31.061" v="2059" actId="478"/>
+          <ac:spMkLst>
+            <pc:docMk/>
+            <pc:sldMk cId="1557348356" sldId="1954"/>
+            <ac:spMk id="4" creationId="{27E82E66-2CB5-4E07-A5DF-E85ADB475E1F}"/>
+          </ac:spMkLst>
+        </pc:spChg>
+        <pc:picChg chg="add mod">
+          <ac:chgData name="Ofer Zadikario" userId="f36b4b4543f14e71" providerId="LiveId" clId="{D25CF079-7669-47F7-A175-CD0DCA990239}" dt="2020-08-04T17:08:28.550" v="2135" actId="1037"/>
+          <ac:picMkLst>
+            <pc:docMk/>
+            <pc:sldMk cId="1557348356" sldId="1954"/>
+            <ac:picMk id="3" creationId="{E4FF6A41-E593-40B1-A982-69585192C0D5}"/>
+          </ac:picMkLst>
+        </pc:picChg>
+        <pc:picChg chg="del">
+          <ac:chgData name="Ofer Zadikario" userId="f36b4b4543f14e71" providerId="LiveId" clId="{D25CF079-7669-47F7-A175-CD0DCA990239}" dt="2020-08-04T17:06:26.725" v="2058" actId="478"/>
+          <ac:picMkLst>
+            <pc:docMk/>
+            <pc:sldMk cId="1557348356" sldId="1954"/>
+            <ac:picMk id="5" creationId="{4C571EFF-65BF-4D8B-B2F4-34F8EE142F63}"/>
+          </ac:picMkLst>
+        </pc:picChg>
+      </pc:sldChg>
+      <pc:sldChg chg="addSp delSp modSp add mod">
+        <pc:chgData name="Ofer Zadikario" userId="f36b4b4543f14e71" providerId="LiveId" clId="{D25CF079-7669-47F7-A175-CD0DCA990239}" dt="2020-08-05T11:21:20.849" v="4844" actId="20577"/>
+        <pc:sldMkLst>
+          <pc:docMk/>
+          <pc:sldMk cId="2080903524" sldId="1955"/>
+        </pc:sldMkLst>
+        <pc:spChg chg="mod">
+          <ac:chgData name="Ofer Zadikario" userId="f36b4b4543f14e71" providerId="LiveId" clId="{D25CF079-7669-47F7-A175-CD0DCA990239}" dt="2020-08-05T10:56:10.931" v="2991" actId="20577"/>
+          <ac:spMkLst>
+            <pc:docMk/>
+            <pc:sldMk cId="2080903524" sldId="1955"/>
+            <ac:spMk id="2" creationId="{680F74F8-8D62-4C90-884D-F516BD7B4D11}"/>
+          </ac:spMkLst>
+        </pc:spChg>
+        <pc:spChg chg="add mod">
+          <ac:chgData name="Ofer Zadikario" userId="f36b4b4543f14e71" providerId="LiveId" clId="{D25CF079-7669-47F7-A175-CD0DCA990239}" dt="2020-08-05T11:21:20.849" v="4844" actId="20577"/>
+          <ac:spMkLst>
+            <pc:docMk/>
+            <pc:sldMk cId="2080903524" sldId="1955"/>
+            <ac:spMk id="5" creationId="{113541F3-C076-46F2-869C-362D848E0D9F}"/>
+          </ac:spMkLst>
+        </pc:spChg>
+        <pc:picChg chg="add del mod">
+          <ac:chgData name="Ofer Zadikario" userId="f36b4b4543f14e71" providerId="LiveId" clId="{D25CF079-7669-47F7-A175-CD0DCA990239}" dt="2020-08-05T10:56:13.283" v="2992" actId="478"/>
+          <ac:picMkLst>
+            <pc:docMk/>
+            <pc:sldMk cId="2080903524" sldId="1955"/>
+            <ac:picMk id="3" creationId="{9A12DD40-D890-4CAA-91E5-7383DDA47F72}"/>
+          </ac:picMkLst>
+        </pc:picChg>
+        <pc:picChg chg="add mod">
+          <ac:chgData name="Ofer Zadikario" userId="f36b4b4543f14e71" providerId="LiveId" clId="{D25CF079-7669-47F7-A175-CD0DCA990239}" dt="2020-08-05T10:56:29.289" v="2996" actId="1076"/>
+          <ac:picMkLst>
+            <pc:docMk/>
+            <pc:sldMk cId="2080903524" sldId="1955"/>
+            <ac:picMk id="4" creationId="{C5855952-0932-4FFB-BC62-6B2E78F600AE}"/>
+          </ac:picMkLst>
+        </pc:picChg>
+      </pc:sldChg>
+      <pc:sldChg chg="addSp delSp modSp add mod">
+        <pc:chgData name="Ofer Zadikario" userId="f36b4b4543f14e71" providerId="LiveId" clId="{D25CF079-7669-47F7-A175-CD0DCA990239}" dt="2020-08-05T21:50:22.902" v="5464" actId="14100"/>
+        <pc:sldMkLst>
+          <pc:docMk/>
+          <pc:sldMk cId="1590753289" sldId="1956"/>
+        </pc:sldMkLst>
+        <pc:spChg chg="mod">
+          <ac:chgData name="Ofer Zadikario" userId="f36b4b4543f14e71" providerId="LiveId" clId="{D25CF079-7669-47F7-A175-CD0DCA990239}" dt="2020-08-05T12:27:52.625" v="5445" actId="20577"/>
+          <ac:spMkLst>
+            <pc:docMk/>
+            <pc:sldMk cId="1590753289" sldId="1956"/>
+            <ac:spMk id="2" creationId="{680F74F8-8D62-4C90-884D-F516BD7B4D11}"/>
+          </ac:spMkLst>
+        </pc:spChg>
+        <pc:spChg chg="del">
+          <ac:chgData name="Ofer Zadikario" userId="f36b4b4543f14e71" providerId="LiveId" clId="{D25CF079-7669-47F7-A175-CD0DCA990239}" dt="2020-08-04T17:20:10.456" v="2369" actId="478"/>
+          <ac:spMkLst>
+            <pc:docMk/>
+            <pc:sldMk cId="1590753289" sldId="1956"/>
+            <ac:spMk id="5" creationId="{113541F3-C076-46F2-869C-362D848E0D9F}"/>
+          </ac:spMkLst>
+        </pc:spChg>
+        <pc:spChg chg="add mod">
+          <ac:chgData name="Ofer Zadikario" userId="f36b4b4543f14e71" providerId="LiveId" clId="{D25CF079-7669-47F7-A175-CD0DCA990239}" dt="2020-08-05T21:50:22.902" v="5464" actId="14100"/>
+          <ac:spMkLst>
+            <pc:docMk/>
+            <pc:sldMk cId="1590753289" sldId="1956"/>
+            <ac:spMk id="7" creationId="{E073F0E1-2FEC-484E-8E8F-17CCCBACFC1F}"/>
+          </ac:spMkLst>
+        </pc:spChg>
+        <pc:picChg chg="del">
+          <ac:chgData name="Ofer Zadikario" userId="f36b4b4543f14e71" providerId="LiveId" clId="{D25CF079-7669-47F7-A175-CD0DCA990239}" dt="2020-08-04T17:18:42.383" v="2368" actId="478"/>
+          <ac:picMkLst>
+            <pc:docMk/>
+            <pc:sldMk cId="1590753289" sldId="1956"/>
+            <ac:picMk id="3" creationId="{9A12DD40-D890-4CAA-91E5-7383DDA47F72}"/>
+          </ac:picMkLst>
+        </pc:picChg>
+        <pc:picChg chg="add mod">
+          <ac:chgData name="Ofer Zadikario" userId="f36b4b4543f14e71" providerId="LiveId" clId="{D25CF079-7669-47F7-A175-CD0DCA990239}" dt="2020-08-04T17:20:27.381" v="2411" actId="1035"/>
+          <ac:picMkLst>
+            <pc:docMk/>
+            <pc:sldMk cId="1590753289" sldId="1956"/>
+            <ac:picMk id="4" creationId="{8433F1E8-E0A6-4ED4-BC92-3168FEF70022}"/>
+          </ac:picMkLst>
+        </pc:picChg>
+      </pc:sldChg>
+      <pc:sldChg chg="addSp delSp modSp add mod">
+        <pc:chgData name="Ofer Zadikario" userId="f36b4b4543f14e71" providerId="LiveId" clId="{D25CF079-7669-47F7-A175-CD0DCA990239}" dt="2020-08-04T17:32:40.825" v="2984" actId="14100"/>
+        <pc:sldMkLst>
+          <pc:docMk/>
+          <pc:sldMk cId="1345258554" sldId="1957"/>
+        </pc:sldMkLst>
+        <pc:spChg chg="mod">
+          <ac:chgData name="Ofer Zadikario" userId="f36b4b4543f14e71" providerId="LiveId" clId="{D25CF079-7669-47F7-A175-CD0DCA990239}" dt="2020-08-04T17:24:46.935" v="2614" actId="20577"/>
+          <ac:spMkLst>
+            <pc:docMk/>
+            <pc:sldMk cId="1345258554" sldId="1957"/>
+            <ac:spMk id="2" creationId="{680F74F8-8D62-4C90-884D-F516BD7B4D11}"/>
+          </ac:spMkLst>
+        </pc:spChg>
+        <pc:spChg chg="del mod">
+          <ac:chgData name="Ofer Zadikario" userId="f36b4b4543f14e71" providerId="LiveId" clId="{D25CF079-7669-47F7-A175-CD0DCA990239}" dt="2020-08-04T17:27:28.927" v="2676" actId="478"/>
+          <ac:spMkLst>
+            <pc:docMk/>
+            <pc:sldMk cId="1345258554" sldId="1957"/>
+            <ac:spMk id="7" creationId="{E073F0E1-2FEC-484E-8E8F-17CCCBACFC1F}"/>
+          </ac:spMkLst>
+        </pc:spChg>
+        <pc:picChg chg="add del mod">
+          <ac:chgData name="Ofer Zadikario" userId="f36b4b4543f14e71" providerId="LiveId" clId="{D25CF079-7669-47F7-A175-CD0DCA990239}" dt="2020-08-04T17:30:55.775" v="2720" actId="478"/>
+          <ac:picMkLst>
+            <pc:docMk/>
+            <pc:sldMk cId="1345258554" sldId="1957"/>
+            <ac:picMk id="3" creationId="{278DEA3C-8A08-4AF9-B94D-EC3833D53DFC}"/>
+          </ac:picMkLst>
+        </pc:picChg>
+        <pc:picChg chg="del">
+          <ac:chgData name="Ofer Zadikario" userId="f36b4b4543f14e71" providerId="LiveId" clId="{D25CF079-7669-47F7-A175-CD0DCA990239}" dt="2020-08-04T17:24:56.946" v="2615" actId="478"/>
+          <ac:picMkLst>
+            <pc:docMk/>
+            <pc:sldMk cId="1345258554" sldId="1957"/>
+            <ac:picMk id="4" creationId="{8433F1E8-E0A6-4ED4-BC92-3168FEF70022}"/>
+          </ac:picMkLst>
+        </pc:picChg>
+        <pc:picChg chg="add mod">
+          <ac:chgData name="Ofer Zadikario" userId="f36b4b4543f14e71" providerId="LiveId" clId="{D25CF079-7669-47F7-A175-CD0DCA990239}" dt="2020-08-04T17:31:02.220" v="2789" actId="1035"/>
+          <ac:picMkLst>
+            <pc:docMk/>
+            <pc:sldMk cId="1345258554" sldId="1957"/>
+            <ac:picMk id="5" creationId="{D6776CB9-44DC-4266-B518-166921DAA9CE}"/>
+          </ac:picMkLst>
+        </pc:picChg>
+        <pc:picChg chg="add mod">
+          <ac:chgData name="Ofer Zadikario" userId="f36b4b4543f14e71" providerId="LiveId" clId="{D25CF079-7669-47F7-A175-CD0DCA990239}" dt="2020-08-04T17:31:34.417" v="2869" actId="1037"/>
+          <ac:picMkLst>
+            <pc:docMk/>
+            <pc:sldMk cId="1345258554" sldId="1957"/>
+            <ac:picMk id="6" creationId="{7A6B5029-408C-4355-88E6-751FE9F45858}"/>
+          </ac:picMkLst>
+        </pc:picChg>
+        <pc:picChg chg="add mod modCrop">
+          <ac:chgData name="Ofer Zadikario" userId="f36b4b4543f14e71" providerId="LiveId" clId="{D25CF079-7669-47F7-A175-CD0DCA990239}" dt="2020-08-04T17:32:40.825" v="2984" actId="14100"/>
+          <ac:picMkLst>
+            <pc:docMk/>
+            <pc:sldMk cId="1345258554" sldId="1957"/>
+            <ac:picMk id="8" creationId="{AB9A2741-1669-4420-8612-34F7A6D68E8B}"/>
+          </ac:picMkLst>
+        </pc:picChg>
+      </pc:sldChg>
+      <pc:sldChg chg="addSp delSp modSp add mod">
+        <pc:chgData name="Ofer Zadikario" userId="f36b4b4543f14e71" providerId="LiveId" clId="{D25CF079-7669-47F7-A175-CD0DCA990239}" dt="2020-08-04T17:29:00.247" v="2718" actId="1035"/>
+        <pc:sldMkLst>
+          <pc:docMk/>
+          <pc:sldMk cId="3034860970" sldId="1958"/>
+        </pc:sldMkLst>
+        <pc:picChg chg="del">
+          <ac:chgData name="Ofer Zadikario" userId="f36b4b4543f14e71" providerId="LiveId" clId="{D25CF079-7669-47F7-A175-CD0DCA990239}" dt="2020-08-04T17:28:26.826" v="2678" actId="478"/>
+          <ac:picMkLst>
+            <pc:docMk/>
+            <pc:sldMk cId="3034860970" sldId="1958"/>
+            <ac:picMk id="3" creationId="{278DEA3C-8A08-4AF9-B94D-EC3833D53DFC}"/>
+          </ac:picMkLst>
+        </pc:picChg>
+        <pc:picChg chg="add mod">
+          <ac:chgData name="Ofer Zadikario" userId="f36b4b4543f14e71" providerId="LiveId" clId="{D25CF079-7669-47F7-A175-CD0DCA990239}" dt="2020-08-04T17:29:00.247" v="2718" actId="1035"/>
+          <ac:picMkLst>
+            <pc:docMk/>
+            <pc:sldMk cId="3034860970" sldId="1958"/>
+            <ac:picMk id="4" creationId="{DD67405A-6072-4E1D-B71F-F1EE6C8F67A1}"/>
+          </ac:picMkLst>
+        </pc:picChg>
+      </pc:sldChg>
+      <pc:sldChg chg="add">
+        <pc:chgData name="Ofer Zadikario" userId="f36b4b4543f14e71" providerId="LiveId" clId="{D25CF079-7669-47F7-A175-CD0DCA990239}" dt="2020-08-04T17:30:02.941" v="2719"/>
+        <pc:sldMkLst>
+          <pc:docMk/>
+          <pc:sldMk cId="3401382756" sldId="1959"/>
+        </pc:sldMkLst>
+      </pc:sldChg>
+      <pc:sldChg chg="add">
+        <pc:chgData name="Ofer Zadikario" userId="f36b4b4543f14e71" providerId="LiveId" clId="{D25CF079-7669-47F7-A175-CD0DCA990239}" dt="2020-08-05T10:55:54.643" v="2985"/>
+        <pc:sldMkLst>
+          <pc:docMk/>
+          <pc:sldMk cId="198625629" sldId="1960"/>
+        </pc:sldMkLst>
+      </pc:sldChg>
+      <pc:sldChg chg="addSp delSp modSp add mod">
+        <pc:chgData name="Ofer Zadikario" userId="f36b4b4543f14e71" providerId="LiveId" clId="{D25CF079-7669-47F7-A175-CD0DCA990239}" dt="2020-08-05T11:14:30.139" v="4140" actId="20577"/>
+        <pc:sldMkLst>
+          <pc:docMk/>
+          <pc:sldMk cId="1384333643" sldId="1961"/>
+        </pc:sldMkLst>
+        <pc:spChg chg="mod">
+          <ac:chgData name="Ofer Zadikario" userId="f36b4b4543f14e71" providerId="LiveId" clId="{D25CF079-7669-47F7-A175-CD0DCA990239}" dt="2020-08-05T11:14:30.139" v="4140" actId="20577"/>
+          <ac:spMkLst>
+            <pc:docMk/>
+            <pc:sldMk cId="1384333643" sldId="1961"/>
+            <ac:spMk id="2" creationId="{680F74F8-8D62-4C90-884D-F516BD7B4D11}"/>
+          </ac:spMkLst>
+        </pc:spChg>
+        <pc:spChg chg="mod">
+          <ac:chgData name="Ofer Zadikario" userId="f36b4b4543f14e71" providerId="LiveId" clId="{D25CF079-7669-47F7-A175-CD0DCA990239}" dt="2020-08-05T11:07:05.654" v="3582" actId="20577"/>
+          <ac:spMkLst>
+            <pc:docMk/>
+            <pc:sldMk cId="1384333643" sldId="1961"/>
+            <ac:spMk id="5" creationId="{113541F3-C076-46F2-869C-362D848E0D9F}"/>
+          </ac:spMkLst>
+        </pc:spChg>
+        <pc:picChg chg="add mod">
+          <ac:chgData name="Ofer Zadikario" userId="f36b4b4543f14e71" providerId="LiveId" clId="{D25CF079-7669-47F7-A175-CD0DCA990239}" dt="2020-08-05T11:00:06.871" v="3180" actId="14100"/>
+          <ac:picMkLst>
+            <pc:docMk/>
+            <pc:sldMk cId="1384333643" sldId="1961"/>
+            <ac:picMk id="3" creationId="{CDCFE9FE-3934-4EE3-BC7D-E5F2C7FCEEF1}"/>
+          </ac:picMkLst>
+        </pc:picChg>
+        <pc:picChg chg="del">
+          <ac:chgData name="Ofer Zadikario" userId="f36b4b4543f14e71" providerId="LiveId" clId="{D25CF079-7669-47F7-A175-CD0DCA990239}" dt="2020-08-05T10:58:35.010" v="3068" actId="478"/>
+          <ac:picMkLst>
+            <pc:docMk/>
+            <pc:sldMk cId="1384333643" sldId="1961"/>
+            <ac:picMk id="4" creationId="{C5855952-0932-4FFB-BC62-6B2E78F600AE}"/>
+          </ac:picMkLst>
+        </pc:picChg>
+        <pc:picChg chg="add mod">
+          <ac:chgData name="Ofer Zadikario" userId="f36b4b4543f14e71" providerId="LiveId" clId="{D25CF079-7669-47F7-A175-CD0DCA990239}" dt="2020-08-05T11:00:17.323" v="3184" actId="1037"/>
+          <ac:picMkLst>
+            <pc:docMk/>
+            <pc:sldMk cId="1384333643" sldId="1961"/>
+            <ac:picMk id="6" creationId="{55244A11-FF9C-450D-8DBF-1772009484E6}"/>
+          </ac:picMkLst>
+        </pc:picChg>
+      </pc:sldChg>
+      <pc:sldChg chg="new del">
+        <pc:chgData name="Ofer Zadikario" userId="f36b4b4543f14e71" providerId="LiveId" clId="{D25CF079-7669-47F7-A175-CD0DCA990239}" dt="2020-08-05T10:58:08.401" v="3041" actId="680"/>
+        <pc:sldMkLst>
+          <pc:docMk/>
+          <pc:sldMk cId="3462261850" sldId="1961"/>
+        </pc:sldMkLst>
+      </pc:sldChg>
+      <pc:sldChg chg="addSp delSp modSp add mod">
+        <pc:chgData name="Ofer Zadikario" userId="f36b4b4543f14e71" providerId="LiveId" clId="{D25CF079-7669-47F7-A175-CD0DCA990239}" dt="2020-08-05T11:14:38.388" v="4148" actId="20577"/>
+        <pc:sldMkLst>
+          <pc:docMk/>
+          <pc:sldMk cId="412931416" sldId="1962"/>
+        </pc:sldMkLst>
+        <pc:spChg chg="mod">
+          <ac:chgData name="Ofer Zadikario" userId="f36b4b4543f14e71" providerId="LiveId" clId="{D25CF079-7669-47F7-A175-CD0DCA990239}" dt="2020-08-05T11:14:38.388" v="4148" actId="20577"/>
+          <ac:spMkLst>
+            <pc:docMk/>
+            <pc:sldMk cId="412931416" sldId="1962"/>
+            <ac:spMk id="2" creationId="{680F74F8-8D62-4C90-884D-F516BD7B4D11}"/>
+          </ac:spMkLst>
+        </pc:spChg>
+        <pc:spChg chg="mod">
+          <ac:chgData name="Ofer Zadikario" userId="f36b4b4543f14e71" providerId="LiveId" clId="{D25CF079-7669-47F7-A175-CD0DCA990239}" dt="2020-08-05T11:12:17.297" v="4024" actId="20577"/>
+          <ac:spMkLst>
+            <pc:docMk/>
+            <pc:sldMk cId="412931416" sldId="1962"/>
+            <ac:spMk id="5" creationId="{113541F3-C076-46F2-869C-362D848E0D9F}"/>
+          </ac:spMkLst>
+        </pc:spChg>
+        <pc:picChg chg="del">
+          <ac:chgData name="Ofer Zadikario" userId="f36b4b4543f14e71" providerId="LiveId" clId="{D25CF079-7669-47F7-A175-CD0DCA990239}" dt="2020-08-05T11:08:02.505" v="3595" actId="478"/>
+          <ac:picMkLst>
+            <pc:docMk/>
+            <pc:sldMk cId="412931416" sldId="1962"/>
+            <ac:picMk id="3" creationId="{CDCFE9FE-3934-4EE3-BC7D-E5F2C7FCEEF1}"/>
+          </ac:picMkLst>
+        </pc:picChg>
+        <pc:picChg chg="add mod">
+          <ac:chgData name="Ofer Zadikario" userId="f36b4b4543f14e71" providerId="LiveId" clId="{D25CF079-7669-47F7-A175-CD0DCA990239}" dt="2020-08-05T11:08:17.315" v="3683" actId="1037"/>
+          <ac:picMkLst>
+            <pc:docMk/>
+            <pc:sldMk cId="412931416" sldId="1962"/>
+            <ac:picMk id="4" creationId="{2ED866C4-0E43-42C7-920E-A5025CF316F7}"/>
+          </ac:picMkLst>
+        </pc:picChg>
+        <pc:picChg chg="del">
+          <ac:chgData name="Ofer Zadikario" userId="f36b4b4543f14e71" providerId="LiveId" clId="{D25CF079-7669-47F7-A175-CD0DCA990239}" dt="2020-08-05T11:08:04.265" v="3596" actId="478"/>
+          <ac:picMkLst>
+            <pc:docMk/>
+            <pc:sldMk cId="412931416" sldId="1962"/>
+            <ac:picMk id="6" creationId="{55244A11-FF9C-450D-8DBF-1772009484E6}"/>
+          </ac:picMkLst>
+        </pc:picChg>
+      </pc:sldChg>
+      <pc:sldChg chg="addSp delSp modSp add mod">
+        <pc:chgData name="Ofer Zadikario" userId="f36b4b4543f14e71" providerId="LiveId" clId="{D25CF079-7669-47F7-A175-CD0DCA990239}" dt="2020-08-05T11:21:01.060" v="4839" actId="1038"/>
+        <pc:sldMkLst>
+          <pc:docMk/>
+          <pc:sldMk cId="1468426400" sldId="1963"/>
+        </pc:sldMkLst>
+        <pc:spChg chg="mod">
+          <ac:chgData name="Ofer Zadikario" userId="f36b4b4543f14e71" providerId="LiveId" clId="{D25CF079-7669-47F7-A175-CD0DCA990239}" dt="2020-08-05T11:15:10.072" v="4165" actId="20577"/>
+          <ac:spMkLst>
+            <pc:docMk/>
+            <pc:sldMk cId="1468426400" sldId="1963"/>
+            <ac:spMk id="2" creationId="{680F74F8-8D62-4C90-884D-F516BD7B4D11}"/>
+          </ac:spMkLst>
+        </pc:spChg>
+        <pc:spChg chg="mod">
+          <ac:chgData name="Ofer Zadikario" userId="f36b4b4543f14e71" providerId="LiveId" clId="{D25CF079-7669-47F7-A175-CD0DCA990239}" dt="2020-08-05T11:20:27.970" v="4739" actId="20577"/>
+          <ac:spMkLst>
+            <pc:docMk/>
+            <pc:sldMk cId="1468426400" sldId="1963"/>
+            <ac:spMk id="5" creationId="{113541F3-C076-46F2-869C-362D848E0D9F}"/>
+          </ac:spMkLst>
+        </pc:spChg>
+        <pc:picChg chg="add del mod">
+          <ac:chgData name="Ofer Zadikario" userId="f36b4b4543f14e71" providerId="LiveId" clId="{D25CF079-7669-47F7-A175-CD0DCA990239}" dt="2020-08-05T11:18:02.125" v="4395" actId="478"/>
+          <ac:picMkLst>
+            <pc:docMk/>
+            <pc:sldMk cId="1468426400" sldId="1963"/>
+            <ac:picMk id="3" creationId="{4542197C-8651-49C8-8E71-95A6B7EF8983}"/>
+          </ac:picMkLst>
+        </pc:picChg>
+        <pc:picChg chg="del">
+          <ac:chgData name="Ofer Zadikario" userId="f36b4b4543f14e71" providerId="LiveId" clId="{D25CF079-7669-47F7-A175-CD0DCA990239}" dt="2020-08-05T11:15:15.618" v="4166" actId="478"/>
+          <ac:picMkLst>
+            <pc:docMk/>
+            <pc:sldMk cId="1468426400" sldId="1963"/>
+            <ac:picMk id="4" creationId="{2ED866C4-0E43-42C7-920E-A5025CF316F7}"/>
+          </ac:picMkLst>
+        </pc:picChg>
+        <pc:picChg chg="add mod">
+          <ac:chgData name="Ofer Zadikario" userId="f36b4b4543f14e71" providerId="LiveId" clId="{D25CF079-7669-47F7-A175-CD0DCA990239}" dt="2020-08-05T11:16:35.874" v="4334" actId="1037"/>
+          <ac:picMkLst>
+            <pc:docMk/>
+            <pc:sldMk cId="1468426400" sldId="1963"/>
+            <ac:picMk id="6" creationId="{4EB79074-0324-4F1F-9659-68731EA8ECB0}"/>
+          </ac:picMkLst>
+        </pc:picChg>
+        <pc:picChg chg="add mod">
+          <ac:chgData name="Ofer Zadikario" userId="f36b4b4543f14e71" providerId="LiveId" clId="{D25CF079-7669-47F7-A175-CD0DCA990239}" dt="2020-08-05T11:18:11.598" v="4482" actId="1037"/>
+          <ac:picMkLst>
+            <pc:docMk/>
+            <pc:sldMk cId="1468426400" sldId="1963"/>
+            <ac:picMk id="7" creationId="{0F0B81D5-D6F0-442A-AC44-B7CF37F58E35}"/>
+          </ac:picMkLst>
+        </pc:picChg>
+        <pc:picChg chg="add mod">
+          <ac:chgData name="Ofer Zadikario" userId="f36b4b4543f14e71" providerId="LiveId" clId="{D25CF079-7669-47F7-A175-CD0DCA990239}" dt="2020-08-05T11:21:01.060" v="4839" actId="1038"/>
+          <ac:picMkLst>
+            <pc:docMk/>
+            <pc:sldMk cId="1468426400" sldId="1963"/>
+            <ac:picMk id="8" creationId="{9324CC16-837C-48F9-81B1-B1A2C6DD8E70}"/>
+          </ac:picMkLst>
+        </pc:picChg>
+      </pc:sldChg>
+      <pc:sldChg chg="addSp delSp modSp add mod">
+        <pc:chgData name="Ofer Zadikario" userId="f36b4b4543f14e71" providerId="LiveId" clId="{D25CF079-7669-47F7-A175-CD0DCA990239}" dt="2020-08-05T12:25:56.640" v="5435" actId="1035"/>
+        <pc:sldMkLst>
+          <pc:docMk/>
+          <pc:sldMk cId="992557239" sldId="1964"/>
+        </pc:sldMkLst>
+        <pc:spChg chg="mod">
+          <ac:chgData name="Ofer Zadikario" userId="f36b4b4543f14e71" providerId="LiveId" clId="{D25CF079-7669-47F7-A175-CD0DCA990239}" dt="2020-08-05T11:21:49.587" v="4868" actId="20577"/>
+          <ac:spMkLst>
+            <pc:docMk/>
+            <pc:sldMk cId="992557239" sldId="1964"/>
+            <ac:spMk id="2" creationId="{680F74F8-8D62-4C90-884D-F516BD7B4D11}"/>
+          </ac:spMkLst>
+        </pc:spChg>
+        <pc:spChg chg="mod">
+          <ac:chgData name="Ofer Zadikario" userId="f36b4b4543f14e71" providerId="LiveId" clId="{D25CF079-7669-47F7-A175-CD0DCA990239}" dt="2020-08-05T12:25:22.929" v="5434" actId="20577"/>
+          <ac:spMkLst>
+            <pc:docMk/>
+            <pc:sldMk cId="992557239" sldId="1964"/>
+            <ac:spMk id="5" creationId="{113541F3-C076-46F2-869C-362D848E0D9F}"/>
+          </ac:spMkLst>
+        </pc:spChg>
+        <pc:picChg chg="add mod">
+          <ac:chgData name="Ofer Zadikario" userId="f36b4b4543f14e71" providerId="LiveId" clId="{D25CF079-7669-47F7-A175-CD0DCA990239}" dt="2020-08-05T12:23:42.262" v="5188" actId="1036"/>
+          <ac:picMkLst>
+            <pc:docMk/>
+            <pc:sldMk cId="992557239" sldId="1964"/>
+            <ac:picMk id="3" creationId="{E0B85D4C-3A06-49A2-8181-9C1F6D6F5A58}"/>
+          </ac:picMkLst>
+        </pc:picChg>
+        <pc:picChg chg="add mod">
+          <ac:chgData name="Ofer Zadikario" userId="f36b4b4543f14e71" providerId="LiveId" clId="{D25CF079-7669-47F7-A175-CD0DCA990239}" dt="2020-08-05T12:24:50.270" v="5356" actId="1076"/>
+          <ac:picMkLst>
+            <pc:docMk/>
+            <pc:sldMk cId="992557239" sldId="1964"/>
+            <ac:picMk id="4" creationId="{AA9D5439-983E-4918-A524-DA0ED660D8DC}"/>
+          </ac:picMkLst>
+        </pc:picChg>
+        <pc:picChg chg="del">
+          <ac:chgData name="Ofer Zadikario" userId="f36b4b4543f14e71" providerId="LiveId" clId="{D25CF079-7669-47F7-A175-CD0DCA990239}" dt="2020-08-05T11:21:54.172" v="4870" actId="478"/>
+          <ac:picMkLst>
+            <pc:docMk/>
+            <pc:sldMk cId="992557239" sldId="1964"/>
+            <ac:picMk id="6" creationId="{4EB79074-0324-4F1F-9659-68731EA8ECB0}"/>
+          </ac:picMkLst>
+        </pc:picChg>
+        <pc:picChg chg="del">
+          <ac:chgData name="Ofer Zadikario" userId="f36b4b4543f14e71" providerId="LiveId" clId="{D25CF079-7669-47F7-A175-CD0DCA990239}" dt="2020-08-05T11:21:52.274" v="4869" actId="478"/>
+          <ac:picMkLst>
+            <pc:docMk/>
+            <pc:sldMk cId="992557239" sldId="1964"/>
+            <ac:picMk id="7" creationId="{0F0B81D5-D6F0-442A-AC44-B7CF37F58E35}"/>
+          </ac:picMkLst>
+        </pc:picChg>
+        <pc:picChg chg="del">
+          <ac:chgData name="Ofer Zadikario" userId="f36b4b4543f14e71" providerId="LiveId" clId="{D25CF079-7669-47F7-A175-CD0DCA990239}" dt="2020-08-05T11:21:56.556" v="4871" actId="478"/>
+          <ac:picMkLst>
+            <pc:docMk/>
+            <pc:sldMk cId="992557239" sldId="1964"/>
+            <ac:picMk id="8" creationId="{9324CC16-837C-48F9-81B1-B1A2C6DD8E70}"/>
+          </ac:picMkLst>
+        </pc:picChg>
+        <pc:picChg chg="add mod">
+          <ac:chgData name="Ofer Zadikario" userId="f36b4b4543f14e71" providerId="LiveId" clId="{D25CF079-7669-47F7-A175-CD0DCA990239}" dt="2020-08-05T12:25:56.640" v="5435" actId="1035"/>
+          <ac:picMkLst>
+            <pc:docMk/>
+            <pc:sldMk cId="992557239" sldId="1964"/>
+            <ac:picMk id="9" creationId="{B3C41688-6C65-4C45-AF0C-1588524317C7}"/>
+          </ac:picMkLst>
+        </pc:picChg>
+      </pc:sldChg>
+      <pc:sldChg chg="addSp delSp modSp add mod">
+        <pc:chgData name="Ofer Zadikario" userId="f36b4b4543f14e71" providerId="LiveId" clId="{D25CF079-7669-47F7-A175-CD0DCA990239}" dt="2020-08-05T21:51:40.823" v="5551" actId="1037"/>
+        <pc:sldMkLst>
+          <pc:docMk/>
+          <pc:sldMk cId="752971190" sldId="1965"/>
+        </pc:sldMkLst>
+        <pc:spChg chg="mod">
+          <ac:chgData name="Ofer Zadikario" userId="f36b4b4543f14e71" providerId="LiveId" clId="{D25CF079-7669-47F7-A175-CD0DCA990239}" dt="2020-08-05T21:50:59.315" v="5485" actId="20577"/>
+          <ac:spMkLst>
+            <pc:docMk/>
+            <pc:sldMk cId="752971190" sldId="1965"/>
+            <ac:spMk id="2" creationId="{680F74F8-8D62-4C90-884D-F516BD7B4D11}"/>
+          </ac:spMkLst>
+        </pc:spChg>
+        <pc:picChg chg="add mod">
+          <ac:chgData name="Ofer Zadikario" userId="f36b4b4543f14e71" providerId="LiveId" clId="{D25CF079-7669-47F7-A175-CD0DCA990239}" dt="2020-08-05T21:51:40.823" v="5551" actId="1037"/>
+          <ac:picMkLst>
+            <pc:docMk/>
+            <pc:sldMk cId="752971190" sldId="1965"/>
+            <ac:picMk id="3" creationId="{598858B8-1E69-4545-9FC0-BC5163D7256D}"/>
+          </ac:picMkLst>
+        </pc:picChg>
+        <pc:picChg chg="del">
+          <ac:chgData name="Ofer Zadikario" userId="f36b4b4543f14e71" providerId="LiveId" clId="{D25CF079-7669-47F7-A175-CD0DCA990239}" dt="2020-08-05T21:51:01.655" v="5486" actId="478"/>
+          <ac:picMkLst>
+            <pc:docMk/>
+            <pc:sldMk cId="752971190" sldId="1965"/>
+            <ac:picMk id="4" creationId="{DD67405A-6072-4E1D-B71F-F1EE6C8F67A1}"/>
+          </ac:picMkLst>
+        </pc:picChg>
+      </pc:sldChg>
+      <pc:sldChg chg="addSp delSp modSp add mod">
+        <pc:chgData name="Ofer Zadikario" userId="f36b4b4543f14e71" providerId="LiveId" clId="{D25CF079-7669-47F7-A175-CD0DCA990239}" dt="2020-08-06T07:43:13.559" v="7609" actId="5793"/>
+        <pc:sldMkLst>
+          <pc:docMk/>
+          <pc:sldMk cId="1216390747" sldId="1966"/>
+        </pc:sldMkLst>
+        <pc:spChg chg="mod">
+          <ac:chgData name="Ofer Zadikario" userId="f36b4b4543f14e71" providerId="LiveId" clId="{D25CF079-7669-47F7-A175-CD0DCA990239}" dt="2020-08-05T21:52:14.854" v="5608" actId="20577"/>
+          <ac:spMkLst>
+            <pc:docMk/>
+            <pc:sldMk cId="1216390747" sldId="1966"/>
+            <ac:spMk id="2" creationId="{680F74F8-8D62-4C90-884D-F516BD7B4D11}"/>
+          </ac:spMkLst>
+        </pc:spChg>
+        <pc:spChg chg="add mod">
+          <ac:chgData name="Ofer Zadikario" userId="f36b4b4543f14e71" providerId="LiveId" clId="{D25CF079-7669-47F7-A175-CD0DCA990239}" dt="2020-08-06T07:43:13.559" v="7609" actId="5793"/>
+          <ac:spMkLst>
+            <pc:docMk/>
+            <pc:sldMk cId="1216390747" sldId="1966"/>
+            <ac:spMk id="5" creationId="{3B4BC402-54F3-4D5F-BD4B-CDE6258B47F8}"/>
+          </ac:spMkLst>
+        </pc:spChg>
+        <pc:picChg chg="del">
+          <ac:chgData name="Ofer Zadikario" userId="f36b4b4543f14e71" providerId="LiveId" clId="{D25CF079-7669-47F7-A175-CD0DCA990239}" dt="2020-08-05T21:52:26.893" v="5609" actId="478"/>
+          <ac:picMkLst>
+            <pc:docMk/>
+            <pc:sldMk cId="1216390747" sldId="1966"/>
+            <ac:picMk id="3" creationId="{598858B8-1E69-4545-9FC0-BC5163D7256D}"/>
+          </ac:picMkLst>
+        </pc:picChg>
+      </pc:sldChg>
+      <pc:sldChg chg="modSp add mod ord">
+        <pc:chgData name="Ofer Zadikario" userId="f36b4b4543f14e71" providerId="LiveId" clId="{D25CF079-7669-47F7-A175-CD0DCA990239}" dt="2020-08-06T07:09:25.968" v="6097"/>
+        <pc:sldMkLst>
+          <pc:docMk/>
+          <pc:sldMk cId="2701256735" sldId="1967"/>
+        </pc:sldMkLst>
+        <pc:spChg chg="mod">
+          <ac:chgData name="Ofer Zadikario" userId="f36b4b4543f14e71" providerId="LiveId" clId="{D25CF079-7669-47F7-A175-CD0DCA990239}" dt="2020-08-05T22:06:23.739" v="5709" actId="20577"/>
+          <ac:spMkLst>
+            <pc:docMk/>
+            <pc:sldMk cId="2701256735" sldId="1967"/>
+            <ac:spMk id="2" creationId="{680F74F8-8D62-4C90-884D-F516BD7B4D11}"/>
+          </ac:spMkLst>
+        </pc:spChg>
+        <pc:spChg chg="mod">
+          <ac:chgData name="Ofer Zadikario" userId="f36b4b4543f14e71" providerId="LiveId" clId="{D25CF079-7669-47F7-A175-CD0DCA990239}" dt="2020-08-06T07:09:07.680" v="6095" actId="20577"/>
+          <ac:spMkLst>
+            <pc:docMk/>
+            <pc:sldMk cId="2701256735" sldId="1967"/>
+            <ac:spMk id="5" creationId="{3B4BC402-54F3-4D5F-BD4B-CDE6258B47F8}"/>
+          </ac:spMkLst>
+        </pc:spChg>
+      </pc:sldChg>
+      <pc:sldChg chg="modSp add mod">
+        <pc:chgData name="Ofer Zadikario" userId="f36b4b4543f14e71" providerId="LiveId" clId="{D25CF079-7669-47F7-A175-CD0DCA990239}" dt="2020-08-06T07:42:51.843" v="7605" actId="20577"/>
+        <pc:sldMkLst>
+          <pc:docMk/>
+          <pc:sldMk cId="3523454618" sldId="1968"/>
+        </pc:sldMkLst>
+        <pc:spChg chg="mod">
+          <ac:chgData name="Ofer Zadikario" userId="f36b4b4543f14e71" providerId="LiveId" clId="{D25CF079-7669-47F7-A175-CD0DCA990239}" dt="2020-08-06T07:42:51.843" v="7605" actId="20577"/>
+          <ac:spMkLst>
+            <pc:docMk/>
+            <pc:sldMk cId="3523454618" sldId="1968"/>
+            <ac:spMk id="5" creationId="{3B4BC402-54F3-4D5F-BD4B-CDE6258B47F8}"/>
+          </ac:spMkLst>
+        </pc:spChg>
+      </pc:sldChg>
+      <pc:sldChg chg="modSp add mod">
+        <pc:chgData name="Ofer Zadikario" userId="f36b4b4543f14e71" providerId="LiveId" clId="{D25CF079-7669-47F7-A175-CD0DCA990239}" dt="2020-08-06T07:42:36.852" v="7604" actId="20577"/>
+        <pc:sldMkLst>
+          <pc:docMk/>
+          <pc:sldMk cId="908680033" sldId="1969"/>
+        </pc:sldMkLst>
+        <pc:spChg chg="mod">
+          <ac:chgData name="Ofer Zadikario" userId="f36b4b4543f14e71" providerId="LiveId" clId="{D25CF079-7669-47F7-A175-CD0DCA990239}" dt="2020-08-06T07:42:36.852" v="7604" actId="20577"/>
+          <ac:spMkLst>
+            <pc:docMk/>
+            <pc:sldMk cId="908680033" sldId="1969"/>
+            <ac:spMk id="5" creationId="{3B4BC402-54F3-4D5F-BD4B-CDE6258B47F8}"/>
+          </ac:spMkLst>
+        </pc:spChg>
+      </pc:sldChg>
+    </pc:docChg>
+  </pc:docChgLst>
+  <pc:docChgLst>
+    <pc:chgData name="Ofer Zadikario" userId="f36b4b4543f14e71" providerId="LiveId" clId="{1F85B3E9-3681-46A3-A77E-BAB7914B27A5}"/>
+    <pc:docChg chg="custSel addSld modSld sldOrd modSection">
+      <pc:chgData name="Ofer Zadikario" userId="f36b4b4543f14e71" providerId="LiveId" clId="{1F85B3E9-3681-46A3-A77E-BAB7914B27A5}" dt="2024-04-07T06:03:39.828" v="1910" actId="113"/>
+      <pc:docMkLst>
+        <pc:docMk/>
+      </pc:docMkLst>
+      <pc:sldChg chg="modSp mod">
+        <pc:chgData name="Ofer Zadikario" userId="f36b4b4543f14e71" providerId="LiveId" clId="{1F85B3E9-3681-46A3-A77E-BAB7914B27A5}" dt="2024-04-02T08:48:02.747" v="30" actId="20577"/>
+        <pc:sldMkLst>
+          <pc:docMk/>
+          <pc:sldMk cId="377166578" sldId="1945"/>
+        </pc:sldMkLst>
+        <pc:spChg chg="mod">
+          <ac:chgData name="Ofer Zadikario" userId="f36b4b4543f14e71" providerId="LiveId" clId="{1F85B3E9-3681-46A3-A77E-BAB7914B27A5}" dt="2024-04-02T08:48:02.747" v="30" actId="20577"/>
+          <ac:spMkLst>
+            <pc:docMk/>
+            <pc:sldMk cId="377166578" sldId="1945"/>
+            <ac:spMk id="3" creationId="{EAC9D90D-41ED-7A4E-AF05-87821125D59E}"/>
+          </ac:spMkLst>
+        </pc:spChg>
+      </pc:sldChg>
+      <pc:sldChg chg="mod ord modShow">
+        <pc:chgData name="Ofer Zadikario" userId="f36b4b4543f14e71" providerId="LiveId" clId="{1F85B3E9-3681-46A3-A77E-BAB7914B27A5}" dt="2024-04-02T09:51:53.279" v="1828" actId="729"/>
+        <pc:sldMkLst>
+          <pc:docMk/>
+          <pc:sldMk cId="2039785200" sldId="1979"/>
+        </pc:sldMkLst>
+      </pc:sldChg>
+      <pc:sldChg chg="modSp mod">
+        <pc:chgData name="Ofer Zadikario" userId="f36b4b4543f14e71" providerId="LiveId" clId="{1F85B3E9-3681-46A3-A77E-BAB7914B27A5}" dt="2024-04-07T06:03:39.828" v="1910" actId="113"/>
+        <pc:sldMkLst>
+          <pc:docMk/>
+          <pc:sldMk cId="1279745891" sldId="1980"/>
+        </pc:sldMkLst>
+        <pc:spChg chg="mod">
+          <ac:chgData name="Ofer Zadikario" userId="f36b4b4543f14e71" providerId="LiveId" clId="{1F85B3E9-3681-46A3-A77E-BAB7914B27A5}" dt="2024-04-02T09:31:43.077" v="661" actId="20577"/>
+          <ac:spMkLst>
+            <pc:docMk/>
+            <pc:sldMk cId="1279745891" sldId="1980"/>
+            <ac:spMk id="2" creationId="{00000000-0000-0000-0000-000000000000}"/>
+          </ac:spMkLst>
+        </pc:spChg>
+        <pc:spChg chg="mod">
+          <ac:chgData name="Ofer Zadikario" userId="f36b4b4543f14e71" providerId="LiveId" clId="{1F85B3E9-3681-46A3-A77E-BAB7914B27A5}" dt="2024-04-07T06:03:39.828" v="1910" actId="113"/>
+          <ac:spMkLst>
+            <pc:docMk/>
+            <pc:sldMk cId="1279745891" sldId="1980"/>
+            <ac:spMk id="14" creationId="{00000000-0000-0000-0000-000000000000}"/>
+          </ac:spMkLst>
+        </pc:spChg>
+      </pc:sldChg>
+      <pc:sldChg chg="mod modShow">
+        <pc:chgData name="Ofer Zadikario" userId="f36b4b4543f14e71" providerId="LiveId" clId="{1F85B3E9-3681-46A3-A77E-BAB7914B27A5}" dt="2024-04-02T09:51:53.279" v="1828" actId="729"/>
+        <pc:sldMkLst>
+          <pc:docMk/>
+          <pc:sldMk cId="150318377" sldId="1981"/>
+        </pc:sldMkLst>
+      </pc:sldChg>
+      <pc:sldChg chg="mod modShow">
+        <pc:chgData name="Ofer Zadikario" userId="f36b4b4543f14e71" providerId="LiveId" clId="{1F85B3E9-3681-46A3-A77E-BAB7914B27A5}" dt="2024-04-02T09:51:53.279" v="1828" actId="729"/>
+        <pc:sldMkLst>
+          <pc:docMk/>
+          <pc:sldMk cId="1941660991" sldId="1982"/>
+        </pc:sldMkLst>
+      </pc:sldChg>
+      <pc:sldChg chg="addSp delSp modSp add mod">
+        <pc:chgData name="Ofer Zadikario" userId="f36b4b4543f14e71" providerId="LiveId" clId="{1F85B3E9-3681-46A3-A77E-BAB7914B27A5}" dt="2024-04-02T09:25:55.507" v="496" actId="9405"/>
+        <pc:sldMkLst>
+          <pc:docMk/>
+          <pc:sldMk cId="550718314" sldId="1983"/>
+        </pc:sldMkLst>
+        <pc:spChg chg="mod">
+          <ac:chgData name="Ofer Zadikario" userId="f36b4b4543f14e71" providerId="LiveId" clId="{1F85B3E9-3681-46A3-A77E-BAB7914B27A5}" dt="2024-04-02T09:24:52.558" v="494" actId="20577"/>
+          <ac:spMkLst>
+            <pc:docMk/>
+            <pc:sldMk cId="550718314" sldId="1983"/>
+            <ac:spMk id="2" creationId="{00000000-0000-0000-0000-000000000000}"/>
+          </ac:spMkLst>
+        </pc:spChg>
+        <pc:spChg chg="del">
+          <ac:chgData name="Ofer Zadikario" userId="f36b4b4543f14e71" providerId="LiveId" clId="{1F85B3E9-3681-46A3-A77E-BAB7914B27A5}" dt="2024-04-02T08:49:52.838" v="74" actId="478"/>
+          <ac:spMkLst>
+            <pc:docMk/>
+            <pc:sldMk cId="550718314" sldId="1983"/>
+            <ac:spMk id="14" creationId="{00000000-0000-0000-0000-000000000000}"/>
+          </ac:spMkLst>
+        </pc:spChg>
+        <pc:picChg chg="add mod">
+          <ac:chgData name="Ofer Zadikario" userId="f36b4b4543f14e71" providerId="LiveId" clId="{1F85B3E9-3681-46A3-A77E-BAB7914B27A5}" dt="2024-04-02T09:19:26.519" v="76" actId="1076"/>
+          <ac:picMkLst>
+            <pc:docMk/>
+            <pc:sldMk cId="550718314" sldId="1983"/>
+            <ac:picMk id="4" creationId="{6FA4BC03-4FDB-6CA6-A5AC-B023B3830191}"/>
+          </ac:picMkLst>
+        </pc:picChg>
+        <pc:inkChg chg="add">
+          <ac:chgData name="Ofer Zadikario" userId="f36b4b4543f14e71" providerId="LiveId" clId="{1F85B3E9-3681-46A3-A77E-BAB7914B27A5}" dt="2024-04-02T09:25:48.643" v="495" actId="9405"/>
+          <ac:inkMkLst>
+            <pc:docMk/>
+            <pc:sldMk cId="550718314" sldId="1983"/>
+            <ac:inkMk id="5" creationId="{423D2FE6-11D2-5C9A-1D5C-5E68A423BB2B}"/>
+          </ac:inkMkLst>
+        </pc:inkChg>
+        <pc:inkChg chg="add">
+          <ac:chgData name="Ofer Zadikario" userId="f36b4b4543f14e71" providerId="LiveId" clId="{1F85B3E9-3681-46A3-A77E-BAB7914B27A5}" dt="2024-04-02T09:25:55.507" v="496" actId="9405"/>
+          <ac:inkMkLst>
+            <pc:docMk/>
+            <pc:sldMk cId="550718314" sldId="1983"/>
+            <ac:inkMk id="6" creationId="{DE2DFFB1-F41F-8C5F-1D02-553FDAA45BAF}"/>
+          </ac:inkMkLst>
+        </pc:inkChg>
+      </pc:sldChg>
+      <pc:sldChg chg="addSp delSp modSp add mod ord">
+        <pc:chgData name="Ofer Zadikario" userId="f36b4b4543f14e71" providerId="LiveId" clId="{1F85B3E9-3681-46A3-A77E-BAB7914B27A5}" dt="2024-04-02T09:30:44.622" v="638" actId="20577"/>
+        <pc:sldMkLst>
+          <pc:docMk/>
+          <pc:sldMk cId="1560697618" sldId="1984"/>
+        </pc:sldMkLst>
+        <pc:spChg chg="mod">
+          <ac:chgData name="Ofer Zadikario" userId="f36b4b4543f14e71" providerId="LiveId" clId="{1F85B3E9-3681-46A3-A77E-BAB7914B27A5}" dt="2024-04-02T09:19:59.774" v="116" actId="20577"/>
+          <ac:spMkLst>
+            <pc:docMk/>
+            <pc:sldMk cId="1560697618" sldId="1984"/>
+            <ac:spMk id="2" creationId="{00000000-0000-0000-0000-000000000000}"/>
+          </ac:spMkLst>
+        </pc:spChg>
+        <pc:spChg chg="add mod">
+          <ac:chgData name="Ofer Zadikario" userId="f36b4b4543f14e71" providerId="LiveId" clId="{1F85B3E9-3681-46A3-A77E-BAB7914B27A5}" dt="2024-04-02T09:30:44.622" v="638" actId="20577"/>
+          <ac:spMkLst>
+            <pc:docMk/>
+            <pc:sldMk cId="1560697618" sldId="1984"/>
+            <ac:spMk id="3" creationId="{452A6BD1-C422-931A-117D-D7D62FCEE2CF}"/>
+          </ac:spMkLst>
+        </pc:spChg>
+        <pc:picChg chg="del">
+          <ac:chgData name="Ofer Zadikario" userId="f36b4b4543f14e71" providerId="LiveId" clId="{1F85B3E9-3681-46A3-A77E-BAB7914B27A5}" dt="2024-04-02T09:20:03.172" v="117" actId="478"/>
+          <ac:picMkLst>
+            <pc:docMk/>
+            <pc:sldMk cId="1560697618" sldId="1984"/>
+            <ac:picMk id="4" creationId="{6FA4BC03-4FDB-6CA6-A5AC-B023B3830191}"/>
+          </ac:picMkLst>
+        </pc:picChg>
+        <pc:picChg chg="add mod">
+          <ac:chgData name="Ofer Zadikario" userId="f36b4b4543f14e71" providerId="LiveId" clId="{1F85B3E9-3681-46A3-A77E-BAB7914B27A5}" dt="2024-04-02T09:24:21.284" v="484" actId="1076"/>
+          <ac:picMkLst>
+            <pc:docMk/>
+            <pc:sldMk cId="1560697618" sldId="1984"/>
+            <ac:picMk id="6" creationId="{8C711DD0-651D-84CF-F40C-21FFEEDB95AA}"/>
+          </ac:picMkLst>
+        </pc:picChg>
+      </pc:sldChg>
+      <pc:sldChg chg="addSp delSp modSp add mod">
+        <pc:chgData name="Ofer Zadikario" userId="f36b4b4543f14e71" providerId="LiveId" clId="{1F85B3E9-3681-46A3-A77E-BAB7914B27A5}" dt="2024-04-02T09:47:40.216" v="1348" actId="1076"/>
+        <pc:sldMkLst>
+          <pc:docMk/>
+          <pc:sldMk cId="3497319438" sldId="1985"/>
+        </pc:sldMkLst>
+        <pc:spChg chg="mod">
+          <ac:chgData name="Ofer Zadikario" userId="f36b4b4543f14e71" providerId="LiveId" clId="{1F85B3E9-3681-46A3-A77E-BAB7914B27A5}" dt="2024-04-02T09:26:20.738" v="517" actId="20577"/>
+          <ac:spMkLst>
+            <pc:docMk/>
+            <pc:sldMk cId="3497319438" sldId="1985"/>
+            <ac:spMk id="2" creationId="{00000000-0000-0000-0000-000000000000}"/>
+          </ac:spMkLst>
+        </pc:spChg>
+        <pc:spChg chg="add mod">
+          <ac:chgData name="Ofer Zadikario" userId="f36b4b4543f14e71" providerId="LiveId" clId="{1F85B3E9-3681-46A3-A77E-BAB7914B27A5}" dt="2024-04-02T09:47:40.216" v="1348" actId="1076"/>
+          <ac:spMkLst>
+            <pc:docMk/>
+            <pc:sldMk cId="3497319438" sldId="1985"/>
+            <ac:spMk id="8" creationId="{A45C4027-640E-4BDA-C1ED-E42EC16180CA}"/>
+          </ac:spMkLst>
+        </pc:spChg>
+        <pc:picChg chg="del">
+          <ac:chgData name="Ofer Zadikario" userId="f36b4b4543f14e71" providerId="LiveId" clId="{1F85B3E9-3681-46A3-A77E-BAB7914B27A5}" dt="2024-04-02T09:26:23.423" v="518" actId="478"/>
+          <ac:picMkLst>
+            <pc:docMk/>
+            <pc:sldMk cId="3497319438" sldId="1985"/>
+            <ac:picMk id="4" creationId="{6FA4BC03-4FDB-6CA6-A5AC-B023B3830191}"/>
+          </ac:picMkLst>
+        </pc:picChg>
+        <pc:picChg chg="add del mod">
+          <ac:chgData name="Ofer Zadikario" userId="f36b4b4543f14e71" providerId="LiveId" clId="{1F85B3E9-3681-46A3-A77E-BAB7914B27A5}" dt="2024-04-02T09:47:26.395" v="1345" actId="478"/>
+          <ac:picMkLst>
+            <pc:docMk/>
+            <pc:sldMk cId="3497319438" sldId="1985"/>
+            <ac:picMk id="7" creationId="{27AE4A89-AF37-A3EF-F16F-FE64EE8DEC80}"/>
+          </ac:picMkLst>
+        </pc:picChg>
+        <pc:picChg chg="add ord">
+          <ac:chgData name="Ofer Zadikario" userId="f36b4b4543f14e71" providerId="LiveId" clId="{1F85B3E9-3681-46A3-A77E-BAB7914B27A5}" dt="2024-04-02T09:47:31.445" v="1347" actId="167"/>
+          <ac:picMkLst>
+            <pc:docMk/>
+            <pc:sldMk cId="3497319438" sldId="1985"/>
+            <ac:picMk id="15" creationId="{C547FB7D-0A5C-7DC6-E5CF-1BA5A6131E86}"/>
+          </ac:picMkLst>
+        </pc:picChg>
+        <pc:inkChg chg="del">
+          <ac:chgData name="Ofer Zadikario" userId="f36b4b4543f14e71" providerId="LiveId" clId="{1F85B3E9-3681-46A3-A77E-BAB7914B27A5}" dt="2024-04-02T09:26:25.524" v="519" actId="478"/>
+          <ac:inkMkLst>
+            <pc:docMk/>
+            <pc:sldMk cId="3497319438" sldId="1985"/>
+            <ac:inkMk id="5" creationId="{423D2FE6-11D2-5C9A-1D5C-5E68A423BB2B}"/>
+          </ac:inkMkLst>
+        </pc:inkChg>
+        <pc:inkChg chg="del">
+          <ac:chgData name="Ofer Zadikario" userId="f36b4b4543f14e71" providerId="LiveId" clId="{1F85B3E9-3681-46A3-A77E-BAB7914B27A5}" dt="2024-04-02T09:26:27.755" v="520" actId="478"/>
+          <ac:inkMkLst>
+            <pc:docMk/>
+            <pc:sldMk cId="3497319438" sldId="1985"/>
+            <ac:inkMk id="6" creationId="{DE2DFFB1-F41F-8C5F-1D02-553FDAA45BAF}"/>
+          </ac:inkMkLst>
+        </pc:inkChg>
+        <pc:cxnChg chg="add mod">
+          <ac:chgData name="Ofer Zadikario" userId="f36b4b4543f14e71" providerId="LiveId" clId="{1F85B3E9-3681-46A3-A77E-BAB7914B27A5}" dt="2024-04-02T09:47:40.216" v="1348" actId="1076"/>
+          <ac:cxnSpMkLst>
+            <pc:docMk/>
+            <pc:sldMk cId="3497319438" sldId="1985"/>
+            <ac:cxnSpMk id="10" creationId="{B06EC271-B37B-7CDD-F3C9-6CD87724EBD8}"/>
+          </ac:cxnSpMkLst>
+        </pc:cxnChg>
+        <pc:cxnChg chg="add mod">
+          <ac:chgData name="Ofer Zadikario" userId="f36b4b4543f14e71" providerId="LiveId" clId="{1F85B3E9-3681-46A3-A77E-BAB7914B27A5}" dt="2024-04-02T09:47:40.216" v="1348" actId="1076"/>
+          <ac:cxnSpMkLst>
+            <pc:docMk/>
+            <pc:sldMk cId="3497319438" sldId="1985"/>
+            <ac:cxnSpMk id="12" creationId="{0ACC72E5-94EC-55BD-8F31-B6F2ABE5F58C}"/>
+          </ac:cxnSpMkLst>
+        </pc:cxnChg>
+      </pc:sldChg>
+      <pc:sldChg chg="add mod modShow">
+        <pc:chgData name="Ofer Zadikario" userId="f36b4b4543f14e71" providerId="LiveId" clId="{1F85B3E9-3681-46A3-A77E-BAB7914B27A5}" dt="2024-04-02T09:51:42.213" v="1827" actId="729"/>
+        <pc:sldMkLst>
+          <pc:docMk/>
+          <pc:sldMk cId="2386915115" sldId="1986"/>
+        </pc:sldMkLst>
+      </pc:sldChg>
+    </pc:docChg>
+  </pc:docChgLst>
+  <pc:docChgLst>
+    <pc:chgData name="Ofer Zadikario" userId="f36b4b4543f14e71" providerId="LiveId" clId="{1DF6B681-7612-4A94-98A4-480CACCF0D73}"/>
+    <pc:docChg chg="undo custSel addSld delSld modSld modSection">
+      <pc:chgData name="Ofer Zadikario" userId="f36b4b4543f14e71" providerId="LiveId" clId="{1DF6B681-7612-4A94-98A4-480CACCF0D73}" dt="2024-04-07T13:41:51.397" v="2098" actId="20577"/>
+      <pc:docMkLst>
+        <pc:docMk/>
+      </pc:docMkLst>
+      <pc:sldChg chg="del">
+        <pc:chgData name="Ofer Zadikario" userId="f36b4b4543f14e71" providerId="LiveId" clId="{1DF6B681-7612-4A94-98A4-480CACCF0D73}" dt="2024-04-07T12:31:40.048" v="15" actId="47"/>
+        <pc:sldMkLst>
+          <pc:docMk/>
+          <pc:sldMk cId="3676793758" sldId="294"/>
+        </pc:sldMkLst>
+      </pc:sldChg>
+      <pc:sldChg chg="del">
+        <pc:chgData name="Ofer Zadikario" userId="f36b4b4543f14e71" providerId="LiveId" clId="{1DF6B681-7612-4A94-98A4-480CACCF0D73}" dt="2024-04-07T12:31:41.792" v="16" actId="47"/>
+        <pc:sldMkLst>
+          <pc:docMk/>
+          <pc:sldMk cId="1916808491" sldId="333"/>
+        </pc:sldMkLst>
+      </pc:sldChg>
+      <pc:sldChg chg="modSp mod">
+        <pc:chgData name="Ofer Zadikario" userId="f36b4b4543f14e71" providerId="LiveId" clId="{1DF6B681-7612-4A94-98A4-480CACCF0D73}" dt="2024-04-07T12:31:32.453" v="14" actId="20577"/>
+        <pc:sldMkLst>
+          <pc:docMk/>
+          <pc:sldMk cId="377166578" sldId="1945"/>
+        </pc:sldMkLst>
+        <pc:spChg chg="mod">
+          <ac:chgData name="Ofer Zadikario" userId="f36b4b4543f14e71" providerId="LiveId" clId="{1DF6B681-7612-4A94-98A4-480CACCF0D73}" dt="2024-04-07T12:31:32.453" v="14" actId="20577"/>
+          <ac:spMkLst>
+            <pc:docMk/>
+            <pc:sldMk cId="377166578" sldId="1945"/>
+            <ac:spMk id="3" creationId="{EAC9D90D-41ED-7A4E-AF05-87821125D59E}"/>
+          </ac:spMkLst>
+        </pc:spChg>
+      </pc:sldChg>
+      <pc:sldChg chg="del">
+        <pc:chgData name="Ofer Zadikario" userId="f36b4b4543f14e71" providerId="LiveId" clId="{1DF6B681-7612-4A94-98A4-480CACCF0D73}" dt="2024-04-07T12:35:16.801" v="86" actId="47"/>
+        <pc:sldMkLst>
+          <pc:docMk/>
+          <pc:sldMk cId="740251951" sldId="1951"/>
+        </pc:sldMkLst>
+      </pc:sldChg>
+      <pc:sldChg chg="del">
+        <pc:chgData name="Ofer Zadikario" userId="f36b4b4543f14e71" providerId="LiveId" clId="{1DF6B681-7612-4A94-98A4-480CACCF0D73}" dt="2024-04-07T12:35:24.883" v="88" actId="47"/>
+        <pc:sldMkLst>
+          <pc:docMk/>
+          <pc:sldMk cId="580161270" sldId="1970"/>
+        </pc:sldMkLst>
+      </pc:sldChg>
+      <pc:sldChg chg="del">
+        <pc:chgData name="Ofer Zadikario" userId="f36b4b4543f14e71" providerId="LiveId" clId="{1DF6B681-7612-4A94-98A4-480CACCF0D73}" dt="2024-04-07T12:35:23.351" v="87" actId="47"/>
+        <pc:sldMkLst>
+          <pc:docMk/>
+          <pc:sldMk cId="771297805" sldId="1977"/>
+        </pc:sldMkLst>
+      </pc:sldChg>
+      <pc:sldChg chg="del">
+        <pc:chgData name="Ofer Zadikario" userId="f36b4b4543f14e71" providerId="LiveId" clId="{1DF6B681-7612-4A94-98A4-480CACCF0D73}" dt="2024-04-07T13:14:38.216" v="1964" actId="47"/>
+        <pc:sldMkLst>
+          <pc:docMk/>
+          <pc:sldMk cId="2039785200" sldId="1979"/>
+        </pc:sldMkLst>
+      </pc:sldChg>
+      <pc:sldChg chg="addSp modSp mod">
+        <pc:chgData name="Ofer Zadikario" userId="f36b4b4543f14e71" providerId="LiveId" clId="{1DF6B681-7612-4A94-98A4-480CACCF0D73}" dt="2024-04-07T13:05:42.901" v="1265" actId="1076"/>
+        <pc:sldMkLst>
+          <pc:docMk/>
+          <pc:sldMk cId="1279745891" sldId="1980"/>
+        </pc:sldMkLst>
+        <pc:spChg chg="mod">
+          <ac:chgData name="Ofer Zadikario" userId="f36b4b4543f14e71" providerId="LiveId" clId="{1DF6B681-7612-4A94-98A4-480CACCF0D73}" dt="2024-04-07T13:00:42.179" v="1037" actId="20577"/>
+          <ac:spMkLst>
+            <pc:docMk/>
+            <pc:sldMk cId="1279745891" sldId="1980"/>
+            <ac:spMk id="2" creationId="{00000000-0000-0000-0000-000000000000}"/>
+          </ac:spMkLst>
+        </pc:spChg>
+        <pc:spChg chg="add mod">
+          <ac:chgData name="Ofer Zadikario" userId="f36b4b4543f14e71" providerId="LiveId" clId="{1DF6B681-7612-4A94-98A4-480CACCF0D73}" dt="2024-04-07T13:05:42.901" v="1265" actId="1076"/>
+          <ac:spMkLst>
+            <pc:docMk/>
+            <pc:sldMk cId="1279745891" sldId="1980"/>
+            <ac:spMk id="9" creationId="{86804593-7642-5CF5-4D70-1B982A58E386}"/>
+          </ac:spMkLst>
+        </pc:spChg>
+        <pc:spChg chg="mod">
+          <ac:chgData name="Ofer Zadikario" userId="f36b4b4543f14e71" providerId="LiveId" clId="{1DF6B681-7612-4A94-98A4-480CACCF0D73}" dt="2024-04-07T13:04:14.382" v="1247" actId="20577"/>
+          <ac:spMkLst>
+            <pc:docMk/>
+            <pc:sldMk cId="1279745891" sldId="1980"/>
+            <ac:spMk id="14" creationId="{00000000-0000-0000-0000-000000000000}"/>
+          </ac:spMkLst>
+        </pc:spChg>
+        <pc:picChg chg="add mod">
+          <ac:chgData name="Ofer Zadikario" userId="f36b4b4543f14e71" providerId="LiveId" clId="{1DF6B681-7612-4A94-98A4-480CACCF0D73}" dt="2024-04-07T13:03:12.056" v="1233" actId="1076"/>
+          <ac:picMkLst>
+            <pc:docMk/>
+            <pc:sldMk cId="1279745891" sldId="1980"/>
+            <ac:picMk id="4" creationId="{DAEC3767-2241-9308-1D14-074DDAB31CDE}"/>
+          </ac:picMkLst>
+        </pc:picChg>
+        <pc:picChg chg="add mod">
+          <ac:chgData name="Ofer Zadikario" userId="f36b4b4543f14e71" providerId="LiveId" clId="{1DF6B681-7612-4A94-98A4-480CACCF0D73}" dt="2024-04-07T13:04:04.581" v="1236" actId="14100"/>
+          <ac:picMkLst>
+            <pc:docMk/>
+            <pc:sldMk cId="1279745891" sldId="1980"/>
+            <ac:picMk id="6" creationId="{B56C7B47-7D46-EDD7-5C5F-FE895A4A41EB}"/>
+          </ac:picMkLst>
+        </pc:picChg>
+        <pc:cxnChg chg="add mod">
+          <ac:chgData name="Ofer Zadikario" userId="f36b4b4543f14e71" providerId="LiveId" clId="{1DF6B681-7612-4A94-98A4-480CACCF0D73}" dt="2024-04-07T13:05:15.176" v="1259" actId="692"/>
+          <ac:cxnSpMkLst>
+            <pc:docMk/>
+            <pc:sldMk cId="1279745891" sldId="1980"/>
+            <ac:cxnSpMk id="8" creationId="{6B604D6F-6E0D-AD8A-FA44-8F31D772762A}"/>
+          </ac:cxnSpMkLst>
+        </pc:cxnChg>
+      </pc:sldChg>
+      <pc:sldChg chg="del">
+        <pc:chgData name="Ofer Zadikario" userId="f36b4b4543f14e71" providerId="LiveId" clId="{1DF6B681-7612-4A94-98A4-480CACCF0D73}" dt="2024-04-07T13:14:38.216" v="1964" actId="47"/>
+        <pc:sldMkLst>
+          <pc:docMk/>
+          <pc:sldMk cId="150318377" sldId="1981"/>
+        </pc:sldMkLst>
+      </pc:sldChg>
+      <pc:sldChg chg="del">
+        <pc:chgData name="Ofer Zadikario" userId="f36b4b4543f14e71" providerId="LiveId" clId="{1DF6B681-7612-4A94-98A4-480CACCF0D73}" dt="2024-04-07T13:14:38.216" v="1964" actId="47"/>
+        <pc:sldMkLst>
+          <pc:docMk/>
+          <pc:sldMk cId="1941660991" sldId="1982"/>
+        </pc:sldMkLst>
+      </pc:sldChg>
+      <pc:sldChg chg="addSp delSp modSp mod">
+        <pc:chgData name="Ofer Zadikario" userId="f36b4b4543f14e71" providerId="LiveId" clId="{1DF6B681-7612-4A94-98A4-480CACCF0D73}" dt="2024-04-07T12:46:04.299" v="720" actId="9405"/>
+        <pc:sldMkLst>
+          <pc:docMk/>
+          <pc:sldMk cId="550718314" sldId="1983"/>
+        </pc:sldMkLst>
+        <pc:spChg chg="mod">
+          <ac:chgData name="Ofer Zadikario" userId="f36b4b4543f14e71" providerId="LiveId" clId="{1DF6B681-7612-4A94-98A4-480CACCF0D73}" dt="2024-04-07T12:43:57.607" v="709" actId="20577"/>
+          <ac:spMkLst>
+            <pc:docMk/>
+            <pc:sldMk cId="550718314" sldId="1983"/>
+            <ac:spMk id="2" creationId="{00000000-0000-0000-0000-000000000000}"/>
+          </ac:spMkLst>
+        </pc:spChg>
+        <pc:picChg chg="del">
+          <ac:chgData name="Ofer Zadikario" userId="f36b4b4543f14e71" providerId="LiveId" clId="{1DF6B681-7612-4A94-98A4-480CACCF0D73}" dt="2024-04-07T12:44:00.832" v="710" actId="478"/>
+          <ac:picMkLst>
+            <pc:docMk/>
+            <pc:sldMk cId="550718314" sldId="1983"/>
+            <ac:picMk id="4" creationId="{6FA4BC03-4FDB-6CA6-A5AC-B023B3830191}"/>
+          </ac:picMkLst>
+        </pc:picChg>
+        <pc:picChg chg="add">
+          <ac:chgData name="Ofer Zadikario" userId="f36b4b4543f14e71" providerId="LiveId" clId="{1DF6B681-7612-4A94-98A4-480CACCF0D73}" dt="2024-04-07T12:45:04.070" v="713" actId="22"/>
+          <ac:picMkLst>
+            <pc:docMk/>
+            <pc:sldMk cId="550718314" sldId="1983"/>
+            <ac:picMk id="7" creationId="{19B26778-1408-61E4-E80B-A86D6B1F28A6}"/>
+          </ac:picMkLst>
+        </pc:picChg>
+        <pc:inkChg chg="del">
+          <ac:chgData name="Ofer Zadikario" userId="f36b4b4543f14e71" providerId="LiveId" clId="{1DF6B681-7612-4A94-98A4-480CACCF0D73}" dt="2024-04-07T12:45:01.202" v="711" actId="478"/>
+          <ac:inkMkLst>
+            <pc:docMk/>
+            <pc:sldMk cId="550718314" sldId="1983"/>
+            <ac:inkMk id="5" creationId="{423D2FE6-11D2-5C9A-1D5C-5E68A423BB2B}"/>
+          </ac:inkMkLst>
+        </pc:inkChg>
+        <pc:inkChg chg="del">
+          <ac:chgData name="Ofer Zadikario" userId="f36b4b4543f14e71" providerId="LiveId" clId="{1DF6B681-7612-4A94-98A4-480CACCF0D73}" dt="2024-04-07T12:45:03.120" v="712" actId="478"/>
+          <ac:inkMkLst>
+            <pc:docMk/>
+            <pc:sldMk cId="550718314" sldId="1983"/>
+            <ac:inkMk id="6" creationId="{DE2DFFB1-F41F-8C5F-1D02-553FDAA45BAF}"/>
+          </ac:inkMkLst>
+        </pc:inkChg>
+        <pc:inkChg chg="add">
+          <ac:chgData name="Ofer Zadikario" userId="f36b4b4543f14e71" providerId="LiveId" clId="{1DF6B681-7612-4A94-98A4-480CACCF0D73}" dt="2024-04-07T12:45:14.722" v="714" actId="9405"/>
+          <ac:inkMkLst>
+            <pc:docMk/>
+            <pc:sldMk cId="550718314" sldId="1983"/>
+            <ac:inkMk id="8" creationId="{69F1FFEE-69C3-BBD0-872C-7DCFDF5EFD66}"/>
+          </ac:inkMkLst>
+        </pc:inkChg>
+        <pc:inkChg chg="add del">
+          <ac:chgData name="Ofer Zadikario" userId="f36b4b4543f14e71" providerId="LiveId" clId="{1DF6B681-7612-4A94-98A4-480CACCF0D73}" dt="2024-04-07T12:45:29.842" v="716" actId="9405"/>
+          <ac:inkMkLst>
+            <pc:docMk/>
+            <pc:sldMk cId="550718314" sldId="1983"/>
+            <ac:inkMk id="9" creationId="{3942956E-0C30-9AAF-DB5B-752DB2D16906}"/>
+          </ac:inkMkLst>
+        </pc:inkChg>
+        <pc:inkChg chg="add">
+          <ac:chgData name="Ofer Zadikario" userId="f36b4b4543f14e71" providerId="LiveId" clId="{1DF6B681-7612-4A94-98A4-480CACCF0D73}" dt="2024-04-07T12:45:38.151" v="717" actId="9405"/>
+          <ac:inkMkLst>
+            <pc:docMk/>
+            <pc:sldMk cId="550718314" sldId="1983"/>
+            <ac:inkMk id="10" creationId="{E34FCB8B-6150-8FCD-AB2B-2A72716926C2}"/>
+          </ac:inkMkLst>
+        </pc:inkChg>
+        <pc:inkChg chg="add">
+          <ac:chgData name="Ofer Zadikario" userId="f36b4b4543f14e71" providerId="LiveId" clId="{1DF6B681-7612-4A94-98A4-480CACCF0D73}" dt="2024-04-07T12:45:49.494" v="718" actId="9405"/>
+          <ac:inkMkLst>
+            <pc:docMk/>
+            <pc:sldMk cId="550718314" sldId="1983"/>
+            <ac:inkMk id="11" creationId="{A86044B2-F6A6-6487-716F-3BF32E98EF55}"/>
+          </ac:inkMkLst>
+        </pc:inkChg>
+        <pc:inkChg chg="add">
+          <ac:chgData name="Ofer Zadikario" userId="f36b4b4543f14e71" providerId="LiveId" clId="{1DF6B681-7612-4A94-98A4-480CACCF0D73}" dt="2024-04-07T12:46:00.991" v="719" actId="9405"/>
+          <ac:inkMkLst>
+            <pc:docMk/>
+            <pc:sldMk cId="550718314" sldId="1983"/>
+            <ac:inkMk id="12" creationId="{56EBC4B2-65B0-D059-62BA-E78DDE839EC4}"/>
+          </ac:inkMkLst>
+        </pc:inkChg>
+        <pc:inkChg chg="add">
+          <ac:chgData name="Ofer Zadikario" userId="f36b4b4543f14e71" providerId="LiveId" clId="{1DF6B681-7612-4A94-98A4-480CACCF0D73}" dt="2024-04-07T12:46:04.299" v="720" actId="9405"/>
+          <ac:inkMkLst>
+            <pc:docMk/>
+            <pc:sldMk cId="550718314" sldId="1983"/>
+            <ac:inkMk id="13" creationId="{969D2D6E-B98B-6B0A-5DEA-E064D6D13C5E}"/>
+          </ac:inkMkLst>
+        </pc:inkChg>
+      </pc:sldChg>
+      <pc:sldChg chg="addSp delSp modSp mod">
+        <pc:chgData name="Ofer Zadikario" userId="f36b4b4543f14e71" providerId="LiveId" clId="{1DF6B681-7612-4A94-98A4-480CACCF0D73}" dt="2024-04-07T12:43:20.651" v="693" actId="20577"/>
+        <pc:sldMkLst>
+          <pc:docMk/>
+          <pc:sldMk cId="1560697618" sldId="1984"/>
+        </pc:sldMkLst>
+        <pc:spChg chg="mod">
+          <ac:chgData name="Ofer Zadikario" userId="f36b4b4543f14e71" providerId="LiveId" clId="{1DF6B681-7612-4A94-98A4-480CACCF0D73}" dt="2024-04-07T12:36:41.271" v="127" actId="20577"/>
+          <ac:spMkLst>
+            <pc:docMk/>
+            <pc:sldMk cId="1560697618" sldId="1984"/>
+            <ac:spMk id="2" creationId="{00000000-0000-0000-0000-000000000000}"/>
+          </ac:spMkLst>
+        </pc:spChg>
+        <pc:spChg chg="mod">
+          <ac:chgData name="Ofer Zadikario" userId="f36b4b4543f14e71" providerId="LiveId" clId="{1DF6B681-7612-4A94-98A4-480CACCF0D73}" dt="2024-04-07T12:43:20.651" v="693" actId="20577"/>
+          <ac:spMkLst>
+            <pc:docMk/>
+            <pc:sldMk cId="1560697618" sldId="1984"/>
+            <ac:spMk id="3" creationId="{452A6BD1-C422-931A-117D-D7D62FCEE2CF}"/>
+          </ac:spMkLst>
+        </pc:spChg>
+        <pc:picChg chg="add mod">
+          <ac:chgData name="Ofer Zadikario" userId="f36b4b4543f14e71" providerId="LiveId" clId="{1DF6B681-7612-4A94-98A4-480CACCF0D73}" dt="2024-04-07T12:36:26.531" v="110" actId="1076"/>
+          <ac:picMkLst>
+            <pc:docMk/>
+            <pc:sldMk cId="1560697618" sldId="1984"/>
+            <ac:picMk id="5" creationId="{99B2A643-8C5B-3E8D-A7DE-BCB8B7821EDE}"/>
+          </ac:picMkLst>
+        </pc:picChg>
+        <pc:picChg chg="del">
+          <ac:chgData name="Ofer Zadikario" userId="f36b4b4543f14e71" providerId="LiveId" clId="{1DF6B681-7612-4A94-98A4-480CACCF0D73}" dt="2024-04-07T12:35:58.299" v="108" actId="478"/>
+          <ac:picMkLst>
+            <pc:docMk/>
+            <pc:sldMk cId="1560697618" sldId="1984"/>
+            <ac:picMk id="6" creationId="{8C711DD0-651D-84CF-F40C-21FFEEDB95AA}"/>
+          </ac:picMkLst>
+        </pc:picChg>
+      </pc:sldChg>
+      <pc:sldChg chg="addSp delSp modSp mod">
+        <pc:chgData name="Ofer Zadikario" userId="f36b4b4543f14e71" providerId="LiveId" clId="{1DF6B681-7612-4A94-98A4-480CACCF0D73}" dt="2024-04-07T12:48:53.231" v="773" actId="9405"/>
+        <pc:sldMkLst>
+          <pc:docMk/>
+          <pc:sldMk cId="3497319438" sldId="1985"/>
+        </pc:sldMkLst>
+        <pc:spChg chg="mod">
+          <ac:chgData name="Ofer Zadikario" userId="f36b4b4543f14e71" providerId="LiveId" clId="{1DF6B681-7612-4A94-98A4-480CACCF0D73}" dt="2024-04-07T12:46:57.055" v="766" actId="20577"/>
+          <ac:spMkLst>
+            <pc:docMk/>
+            <pc:sldMk cId="3497319438" sldId="1985"/>
+            <ac:spMk id="2" creationId="{00000000-0000-0000-0000-000000000000}"/>
+          </ac:spMkLst>
+        </pc:spChg>
+        <pc:spChg chg="del">
+          <ac:chgData name="Ofer Zadikario" userId="f36b4b4543f14e71" providerId="LiveId" clId="{1DF6B681-7612-4A94-98A4-480CACCF0D73}" dt="2024-04-07T12:46:50.918" v="755" actId="478"/>
+          <ac:spMkLst>
+            <pc:docMk/>
+            <pc:sldMk cId="3497319438" sldId="1985"/>
+            <ac:spMk id="8" creationId="{A45C4027-640E-4BDA-C1ED-E42EC16180CA}"/>
+          </ac:spMkLst>
+        </pc:spChg>
+        <pc:picChg chg="add mod">
+          <ac:chgData name="Ofer Zadikario" userId="f36b4b4543f14e71" providerId="LiveId" clId="{1DF6B681-7612-4A94-98A4-480CACCF0D73}" dt="2024-04-07T12:47:34.228" v="768" actId="14100"/>
+          <ac:picMkLst>
+            <pc:docMk/>
+            <pc:sldMk cId="3497319438" sldId="1985"/>
+            <ac:picMk id="4" creationId="{1CA0BC7D-1C82-2872-B352-5374CCFB2CDA}"/>
+          </ac:picMkLst>
+        </pc:picChg>
+        <pc:picChg chg="del">
+          <ac:chgData name="Ofer Zadikario" userId="f36b4b4543f14e71" providerId="LiveId" clId="{1DF6B681-7612-4A94-98A4-480CACCF0D73}" dt="2024-04-07T12:46:46.636" v="754" actId="478"/>
+          <ac:picMkLst>
+            <pc:docMk/>
+            <pc:sldMk cId="3497319438" sldId="1985"/>
+            <ac:picMk id="15" creationId="{C547FB7D-0A5C-7DC6-E5CF-1BA5A6131E86}"/>
+          </ac:picMkLst>
+        </pc:picChg>
+        <pc:inkChg chg="add">
+          <ac:chgData name="Ofer Zadikario" userId="f36b4b4543f14e71" providerId="LiveId" clId="{1DF6B681-7612-4A94-98A4-480CACCF0D73}" dt="2024-04-07T12:47:56.414" v="769" actId="9405"/>
+          <ac:inkMkLst>
+            <pc:docMk/>
+            <pc:sldMk cId="3497319438" sldId="1985"/>
+            <ac:inkMk id="5" creationId="{BB83A6C0-057A-DDED-975E-0DAA94C4819F}"/>
+          </ac:inkMkLst>
+        </pc:inkChg>
+        <pc:inkChg chg="add">
+          <ac:chgData name="Ofer Zadikario" userId="f36b4b4543f14e71" providerId="LiveId" clId="{1DF6B681-7612-4A94-98A4-480CACCF0D73}" dt="2024-04-07T12:48:31.138" v="770" actId="9405"/>
+          <ac:inkMkLst>
+            <pc:docMk/>
+            <pc:sldMk cId="3497319438" sldId="1985"/>
+            <ac:inkMk id="6" creationId="{E6F68E65-BAE5-DE54-86D8-72B6086DFB57}"/>
+          </ac:inkMkLst>
+        </pc:inkChg>
+        <pc:inkChg chg="add">
+          <ac:chgData name="Ofer Zadikario" userId="f36b4b4543f14e71" providerId="LiveId" clId="{1DF6B681-7612-4A94-98A4-480CACCF0D73}" dt="2024-04-07T12:48:42.994" v="771" actId="9405"/>
+          <ac:inkMkLst>
+            <pc:docMk/>
+            <pc:sldMk cId="3497319438" sldId="1985"/>
+            <ac:inkMk id="7" creationId="{B0A8E405-BD8E-8024-B3F4-A981B9A350B6}"/>
+          </ac:inkMkLst>
+        </pc:inkChg>
+        <pc:inkChg chg="add">
+          <ac:chgData name="Ofer Zadikario" userId="f36b4b4543f14e71" providerId="LiveId" clId="{1DF6B681-7612-4A94-98A4-480CACCF0D73}" dt="2024-04-07T12:48:46.892" v="772" actId="9405"/>
+          <ac:inkMkLst>
+            <pc:docMk/>
+            <pc:sldMk cId="3497319438" sldId="1985"/>
+            <ac:inkMk id="9" creationId="{2580520C-0FF8-408F-F818-0FB7DCE839CA}"/>
+          </ac:inkMkLst>
+        </pc:inkChg>
+        <pc:inkChg chg="add">
+          <ac:chgData name="Ofer Zadikario" userId="f36b4b4543f14e71" providerId="LiveId" clId="{1DF6B681-7612-4A94-98A4-480CACCF0D73}" dt="2024-04-07T12:48:53.231" v="773" actId="9405"/>
+          <ac:inkMkLst>
+            <pc:docMk/>
+            <pc:sldMk cId="3497319438" sldId="1985"/>
+            <ac:inkMk id="11" creationId="{0B19D5F7-E4FA-5AB1-DB2A-EFAF01097D7E}"/>
+          </ac:inkMkLst>
+        </pc:inkChg>
+        <pc:cxnChg chg="del">
+          <ac:chgData name="Ofer Zadikario" userId="f36b4b4543f14e71" providerId="LiveId" clId="{1DF6B681-7612-4A94-98A4-480CACCF0D73}" dt="2024-04-07T12:46:50.918" v="755" actId="478"/>
+          <ac:cxnSpMkLst>
+            <pc:docMk/>
+            <pc:sldMk cId="3497319438" sldId="1985"/>
+            <ac:cxnSpMk id="10" creationId="{B06EC271-B37B-7CDD-F3C9-6CD87724EBD8}"/>
+          </ac:cxnSpMkLst>
+        </pc:cxnChg>
+        <pc:cxnChg chg="del mod">
+          <ac:chgData name="Ofer Zadikario" userId="f36b4b4543f14e71" providerId="LiveId" clId="{1DF6B681-7612-4A94-98A4-480CACCF0D73}" dt="2024-04-07T12:46:50.918" v="755" actId="478"/>
+          <ac:cxnSpMkLst>
+            <pc:docMk/>
+            <pc:sldMk cId="3497319438" sldId="1985"/>
+            <ac:cxnSpMk id="12" creationId="{0ACC72E5-94EC-55BD-8F31-B6F2ABE5F58C}"/>
+          </ac:cxnSpMkLst>
+        </pc:cxnChg>
+      </pc:sldChg>
+      <pc:sldChg chg="del">
+        <pc:chgData name="Ofer Zadikario" userId="f36b4b4543f14e71" providerId="LiveId" clId="{1DF6B681-7612-4A94-98A4-480CACCF0D73}" dt="2024-04-07T13:14:38.216" v="1964" actId="47"/>
+        <pc:sldMkLst>
+          <pc:docMk/>
+          <pc:sldMk cId="2386915115" sldId="1986"/>
+        </pc:sldMkLst>
+      </pc:sldChg>
+      <pc:sldChg chg="delSp modSp add mod delAnim">
+        <pc:chgData name="Ofer Zadikario" userId="f36b4b4543f14e71" providerId="LiveId" clId="{1DF6B681-7612-4A94-98A4-480CACCF0D73}" dt="2024-04-07T12:35:05.488" v="85" actId="478"/>
+        <pc:sldMkLst>
+          <pc:docMk/>
+          <pc:sldMk cId="2527822806" sldId="1987"/>
+        </pc:sldMkLst>
+        <pc:spChg chg="mod">
+          <ac:chgData name="Ofer Zadikario" userId="f36b4b4543f14e71" providerId="LiveId" clId="{1DF6B681-7612-4A94-98A4-480CACCF0D73}" dt="2024-04-07T12:33:50.656" v="57" actId="20577"/>
+          <ac:spMkLst>
+            <pc:docMk/>
+            <pc:sldMk cId="2527822806" sldId="1987"/>
+            <ac:spMk id="2" creationId="{32394582-6FA3-4562-B7EC-51A65D326FFF}"/>
+          </ac:spMkLst>
+        </pc:spChg>
+        <pc:spChg chg="del">
+          <ac:chgData name="Ofer Zadikario" userId="f36b4b4543f14e71" providerId="LiveId" clId="{1DF6B681-7612-4A94-98A4-480CACCF0D73}" dt="2024-04-07T12:34:25.257" v="61" actId="478"/>
+          <ac:spMkLst>
+            <pc:docMk/>
+            <pc:sldMk cId="2527822806" sldId="1987"/>
+            <ac:spMk id="3" creationId="{381AC275-8FC3-48A2-8A6E-30F17389BDB4}"/>
+          </ac:spMkLst>
+        </pc:spChg>
+        <pc:spChg chg="mod">
+          <ac:chgData name="Ofer Zadikario" userId="f36b4b4543f14e71" providerId="LiveId" clId="{1DF6B681-7612-4A94-98A4-480CACCF0D73}" dt="2024-04-07T12:34:33.004" v="82" actId="1036"/>
+          <ac:spMkLst>
+            <pc:docMk/>
+            <pc:sldMk cId="2527822806" sldId="1987"/>
+            <ac:spMk id="4" creationId="{6B396C3F-5A8C-4271-8EB8-72F2913B37E4}"/>
+          </ac:spMkLst>
+        </pc:spChg>
+        <pc:picChg chg="mod">
+          <ac:chgData name="Ofer Zadikario" userId="f36b4b4543f14e71" providerId="LiveId" clId="{1DF6B681-7612-4A94-98A4-480CACCF0D73}" dt="2024-04-07T12:34:33.004" v="82" actId="1036"/>
+          <ac:picMkLst>
+            <pc:docMk/>
+            <pc:sldMk cId="2527822806" sldId="1987"/>
+            <ac:picMk id="37" creationId="{C55DA5BA-39A9-4853-9519-8D67FA3797C9}"/>
+          </ac:picMkLst>
+        </pc:picChg>
+        <pc:picChg chg="del mod">
+          <ac:chgData name="Ofer Zadikario" userId="f36b4b4543f14e71" providerId="LiveId" clId="{1DF6B681-7612-4A94-98A4-480CACCF0D73}" dt="2024-04-07T12:35:00.762" v="83" actId="478"/>
+          <ac:picMkLst>
+            <pc:docMk/>
+            <pc:sldMk cId="2527822806" sldId="1987"/>
+            <ac:picMk id="38" creationId="{C1C1676F-E1DE-4EF4-B1B9-3C344B36AFF4}"/>
+          </ac:picMkLst>
+        </pc:picChg>
+        <pc:picChg chg="del mod">
+          <ac:chgData name="Ofer Zadikario" userId="f36b4b4543f14e71" providerId="LiveId" clId="{1DF6B681-7612-4A94-98A4-480CACCF0D73}" dt="2024-04-07T12:35:02.674" v="84" actId="478"/>
+          <ac:picMkLst>
+            <pc:docMk/>
+            <pc:sldMk cId="2527822806" sldId="1987"/>
+            <ac:picMk id="39" creationId="{9B50007E-DCFC-4D2C-9BEB-97E47EA07F17}"/>
+          </ac:picMkLst>
+        </pc:picChg>
+        <pc:picChg chg="del mod">
+          <ac:chgData name="Ofer Zadikario" userId="f36b4b4543f14e71" providerId="LiveId" clId="{1DF6B681-7612-4A94-98A4-480CACCF0D73}" dt="2024-04-07T12:35:05.488" v="85" actId="478"/>
+          <ac:picMkLst>
+            <pc:docMk/>
+            <pc:sldMk cId="2527822806" sldId="1987"/>
+            <ac:picMk id="40" creationId="{98C63CD0-935F-4ACB-8CB6-EA346124C443}"/>
+          </ac:picMkLst>
+        </pc:picChg>
+      </pc:sldChg>
+      <pc:sldChg chg="addSp delSp modSp add mod">
+        <pc:chgData name="Ofer Zadikario" userId="f36b4b4543f14e71" providerId="LiveId" clId="{1DF6B681-7612-4A94-98A4-480CACCF0D73}" dt="2024-04-07T12:50:27.014" v="787" actId="9405"/>
+        <pc:sldMkLst>
+          <pc:docMk/>
+          <pc:sldMk cId="3931364593" sldId="1988"/>
+        </pc:sldMkLst>
+        <pc:spChg chg="mod">
+          <ac:chgData name="Ofer Zadikario" userId="f36b4b4543f14e71" providerId="LiveId" clId="{1DF6B681-7612-4A94-98A4-480CACCF0D73}" dt="2024-04-07T12:49:18.259" v="777" actId="20577"/>
+          <ac:spMkLst>
+            <pc:docMk/>
+            <pc:sldMk cId="3931364593" sldId="1988"/>
+            <ac:spMk id="2" creationId="{00000000-0000-0000-0000-000000000000}"/>
+          </ac:spMkLst>
+        </pc:spChg>
+        <pc:picChg chg="del">
+          <ac:chgData name="Ofer Zadikario" userId="f36b4b4543f14e71" providerId="LiveId" clId="{1DF6B681-7612-4A94-98A4-480CACCF0D73}" dt="2024-04-07T12:49:20.917" v="778" actId="478"/>
+          <ac:picMkLst>
+            <pc:docMk/>
+            <pc:sldMk cId="3931364593" sldId="1988"/>
+            <ac:picMk id="4" creationId="{1CA0BC7D-1C82-2872-B352-5374CCFB2CDA}"/>
+          </ac:picMkLst>
+        </pc:picChg>
+        <pc:picChg chg="add mod">
+          <ac:chgData name="Ofer Zadikario" userId="f36b4b4543f14e71" providerId="LiveId" clId="{1DF6B681-7612-4A94-98A4-480CACCF0D73}" dt="2024-04-07T12:49:55.473" v="783" actId="1036"/>
+          <ac:picMkLst>
+            <pc:docMk/>
+            <pc:sldMk cId="3931364593" sldId="1988"/>
+            <ac:picMk id="8" creationId="{D1C14C27-2880-270F-9C57-CEDCFFD8DEC9}"/>
+          </ac:picMkLst>
+        </pc:picChg>
+        <pc:inkChg chg="add">
+          <ac:chgData name="Ofer Zadikario" userId="f36b4b4543f14e71" providerId="LiveId" clId="{1DF6B681-7612-4A94-98A4-480CACCF0D73}" dt="2024-04-07T12:50:10.921" v="784" actId="9405"/>
+          <ac:inkMkLst>
+            <pc:docMk/>
+            <pc:sldMk cId="3931364593" sldId="1988"/>
+            <ac:inkMk id="10" creationId="{BCF91DDA-019B-8024-E7AE-3C378B2E9E57}"/>
+          </ac:inkMkLst>
+        </pc:inkChg>
+        <pc:inkChg chg="add">
+          <ac:chgData name="Ofer Zadikario" userId="f36b4b4543f14e71" providerId="LiveId" clId="{1DF6B681-7612-4A94-98A4-480CACCF0D73}" dt="2024-04-07T12:50:14.697" v="785" actId="9405"/>
+          <ac:inkMkLst>
+            <pc:docMk/>
+            <pc:sldMk cId="3931364593" sldId="1988"/>
+            <ac:inkMk id="12" creationId="{5A06A0B7-627C-D174-F4E2-87A2CF215D16}"/>
+          </ac:inkMkLst>
+        </pc:inkChg>
+        <pc:inkChg chg="add">
+          <ac:chgData name="Ofer Zadikario" userId="f36b4b4543f14e71" providerId="LiveId" clId="{1DF6B681-7612-4A94-98A4-480CACCF0D73}" dt="2024-04-07T12:50:18.072" v="786" actId="9405"/>
+          <ac:inkMkLst>
+            <pc:docMk/>
+            <pc:sldMk cId="3931364593" sldId="1988"/>
+            <ac:inkMk id="13" creationId="{742E8D15-AE1A-C76A-0E89-A0727A56680A}"/>
+          </ac:inkMkLst>
+        </pc:inkChg>
+        <pc:inkChg chg="add">
+          <ac:chgData name="Ofer Zadikario" userId="f36b4b4543f14e71" providerId="LiveId" clId="{1DF6B681-7612-4A94-98A4-480CACCF0D73}" dt="2024-04-07T12:50:27.014" v="787" actId="9405"/>
+          <ac:inkMkLst>
+            <pc:docMk/>
+            <pc:sldMk cId="3931364593" sldId="1988"/>
+            <ac:inkMk id="14" creationId="{97F3E63C-1FC7-19AE-1842-79F9DA5FBFC7}"/>
+          </ac:inkMkLst>
+        </pc:inkChg>
+      </pc:sldChg>
+      <pc:sldChg chg="addSp delSp modSp add mod">
+        <pc:chgData name="Ofer Zadikario" userId="f36b4b4543f14e71" providerId="LiveId" clId="{1DF6B681-7612-4A94-98A4-480CACCF0D73}" dt="2024-04-07T12:52:49.137" v="945" actId="22"/>
+        <pc:sldMkLst>
+          <pc:docMk/>
+          <pc:sldMk cId="1783922410" sldId="1989"/>
+        </pc:sldMkLst>
+        <pc:spChg chg="mod">
+          <ac:chgData name="Ofer Zadikario" userId="f36b4b4543f14e71" providerId="LiveId" clId="{1DF6B681-7612-4A94-98A4-480CACCF0D73}" dt="2024-04-07T12:52:08.379" v="941" actId="20577"/>
+          <ac:spMkLst>
+            <pc:docMk/>
+            <pc:sldMk cId="1783922410" sldId="1989"/>
+            <ac:spMk id="2" creationId="{00000000-0000-0000-0000-000000000000}"/>
+          </ac:spMkLst>
+        </pc:spChg>
+        <pc:picChg chg="add">
+          <ac:chgData name="Ofer Zadikario" userId="f36b4b4543f14e71" providerId="LiveId" clId="{1DF6B681-7612-4A94-98A4-480CACCF0D73}" dt="2024-04-07T12:52:49.137" v="945" actId="22"/>
+          <ac:picMkLst>
+            <pc:docMk/>
+            <pc:sldMk cId="1783922410" sldId="1989"/>
+            <ac:picMk id="4" creationId="{0132383D-E576-3B04-DD57-F88C79DBF550}"/>
+          </ac:picMkLst>
+        </pc:picChg>
+        <pc:picChg chg="del">
+          <ac:chgData name="Ofer Zadikario" userId="f36b4b4543f14e71" providerId="LiveId" clId="{1DF6B681-7612-4A94-98A4-480CACCF0D73}" dt="2024-04-07T12:52:10.887" v="942" actId="478"/>
+          <ac:picMkLst>
+            <pc:docMk/>
+            <pc:sldMk cId="1783922410" sldId="1989"/>
+            <ac:picMk id="8" creationId="{D1C14C27-2880-270F-9C57-CEDCFFD8DEC9}"/>
+          </ac:picMkLst>
+        </pc:picChg>
+        <pc:inkChg chg="del">
+          <ac:chgData name="Ofer Zadikario" userId="f36b4b4543f14e71" providerId="LiveId" clId="{1DF6B681-7612-4A94-98A4-480CACCF0D73}" dt="2024-04-07T12:52:19.534" v="944" actId="478"/>
+          <ac:inkMkLst>
+            <pc:docMk/>
+            <pc:sldMk cId="1783922410" sldId="1989"/>
+            <ac:inkMk id="5" creationId="{BB83A6C0-057A-DDED-975E-0DAA94C4819F}"/>
+          </ac:inkMkLst>
+        </pc:inkChg>
+        <pc:inkChg chg="del">
+          <ac:chgData name="Ofer Zadikario" userId="f36b4b4543f14e71" providerId="LiveId" clId="{1DF6B681-7612-4A94-98A4-480CACCF0D73}" dt="2024-04-07T12:52:19.534" v="944" actId="478"/>
+          <ac:inkMkLst>
+            <pc:docMk/>
+            <pc:sldMk cId="1783922410" sldId="1989"/>
+            <ac:inkMk id="6" creationId="{E6F68E65-BAE5-DE54-86D8-72B6086DFB57}"/>
+          </ac:inkMkLst>
+        </pc:inkChg>
+        <pc:inkChg chg="del">
+          <ac:chgData name="Ofer Zadikario" userId="f36b4b4543f14e71" providerId="LiveId" clId="{1DF6B681-7612-4A94-98A4-480CACCF0D73}" dt="2024-04-07T12:52:19.534" v="944" actId="478"/>
+          <ac:inkMkLst>
+            <pc:docMk/>
+            <pc:sldMk cId="1783922410" sldId="1989"/>
+            <ac:inkMk id="7" creationId="{B0A8E405-BD8E-8024-B3F4-A981B9A350B6}"/>
+          </ac:inkMkLst>
+        </pc:inkChg>
+        <pc:inkChg chg="del">
+          <ac:chgData name="Ofer Zadikario" userId="f36b4b4543f14e71" providerId="LiveId" clId="{1DF6B681-7612-4A94-98A4-480CACCF0D73}" dt="2024-04-07T12:52:19.534" v="944" actId="478"/>
+          <ac:inkMkLst>
+            <pc:docMk/>
+            <pc:sldMk cId="1783922410" sldId="1989"/>
+            <ac:inkMk id="9" creationId="{2580520C-0FF8-408F-F818-0FB7DCE839CA}"/>
+          </ac:inkMkLst>
+        </pc:inkChg>
+        <pc:inkChg chg="del">
+          <ac:chgData name="Ofer Zadikario" userId="f36b4b4543f14e71" providerId="LiveId" clId="{1DF6B681-7612-4A94-98A4-480CACCF0D73}" dt="2024-04-07T12:52:13.970" v="943" actId="478"/>
+          <ac:inkMkLst>
+            <pc:docMk/>
+            <pc:sldMk cId="1783922410" sldId="1989"/>
+            <ac:inkMk id="10" creationId="{BCF91DDA-019B-8024-E7AE-3C378B2E9E57}"/>
+          </ac:inkMkLst>
+        </pc:inkChg>
+        <pc:inkChg chg="del">
+          <ac:chgData name="Ofer Zadikario" userId="f36b4b4543f14e71" providerId="LiveId" clId="{1DF6B681-7612-4A94-98A4-480CACCF0D73}" dt="2024-04-07T12:52:19.534" v="944" actId="478"/>
+          <ac:inkMkLst>
+            <pc:docMk/>
+            <pc:sldMk cId="1783922410" sldId="1989"/>
+            <ac:inkMk id="11" creationId="{0B19D5F7-E4FA-5AB1-DB2A-EFAF01097D7E}"/>
+          </ac:inkMkLst>
+        </pc:inkChg>
+        <pc:inkChg chg="del">
+          <ac:chgData name="Ofer Zadikario" userId="f36b4b4543f14e71" providerId="LiveId" clId="{1DF6B681-7612-4A94-98A4-480CACCF0D73}" dt="2024-04-07T12:52:19.534" v="944" actId="478"/>
+          <ac:inkMkLst>
+            <pc:docMk/>
+            <pc:sldMk cId="1783922410" sldId="1989"/>
+            <ac:inkMk id="12" creationId="{5A06A0B7-627C-D174-F4E2-87A2CF215D16}"/>
+          </ac:inkMkLst>
+        </pc:inkChg>
+        <pc:inkChg chg="del">
+          <ac:chgData name="Ofer Zadikario" userId="f36b4b4543f14e71" providerId="LiveId" clId="{1DF6B681-7612-4A94-98A4-480CACCF0D73}" dt="2024-04-07T12:52:19.534" v="944" actId="478"/>
+          <ac:inkMkLst>
+            <pc:docMk/>
+            <pc:sldMk cId="1783922410" sldId="1989"/>
+            <ac:inkMk id="13" creationId="{742E8D15-AE1A-C76A-0E89-A0727A56680A}"/>
+          </ac:inkMkLst>
+        </pc:inkChg>
+        <pc:inkChg chg="del">
+          <ac:chgData name="Ofer Zadikario" userId="f36b4b4543f14e71" providerId="LiveId" clId="{1DF6B681-7612-4A94-98A4-480CACCF0D73}" dt="2024-04-07T12:52:19.534" v="944" actId="478"/>
+          <ac:inkMkLst>
+            <pc:docMk/>
+            <pc:sldMk cId="1783922410" sldId="1989"/>
+            <ac:inkMk id="14" creationId="{97F3E63C-1FC7-19AE-1842-79F9DA5FBFC7}"/>
+          </ac:inkMkLst>
+        </pc:inkChg>
+      </pc:sldChg>
+      <pc:sldChg chg="addSp delSp modSp add mod">
+        <pc:chgData name="Ofer Zadikario" userId="f36b4b4543f14e71" providerId="LiveId" clId="{1DF6B681-7612-4A94-98A4-480CACCF0D73}" dt="2024-04-07T12:55:32.093" v="988" actId="1076"/>
+        <pc:sldMkLst>
+          <pc:docMk/>
+          <pc:sldMk cId="2225870416" sldId="1990"/>
+        </pc:sldMkLst>
+        <pc:spChg chg="mod">
+          <ac:chgData name="Ofer Zadikario" userId="f36b4b4543f14e71" providerId="LiveId" clId="{1DF6B681-7612-4A94-98A4-480CACCF0D73}" dt="2024-04-07T12:53:27.526" v="981" actId="20577"/>
+          <ac:spMkLst>
+            <pc:docMk/>
+            <pc:sldMk cId="2225870416" sldId="1990"/>
+            <ac:spMk id="2" creationId="{00000000-0000-0000-0000-000000000000}"/>
+          </ac:spMkLst>
+        </pc:spChg>
+        <pc:picChg chg="del">
+          <ac:chgData name="Ofer Zadikario" userId="f36b4b4543f14e71" providerId="LiveId" clId="{1DF6B681-7612-4A94-98A4-480CACCF0D73}" dt="2024-04-07T12:53:36.547" v="982" actId="478"/>
+          <ac:picMkLst>
+            <pc:docMk/>
+            <pc:sldMk cId="2225870416" sldId="1990"/>
+            <ac:picMk id="4" creationId="{0132383D-E576-3B04-DD57-F88C79DBF550}"/>
+          </ac:picMkLst>
+        </pc:picChg>
+        <pc:picChg chg="add mod">
+          <ac:chgData name="Ofer Zadikario" userId="f36b4b4543f14e71" providerId="LiveId" clId="{1DF6B681-7612-4A94-98A4-480CACCF0D73}" dt="2024-04-07T12:54:52.446" v="984" actId="1076"/>
+          <ac:picMkLst>
+            <pc:docMk/>
+            <pc:sldMk cId="2225870416" sldId="1990"/>
+            <ac:picMk id="5" creationId="{B5E177A8-C610-158F-828B-94DA61393671}"/>
+          </ac:picMkLst>
+        </pc:picChg>
+        <pc:picChg chg="add mod">
+          <ac:chgData name="Ofer Zadikario" userId="f36b4b4543f14e71" providerId="LiveId" clId="{1DF6B681-7612-4A94-98A4-480CACCF0D73}" dt="2024-04-07T12:55:32.093" v="988" actId="1076"/>
+          <ac:picMkLst>
+            <pc:docMk/>
+            <pc:sldMk cId="2225870416" sldId="1990"/>
+            <ac:picMk id="9" creationId="{BC225BEB-DDA3-36EC-A711-C4E15D4A276F}"/>
+          </ac:picMkLst>
+        </pc:picChg>
+        <pc:inkChg chg="add">
+          <ac:chgData name="Ofer Zadikario" userId="f36b4b4543f14e71" providerId="LiveId" clId="{1DF6B681-7612-4A94-98A4-480CACCF0D73}" dt="2024-04-07T12:55:00.299" v="985" actId="9405"/>
+          <ac:inkMkLst>
+            <pc:docMk/>
+            <pc:sldMk cId="2225870416" sldId="1990"/>
+            <ac:inkMk id="6" creationId="{FD66E389-1ACB-DEFE-17C7-0F95C2404D89}"/>
+          </ac:inkMkLst>
+        </pc:inkChg>
+        <pc:inkChg chg="add">
+          <ac:chgData name="Ofer Zadikario" userId="f36b4b4543f14e71" providerId="LiveId" clId="{1DF6B681-7612-4A94-98A4-480CACCF0D73}" dt="2024-04-07T12:55:03.443" v="986" actId="9405"/>
+          <ac:inkMkLst>
+            <pc:docMk/>
+            <pc:sldMk cId="2225870416" sldId="1990"/>
+            <ac:inkMk id="7" creationId="{B419B7E0-15E7-961F-66DE-903DDA9F976C}"/>
+          </ac:inkMkLst>
+        </pc:inkChg>
+      </pc:sldChg>
+      <pc:sldChg chg="addSp delSp modSp add mod">
+        <pc:chgData name="Ofer Zadikario" userId="f36b4b4543f14e71" providerId="LiveId" clId="{1DF6B681-7612-4A94-98A4-480CACCF0D73}" dt="2024-04-07T12:58:11.379" v="1002" actId="9405"/>
+        <pc:sldMkLst>
+          <pc:docMk/>
+          <pc:sldMk cId="2250148081" sldId="1991"/>
+        </pc:sldMkLst>
+        <pc:picChg chg="add mod">
+          <ac:chgData name="Ofer Zadikario" userId="f36b4b4543f14e71" providerId="LiveId" clId="{1DF6B681-7612-4A94-98A4-480CACCF0D73}" dt="2024-04-07T12:57:48.091" v="999" actId="1076"/>
+          <ac:picMkLst>
+            <pc:docMk/>
+            <pc:sldMk cId="2250148081" sldId="1991"/>
+            <ac:picMk id="4" creationId="{E51B9FBF-8A05-2DF9-4BFE-F6E555CC2437}"/>
+          </ac:picMkLst>
+        </pc:picChg>
+        <pc:picChg chg="del">
+          <ac:chgData name="Ofer Zadikario" userId="f36b4b4543f14e71" providerId="LiveId" clId="{1DF6B681-7612-4A94-98A4-480CACCF0D73}" dt="2024-04-07T12:55:49.867" v="990" actId="478"/>
+          <ac:picMkLst>
+            <pc:docMk/>
+            <pc:sldMk cId="2250148081" sldId="1991"/>
+            <ac:picMk id="5" creationId="{B5E177A8-C610-158F-828B-94DA61393671}"/>
+          </ac:picMkLst>
+        </pc:picChg>
+        <pc:picChg chg="del">
+          <ac:chgData name="Ofer Zadikario" userId="f36b4b4543f14e71" providerId="LiveId" clId="{1DF6B681-7612-4A94-98A4-480CACCF0D73}" dt="2024-04-07T12:55:56.155" v="993" actId="478"/>
+          <ac:picMkLst>
+            <pc:docMk/>
+            <pc:sldMk cId="2250148081" sldId="1991"/>
+            <ac:picMk id="9" creationId="{BC225BEB-DDA3-36EC-A711-C4E15D4A276F}"/>
+          </ac:picMkLst>
+        </pc:picChg>
+        <pc:picChg chg="add mod">
+          <ac:chgData name="Ofer Zadikario" userId="f36b4b4543f14e71" providerId="LiveId" clId="{1DF6B681-7612-4A94-98A4-480CACCF0D73}" dt="2024-04-07T12:57:50.992" v="1000" actId="1076"/>
+          <ac:picMkLst>
+            <pc:docMk/>
+            <pc:sldMk cId="2250148081" sldId="1991"/>
+            <ac:picMk id="10" creationId="{BA9D9B5F-AA0D-35DD-2C75-DF468B66132F}"/>
+          </ac:picMkLst>
+        </pc:picChg>
+        <pc:inkChg chg="del">
+          <ac:chgData name="Ofer Zadikario" userId="f36b4b4543f14e71" providerId="LiveId" clId="{1DF6B681-7612-4A94-98A4-480CACCF0D73}" dt="2024-04-07T12:55:53.344" v="992" actId="478"/>
+          <ac:inkMkLst>
+            <pc:docMk/>
+            <pc:sldMk cId="2250148081" sldId="1991"/>
+            <ac:inkMk id="6" creationId="{FD66E389-1ACB-DEFE-17C7-0F95C2404D89}"/>
+          </ac:inkMkLst>
+        </pc:inkChg>
+        <pc:inkChg chg="del">
+          <ac:chgData name="Ofer Zadikario" userId="f36b4b4543f14e71" providerId="LiveId" clId="{1DF6B681-7612-4A94-98A4-480CACCF0D73}" dt="2024-04-07T12:55:51.505" v="991" actId="478"/>
+          <ac:inkMkLst>
+            <pc:docMk/>
+            <pc:sldMk cId="2250148081" sldId="1991"/>
+            <ac:inkMk id="7" creationId="{B419B7E0-15E7-961F-66DE-903DDA9F976C}"/>
+          </ac:inkMkLst>
+        </pc:inkChg>
+        <pc:inkChg chg="add">
+          <ac:chgData name="Ofer Zadikario" userId="f36b4b4543f14e71" providerId="LiveId" clId="{1DF6B681-7612-4A94-98A4-480CACCF0D73}" dt="2024-04-07T12:57:58.555" v="1001" actId="9405"/>
+          <ac:inkMkLst>
+            <pc:docMk/>
+            <pc:sldMk cId="2250148081" sldId="1991"/>
+            <ac:inkMk id="11" creationId="{FA2A2D13-2006-FFA9-EFF1-3F94BDC2483E}"/>
+          </ac:inkMkLst>
+        </pc:inkChg>
+        <pc:inkChg chg="add">
+          <ac:chgData name="Ofer Zadikario" userId="f36b4b4543f14e71" providerId="LiveId" clId="{1DF6B681-7612-4A94-98A4-480CACCF0D73}" dt="2024-04-07T12:58:11.379" v="1002" actId="9405"/>
+          <ac:inkMkLst>
+            <pc:docMk/>
+            <pc:sldMk cId="2250148081" sldId="1991"/>
+            <ac:inkMk id="12" creationId="{CC47DA40-E6DC-14B8-60E9-A4792991BADB}"/>
+          </ac:inkMkLst>
+        </pc:inkChg>
+      </pc:sldChg>
+      <pc:sldChg chg="modSp add mod">
+        <pc:chgData name="Ofer Zadikario" userId="f36b4b4543f14e71" providerId="LiveId" clId="{1DF6B681-7612-4A94-98A4-480CACCF0D73}" dt="2024-04-07T13:14:25.535" v="1963" actId="20577"/>
+        <pc:sldMkLst>
+          <pc:docMk/>
+          <pc:sldMk cId="2102506559" sldId="1992"/>
+        </pc:sldMkLst>
+        <pc:spChg chg="mod">
+          <ac:chgData name="Ofer Zadikario" userId="f36b4b4543f14e71" providerId="LiveId" clId="{1DF6B681-7612-4A94-98A4-480CACCF0D73}" dt="2024-04-07T13:14:25.535" v="1963" actId="20577"/>
+          <ac:spMkLst>
+            <pc:docMk/>
+            <pc:sldMk cId="2102506559" sldId="1992"/>
+            <ac:spMk id="14" creationId="{00000000-0000-0000-0000-000000000000}"/>
+          </ac:spMkLst>
+        </pc:spChg>
+      </pc:sldChg>
+      <pc:sldChg chg="modSp add mod modShow">
+        <pc:chgData name="Ofer Zadikario" userId="f36b4b4543f14e71" providerId="LiveId" clId="{1DF6B681-7612-4A94-98A4-480CACCF0D73}" dt="2024-04-07T13:41:51.397" v="2098" actId="20577"/>
+        <pc:sldMkLst>
+          <pc:docMk/>
+          <pc:sldMk cId="2014012050" sldId="1993"/>
+        </pc:sldMkLst>
+        <pc:spChg chg="mod">
+          <ac:chgData name="Ofer Zadikario" userId="f36b4b4543f14e71" providerId="LiveId" clId="{1DF6B681-7612-4A94-98A4-480CACCF0D73}" dt="2024-04-07T13:39:24.138" v="1978" actId="20577"/>
+          <ac:spMkLst>
+            <pc:docMk/>
+            <pc:sldMk cId="2014012050" sldId="1993"/>
+            <ac:spMk id="2" creationId="{00000000-0000-0000-0000-000000000000}"/>
+          </ac:spMkLst>
+        </pc:spChg>
+        <pc:spChg chg="mod">
+          <ac:chgData name="Ofer Zadikario" userId="f36b4b4543f14e71" providerId="LiveId" clId="{1DF6B681-7612-4A94-98A4-480CACCF0D73}" dt="2024-04-07T13:41:51.397" v="2098" actId="20577"/>
+          <ac:spMkLst>
+            <pc:docMk/>
+            <pc:sldMk cId="2014012050" sldId="1993"/>
+            <ac:spMk id="14" creationId="{00000000-0000-0000-0000-000000000000}"/>
+          </ac:spMkLst>
+        </pc:spChg>
+      </pc:sldChg>
+    </pc:docChg>
+  </pc:docChgLst>
+  <pc:docChgLst>
     <pc:chgData name="Ofer Zadikario" userId="f36b4b4543f14e71" providerId="LiveId" clId="{855300BF-6F72-4550-B665-9C76B55843FC}"/>
     <pc:docChg chg="undo custSel addSld delSld modSld modSection">
       <pc:chgData name="Ofer Zadikario" userId="f36b4b4543f14e71" providerId="LiveId" clId="{855300BF-6F72-4550-B665-9C76B55843FC}" dt="2020-08-12T16:20:44.545" v="2480" actId="20577"/>
@@ -794,20 +2654,216 @@
     </pc:docChg>
   </pc:docChgLst>
   <pc:docChgLst>
-    <pc:chgData name="Ofer Zadikario" userId="f36b4b4543f14e71" providerId="LiveId" clId="{1F85B3E9-3681-46A3-A77E-BAB7914B27A5}"/>
-    <pc:docChg chg="custSel addSld modSld sldOrd modSection">
-      <pc:chgData name="Ofer Zadikario" userId="f36b4b4543f14e71" providerId="LiveId" clId="{1F85B3E9-3681-46A3-A77E-BAB7914B27A5}" dt="2024-04-07T06:03:39.828" v="1910" actId="113"/>
+    <pc:chgData name="Ofer Zadikario" userId="f36b4b4543f14e71" providerId="LiveId" clId="{1B21135D-3E2A-4062-A932-3953D53E119A}"/>
+    <pc:docChg chg="undo custSel addSld delSld modSld modSection">
+      <pc:chgData name="Ofer Zadikario" userId="f36b4b4543f14e71" providerId="LiveId" clId="{1B21135D-3E2A-4062-A932-3953D53E119A}" dt="2020-08-18T07:54:56.554" v="4978" actId="20577"/>
       <pc:docMkLst>
         <pc:docMk/>
       </pc:docMkLst>
+      <pc:sldChg chg="addSp delSp modSp add mod">
+        <pc:chgData name="Ofer Zadikario" userId="f36b4b4543f14e71" providerId="LiveId" clId="{1B21135D-3E2A-4062-A932-3953D53E119A}" dt="2020-08-13T07:54:25.481" v="219" actId="1036"/>
+        <pc:sldMkLst>
+          <pc:docMk/>
+          <pc:sldMk cId="3676793758" sldId="294"/>
+        </pc:sldMkLst>
+        <pc:spChg chg="add del mod">
+          <ac:chgData name="Ofer Zadikario" userId="f36b4b4543f14e71" providerId="LiveId" clId="{1B21135D-3E2A-4062-A932-3953D53E119A}" dt="2020-08-13T07:54:15.596" v="196" actId="478"/>
+          <ac:spMkLst>
+            <pc:docMk/>
+            <pc:sldMk cId="3676793758" sldId="294"/>
+            <ac:spMk id="2" creationId="{7C3133A6-6999-4F83-8179-F75CE1BFAA48}"/>
+          </ac:spMkLst>
+        </pc:spChg>
+        <pc:spChg chg="mod">
+          <ac:chgData name="Ofer Zadikario" userId="f36b4b4543f14e71" providerId="LiveId" clId="{1B21135D-3E2A-4062-A932-3953D53E119A}" dt="2020-08-13T07:54:25.481" v="219" actId="1036"/>
+          <ac:spMkLst>
+            <pc:docMk/>
+            <pc:sldMk cId="3676793758" sldId="294"/>
+            <ac:spMk id="10" creationId="{73B4565D-1CE1-4C01-9E9C-E590E8071E0D}"/>
+          </ac:spMkLst>
+        </pc:spChg>
+        <pc:spChg chg="mod">
+          <ac:chgData name="Ofer Zadikario" userId="f36b4b4543f14e71" providerId="LiveId" clId="{1B21135D-3E2A-4062-A932-3953D53E119A}" dt="2020-08-13T07:53:29.284" v="194"/>
+          <ac:spMkLst>
+            <pc:docMk/>
+            <pc:sldMk cId="3676793758" sldId="294"/>
+            <ac:spMk id="29" creationId="{672C66F4-D583-4A43-8E9E-A8C667A98E0B}"/>
+          </ac:spMkLst>
+        </pc:spChg>
+      </pc:sldChg>
+      <pc:sldChg chg="modSp add mod">
+        <pc:chgData name="Ofer Zadikario" userId="f36b4b4543f14e71" providerId="LiveId" clId="{1B21135D-3E2A-4062-A932-3953D53E119A}" dt="2020-08-12T16:29:32.095" v="39" actId="121"/>
+        <pc:sldMkLst>
+          <pc:docMk/>
+          <pc:sldMk cId="1916808491" sldId="333"/>
+        </pc:sldMkLst>
+        <pc:spChg chg="mod">
+          <ac:chgData name="Ofer Zadikario" userId="f36b4b4543f14e71" providerId="LiveId" clId="{1B21135D-3E2A-4062-A932-3953D53E119A}" dt="2020-08-12T16:29:32.095" v="39" actId="121"/>
+          <ac:spMkLst>
+            <pc:docMk/>
+            <pc:sldMk cId="1916808491" sldId="333"/>
+            <ac:spMk id="4" creationId="{2881ED75-A011-45A1-BD9B-32ED925A8D6A}"/>
+          </ac:spMkLst>
+        </pc:spChg>
+        <pc:spChg chg="mod">
+          <ac:chgData name="Ofer Zadikario" userId="f36b4b4543f14e71" providerId="LiveId" clId="{1B21135D-3E2A-4062-A932-3953D53E119A}" dt="2020-08-12T16:29:21.105" v="37" actId="122"/>
+          <ac:spMkLst>
+            <pc:docMk/>
+            <pc:sldMk cId="1916808491" sldId="333"/>
+            <ac:spMk id="10" creationId="{73B4565D-1CE1-4C01-9E9C-E590E8071E0D}"/>
+          </ac:spMkLst>
+        </pc:spChg>
+      </pc:sldChg>
+      <pc:sldChg chg="modSp add mod">
+        <pc:chgData name="Ofer Zadikario" userId="f36b4b4543f14e71" providerId="LiveId" clId="{1B21135D-3E2A-4062-A932-3953D53E119A}" dt="2020-08-13T09:58:19.773" v="281" actId="20577"/>
+        <pc:sldMkLst>
+          <pc:docMk/>
+          <pc:sldMk cId="2040829739" sldId="334"/>
+        </pc:sldMkLst>
+        <pc:spChg chg="mod">
+          <ac:chgData name="Ofer Zadikario" userId="f36b4b4543f14e71" providerId="LiveId" clId="{1B21135D-3E2A-4062-A932-3953D53E119A}" dt="2020-08-12T16:31:44.904" v="70" actId="20577"/>
+          <ac:spMkLst>
+            <pc:docMk/>
+            <pc:sldMk cId="2040829739" sldId="334"/>
+            <ac:spMk id="10" creationId="{73B4565D-1CE1-4C01-9E9C-E590E8071E0D}"/>
+          </ac:spMkLst>
+        </pc:spChg>
+        <pc:spChg chg="mod">
+          <ac:chgData name="Ofer Zadikario" userId="f36b4b4543f14e71" providerId="LiveId" clId="{1B21135D-3E2A-4062-A932-3953D53E119A}" dt="2020-08-12T16:32:51.494" v="103" actId="1038"/>
+          <ac:spMkLst>
+            <pc:docMk/>
+            <pc:sldMk cId="2040829739" sldId="334"/>
+            <ac:spMk id="24" creationId="{1054D28C-8895-4B63-A7C7-1E1909C6D108}"/>
+          </ac:spMkLst>
+        </pc:spChg>
+        <pc:spChg chg="mod">
+          <ac:chgData name="Ofer Zadikario" userId="f36b4b4543f14e71" providerId="LiveId" clId="{1B21135D-3E2A-4062-A932-3953D53E119A}" dt="2020-08-12T16:32:18.342" v="71" actId="20577"/>
+          <ac:spMkLst>
+            <pc:docMk/>
+            <pc:sldMk cId="2040829739" sldId="334"/>
+            <ac:spMk id="29" creationId="{A9DE621D-53B0-4B39-90E5-A805E0B0F48D}"/>
+          </ac:spMkLst>
+        </pc:spChg>
+        <pc:spChg chg="mod">
+          <ac:chgData name="Ofer Zadikario" userId="f36b4b4543f14e71" providerId="LiveId" clId="{1B21135D-3E2A-4062-A932-3953D53E119A}" dt="2020-08-13T09:58:19.773" v="281" actId="20577"/>
+          <ac:spMkLst>
+            <pc:docMk/>
+            <pc:sldMk cId="2040829739" sldId="334"/>
+            <ac:spMk id="37" creationId="{8B3A8FB5-01D2-4F71-ADFD-F9554D620183}"/>
+          </ac:spMkLst>
+        </pc:spChg>
+        <pc:spChg chg="mod">
+          <ac:chgData name="Ofer Zadikario" userId="f36b4b4543f14e71" providerId="LiveId" clId="{1B21135D-3E2A-4062-A932-3953D53E119A}" dt="2020-08-12T16:38:28.965" v="191" actId="404"/>
+          <ac:spMkLst>
+            <pc:docMk/>
+            <pc:sldMk cId="2040829739" sldId="334"/>
+            <ac:spMk id="43" creationId="{364C28A1-2C75-491B-8FD5-AA655AE7ED1A}"/>
+          </ac:spMkLst>
+        </pc:spChg>
+      </pc:sldChg>
+      <pc:sldChg chg="addSp delSp modSp add del mod delAnim modAnim">
+        <pc:chgData name="Ofer Zadikario" userId="f36b4b4543f14e71" providerId="LiveId" clId="{1B21135D-3E2A-4062-A932-3953D53E119A}" dt="2020-08-13T15:49:31.236" v="1120" actId="2696"/>
+        <pc:sldMkLst>
+          <pc:docMk/>
+          <pc:sldMk cId="146314159" sldId="335"/>
+        </pc:sldMkLst>
+        <pc:spChg chg="mod">
+          <ac:chgData name="Ofer Zadikario" userId="f36b4b4543f14e71" providerId="LiveId" clId="{1B21135D-3E2A-4062-A932-3953D53E119A}" dt="2020-08-13T15:15:37.332" v="649" actId="1076"/>
+          <ac:spMkLst>
+            <pc:docMk/>
+            <pc:sldMk cId="146314159" sldId="335"/>
+            <ac:spMk id="2" creationId="{CFC2F051-B147-4DAC-97A5-0C81F81987DA}"/>
+          </ac:spMkLst>
+        </pc:spChg>
+        <pc:spChg chg="mod">
+          <ac:chgData name="Ofer Zadikario" userId="f36b4b4543f14e71" providerId="LiveId" clId="{1B21135D-3E2A-4062-A932-3953D53E119A}" dt="2020-08-13T07:56:22.312" v="253" actId="20577"/>
+          <ac:spMkLst>
+            <pc:docMk/>
+            <pc:sldMk cId="146314159" sldId="335"/>
+            <ac:spMk id="10" creationId="{73B4565D-1CE1-4C01-9E9C-E590E8071E0D}"/>
+          </ac:spMkLst>
+        </pc:spChg>
+        <pc:spChg chg="add mod">
+          <ac:chgData name="Ofer Zadikario" userId="f36b4b4543f14e71" providerId="LiveId" clId="{1B21135D-3E2A-4062-A932-3953D53E119A}" dt="2020-08-13T15:16:42.963" v="829" actId="1076"/>
+          <ac:spMkLst>
+            <pc:docMk/>
+            <pc:sldMk cId="146314159" sldId="335"/>
+            <ac:spMk id="12" creationId="{9B7163D1-B444-4472-816F-7AB0F2204A32}"/>
+          </ac:spMkLst>
+        </pc:spChg>
+        <pc:spChg chg="add mod">
+          <ac:chgData name="Ofer Zadikario" userId="f36b4b4543f14e71" providerId="LiveId" clId="{1B21135D-3E2A-4062-A932-3953D53E119A}" dt="2020-08-13T15:16:29.022" v="828" actId="20577"/>
+          <ac:spMkLst>
+            <pc:docMk/>
+            <pc:sldMk cId="146314159" sldId="335"/>
+            <ac:spMk id="18" creationId="{11D68A85-0317-46E4-AD01-808B51195D1F}"/>
+          </ac:spMkLst>
+        </pc:spChg>
+        <pc:spChg chg="del">
+          <ac:chgData name="Ofer Zadikario" userId="f36b4b4543f14e71" providerId="LiveId" clId="{1B21135D-3E2A-4062-A932-3953D53E119A}" dt="2020-08-13T15:00:44.285" v="495" actId="478"/>
+          <ac:spMkLst>
+            <pc:docMk/>
+            <pc:sldMk cId="146314159" sldId="335"/>
+            <ac:spMk id="47" creationId="{F6EEBCDC-55CF-4763-B146-D93682EE1249}"/>
+          </ac:spMkLst>
+        </pc:spChg>
+        <pc:spChg chg="mod">
+          <ac:chgData name="Ofer Zadikario" userId="f36b4b4543f14e71" providerId="LiveId" clId="{1B21135D-3E2A-4062-A932-3953D53E119A}" dt="2020-08-13T15:16:03.569" v="737" actId="20577"/>
+          <ac:spMkLst>
+            <pc:docMk/>
+            <pc:sldMk cId="146314159" sldId="335"/>
+            <ac:spMk id="48" creationId="{A5B0F5A0-8099-4A73-A38F-3F7658929DC0}"/>
+          </ac:spMkLst>
+        </pc:spChg>
+        <pc:picChg chg="del">
+          <ac:chgData name="Ofer Zadikario" userId="f36b4b4543f14e71" providerId="LiveId" clId="{1B21135D-3E2A-4062-A932-3953D53E119A}" dt="2020-08-13T15:00:31.737" v="412" actId="478"/>
+          <ac:picMkLst>
+            <pc:docMk/>
+            <pc:sldMk cId="146314159" sldId="335"/>
+            <ac:picMk id="4" creationId="{85AD470E-E6D3-48EE-9752-98EB81C73A6B}"/>
+          </ac:picMkLst>
+        </pc:picChg>
+        <pc:picChg chg="add del mod">
+          <ac:chgData name="Ofer Zadikario" userId="f36b4b4543f14e71" providerId="LiveId" clId="{1B21135D-3E2A-4062-A932-3953D53E119A}" dt="2020-08-13T15:14:22.132" v="498" actId="478"/>
+          <ac:picMkLst>
+            <pc:docMk/>
+            <pc:sldMk cId="146314159" sldId="335"/>
+            <ac:picMk id="6" creationId="{45424FD6-E668-4A61-87FD-F3709747B4C5}"/>
+          </ac:picMkLst>
+        </pc:picChg>
+        <pc:picChg chg="add mod">
+          <ac:chgData name="Ofer Zadikario" userId="f36b4b4543f14e71" providerId="LiveId" clId="{1B21135D-3E2A-4062-A932-3953D53E119A}" dt="2020-08-13T15:15:23.719" v="647" actId="1076"/>
+          <ac:picMkLst>
+            <pc:docMk/>
+            <pc:sldMk cId="146314159" sldId="335"/>
+            <ac:picMk id="7" creationId="{E1A6AD8E-CD7D-405B-B4AE-DB69714E90F1}"/>
+          </ac:picMkLst>
+        </pc:picChg>
+        <pc:cxnChg chg="mod">
+          <ac:chgData name="Ofer Zadikario" userId="f36b4b4543f14e71" providerId="LiveId" clId="{1B21135D-3E2A-4062-A932-3953D53E119A}" dt="2020-08-13T15:14:36.848" v="632" actId="1036"/>
+          <ac:cxnSpMkLst>
+            <pc:docMk/>
+            <pc:sldMk cId="146314159" sldId="335"/>
+            <ac:cxnSpMk id="8" creationId="{2E9CBEAB-72D4-42A8-9A4D-2F1644AAF8F3}"/>
+          </ac:cxnSpMkLst>
+        </pc:cxnChg>
+        <pc:cxnChg chg="add mod">
+          <ac:chgData name="Ofer Zadikario" userId="f36b4b4543f14e71" providerId="LiveId" clId="{1B21135D-3E2A-4062-A932-3953D53E119A}" dt="2020-08-13T15:15:57.240" v="726" actId="14100"/>
+          <ac:cxnSpMkLst>
+            <pc:docMk/>
+            <pc:sldMk cId="146314159" sldId="335"/>
+            <ac:cxnSpMk id="15" creationId="{03A37DFA-D9FE-47CE-B61C-29D647074789}"/>
+          </ac:cxnSpMkLst>
+        </pc:cxnChg>
+      </pc:sldChg>
       <pc:sldChg chg="modSp mod">
-        <pc:chgData name="Ofer Zadikario" userId="f36b4b4543f14e71" providerId="LiveId" clId="{1F85B3E9-3681-46A3-A77E-BAB7914B27A5}" dt="2024-04-02T08:48:02.747" v="30" actId="20577"/>
+        <pc:chgData name="Ofer Zadikario" userId="f36b4b4543f14e71" providerId="LiveId" clId="{1B21135D-3E2A-4062-A932-3953D53E119A}" dt="2020-08-18T07:54:56.554" v="4978" actId="20577"/>
         <pc:sldMkLst>
           <pc:docMk/>
           <pc:sldMk cId="377166578" sldId="1945"/>
         </pc:sldMkLst>
         <pc:spChg chg="mod">
-          <ac:chgData name="Ofer Zadikario" userId="f36b4b4543f14e71" providerId="LiveId" clId="{1F85B3E9-3681-46A3-A77E-BAB7914B27A5}" dt="2024-04-02T08:48:02.747" v="30" actId="20577"/>
+          <ac:chgData name="Ofer Zadikario" userId="f36b4b4543f14e71" providerId="LiveId" clId="{1B21135D-3E2A-4062-A932-3953D53E119A}" dt="2020-08-18T07:54:56.554" v="4978" actId="20577"/>
           <ac:spMkLst>
             <pc:docMk/>
             <pc:sldMk cId="377166578" sldId="1945"/>
@@ -815,21 +2871,714 @@
           </ac:spMkLst>
         </pc:spChg>
       </pc:sldChg>
-      <pc:sldChg chg="mod ord modShow">
-        <pc:chgData name="Ofer Zadikario" userId="f36b4b4543f14e71" providerId="LiveId" clId="{1F85B3E9-3681-46A3-A77E-BAB7914B27A5}" dt="2024-04-02T09:51:53.279" v="1828" actId="729"/>
+      <pc:sldChg chg="delSp modSp mod">
+        <pc:chgData name="Ofer Zadikario" userId="f36b4b4543f14e71" providerId="LiveId" clId="{1B21135D-3E2A-4062-A932-3953D53E119A}" dt="2020-08-13T16:01:16.922" v="1468" actId="20577"/>
+        <pc:sldMkLst>
+          <pc:docMk/>
+          <pc:sldMk cId="740251951" sldId="1951"/>
+        </pc:sldMkLst>
+        <pc:spChg chg="mod">
+          <ac:chgData name="Ofer Zadikario" userId="f36b4b4543f14e71" providerId="LiveId" clId="{1B21135D-3E2A-4062-A932-3953D53E119A}" dt="2020-08-13T15:52:43.853" v="1155" actId="20577"/>
+          <ac:spMkLst>
+            <pc:docMk/>
+            <pc:sldMk cId="740251951" sldId="1951"/>
+            <ac:spMk id="2" creationId="{00000000-0000-0000-0000-000000000000}"/>
+          </ac:spMkLst>
+        </pc:spChg>
+        <pc:spChg chg="del">
+          <ac:chgData name="Ofer Zadikario" userId="f36b4b4543f14e71" providerId="LiveId" clId="{1B21135D-3E2A-4062-A932-3953D53E119A}" dt="2020-08-13T15:57:32.049" v="1157" actId="478"/>
+          <ac:spMkLst>
+            <pc:docMk/>
+            <pc:sldMk cId="740251951" sldId="1951"/>
+            <ac:spMk id="7" creationId="{370E65CB-FA93-402F-AD8F-10D4E465591F}"/>
+          </ac:spMkLst>
+        </pc:spChg>
+        <pc:spChg chg="mod">
+          <ac:chgData name="Ofer Zadikario" userId="f36b4b4543f14e71" providerId="LiveId" clId="{1B21135D-3E2A-4062-A932-3953D53E119A}" dt="2020-08-13T16:01:16.922" v="1468" actId="20577"/>
+          <ac:spMkLst>
+            <pc:docMk/>
+            <pc:sldMk cId="740251951" sldId="1951"/>
+            <ac:spMk id="14" creationId="{00000000-0000-0000-0000-000000000000}"/>
+          </ac:spMkLst>
+        </pc:spChg>
+        <pc:picChg chg="del">
+          <ac:chgData name="Ofer Zadikario" userId="f36b4b4543f14e71" providerId="LiveId" clId="{1B21135D-3E2A-4062-A932-3953D53E119A}" dt="2020-08-13T15:57:29.112" v="1156" actId="478"/>
+          <ac:picMkLst>
+            <pc:docMk/>
+            <pc:sldMk cId="740251951" sldId="1951"/>
+            <ac:picMk id="6" creationId="{B5E64A9C-8A02-4C64-907C-D503B56773E4}"/>
+          </ac:picMkLst>
+        </pc:picChg>
+      </pc:sldChg>
+      <pc:sldChg chg="delSp modSp mod">
+        <pc:chgData name="Ofer Zadikario" userId="f36b4b4543f14e71" providerId="LiveId" clId="{1B21135D-3E2A-4062-A932-3953D53E119A}" dt="2020-08-17T14:48:33.975" v="2592" actId="5793"/>
+        <pc:sldMkLst>
+          <pc:docMk/>
+          <pc:sldMk cId="580161270" sldId="1970"/>
+        </pc:sldMkLst>
+        <pc:spChg chg="mod">
+          <ac:chgData name="Ofer Zadikario" userId="f36b4b4543f14e71" providerId="LiveId" clId="{1B21135D-3E2A-4062-A932-3953D53E119A}" dt="2020-08-17T08:17:01.299" v="2107" actId="20577"/>
+          <ac:spMkLst>
+            <pc:docMk/>
+            <pc:sldMk cId="580161270" sldId="1970"/>
+            <ac:spMk id="2" creationId="{00000000-0000-0000-0000-000000000000}"/>
+          </ac:spMkLst>
+        </pc:spChg>
+        <pc:spChg chg="del">
+          <ac:chgData name="Ofer Zadikario" userId="f36b4b4543f14e71" providerId="LiveId" clId="{1B21135D-3E2A-4062-A932-3953D53E119A}" dt="2020-08-13T16:20:36.295" v="2039" actId="478"/>
+          <ac:spMkLst>
+            <pc:docMk/>
+            <pc:sldMk cId="580161270" sldId="1970"/>
+            <ac:spMk id="7" creationId="{370E65CB-FA93-402F-AD8F-10D4E465591F}"/>
+          </ac:spMkLst>
+        </pc:spChg>
+        <pc:spChg chg="mod">
+          <ac:chgData name="Ofer Zadikario" userId="f36b4b4543f14e71" providerId="LiveId" clId="{1B21135D-3E2A-4062-A932-3953D53E119A}" dt="2020-08-17T14:48:33.975" v="2592" actId="5793"/>
+          <ac:spMkLst>
+            <pc:docMk/>
+            <pc:sldMk cId="580161270" sldId="1970"/>
+            <ac:spMk id="14" creationId="{00000000-0000-0000-0000-000000000000}"/>
+          </ac:spMkLst>
+        </pc:spChg>
+        <pc:picChg chg="del">
+          <ac:chgData name="Ofer Zadikario" userId="f36b4b4543f14e71" providerId="LiveId" clId="{1B21135D-3E2A-4062-A932-3953D53E119A}" dt="2020-08-13T16:20:36.295" v="2039" actId="478"/>
+          <ac:picMkLst>
+            <pc:docMk/>
+            <pc:sldMk cId="580161270" sldId="1970"/>
+            <ac:picMk id="6" creationId="{B5E64A9C-8A02-4C64-907C-D503B56773E4}"/>
+          </ac:picMkLst>
+        </pc:picChg>
+      </pc:sldChg>
+      <pc:sldChg chg="del">
+        <pc:chgData name="Ofer Zadikario" userId="f36b4b4543f14e71" providerId="LiveId" clId="{1B21135D-3E2A-4062-A932-3953D53E119A}" dt="2020-08-13T16:20:18.630" v="2038" actId="47"/>
+        <pc:sldMkLst>
+          <pc:docMk/>
+          <pc:sldMk cId="3703443423" sldId="1971"/>
+        </pc:sldMkLst>
+      </pc:sldChg>
+      <pc:sldChg chg="del">
+        <pc:chgData name="Ofer Zadikario" userId="f36b4b4543f14e71" providerId="LiveId" clId="{1B21135D-3E2A-4062-A932-3953D53E119A}" dt="2020-08-13T16:20:18.630" v="2038" actId="47"/>
+        <pc:sldMkLst>
+          <pc:docMk/>
+          <pc:sldMk cId="1795222773" sldId="1972"/>
+        </pc:sldMkLst>
+      </pc:sldChg>
+      <pc:sldChg chg="del">
+        <pc:chgData name="Ofer Zadikario" userId="f36b4b4543f14e71" providerId="LiveId" clId="{1B21135D-3E2A-4062-A932-3953D53E119A}" dt="2020-08-13T16:20:18.630" v="2038" actId="47"/>
+        <pc:sldMkLst>
+          <pc:docMk/>
+          <pc:sldMk cId="2579778010" sldId="1973"/>
+        </pc:sldMkLst>
+      </pc:sldChg>
+      <pc:sldChg chg="del">
+        <pc:chgData name="Ofer Zadikario" userId="f36b4b4543f14e71" providerId="LiveId" clId="{1B21135D-3E2A-4062-A932-3953D53E119A}" dt="2020-08-13T16:20:18.630" v="2038" actId="47"/>
+        <pc:sldMkLst>
+          <pc:docMk/>
+          <pc:sldMk cId="1116719099" sldId="1974"/>
+        </pc:sldMkLst>
+      </pc:sldChg>
+      <pc:sldChg chg="del">
+        <pc:chgData name="Ofer Zadikario" userId="f36b4b4543f14e71" providerId="LiveId" clId="{1B21135D-3E2A-4062-A932-3953D53E119A}" dt="2020-08-13T16:20:18.630" v="2038" actId="47"/>
+        <pc:sldMkLst>
+          <pc:docMk/>
+          <pc:sldMk cId="2973147236" sldId="1975"/>
+        </pc:sldMkLst>
+      </pc:sldChg>
+      <pc:sldChg chg="addSp delSp modSp new mod modAnim">
+        <pc:chgData name="Ofer Zadikario" userId="f36b4b4543f14e71" providerId="LiveId" clId="{1B21135D-3E2A-4062-A932-3953D53E119A}" dt="2020-08-13T15:46:43.152" v="1119"/>
+        <pc:sldMkLst>
+          <pc:docMk/>
+          <pc:sldMk cId="734876951" sldId="1976"/>
+        </pc:sldMkLst>
+        <pc:spChg chg="mod">
+          <ac:chgData name="Ofer Zadikario" userId="f36b4b4543f14e71" providerId="LiveId" clId="{1B21135D-3E2A-4062-A932-3953D53E119A}" dt="2020-08-13T15:42:26.182" v="1103" actId="1076"/>
+          <ac:spMkLst>
+            <pc:docMk/>
+            <pc:sldMk cId="734876951" sldId="1976"/>
+            <ac:spMk id="2" creationId="{32394582-6FA3-4562-B7EC-51A65D326FFF}"/>
+          </ac:spMkLst>
+        </pc:spChg>
+        <pc:spChg chg="del">
+          <ac:chgData name="Ofer Zadikario" userId="f36b4b4543f14e71" providerId="LiveId" clId="{1B21135D-3E2A-4062-A932-3953D53E119A}" dt="2020-08-13T15:30:22.730" v="831" actId="478"/>
+          <ac:spMkLst>
+            <pc:docMk/>
+            <pc:sldMk cId="734876951" sldId="1976"/>
+            <ac:spMk id="3" creationId="{B68E3EA1-EA1C-4139-825F-1AFD4AC1E7E4}"/>
+          </ac:spMkLst>
+        </pc:spChg>
+        <pc:spChg chg="mod">
+          <ac:chgData name="Ofer Zadikario" userId="f36b4b4543f14e71" providerId="LiveId" clId="{1B21135D-3E2A-4062-A932-3953D53E119A}" dt="2020-08-13T15:30:24.856" v="832"/>
+          <ac:spMkLst>
+            <pc:docMk/>
+            <pc:sldMk cId="734876951" sldId="1976"/>
+            <ac:spMk id="5" creationId="{81B96186-25FE-4CB0-B563-E54891F7C249}"/>
+          </ac:spMkLst>
+        </pc:spChg>
+        <pc:spChg chg="mod">
+          <ac:chgData name="Ofer Zadikario" userId="f36b4b4543f14e71" providerId="LiveId" clId="{1B21135D-3E2A-4062-A932-3953D53E119A}" dt="2020-08-13T15:30:24.856" v="832"/>
+          <ac:spMkLst>
+            <pc:docMk/>
+            <pc:sldMk cId="734876951" sldId="1976"/>
+            <ac:spMk id="6" creationId="{B8D6F635-B5FD-482B-A77D-7F394197333B}"/>
+          </ac:spMkLst>
+        </pc:spChg>
+        <pc:spChg chg="mod">
+          <ac:chgData name="Ofer Zadikario" userId="f36b4b4543f14e71" providerId="LiveId" clId="{1B21135D-3E2A-4062-A932-3953D53E119A}" dt="2020-08-13T15:30:24.856" v="832"/>
+          <ac:spMkLst>
+            <pc:docMk/>
+            <pc:sldMk cId="734876951" sldId="1976"/>
+            <ac:spMk id="8" creationId="{ECCD92F2-4601-499B-8A95-34886DFACCB2}"/>
+          </ac:spMkLst>
+        </pc:spChg>
+        <pc:spChg chg="mod">
+          <ac:chgData name="Ofer Zadikario" userId="f36b4b4543f14e71" providerId="LiveId" clId="{1B21135D-3E2A-4062-A932-3953D53E119A}" dt="2020-08-13T15:30:24.856" v="832"/>
+          <ac:spMkLst>
+            <pc:docMk/>
+            <pc:sldMk cId="734876951" sldId="1976"/>
+            <ac:spMk id="9" creationId="{09EF276A-9F37-4C36-A781-9279F3ADF19D}"/>
+          </ac:spMkLst>
+        </pc:spChg>
+        <pc:spChg chg="mod">
+          <ac:chgData name="Ofer Zadikario" userId="f36b4b4543f14e71" providerId="LiveId" clId="{1B21135D-3E2A-4062-A932-3953D53E119A}" dt="2020-08-13T15:30:24.856" v="832"/>
+          <ac:spMkLst>
+            <pc:docMk/>
+            <pc:sldMk cId="734876951" sldId="1976"/>
+            <ac:spMk id="11" creationId="{0312F638-7B0A-4F4F-8F34-BC63667B1786}"/>
+          </ac:spMkLst>
+        </pc:spChg>
+        <pc:spChg chg="mod">
+          <ac:chgData name="Ofer Zadikario" userId="f36b4b4543f14e71" providerId="LiveId" clId="{1B21135D-3E2A-4062-A932-3953D53E119A}" dt="2020-08-13T15:30:24.856" v="832"/>
+          <ac:spMkLst>
+            <pc:docMk/>
+            <pc:sldMk cId="734876951" sldId="1976"/>
+            <ac:spMk id="12" creationId="{37305103-11D3-47E1-823B-288455EA91AB}"/>
+          </ac:spMkLst>
+        </pc:spChg>
+        <pc:spChg chg="mod">
+          <ac:chgData name="Ofer Zadikario" userId="f36b4b4543f14e71" providerId="LiveId" clId="{1B21135D-3E2A-4062-A932-3953D53E119A}" dt="2020-08-13T15:30:24.856" v="832"/>
+          <ac:spMkLst>
+            <pc:docMk/>
+            <pc:sldMk cId="734876951" sldId="1976"/>
+            <ac:spMk id="14" creationId="{43A4C0EE-2194-4C01-AE53-897529846AA4}"/>
+          </ac:spMkLst>
+        </pc:spChg>
+        <pc:spChg chg="mod">
+          <ac:chgData name="Ofer Zadikario" userId="f36b4b4543f14e71" providerId="LiveId" clId="{1B21135D-3E2A-4062-A932-3953D53E119A}" dt="2020-08-13T15:30:24.856" v="832"/>
+          <ac:spMkLst>
+            <pc:docMk/>
+            <pc:sldMk cId="734876951" sldId="1976"/>
+            <ac:spMk id="15" creationId="{D6B58021-F90C-46E7-A61C-872731F09149}"/>
+          </ac:spMkLst>
+        </pc:spChg>
+        <pc:spChg chg="mod">
+          <ac:chgData name="Ofer Zadikario" userId="f36b4b4543f14e71" providerId="LiveId" clId="{1B21135D-3E2A-4062-A932-3953D53E119A}" dt="2020-08-13T15:30:24.856" v="832"/>
+          <ac:spMkLst>
+            <pc:docMk/>
+            <pc:sldMk cId="734876951" sldId="1976"/>
+            <ac:spMk id="17" creationId="{7B7B6AE1-B910-4FC1-97FC-3D09244A451B}"/>
+          </ac:spMkLst>
+        </pc:spChg>
+        <pc:spChg chg="mod">
+          <ac:chgData name="Ofer Zadikario" userId="f36b4b4543f14e71" providerId="LiveId" clId="{1B21135D-3E2A-4062-A932-3953D53E119A}" dt="2020-08-13T15:30:24.856" v="832"/>
+          <ac:spMkLst>
+            <pc:docMk/>
+            <pc:sldMk cId="734876951" sldId="1976"/>
+            <ac:spMk id="18" creationId="{278F0737-3C31-4F09-AA07-BF48421CB6FC}"/>
+          </ac:spMkLst>
+        </pc:spChg>
+        <pc:spChg chg="mod">
+          <ac:chgData name="Ofer Zadikario" userId="f36b4b4543f14e71" providerId="LiveId" clId="{1B21135D-3E2A-4062-A932-3953D53E119A}" dt="2020-08-13T15:30:24.856" v="832"/>
+          <ac:spMkLst>
+            <pc:docMk/>
+            <pc:sldMk cId="734876951" sldId="1976"/>
+            <ac:spMk id="20" creationId="{AE676D7F-A1AD-48C6-AE3D-201B6803148C}"/>
+          </ac:spMkLst>
+        </pc:spChg>
+        <pc:spChg chg="mod">
+          <ac:chgData name="Ofer Zadikario" userId="f36b4b4543f14e71" providerId="LiveId" clId="{1B21135D-3E2A-4062-A932-3953D53E119A}" dt="2020-08-13T15:30:24.856" v="832"/>
+          <ac:spMkLst>
+            <pc:docMk/>
+            <pc:sldMk cId="734876951" sldId="1976"/>
+            <ac:spMk id="21" creationId="{A2CC188D-1C69-4033-8B87-89955C09DDE4}"/>
+          </ac:spMkLst>
+        </pc:spChg>
+        <pc:spChg chg="add del mod">
+          <ac:chgData name="Ofer Zadikario" userId="f36b4b4543f14e71" providerId="LiveId" clId="{1B21135D-3E2A-4062-A932-3953D53E119A}" dt="2020-08-13T15:31:07.524" v="834" actId="478"/>
+          <ac:spMkLst>
+            <pc:docMk/>
+            <pc:sldMk cId="734876951" sldId="1976"/>
+            <ac:spMk id="22" creationId="{0A79F840-F51D-4609-BD73-0428A3AAB30C}"/>
+          </ac:spMkLst>
+        </pc:spChg>
+        <pc:spChg chg="add del mod">
+          <ac:chgData name="Ofer Zadikario" userId="f36b4b4543f14e71" providerId="LiveId" clId="{1B21135D-3E2A-4062-A932-3953D53E119A}" dt="2020-08-13T15:31:07.524" v="834" actId="478"/>
+          <ac:spMkLst>
+            <pc:docMk/>
+            <pc:sldMk cId="734876951" sldId="1976"/>
+            <ac:spMk id="23" creationId="{11438FC1-EEB5-46D0-8CA5-69F794AD0EEA}"/>
+          </ac:spMkLst>
+        </pc:spChg>
+        <pc:spChg chg="add del mod">
+          <ac:chgData name="Ofer Zadikario" userId="f36b4b4543f14e71" providerId="LiveId" clId="{1B21135D-3E2A-4062-A932-3953D53E119A}" dt="2020-08-13T15:31:07.524" v="834" actId="478"/>
+          <ac:spMkLst>
+            <pc:docMk/>
+            <pc:sldMk cId="734876951" sldId="1976"/>
+            <ac:spMk id="24" creationId="{7400AAC9-300B-4D98-BCB5-2FF3FB31EC41}"/>
+          </ac:spMkLst>
+        </pc:spChg>
+        <pc:spChg chg="add del mod">
+          <ac:chgData name="Ofer Zadikario" userId="f36b4b4543f14e71" providerId="LiveId" clId="{1B21135D-3E2A-4062-A932-3953D53E119A}" dt="2020-08-13T15:31:07.524" v="834" actId="478"/>
+          <ac:spMkLst>
+            <pc:docMk/>
+            <pc:sldMk cId="734876951" sldId="1976"/>
+            <ac:spMk id="25" creationId="{ECAF8996-9585-4BFF-84CF-B48FAF296B51}"/>
+          </ac:spMkLst>
+        </pc:spChg>
+        <pc:spChg chg="add del mod">
+          <ac:chgData name="Ofer Zadikario" userId="f36b4b4543f14e71" providerId="LiveId" clId="{1B21135D-3E2A-4062-A932-3953D53E119A}" dt="2020-08-13T15:31:07.524" v="834" actId="478"/>
+          <ac:spMkLst>
+            <pc:docMk/>
+            <pc:sldMk cId="734876951" sldId="1976"/>
+            <ac:spMk id="26" creationId="{1A29696A-274B-4180-A511-289BF3B8479C}"/>
+          </ac:spMkLst>
+        </pc:spChg>
+        <pc:spChg chg="add del mod">
+          <ac:chgData name="Ofer Zadikario" userId="f36b4b4543f14e71" providerId="LiveId" clId="{1B21135D-3E2A-4062-A932-3953D53E119A}" dt="2020-08-13T15:31:07.524" v="834" actId="478"/>
+          <ac:spMkLst>
+            <pc:docMk/>
+            <pc:sldMk cId="734876951" sldId="1976"/>
+            <ac:spMk id="27" creationId="{15F8222B-F2B3-4D43-B95A-AA5C6A997902}"/>
+          </ac:spMkLst>
+        </pc:spChg>
+        <pc:spChg chg="add del mod">
+          <ac:chgData name="Ofer Zadikario" userId="f36b4b4543f14e71" providerId="LiveId" clId="{1B21135D-3E2A-4062-A932-3953D53E119A}" dt="2020-08-13T15:31:07.524" v="834" actId="478"/>
+          <ac:spMkLst>
+            <pc:docMk/>
+            <pc:sldMk cId="734876951" sldId="1976"/>
+            <ac:spMk id="28" creationId="{8FE35A31-E2AF-4F71-A1C9-7D2CBD4CB191}"/>
+          </ac:spMkLst>
+        </pc:spChg>
+        <pc:spChg chg="add del mod">
+          <ac:chgData name="Ofer Zadikario" userId="f36b4b4543f14e71" providerId="LiveId" clId="{1B21135D-3E2A-4062-A932-3953D53E119A}" dt="2020-08-13T15:31:07.524" v="834" actId="478"/>
+          <ac:spMkLst>
+            <pc:docMk/>
+            <pc:sldMk cId="734876951" sldId="1976"/>
+            <ac:spMk id="29" creationId="{622982C8-0252-4C08-8FEF-FF66E73A1741}"/>
+          </ac:spMkLst>
+        </pc:spChg>
+        <pc:spChg chg="add del mod">
+          <ac:chgData name="Ofer Zadikario" userId="f36b4b4543f14e71" providerId="LiveId" clId="{1B21135D-3E2A-4062-A932-3953D53E119A}" dt="2020-08-13T15:31:07.524" v="834" actId="478"/>
+          <ac:spMkLst>
+            <pc:docMk/>
+            <pc:sldMk cId="734876951" sldId="1976"/>
+            <ac:spMk id="30" creationId="{AFD43EC5-68D9-4DDA-A9B2-A49592214FF8}"/>
+          </ac:spMkLst>
+        </pc:spChg>
+        <pc:spChg chg="add del mod">
+          <ac:chgData name="Ofer Zadikario" userId="f36b4b4543f14e71" providerId="LiveId" clId="{1B21135D-3E2A-4062-A932-3953D53E119A}" dt="2020-08-13T15:31:07.524" v="834" actId="478"/>
+          <ac:spMkLst>
+            <pc:docMk/>
+            <pc:sldMk cId="734876951" sldId="1976"/>
+            <ac:spMk id="31" creationId="{74A8F76B-33F2-4329-A3D3-A17A568CA60A}"/>
+          </ac:spMkLst>
+        </pc:spChg>
+        <pc:spChg chg="add del mod">
+          <ac:chgData name="Ofer Zadikario" userId="f36b4b4543f14e71" providerId="LiveId" clId="{1B21135D-3E2A-4062-A932-3953D53E119A}" dt="2020-08-13T15:30:48.803" v="833" actId="478"/>
+          <ac:spMkLst>
+            <pc:docMk/>
+            <pc:sldMk cId="734876951" sldId="1976"/>
+            <ac:spMk id="32" creationId="{16E21FB7-B59E-4A3A-9AEB-5D8A38F51E4F}"/>
+          </ac:spMkLst>
+        </pc:spChg>
+        <pc:spChg chg="add del mod">
+          <ac:chgData name="Ofer Zadikario" userId="f36b4b4543f14e71" providerId="LiveId" clId="{1B21135D-3E2A-4062-A932-3953D53E119A}" dt="2020-08-13T15:31:07.524" v="834" actId="478"/>
+          <ac:spMkLst>
+            <pc:docMk/>
+            <pc:sldMk cId="734876951" sldId="1976"/>
+            <ac:spMk id="33" creationId="{D77A76BE-FF6F-4F14-A697-76F242D85EE6}"/>
+          </ac:spMkLst>
+        </pc:spChg>
+        <pc:spChg chg="add del mod">
+          <ac:chgData name="Ofer Zadikario" userId="f36b4b4543f14e71" providerId="LiveId" clId="{1B21135D-3E2A-4062-A932-3953D53E119A}" dt="2020-08-13T15:31:07.524" v="834" actId="478"/>
+          <ac:spMkLst>
+            <pc:docMk/>
+            <pc:sldMk cId="734876951" sldId="1976"/>
+            <ac:spMk id="34" creationId="{009C2749-2D94-4B47-9B27-E1E2464577F5}"/>
+          </ac:spMkLst>
+        </pc:spChg>
+        <pc:spChg chg="add del mod">
+          <ac:chgData name="Ofer Zadikario" userId="f36b4b4543f14e71" providerId="LiveId" clId="{1B21135D-3E2A-4062-A932-3953D53E119A}" dt="2020-08-13T15:31:07.524" v="834" actId="478"/>
+          <ac:spMkLst>
+            <pc:docMk/>
+            <pc:sldMk cId="734876951" sldId="1976"/>
+            <ac:spMk id="35" creationId="{D3AC494D-06B0-45BF-A536-6BC42E302BFE}"/>
+          </ac:spMkLst>
+        </pc:spChg>
+        <pc:spChg chg="add del mod">
+          <ac:chgData name="Ofer Zadikario" userId="f36b4b4543f14e71" providerId="LiveId" clId="{1B21135D-3E2A-4062-A932-3953D53E119A}" dt="2020-08-13T15:31:07.524" v="834" actId="478"/>
+          <ac:spMkLst>
+            <pc:docMk/>
+            <pc:sldMk cId="734876951" sldId="1976"/>
+            <ac:spMk id="36" creationId="{7719856B-D056-4684-A441-83A3A82EEEC0}"/>
+          </ac:spMkLst>
+        </pc:spChg>
+        <pc:spChg chg="add mod">
+          <ac:chgData name="Ofer Zadikario" userId="f36b4b4543f14e71" providerId="LiveId" clId="{1B21135D-3E2A-4062-A932-3953D53E119A}" dt="2020-08-13T15:42:49.106" v="1105" actId="20577"/>
+          <ac:spMkLst>
+            <pc:docMk/>
+            <pc:sldMk cId="734876951" sldId="1976"/>
+            <ac:spMk id="41" creationId="{81698B50-E847-4B86-85CE-CA5583778DEB}"/>
+          </ac:spMkLst>
+        </pc:spChg>
+        <pc:spChg chg="add mod">
+          <ac:chgData name="Ofer Zadikario" userId="f36b4b4543f14e71" providerId="LiveId" clId="{1B21135D-3E2A-4062-A932-3953D53E119A}" dt="2020-08-13T15:43:09.335" v="1109" actId="20577"/>
+          <ac:spMkLst>
+            <pc:docMk/>
+            <pc:sldMk cId="734876951" sldId="1976"/>
+            <ac:spMk id="42" creationId="{801D2443-A53E-417D-BA22-B49D6457E963}"/>
+          </ac:spMkLst>
+        </pc:spChg>
+        <pc:grpChg chg="add del mod">
+          <ac:chgData name="Ofer Zadikario" userId="f36b4b4543f14e71" providerId="LiveId" clId="{1B21135D-3E2A-4062-A932-3953D53E119A}" dt="2020-08-13T15:31:07.524" v="834" actId="478"/>
+          <ac:grpSpMkLst>
+            <pc:docMk/>
+            <pc:sldMk cId="734876951" sldId="1976"/>
+            <ac:grpSpMk id="4" creationId="{F4468B38-48D4-402D-A810-79567EE4781D}"/>
+          </ac:grpSpMkLst>
+        </pc:grpChg>
+        <pc:grpChg chg="add del mod">
+          <ac:chgData name="Ofer Zadikario" userId="f36b4b4543f14e71" providerId="LiveId" clId="{1B21135D-3E2A-4062-A932-3953D53E119A}" dt="2020-08-13T15:31:07.524" v="834" actId="478"/>
+          <ac:grpSpMkLst>
+            <pc:docMk/>
+            <pc:sldMk cId="734876951" sldId="1976"/>
+            <ac:grpSpMk id="7" creationId="{84B39D87-AAC1-448A-B24D-C5554CDE417D}"/>
+          </ac:grpSpMkLst>
+        </pc:grpChg>
+        <pc:grpChg chg="add del mod">
+          <ac:chgData name="Ofer Zadikario" userId="f36b4b4543f14e71" providerId="LiveId" clId="{1B21135D-3E2A-4062-A932-3953D53E119A}" dt="2020-08-13T15:31:07.524" v="834" actId="478"/>
+          <ac:grpSpMkLst>
+            <pc:docMk/>
+            <pc:sldMk cId="734876951" sldId="1976"/>
+            <ac:grpSpMk id="10" creationId="{EE90D2D0-7496-4FD5-8935-7C73DFE5860D}"/>
+          </ac:grpSpMkLst>
+        </pc:grpChg>
+        <pc:grpChg chg="add del mod">
+          <ac:chgData name="Ofer Zadikario" userId="f36b4b4543f14e71" providerId="LiveId" clId="{1B21135D-3E2A-4062-A932-3953D53E119A}" dt="2020-08-13T15:31:07.524" v="834" actId="478"/>
+          <ac:grpSpMkLst>
+            <pc:docMk/>
+            <pc:sldMk cId="734876951" sldId="1976"/>
+            <ac:grpSpMk id="13" creationId="{6707FB59-B3A1-43F8-A064-3230C1715DCF}"/>
+          </ac:grpSpMkLst>
+        </pc:grpChg>
+        <pc:grpChg chg="add del mod">
+          <ac:chgData name="Ofer Zadikario" userId="f36b4b4543f14e71" providerId="LiveId" clId="{1B21135D-3E2A-4062-A932-3953D53E119A}" dt="2020-08-13T15:31:07.524" v="834" actId="478"/>
+          <ac:grpSpMkLst>
+            <pc:docMk/>
+            <pc:sldMk cId="734876951" sldId="1976"/>
+            <ac:grpSpMk id="16" creationId="{1883DABF-E0EF-4306-90E6-10E5785AC6D0}"/>
+          </ac:grpSpMkLst>
+        </pc:grpChg>
+        <pc:grpChg chg="add del mod">
+          <ac:chgData name="Ofer Zadikario" userId="f36b4b4543f14e71" providerId="LiveId" clId="{1B21135D-3E2A-4062-A932-3953D53E119A}" dt="2020-08-13T15:31:07.524" v="834" actId="478"/>
+          <ac:grpSpMkLst>
+            <pc:docMk/>
+            <pc:sldMk cId="734876951" sldId="1976"/>
+            <ac:grpSpMk id="19" creationId="{79AE532D-9141-4030-9420-B82E054496C0}"/>
+          </ac:grpSpMkLst>
+        </pc:grpChg>
+        <pc:picChg chg="add mod">
+          <ac:chgData name="Ofer Zadikario" userId="f36b4b4543f14e71" providerId="LiveId" clId="{1B21135D-3E2A-4062-A932-3953D53E119A}" dt="2020-08-13T15:42:13.124" v="1101" actId="1076"/>
+          <ac:picMkLst>
+            <pc:docMk/>
+            <pc:sldMk cId="734876951" sldId="1976"/>
+            <ac:picMk id="37" creationId="{C55DA5BA-39A9-4853-9519-8D67FA3797C9}"/>
+          </ac:picMkLst>
+        </pc:picChg>
+        <pc:picChg chg="add mod">
+          <ac:chgData name="Ofer Zadikario" userId="f36b4b4543f14e71" providerId="LiveId" clId="{1B21135D-3E2A-4062-A932-3953D53E119A}" dt="2020-08-13T15:41:16.472" v="1096" actId="1036"/>
+          <ac:picMkLst>
+            <pc:docMk/>
+            <pc:sldMk cId="734876951" sldId="1976"/>
+            <ac:picMk id="38" creationId="{C1C1676F-E1DE-4EF4-B1B9-3C344B36AFF4}"/>
+          </ac:picMkLst>
+        </pc:picChg>
+        <pc:picChg chg="add mod">
+          <ac:chgData name="Ofer Zadikario" userId="f36b4b4543f14e71" providerId="LiveId" clId="{1B21135D-3E2A-4062-A932-3953D53E119A}" dt="2020-08-13T15:41:16.472" v="1096" actId="1036"/>
+          <ac:picMkLst>
+            <pc:docMk/>
+            <pc:sldMk cId="734876951" sldId="1976"/>
+            <ac:picMk id="39" creationId="{9B50007E-DCFC-4D2C-9BEB-97E47EA07F17}"/>
+          </ac:picMkLst>
+        </pc:picChg>
+        <pc:picChg chg="add mod">
+          <ac:chgData name="Ofer Zadikario" userId="f36b4b4543f14e71" providerId="LiveId" clId="{1B21135D-3E2A-4062-A932-3953D53E119A}" dt="2020-08-13T15:41:16.472" v="1096" actId="1036"/>
+          <ac:picMkLst>
+            <pc:docMk/>
+            <pc:sldMk cId="734876951" sldId="1976"/>
+            <ac:picMk id="40" creationId="{98C63CD0-935F-4ACB-8CB6-EA346124C443}"/>
+          </ac:picMkLst>
+        </pc:picChg>
+      </pc:sldChg>
+      <pc:sldChg chg="addSp delSp modSp add mod modAnim">
+        <pc:chgData name="Ofer Zadikario" userId="f36b4b4543f14e71" providerId="LiveId" clId="{1B21135D-3E2A-4062-A932-3953D53E119A}" dt="2020-08-13T16:19:03.812" v="2026"/>
+        <pc:sldMkLst>
+          <pc:docMk/>
+          <pc:sldMk cId="771297805" sldId="1977"/>
+        </pc:sldMkLst>
+        <pc:spChg chg="mod">
+          <ac:chgData name="Ofer Zadikario" userId="f36b4b4543f14e71" providerId="LiveId" clId="{1B21135D-3E2A-4062-A932-3953D53E119A}" dt="2020-08-13T16:01:43.725" v="1529" actId="20577"/>
+          <ac:spMkLst>
+            <pc:docMk/>
+            <pc:sldMk cId="771297805" sldId="1977"/>
+            <ac:spMk id="2" creationId="{00000000-0000-0000-0000-000000000000}"/>
+          </ac:spMkLst>
+        </pc:spChg>
+        <pc:spChg chg="add mod">
+          <ac:chgData name="Ofer Zadikario" userId="f36b4b4543f14e71" providerId="LiveId" clId="{1B21135D-3E2A-4062-A932-3953D53E119A}" dt="2020-08-13T16:16:32.195" v="1862" actId="1076"/>
+          <ac:spMkLst>
+            <pc:docMk/>
+            <pc:sldMk cId="771297805" sldId="1977"/>
+            <ac:spMk id="13" creationId="{69238FB2-E7B0-4201-B025-6D73C88FD984}"/>
+          </ac:spMkLst>
+        </pc:spChg>
+        <pc:spChg chg="del mod">
+          <ac:chgData name="Ofer Zadikario" userId="f36b4b4543f14e71" providerId="LiveId" clId="{1B21135D-3E2A-4062-A932-3953D53E119A}" dt="2020-08-13T16:07:23.556" v="1544" actId="478"/>
+          <ac:spMkLst>
+            <pc:docMk/>
+            <pc:sldMk cId="771297805" sldId="1977"/>
+            <ac:spMk id="14" creationId="{00000000-0000-0000-0000-000000000000}"/>
+          </ac:spMkLst>
+        </pc:spChg>
+        <pc:spChg chg="add mod">
+          <ac:chgData name="Ofer Zadikario" userId="f36b4b4543f14e71" providerId="LiveId" clId="{1B21135D-3E2A-4062-A932-3953D53E119A}" dt="2020-08-13T16:17:30.314" v="1960" actId="1038"/>
+          <ac:spMkLst>
+            <pc:docMk/>
+            <pc:sldMk cId="771297805" sldId="1977"/>
+            <ac:spMk id="16" creationId="{B0C63474-7B87-4EBD-A86A-3D6FA4812177}"/>
+          </ac:spMkLst>
+        </pc:spChg>
+        <pc:spChg chg="add mod">
+          <ac:chgData name="Ofer Zadikario" userId="f36b4b4543f14e71" providerId="LiveId" clId="{1B21135D-3E2A-4062-A932-3953D53E119A}" dt="2020-08-13T16:17:48.326" v="2017" actId="1035"/>
+          <ac:spMkLst>
+            <pc:docMk/>
+            <pc:sldMk cId="771297805" sldId="1977"/>
+            <ac:spMk id="21" creationId="{2E94C3C0-220E-4D38-9A7C-A703F541AA33}"/>
+          </ac:spMkLst>
+        </pc:spChg>
+        <pc:spChg chg="add mod">
+          <ac:chgData name="Ofer Zadikario" userId="f36b4b4543f14e71" providerId="LiveId" clId="{1B21135D-3E2A-4062-A932-3953D53E119A}" dt="2020-08-13T16:17:48.326" v="2017" actId="1035"/>
+          <ac:spMkLst>
+            <pc:docMk/>
+            <pc:sldMk cId="771297805" sldId="1977"/>
+            <ac:spMk id="23" creationId="{2FC2CA8B-6E0F-4FC7-9B0C-5F065AA9FF21}"/>
+          </ac:spMkLst>
+        </pc:spChg>
+        <pc:picChg chg="add mod">
+          <ac:chgData name="Ofer Zadikario" userId="f36b4b4543f14e71" providerId="LiveId" clId="{1B21135D-3E2A-4062-A932-3953D53E119A}" dt="2020-08-13T16:02:37.206" v="1532" actId="14100"/>
+          <ac:picMkLst>
+            <pc:docMk/>
+            <pc:sldMk cId="771297805" sldId="1977"/>
+            <ac:picMk id="3" creationId="{943470CB-8CFE-4B72-B775-2D136BA646D8}"/>
+          </ac:picMkLst>
+        </pc:picChg>
+        <pc:picChg chg="add mod">
+          <ac:chgData name="Ofer Zadikario" userId="f36b4b4543f14e71" providerId="LiveId" clId="{1B21135D-3E2A-4062-A932-3953D53E119A}" dt="2020-08-13T16:14:34.432" v="1838" actId="1076"/>
+          <ac:picMkLst>
+            <pc:docMk/>
+            <pc:sldMk cId="771297805" sldId="1977"/>
+            <ac:picMk id="4" creationId="{785DBB4A-94D0-41B5-8585-A2D0F88AECA5}"/>
+          </ac:picMkLst>
+        </pc:picChg>
+        <pc:picChg chg="add mod">
+          <ac:chgData name="Ofer Zadikario" userId="f36b4b4543f14e71" providerId="LiveId" clId="{1B21135D-3E2A-4062-A932-3953D53E119A}" dt="2020-08-13T16:14:50.448" v="1842" actId="1076"/>
+          <ac:picMkLst>
+            <pc:docMk/>
+            <pc:sldMk cId="771297805" sldId="1977"/>
+            <ac:picMk id="5" creationId="{8D7E75D8-9E8D-4A94-B289-EA7AF0C4B555}"/>
+          </ac:picMkLst>
+        </pc:picChg>
+        <pc:picChg chg="add del mod">
+          <ac:chgData name="Ofer Zadikario" userId="f36b4b4543f14e71" providerId="LiveId" clId="{1B21135D-3E2A-4062-A932-3953D53E119A}" dt="2020-08-13T16:12:00.817" v="1682" actId="478"/>
+          <ac:picMkLst>
+            <pc:docMk/>
+            <pc:sldMk cId="771297805" sldId="1977"/>
+            <ac:picMk id="6" creationId="{5FEB5E94-B223-44AC-94E8-2FF3C8CA89AD}"/>
+          </ac:picMkLst>
+        </pc:picChg>
+        <pc:picChg chg="add del mod">
+          <ac:chgData name="Ofer Zadikario" userId="f36b4b4543f14e71" providerId="LiveId" clId="{1B21135D-3E2A-4062-A932-3953D53E119A}" dt="2020-08-13T16:13:10.754" v="1748" actId="478"/>
+          <ac:picMkLst>
+            <pc:docMk/>
+            <pc:sldMk cId="771297805" sldId="1977"/>
+            <ac:picMk id="7" creationId="{9E9D1AD1-BD2D-41F9-9489-FFCDC6494995}"/>
+          </ac:picMkLst>
+        </pc:picChg>
+        <pc:picChg chg="add del mod">
+          <ac:chgData name="Ofer Zadikario" userId="f36b4b4543f14e71" providerId="LiveId" clId="{1B21135D-3E2A-4062-A932-3953D53E119A}" dt="2020-08-13T16:13:15.397" v="1750" actId="478"/>
+          <ac:picMkLst>
+            <pc:docMk/>
+            <pc:sldMk cId="771297805" sldId="1977"/>
+            <ac:picMk id="8" creationId="{9A288DA0-36EA-42EA-BD17-808AB8062E84}"/>
+          </ac:picMkLst>
+        </pc:picChg>
+        <pc:picChg chg="add mod">
+          <ac:chgData name="Ofer Zadikario" userId="f36b4b4543f14e71" providerId="LiveId" clId="{1B21135D-3E2A-4062-A932-3953D53E119A}" dt="2020-08-13T16:14:53.184" v="1843" actId="1076"/>
+          <ac:picMkLst>
+            <pc:docMk/>
+            <pc:sldMk cId="771297805" sldId="1977"/>
+            <ac:picMk id="9" creationId="{442E651C-781B-4EA6-B080-03F699D1BEAF}"/>
+          </ac:picMkLst>
+        </pc:picChg>
+        <pc:picChg chg="add mod">
+          <ac:chgData name="Ofer Zadikario" userId="f36b4b4543f14e71" providerId="LiveId" clId="{1B21135D-3E2A-4062-A932-3953D53E119A}" dt="2020-08-13T16:14:47.302" v="1841" actId="1076"/>
+          <ac:picMkLst>
+            <pc:docMk/>
+            <pc:sldMk cId="771297805" sldId="1977"/>
+            <ac:picMk id="10" creationId="{B474ACB8-91A3-4E9C-AE9C-4A280D5C0944}"/>
+          </ac:picMkLst>
+        </pc:picChg>
+        <pc:cxnChg chg="add">
+          <ac:chgData name="Ofer Zadikario" userId="f36b4b4543f14e71" providerId="LiveId" clId="{1B21135D-3E2A-4062-A932-3953D53E119A}" dt="2020-08-13T16:15:35.957" v="1844" actId="11529"/>
+          <ac:cxnSpMkLst>
+            <pc:docMk/>
+            <pc:sldMk cId="771297805" sldId="1977"/>
+            <ac:cxnSpMk id="12" creationId="{7F7EFBA7-3E95-44A3-A672-7929A24A7325}"/>
+          </ac:cxnSpMkLst>
+        </pc:cxnChg>
+        <pc:cxnChg chg="add mod">
+          <ac:chgData name="Ofer Zadikario" userId="f36b4b4543f14e71" providerId="LiveId" clId="{1B21135D-3E2A-4062-A932-3953D53E119A}" dt="2020-08-13T16:17:22.822" v="1935" actId="14100"/>
+          <ac:cxnSpMkLst>
+            <pc:docMk/>
+            <pc:sldMk cId="771297805" sldId="1977"/>
+            <ac:cxnSpMk id="15" creationId="{BCA68D7A-14F5-47E1-A9E5-803B3A9C1AB6}"/>
+          </ac:cxnSpMkLst>
+        </pc:cxnChg>
+        <pc:cxnChg chg="add mod">
+          <ac:chgData name="Ofer Zadikario" userId="f36b4b4543f14e71" providerId="LiveId" clId="{1B21135D-3E2A-4062-A932-3953D53E119A}" dt="2020-08-13T16:17:48.326" v="2017" actId="1035"/>
+          <ac:cxnSpMkLst>
+            <pc:docMk/>
+            <pc:sldMk cId="771297805" sldId="1977"/>
+            <ac:cxnSpMk id="20" creationId="{BDB41183-AC3A-4345-982E-2845D5C381FF}"/>
+          </ac:cxnSpMkLst>
+        </pc:cxnChg>
+        <pc:cxnChg chg="add mod">
+          <ac:chgData name="Ofer Zadikario" userId="f36b4b4543f14e71" providerId="LiveId" clId="{1B21135D-3E2A-4062-A932-3953D53E119A}" dt="2020-08-13T16:17:48.326" v="2017" actId="1035"/>
+          <ac:cxnSpMkLst>
+            <pc:docMk/>
+            <pc:sldMk cId="771297805" sldId="1977"/>
+            <ac:cxnSpMk id="22" creationId="{F60649A9-7BE9-4DE0-8948-35DB9527018B}"/>
+          </ac:cxnSpMkLst>
+        </pc:cxnChg>
+      </pc:sldChg>
+      <pc:sldChg chg="addSp delSp modSp add mod delAnim">
+        <pc:chgData name="Ofer Zadikario" userId="f36b4b4543f14e71" providerId="LiveId" clId="{1B21135D-3E2A-4062-A932-3953D53E119A}" dt="2020-08-17T14:46:42.058" v="2589" actId="404"/>
+        <pc:sldMkLst>
+          <pc:docMk/>
+          <pc:sldMk cId="871966903" sldId="1978"/>
+        </pc:sldMkLst>
+        <pc:spChg chg="add mod">
+          <ac:chgData name="Ofer Zadikario" userId="f36b4b4543f14e71" providerId="LiveId" clId="{1B21135D-3E2A-4062-A932-3953D53E119A}" dt="2020-08-17T14:46:42.058" v="2589" actId="404"/>
+          <ac:spMkLst>
+            <pc:docMk/>
+            <pc:sldMk cId="871966903" sldId="1978"/>
+            <ac:spMk id="3" creationId="{381AC275-8FC3-48A2-8A6E-30F17389BDB4}"/>
+          </ac:spMkLst>
+        </pc:spChg>
+        <pc:spChg chg="add mod">
+          <ac:chgData name="Ofer Zadikario" userId="f36b4b4543f14e71" providerId="LiveId" clId="{1B21135D-3E2A-4062-A932-3953D53E119A}" dt="2020-08-17T14:44:25.017" v="2391" actId="693"/>
+          <ac:spMkLst>
+            <pc:docMk/>
+            <pc:sldMk cId="871966903" sldId="1978"/>
+            <ac:spMk id="4" creationId="{6B396C3F-5A8C-4271-8EB8-72F2913B37E4}"/>
+          </ac:spMkLst>
+        </pc:spChg>
+        <pc:spChg chg="del">
+          <ac:chgData name="Ofer Zadikario" userId="f36b4b4543f14e71" providerId="LiveId" clId="{1B21135D-3E2A-4062-A932-3953D53E119A}" dt="2020-08-17T14:41:56.692" v="2244" actId="478"/>
+          <ac:spMkLst>
+            <pc:docMk/>
+            <pc:sldMk cId="871966903" sldId="1978"/>
+            <ac:spMk id="41" creationId="{81698B50-E847-4B86-85CE-CA5583778DEB}"/>
+          </ac:spMkLst>
+        </pc:spChg>
+        <pc:spChg chg="del mod">
+          <ac:chgData name="Ofer Zadikario" userId="f36b4b4543f14e71" providerId="LiveId" clId="{1B21135D-3E2A-4062-A932-3953D53E119A}" dt="2020-08-17T14:42:01.241" v="2246" actId="478"/>
+          <ac:spMkLst>
+            <pc:docMk/>
+            <pc:sldMk cId="871966903" sldId="1978"/>
+            <ac:spMk id="42" creationId="{801D2443-A53E-417D-BA22-B49D6457E963}"/>
+          </ac:spMkLst>
+        </pc:spChg>
+      </pc:sldChg>
+      <pc:sldChg chg="modSp add del mod">
+        <pc:chgData name="Ofer Zadikario" userId="f36b4b4543f14e71" providerId="LiveId" clId="{1B21135D-3E2A-4062-A932-3953D53E119A}" dt="2020-08-17T08:18:16.682" v="2242" actId="2696"/>
+        <pc:sldMkLst>
+          <pc:docMk/>
+          <pc:sldMk cId="1332181442" sldId="1978"/>
+        </pc:sldMkLst>
+        <pc:spChg chg="mod">
+          <ac:chgData name="Ofer Zadikario" userId="f36b4b4543f14e71" providerId="LiveId" clId="{1B21135D-3E2A-4062-A932-3953D53E119A}" dt="2020-08-13T16:21:37.738" v="2089" actId="20577"/>
+          <ac:spMkLst>
+            <pc:docMk/>
+            <pc:sldMk cId="1332181442" sldId="1978"/>
+            <ac:spMk id="2" creationId="{00000000-0000-0000-0000-000000000000}"/>
+          </ac:spMkLst>
+        </pc:spChg>
+      </pc:sldChg>
+      <pc:sldChg chg="addSp delSp modSp add mod">
+        <pc:chgData name="Ofer Zadikario" userId="f36b4b4543f14e71" providerId="LiveId" clId="{1B21135D-3E2A-4062-A932-3953D53E119A}" dt="2020-08-17T14:51:50.339" v="2748" actId="1035"/>
         <pc:sldMkLst>
           <pc:docMk/>
           <pc:sldMk cId="2039785200" sldId="1979"/>
         </pc:sldMkLst>
+        <pc:spChg chg="mod">
+          <ac:chgData name="Ofer Zadikario" userId="f36b4b4543f14e71" providerId="LiveId" clId="{1B21135D-3E2A-4062-A932-3953D53E119A}" dt="2020-08-17T14:48:45.966" v="2603" actId="20577"/>
+          <ac:spMkLst>
+            <pc:docMk/>
+            <pc:sldMk cId="2039785200" sldId="1979"/>
+            <ac:spMk id="2" creationId="{00000000-0000-0000-0000-000000000000}"/>
+          </ac:spMkLst>
+        </pc:spChg>
+        <pc:spChg chg="add del">
+          <ac:chgData name="Ofer Zadikario" userId="f36b4b4543f14e71" providerId="LiveId" clId="{1B21135D-3E2A-4062-A932-3953D53E119A}" dt="2020-08-17T14:50:30.909" v="2676"/>
+          <ac:spMkLst>
+            <pc:docMk/>
+            <pc:sldMk cId="2039785200" sldId="1979"/>
+            <ac:spMk id="3" creationId="{B06AAD65-F40A-4141-A4AB-59E0A8616288}"/>
+          </ac:spMkLst>
+        </pc:spChg>
+        <pc:spChg chg="add del">
+          <ac:chgData name="Ofer Zadikario" userId="f36b4b4543f14e71" providerId="LiveId" clId="{1B21135D-3E2A-4062-A932-3953D53E119A}" dt="2020-08-17T14:50:46.904" v="2678"/>
+          <ac:spMkLst>
+            <pc:docMk/>
+            <pc:sldMk cId="2039785200" sldId="1979"/>
+            <ac:spMk id="4" creationId="{CA9AD1A9-C8D7-44E9-B7F2-3CAECC1D2011}"/>
+          </ac:spMkLst>
+        </pc:spChg>
+        <pc:spChg chg="mod">
+          <ac:chgData name="Ofer Zadikario" userId="f36b4b4543f14e71" providerId="LiveId" clId="{1B21135D-3E2A-4062-A932-3953D53E119A}" dt="2020-08-17T14:50:18.213" v="2674" actId="20577"/>
+          <ac:spMkLst>
+            <pc:docMk/>
+            <pc:sldMk cId="2039785200" sldId="1979"/>
+            <ac:spMk id="14" creationId="{00000000-0000-0000-0000-000000000000}"/>
+          </ac:spMkLst>
+        </pc:spChg>
+        <pc:picChg chg="add mod">
+          <ac:chgData name="Ofer Zadikario" userId="f36b4b4543f14e71" providerId="LiveId" clId="{1B21135D-3E2A-4062-A932-3953D53E119A}" dt="2020-08-17T14:51:50.339" v="2748" actId="1035"/>
+          <ac:picMkLst>
+            <pc:docMk/>
+            <pc:sldMk cId="2039785200" sldId="1979"/>
+            <ac:picMk id="5" creationId="{9EE8ECEF-D803-4D18-9686-ABF4372D11EA}"/>
+          </ac:picMkLst>
+        </pc:picChg>
       </pc:sldChg>
-      <pc:sldChg chg="modSp mod">
-        <pc:chgData name="Ofer Zadikario" userId="f36b4b4543f14e71" providerId="LiveId" clId="{1F85B3E9-3681-46A3-A77E-BAB7914B27A5}" dt="2024-04-07T06:03:39.828" v="1910" actId="113"/>
+      <pc:sldChg chg="delSp modSp add mod">
+        <pc:chgData name="Ofer Zadikario" userId="f36b4b4543f14e71" providerId="LiveId" clId="{1B21135D-3E2A-4062-A932-3953D53E119A}" dt="2020-08-18T07:20:54.878" v="3872" actId="20577"/>
         <pc:sldMkLst>
           <pc:docMk/>
           <pc:sldMk cId="1279745891" sldId="1980"/>
         </pc:sldMkLst>
         <pc:spChg chg="mod">
-          <ac:chgData name="Ofer Zadikario" userId="f36b4b4543f14e71" providerId="LiveId" clId="{1F85B3E9-3681-46A3-A77E-BAB7914B27A5}" dt="2024-04-02T09:31:43.077" v="661" actId="20577"/>
+          <ac:chgData name="Ofer Zadikario" userId="f36b4b4543f14e71" providerId="LiveId" clId="{1B21135D-3E2A-4062-A932-3953D53E119A}" dt="2020-08-18T07:20:54.878" v="3872" actId="20577"/>
           <ac:spMkLst>
             <pc:docMk/>
             <pc:sldMk cId="1279745891" sldId="1980"/>
@@ -837,1055 +3586,75 @@
           </ac:spMkLst>
         </pc:spChg>
         <pc:spChg chg="mod">
-          <ac:chgData name="Ofer Zadikario" userId="f36b4b4543f14e71" providerId="LiveId" clId="{1F85B3E9-3681-46A3-A77E-BAB7914B27A5}" dt="2024-04-07T06:03:39.828" v="1910" actId="113"/>
+          <ac:chgData name="Ofer Zadikario" userId="f36b4b4543f14e71" providerId="LiveId" clId="{1B21135D-3E2A-4062-A932-3953D53E119A}" dt="2020-08-18T07:07:36.820" v="3393" actId="20577"/>
           <ac:spMkLst>
             <pc:docMk/>
             <pc:sldMk cId="1279745891" sldId="1980"/>
             <ac:spMk id="14" creationId="{00000000-0000-0000-0000-000000000000}"/>
           </ac:spMkLst>
         </pc:spChg>
+        <pc:picChg chg="del">
+          <ac:chgData name="Ofer Zadikario" userId="f36b4b4543f14e71" providerId="LiveId" clId="{1B21135D-3E2A-4062-A932-3953D53E119A}" dt="2020-08-18T07:00:56.356" v="2750" actId="478"/>
+          <ac:picMkLst>
+            <pc:docMk/>
+            <pc:sldMk cId="1279745891" sldId="1980"/>
+            <ac:picMk id="5" creationId="{9EE8ECEF-D803-4D18-9686-ABF4372D11EA}"/>
+          </ac:picMkLst>
+        </pc:picChg>
       </pc:sldChg>
-      <pc:sldChg chg="mod modShow">
-        <pc:chgData name="Ofer Zadikario" userId="f36b4b4543f14e71" providerId="LiveId" clId="{1F85B3E9-3681-46A3-A77E-BAB7914B27A5}" dt="2024-04-02T09:51:53.279" v="1828" actId="729"/>
+      <pc:sldChg chg="modSp add mod">
+        <pc:chgData name="Ofer Zadikario" userId="f36b4b4543f14e71" providerId="LiveId" clId="{1B21135D-3E2A-4062-A932-3953D53E119A}" dt="2020-08-18T07:20:41.661" v="3853" actId="20577"/>
         <pc:sldMkLst>
           <pc:docMk/>
           <pc:sldMk cId="150318377" sldId="1981"/>
         </pc:sldMkLst>
+        <pc:spChg chg="mod">
+          <ac:chgData name="Ofer Zadikario" userId="f36b4b4543f14e71" providerId="LiveId" clId="{1B21135D-3E2A-4062-A932-3953D53E119A}" dt="2020-08-18T07:20:41.661" v="3853" actId="20577"/>
+          <ac:spMkLst>
+            <pc:docMk/>
+            <pc:sldMk cId="150318377" sldId="1981"/>
+            <ac:spMk id="2" creationId="{00000000-0000-0000-0000-000000000000}"/>
+          </ac:spMkLst>
+        </pc:spChg>
+        <pc:spChg chg="mod">
+          <ac:chgData name="Ofer Zadikario" userId="f36b4b4543f14e71" providerId="LiveId" clId="{1B21135D-3E2A-4062-A932-3953D53E119A}" dt="2020-08-18T07:20:29.667" v="3833" actId="20577"/>
+          <ac:spMkLst>
+            <pc:docMk/>
+            <pc:sldMk cId="150318377" sldId="1981"/>
+            <ac:spMk id="14" creationId="{00000000-0000-0000-0000-000000000000}"/>
+          </ac:spMkLst>
+        </pc:spChg>
       </pc:sldChg>
-      <pc:sldChg chg="mod modShow">
-        <pc:chgData name="Ofer Zadikario" userId="f36b4b4543f14e71" providerId="LiveId" clId="{1F85B3E9-3681-46A3-A77E-BAB7914B27A5}" dt="2024-04-02T09:51:53.279" v="1828" actId="729"/>
+      <pc:sldChg chg="addSp modSp add mod">
+        <pc:chgData name="Ofer Zadikario" userId="f36b4b4543f14e71" providerId="LiveId" clId="{1B21135D-3E2A-4062-A932-3953D53E119A}" dt="2020-08-18T07:53:40.023" v="4921" actId="1035"/>
         <pc:sldMkLst>
           <pc:docMk/>
           <pc:sldMk cId="1941660991" sldId="1982"/>
         </pc:sldMkLst>
-      </pc:sldChg>
-      <pc:sldChg chg="addSp delSp modSp add mod">
-        <pc:chgData name="Ofer Zadikario" userId="f36b4b4543f14e71" providerId="LiveId" clId="{1F85B3E9-3681-46A3-A77E-BAB7914B27A5}" dt="2024-04-02T09:25:55.507" v="496" actId="9405"/>
-        <pc:sldMkLst>
-          <pc:docMk/>
-          <pc:sldMk cId="550718314" sldId="1983"/>
-        </pc:sldMkLst>
         <pc:spChg chg="mod">
-          <ac:chgData name="Ofer Zadikario" userId="f36b4b4543f14e71" providerId="LiveId" clId="{1F85B3E9-3681-46A3-A77E-BAB7914B27A5}" dt="2024-04-02T09:24:52.558" v="494" actId="20577"/>
+          <ac:chgData name="Ofer Zadikario" userId="f36b4b4543f14e71" providerId="LiveId" clId="{1B21135D-3E2A-4062-A932-3953D53E119A}" dt="2020-08-18T07:23:04.311" v="3988" actId="20577"/>
           <ac:spMkLst>
             <pc:docMk/>
-            <pc:sldMk cId="550718314" sldId="1983"/>
+            <pc:sldMk cId="1941660991" sldId="1982"/>
             <ac:spMk id="2" creationId="{00000000-0000-0000-0000-000000000000}"/>
           </ac:spMkLst>
         </pc:spChg>
-        <pc:spChg chg="del">
-          <ac:chgData name="Ofer Zadikario" userId="f36b4b4543f14e71" providerId="LiveId" clId="{1F85B3E9-3681-46A3-A77E-BAB7914B27A5}" dt="2024-04-02T08:49:52.838" v="74" actId="478"/>
+        <pc:spChg chg="mod">
+          <ac:chgData name="Ofer Zadikario" userId="f36b4b4543f14e71" providerId="LiveId" clId="{1B21135D-3E2A-4062-A932-3953D53E119A}" dt="2020-08-18T07:53:13.984" v="4899" actId="20577"/>
           <ac:spMkLst>
             <pc:docMk/>
-            <pc:sldMk cId="550718314" sldId="1983"/>
+            <pc:sldMk cId="1941660991" sldId="1982"/>
             <ac:spMk id="14" creationId="{00000000-0000-0000-0000-000000000000}"/>
           </ac:spMkLst>
         </pc:spChg>
         <pc:picChg chg="add mod">
-          <ac:chgData name="Ofer Zadikario" userId="f36b4b4543f14e71" providerId="LiveId" clId="{1F85B3E9-3681-46A3-A77E-BAB7914B27A5}" dt="2024-04-02T09:19:26.519" v="76" actId="1076"/>
+          <ac:chgData name="Ofer Zadikario" userId="f36b4b4543f14e71" providerId="LiveId" clId="{1B21135D-3E2A-4062-A932-3953D53E119A}" dt="2020-08-18T07:53:40.023" v="4921" actId="1035"/>
           <ac:picMkLst>
             <pc:docMk/>
-            <pc:sldMk cId="550718314" sldId="1983"/>
-            <ac:picMk id="4" creationId="{6FA4BC03-4FDB-6CA6-A5AC-B023B3830191}"/>
+            <pc:sldMk cId="1941660991" sldId="1982"/>
+            <ac:picMk id="3" creationId="{844E6DA8-3F06-41DF-A771-2DD7D1C3CCE5}"/>
           </ac:picMkLst>
         </pc:picChg>
-        <pc:inkChg chg="add">
-          <ac:chgData name="Ofer Zadikario" userId="f36b4b4543f14e71" providerId="LiveId" clId="{1F85B3E9-3681-46A3-A77E-BAB7914B27A5}" dt="2024-04-02T09:25:48.643" v="495" actId="9405"/>
-          <ac:inkMkLst>
-            <pc:docMk/>
-            <pc:sldMk cId="550718314" sldId="1983"/>
-            <ac:inkMk id="5" creationId="{423D2FE6-11D2-5C9A-1D5C-5E68A423BB2B}"/>
-          </ac:inkMkLst>
-        </pc:inkChg>
-        <pc:inkChg chg="add">
-          <ac:chgData name="Ofer Zadikario" userId="f36b4b4543f14e71" providerId="LiveId" clId="{1F85B3E9-3681-46A3-A77E-BAB7914B27A5}" dt="2024-04-02T09:25:55.507" v="496" actId="9405"/>
-          <ac:inkMkLst>
-            <pc:docMk/>
-            <pc:sldMk cId="550718314" sldId="1983"/>
-            <ac:inkMk id="6" creationId="{DE2DFFB1-F41F-8C5F-1D02-553FDAA45BAF}"/>
-          </ac:inkMkLst>
-        </pc:inkChg>
-      </pc:sldChg>
-      <pc:sldChg chg="addSp delSp modSp add mod ord">
-        <pc:chgData name="Ofer Zadikario" userId="f36b4b4543f14e71" providerId="LiveId" clId="{1F85B3E9-3681-46A3-A77E-BAB7914B27A5}" dt="2024-04-02T09:30:44.622" v="638" actId="20577"/>
-        <pc:sldMkLst>
-          <pc:docMk/>
-          <pc:sldMk cId="1560697618" sldId="1984"/>
-        </pc:sldMkLst>
-        <pc:spChg chg="mod">
-          <ac:chgData name="Ofer Zadikario" userId="f36b4b4543f14e71" providerId="LiveId" clId="{1F85B3E9-3681-46A3-A77E-BAB7914B27A5}" dt="2024-04-02T09:19:59.774" v="116" actId="20577"/>
-          <ac:spMkLst>
-            <pc:docMk/>
-            <pc:sldMk cId="1560697618" sldId="1984"/>
-            <ac:spMk id="2" creationId="{00000000-0000-0000-0000-000000000000}"/>
-          </ac:spMkLst>
-        </pc:spChg>
-        <pc:spChg chg="add mod">
-          <ac:chgData name="Ofer Zadikario" userId="f36b4b4543f14e71" providerId="LiveId" clId="{1F85B3E9-3681-46A3-A77E-BAB7914B27A5}" dt="2024-04-02T09:30:44.622" v="638" actId="20577"/>
-          <ac:spMkLst>
-            <pc:docMk/>
-            <pc:sldMk cId="1560697618" sldId="1984"/>
-            <ac:spMk id="3" creationId="{452A6BD1-C422-931A-117D-D7D62FCEE2CF}"/>
-          </ac:spMkLst>
-        </pc:spChg>
-        <pc:picChg chg="del">
-          <ac:chgData name="Ofer Zadikario" userId="f36b4b4543f14e71" providerId="LiveId" clId="{1F85B3E9-3681-46A3-A77E-BAB7914B27A5}" dt="2024-04-02T09:20:03.172" v="117" actId="478"/>
-          <ac:picMkLst>
-            <pc:docMk/>
-            <pc:sldMk cId="1560697618" sldId="1984"/>
-            <ac:picMk id="4" creationId="{6FA4BC03-4FDB-6CA6-A5AC-B023B3830191}"/>
-          </ac:picMkLst>
-        </pc:picChg>
-        <pc:picChg chg="add mod">
-          <ac:chgData name="Ofer Zadikario" userId="f36b4b4543f14e71" providerId="LiveId" clId="{1F85B3E9-3681-46A3-A77E-BAB7914B27A5}" dt="2024-04-02T09:24:21.284" v="484" actId="1076"/>
-          <ac:picMkLst>
-            <pc:docMk/>
-            <pc:sldMk cId="1560697618" sldId="1984"/>
-            <ac:picMk id="6" creationId="{8C711DD0-651D-84CF-F40C-21FFEEDB95AA}"/>
-          </ac:picMkLst>
-        </pc:picChg>
-      </pc:sldChg>
-      <pc:sldChg chg="addSp delSp modSp add mod">
-        <pc:chgData name="Ofer Zadikario" userId="f36b4b4543f14e71" providerId="LiveId" clId="{1F85B3E9-3681-46A3-A77E-BAB7914B27A5}" dt="2024-04-02T09:47:40.216" v="1348" actId="1076"/>
-        <pc:sldMkLst>
-          <pc:docMk/>
-          <pc:sldMk cId="3497319438" sldId="1985"/>
-        </pc:sldMkLst>
-        <pc:spChg chg="mod">
-          <ac:chgData name="Ofer Zadikario" userId="f36b4b4543f14e71" providerId="LiveId" clId="{1F85B3E9-3681-46A3-A77E-BAB7914B27A5}" dt="2024-04-02T09:26:20.738" v="517" actId="20577"/>
-          <ac:spMkLst>
-            <pc:docMk/>
-            <pc:sldMk cId="3497319438" sldId="1985"/>
-            <ac:spMk id="2" creationId="{00000000-0000-0000-0000-000000000000}"/>
-          </ac:spMkLst>
-        </pc:spChg>
-        <pc:spChg chg="add mod">
-          <ac:chgData name="Ofer Zadikario" userId="f36b4b4543f14e71" providerId="LiveId" clId="{1F85B3E9-3681-46A3-A77E-BAB7914B27A5}" dt="2024-04-02T09:47:40.216" v="1348" actId="1076"/>
-          <ac:spMkLst>
-            <pc:docMk/>
-            <pc:sldMk cId="3497319438" sldId="1985"/>
-            <ac:spMk id="8" creationId="{A45C4027-640E-4BDA-C1ED-E42EC16180CA}"/>
-          </ac:spMkLst>
-        </pc:spChg>
-        <pc:picChg chg="del">
-          <ac:chgData name="Ofer Zadikario" userId="f36b4b4543f14e71" providerId="LiveId" clId="{1F85B3E9-3681-46A3-A77E-BAB7914B27A5}" dt="2024-04-02T09:26:23.423" v="518" actId="478"/>
-          <ac:picMkLst>
-            <pc:docMk/>
-            <pc:sldMk cId="3497319438" sldId="1985"/>
-            <ac:picMk id="4" creationId="{6FA4BC03-4FDB-6CA6-A5AC-B023B3830191}"/>
-          </ac:picMkLst>
-        </pc:picChg>
-        <pc:picChg chg="add del mod">
-          <ac:chgData name="Ofer Zadikario" userId="f36b4b4543f14e71" providerId="LiveId" clId="{1F85B3E9-3681-46A3-A77E-BAB7914B27A5}" dt="2024-04-02T09:47:26.395" v="1345" actId="478"/>
-          <ac:picMkLst>
-            <pc:docMk/>
-            <pc:sldMk cId="3497319438" sldId="1985"/>
-            <ac:picMk id="7" creationId="{27AE4A89-AF37-A3EF-F16F-FE64EE8DEC80}"/>
-          </ac:picMkLst>
-        </pc:picChg>
-        <pc:picChg chg="add ord">
-          <ac:chgData name="Ofer Zadikario" userId="f36b4b4543f14e71" providerId="LiveId" clId="{1F85B3E9-3681-46A3-A77E-BAB7914B27A5}" dt="2024-04-02T09:47:31.445" v="1347" actId="167"/>
-          <ac:picMkLst>
-            <pc:docMk/>
-            <pc:sldMk cId="3497319438" sldId="1985"/>
-            <ac:picMk id="15" creationId="{C547FB7D-0A5C-7DC6-E5CF-1BA5A6131E86}"/>
-          </ac:picMkLst>
-        </pc:picChg>
-        <pc:inkChg chg="del">
-          <ac:chgData name="Ofer Zadikario" userId="f36b4b4543f14e71" providerId="LiveId" clId="{1F85B3E9-3681-46A3-A77E-BAB7914B27A5}" dt="2024-04-02T09:26:25.524" v="519" actId="478"/>
-          <ac:inkMkLst>
-            <pc:docMk/>
-            <pc:sldMk cId="3497319438" sldId="1985"/>
-            <ac:inkMk id="5" creationId="{423D2FE6-11D2-5C9A-1D5C-5E68A423BB2B}"/>
-          </ac:inkMkLst>
-        </pc:inkChg>
-        <pc:inkChg chg="del">
-          <ac:chgData name="Ofer Zadikario" userId="f36b4b4543f14e71" providerId="LiveId" clId="{1F85B3E9-3681-46A3-A77E-BAB7914B27A5}" dt="2024-04-02T09:26:27.755" v="520" actId="478"/>
-          <ac:inkMkLst>
-            <pc:docMk/>
-            <pc:sldMk cId="3497319438" sldId="1985"/>
-            <ac:inkMk id="6" creationId="{DE2DFFB1-F41F-8C5F-1D02-553FDAA45BAF}"/>
-          </ac:inkMkLst>
-        </pc:inkChg>
-        <pc:cxnChg chg="add mod">
-          <ac:chgData name="Ofer Zadikario" userId="f36b4b4543f14e71" providerId="LiveId" clId="{1F85B3E9-3681-46A3-A77E-BAB7914B27A5}" dt="2024-04-02T09:47:40.216" v="1348" actId="1076"/>
-          <ac:cxnSpMkLst>
-            <pc:docMk/>
-            <pc:sldMk cId="3497319438" sldId="1985"/>
-            <ac:cxnSpMk id="10" creationId="{B06EC271-B37B-7CDD-F3C9-6CD87724EBD8}"/>
-          </ac:cxnSpMkLst>
-        </pc:cxnChg>
-        <pc:cxnChg chg="add mod">
-          <ac:chgData name="Ofer Zadikario" userId="f36b4b4543f14e71" providerId="LiveId" clId="{1F85B3E9-3681-46A3-A77E-BAB7914B27A5}" dt="2024-04-02T09:47:40.216" v="1348" actId="1076"/>
-          <ac:cxnSpMkLst>
-            <pc:docMk/>
-            <pc:sldMk cId="3497319438" sldId="1985"/>
-            <ac:cxnSpMk id="12" creationId="{0ACC72E5-94EC-55BD-8F31-B6F2ABE5F58C}"/>
-          </ac:cxnSpMkLst>
-        </pc:cxnChg>
-      </pc:sldChg>
-      <pc:sldChg chg="add mod modShow">
-        <pc:chgData name="Ofer Zadikario" userId="f36b4b4543f14e71" providerId="LiveId" clId="{1F85B3E9-3681-46A3-A77E-BAB7914B27A5}" dt="2024-04-02T09:51:42.213" v="1827" actId="729"/>
-        <pc:sldMkLst>
-          <pc:docMk/>
-          <pc:sldMk cId="2386915115" sldId="1986"/>
-        </pc:sldMkLst>
-      </pc:sldChg>
-    </pc:docChg>
-  </pc:docChgLst>
-  <pc:docChgLst>
-    <pc:chgData name="Ofer Zadikario" userId="f36b4b4543f14e71" providerId="LiveId" clId="{D25CF079-7669-47F7-A175-CD0DCA990239}"/>
-    <pc:docChg chg="undo custSel addSld delSld modSld sldOrd modSection">
-      <pc:chgData name="Ofer Zadikario" userId="f36b4b4543f14e71" providerId="LiveId" clId="{D25CF079-7669-47F7-A175-CD0DCA990239}" dt="2020-08-09T14:42:30.180" v="7620" actId="20577"/>
-      <pc:docMkLst>
-        <pc:docMk/>
-      </pc:docMkLst>
-      <pc:sldChg chg="del">
-        <pc:chgData name="Ofer Zadikario" userId="f36b4b4543f14e71" providerId="LiveId" clId="{D25CF079-7669-47F7-A175-CD0DCA990239}" dt="2020-08-02T16:07:26.510" v="538" actId="47"/>
-        <pc:sldMkLst>
-          <pc:docMk/>
-          <pc:sldMk cId="3286944901" sldId="1555"/>
-        </pc:sldMkLst>
-      </pc:sldChg>
-      <pc:sldChg chg="modSp mod">
-        <pc:chgData name="Ofer Zadikario" userId="f36b4b4543f14e71" providerId="LiveId" clId="{D25CF079-7669-47F7-A175-CD0DCA990239}" dt="2020-08-02T16:00:22.930" v="45" actId="1076"/>
-        <pc:sldMkLst>
-          <pc:docMk/>
-          <pc:sldMk cId="377166578" sldId="1945"/>
-        </pc:sldMkLst>
-        <pc:spChg chg="mod">
-          <ac:chgData name="Ofer Zadikario" userId="f36b4b4543f14e71" providerId="LiveId" clId="{D25CF079-7669-47F7-A175-CD0DCA990239}" dt="2020-08-02T16:00:22.930" v="45" actId="1076"/>
-          <ac:spMkLst>
-            <pc:docMk/>
-            <pc:sldMk cId="377166578" sldId="1945"/>
-            <ac:spMk id="3" creationId="{EAC9D90D-41ED-7A4E-AF05-87821125D59E}"/>
-          </ac:spMkLst>
-        </pc:spChg>
-        <pc:spChg chg="mod">
-          <ac:chgData name="Ofer Zadikario" userId="f36b4b4543f14e71" providerId="LiveId" clId="{D25CF079-7669-47F7-A175-CD0DCA990239}" dt="2020-08-02T16:00:08.873" v="28" actId="20577"/>
-          <ac:spMkLst>
-            <pc:docMk/>
-            <pc:sldMk cId="377166578" sldId="1945"/>
-            <ac:spMk id="5" creationId="{12A9DDC2-32C0-4089-9C42-2D8E189DC490}"/>
-          </ac:spMkLst>
-        </pc:spChg>
-      </pc:sldChg>
-      <pc:sldChg chg="del">
-        <pc:chgData name="Ofer Zadikario" userId="f36b4b4543f14e71" providerId="LiveId" clId="{D25CF079-7669-47F7-A175-CD0DCA990239}" dt="2020-08-02T16:07:26.510" v="538" actId="47"/>
-        <pc:sldMkLst>
-          <pc:docMk/>
-          <pc:sldMk cId="3622608159" sldId="1948"/>
-        </pc:sldMkLst>
-      </pc:sldChg>
-      <pc:sldChg chg="del">
-        <pc:chgData name="Ofer Zadikario" userId="f36b4b4543f14e71" providerId="LiveId" clId="{D25CF079-7669-47F7-A175-CD0DCA990239}" dt="2020-08-02T16:07:26.510" v="538" actId="47"/>
-        <pc:sldMkLst>
-          <pc:docMk/>
-          <pc:sldMk cId="3290748388" sldId="1949"/>
-        </pc:sldMkLst>
-      </pc:sldChg>
-      <pc:sldChg chg="del">
-        <pc:chgData name="Ofer Zadikario" userId="f36b4b4543f14e71" providerId="LiveId" clId="{D25CF079-7669-47F7-A175-CD0DCA990239}" dt="2020-08-02T16:07:26.510" v="538" actId="47"/>
-        <pc:sldMkLst>
-          <pc:docMk/>
-          <pc:sldMk cId="1111177144" sldId="1950"/>
-        </pc:sldMkLst>
-      </pc:sldChg>
-      <pc:sldChg chg="addSp delSp modSp mod">
-        <pc:chgData name="Ofer Zadikario" userId="f36b4b4543f14e71" providerId="LiveId" clId="{D25CF079-7669-47F7-A175-CD0DCA990239}" dt="2020-08-02T16:20:12.357" v="989" actId="14100"/>
-        <pc:sldMkLst>
-          <pc:docMk/>
-          <pc:sldMk cId="740251951" sldId="1951"/>
-        </pc:sldMkLst>
-        <pc:spChg chg="mod">
-          <ac:chgData name="Ofer Zadikario" userId="f36b4b4543f14e71" providerId="LiveId" clId="{D25CF079-7669-47F7-A175-CD0DCA990239}" dt="2020-08-02T16:01:50.752" v="107" actId="6549"/>
-          <ac:spMkLst>
-            <pc:docMk/>
-            <pc:sldMk cId="740251951" sldId="1951"/>
-            <ac:spMk id="2" creationId="{00000000-0000-0000-0000-000000000000}"/>
-          </ac:spMkLst>
-        </pc:spChg>
-        <pc:spChg chg="add mod">
-          <ac:chgData name="Ofer Zadikario" userId="f36b4b4543f14e71" providerId="LiveId" clId="{D25CF079-7669-47F7-A175-CD0DCA990239}" dt="2020-08-02T16:19:21.940" v="849" actId="1036"/>
-          <ac:spMkLst>
-            <pc:docMk/>
-            <pc:sldMk cId="740251951" sldId="1951"/>
-            <ac:spMk id="3" creationId="{F08FBF50-0668-4A06-94F2-9F305E3CC890}"/>
-          </ac:spMkLst>
-        </pc:spChg>
-        <pc:spChg chg="add mod">
-          <ac:chgData name="Ofer Zadikario" userId="f36b4b4543f14e71" providerId="LiveId" clId="{D25CF079-7669-47F7-A175-CD0DCA990239}" dt="2020-08-02T16:11:07.529" v="610" actId="1035"/>
-          <ac:spMkLst>
-            <pc:docMk/>
-            <pc:sldMk cId="740251951" sldId="1951"/>
-            <ac:spMk id="4" creationId="{3BADC5B3-C2CC-4AD2-86D5-0DDD2DAE102F}"/>
-          </ac:spMkLst>
-        </pc:spChg>
-        <pc:spChg chg="add mod">
-          <ac:chgData name="Ofer Zadikario" userId="f36b4b4543f14e71" providerId="LiveId" clId="{D25CF079-7669-47F7-A175-CD0DCA990239}" dt="2020-08-02T16:19:41.425" v="917" actId="1036"/>
-          <ac:spMkLst>
-            <pc:docMk/>
-            <pc:sldMk cId="740251951" sldId="1951"/>
-            <ac:spMk id="5" creationId="{9FD216C7-B2CE-40BF-9674-F1E3FF507F19}"/>
-          </ac:spMkLst>
-        </pc:spChg>
-        <pc:spChg chg="add del mod">
-          <ac:chgData name="Ofer Zadikario" userId="f36b4b4543f14e71" providerId="LiveId" clId="{D25CF079-7669-47F7-A175-CD0DCA990239}" dt="2020-08-02T16:19:47.308" v="919" actId="478"/>
-          <ac:spMkLst>
-            <pc:docMk/>
-            <pc:sldMk cId="740251951" sldId="1951"/>
-            <ac:spMk id="6" creationId="{3012C5C6-321E-4437-84AC-30EBC67D3693}"/>
-          </ac:spMkLst>
-        </pc:spChg>
-        <pc:spChg chg="add del mod">
-          <ac:chgData name="Ofer Zadikario" userId="f36b4b4543f14e71" providerId="LiveId" clId="{D25CF079-7669-47F7-A175-CD0DCA990239}" dt="2020-08-02T16:19:28.479" v="851" actId="478"/>
-          <ac:spMkLst>
-            <pc:docMk/>
-            <pc:sldMk cId="740251951" sldId="1951"/>
-            <ac:spMk id="7" creationId="{A3354755-C684-46CA-BCC0-68E95230FBBF}"/>
-          </ac:spMkLst>
-        </pc:spChg>
-        <pc:spChg chg="add del mod">
-          <ac:chgData name="Ofer Zadikario" userId="f36b4b4543f14e71" providerId="LiveId" clId="{D25CF079-7669-47F7-A175-CD0DCA990239}" dt="2020-08-02T16:19:26.259" v="850" actId="478"/>
-          <ac:spMkLst>
-            <pc:docMk/>
-            <pc:sldMk cId="740251951" sldId="1951"/>
-            <ac:spMk id="9" creationId="{170951F5-7BAE-49CE-A829-C9C08057F725}"/>
-          </ac:spMkLst>
-        </pc:spChg>
-        <pc:spChg chg="add del mod">
-          <ac:chgData name="Ofer Zadikario" userId="f36b4b4543f14e71" providerId="LiveId" clId="{D25CF079-7669-47F7-A175-CD0DCA990239}" dt="2020-08-02T16:19:44.890" v="918" actId="478"/>
-          <ac:spMkLst>
-            <pc:docMk/>
-            <pc:sldMk cId="740251951" sldId="1951"/>
-            <ac:spMk id="11" creationId="{F0AF862A-B4E7-4871-AC70-8A17A179226C}"/>
-          </ac:spMkLst>
-        </pc:spChg>
-        <pc:spChg chg="add mod">
-          <ac:chgData name="Ofer Zadikario" userId="f36b4b4543f14e71" providerId="LiveId" clId="{D25CF079-7669-47F7-A175-CD0DCA990239}" dt="2020-08-02T16:19:35.389" v="900" actId="1038"/>
-          <ac:spMkLst>
-            <pc:docMk/>
-            <pc:sldMk cId="740251951" sldId="1951"/>
-            <ac:spMk id="13" creationId="{D5B208CD-136E-46AA-B625-FD876EC9853F}"/>
-          </ac:spMkLst>
-        </pc:spChg>
-        <pc:spChg chg="mod">
-          <ac:chgData name="Ofer Zadikario" userId="f36b4b4543f14e71" providerId="LiveId" clId="{D25CF079-7669-47F7-A175-CD0DCA990239}" dt="2020-08-02T16:06:18.109" v="537" actId="20577"/>
-          <ac:spMkLst>
-            <pc:docMk/>
-            <pc:sldMk cId="740251951" sldId="1951"/>
-            <ac:spMk id="14" creationId="{00000000-0000-0000-0000-000000000000}"/>
-          </ac:spMkLst>
-        </pc:spChg>
-        <pc:spChg chg="add mod">
-          <ac:chgData name="Ofer Zadikario" userId="f36b4b4543f14e71" providerId="LiveId" clId="{D25CF079-7669-47F7-A175-CD0DCA990239}" dt="2020-08-02T16:20:12.357" v="989" actId="14100"/>
-          <ac:spMkLst>
-            <pc:docMk/>
-            <pc:sldMk cId="740251951" sldId="1951"/>
-            <ac:spMk id="16" creationId="{3A10EFCD-978B-45AB-B8FA-4B26D492A6AB}"/>
-          </ac:spMkLst>
-        </pc:spChg>
-      </pc:sldChg>
-      <pc:sldChg chg="addSp delSp modSp add mod">
-        <pc:chgData name="Ofer Zadikario" userId="f36b4b4543f14e71" providerId="LiveId" clId="{D25CF079-7669-47F7-A175-CD0DCA990239}" dt="2020-08-02T17:08:15.137" v="1400" actId="1037"/>
-        <pc:sldMkLst>
-          <pc:docMk/>
-          <pc:sldMk cId="3165780414" sldId="1952"/>
-        </pc:sldMkLst>
-        <pc:spChg chg="mod">
-          <ac:chgData name="Ofer Zadikario" userId="f36b4b4543f14e71" providerId="LiveId" clId="{D25CF079-7669-47F7-A175-CD0DCA990239}" dt="2020-08-02T16:25:55.157" v="998" actId="1076"/>
-          <ac:spMkLst>
-            <pc:docMk/>
-            <pc:sldMk cId="3165780414" sldId="1952"/>
-            <ac:spMk id="2" creationId="{00000000-0000-0000-0000-000000000000}"/>
-          </ac:spMkLst>
-        </pc:spChg>
-        <pc:spChg chg="del">
-          <ac:chgData name="Ofer Zadikario" userId="f36b4b4543f14e71" providerId="LiveId" clId="{D25CF079-7669-47F7-A175-CD0DCA990239}" dt="2020-08-02T16:59:21.581" v="999" actId="478"/>
-          <ac:spMkLst>
-            <pc:docMk/>
-            <pc:sldMk cId="3165780414" sldId="1952"/>
-            <ac:spMk id="3" creationId="{F08FBF50-0668-4A06-94F2-9F305E3CC890}"/>
-          </ac:spMkLst>
-        </pc:spChg>
-        <pc:spChg chg="del">
-          <ac:chgData name="Ofer Zadikario" userId="f36b4b4543f14e71" providerId="LiveId" clId="{D25CF079-7669-47F7-A175-CD0DCA990239}" dt="2020-08-02T16:59:21.581" v="999" actId="478"/>
-          <ac:spMkLst>
-            <pc:docMk/>
-            <pc:sldMk cId="3165780414" sldId="1952"/>
-            <ac:spMk id="4" creationId="{3BADC5B3-C2CC-4AD2-86D5-0DDD2DAE102F}"/>
-          </ac:spMkLst>
-        </pc:spChg>
-        <pc:spChg chg="del">
-          <ac:chgData name="Ofer Zadikario" userId="f36b4b4543f14e71" providerId="LiveId" clId="{D25CF079-7669-47F7-A175-CD0DCA990239}" dt="2020-08-02T16:59:21.581" v="999" actId="478"/>
-          <ac:spMkLst>
-            <pc:docMk/>
-            <pc:sldMk cId="3165780414" sldId="1952"/>
-            <ac:spMk id="5" creationId="{9FD216C7-B2CE-40BF-9674-F1E3FF507F19}"/>
-          </ac:spMkLst>
-        </pc:spChg>
-        <pc:spChg chg="add mod">
-          <ac:chgData name="Ofer Zadikario" userId="f36b4b4543f14e71" providerId="LiveId" clId="{D25CF079-7669-47F7-A175-CD0DCA990239}" dt="2020-08-02T17:04:13.941" v="1110" actId="404"/>
-          <ac:spMkLst>
-            <pc:docMk/>
-            <pc:sldMk cId="3165780414" sldId="1952"/>
-            <ac:spMk id="8" creationId="{A0F77AF3-CFA1-4EA7-B445-B9046B71ADE0}"/>
-          </ac:spMkLst>
-        </pc:spChg>
-        <pc:spChg chg="add mod">
-          <ac:chgData name="Ofer Zadikario" userId="f36b4b4543f14e71" providerId="LiveId" clId="{D25CF079-7669-47F7-A175-CD0DCA990239}" dt="2020-08-02T17:08:15.137" v="1400" actId="1037"/>
-          <ac:spMkLst>
-            <pc:docMk/>
-            <pc:sldMk cId="3165780414" sldId="1952"/>
-            <ac:spMk id="9" creationId="{29832ED4-0FD3-4779-A2E2-EEA0330FE51E}"/>
-          </ac:spMkLst>
-        </pc:spChg>
-        <pc:spChg chg="del">
-          <ac:chgData name="Ofer Zadikario" userId="f36b4b4543f14e71" providerId="LiveId" clId="{D25CF079-7669-47F7-A175-CD0DCA990239}" dt="2020-08-02T16:59:21.581" v="999" actId="478"/>
-          <ac:spMkLst>
-            <pc:docMk/>
-            <pc:sldMk cId="3165780414" sldId="1952"/>
-            <ac:spMk id="13" creationId="{D5B208CD-136E-46AA-B625-FD876EC9853F}"/>
-          </ac:spMkLst>
-        </pc:spChg>
-        <pc:spChg chg="del">
-          <ac:chgData name="Ofer Zadikario" userId="f36b4b4543f14e71" providerId="LiveId" clId="{D25CF079-7669-47F7-A175-CD0DCA990239}" dt="2020-08-02T17:00:19.404" v="1064" actId="478"/>
-          <ac:spMkLst>
-            <pc:docMk/>
-            <pc:sldMk cId="3165780414" sldId="1952"/>
-            <ac:spMk id="14" creationId="{00000000-0000-0000-0000-000000000000}"/>
-          </ac:spMkLst>
-        </pc:spChg>
-        <pc:spChg chg="del">
-          <ac:chgData name="Ofer Zadikario" userId="f36b4b4543f14e71" providerId="LiveId" clId="{D25CF079-7669-47F7-A175-CD0DCA990239}" dt="2020-08-02T16:59:21.581" v="999" actId="478"/>
-          <ac:spMkLst>
-            <pc:docMk/>
-            <pc:sldMk cId="3165780414" sldId="1952"/>
-            <ac:spMk id="16" creationId="{3A10EFCD-978B-45AB-B8FA-4B26D492A6AB}"/>
-          </ac:spMkLst>
-        </pc:spChg>
-        <pc:picChg chg="add mod">
-          <ac:chgData name="Ofer Zadikario" userId="f36b4b4543f14e71" providerId="LiveId" clId="{D25CF079-7669-47F7-A175-CD0DCA990239}" dt="2020-08-02T17:04:26.340" v="1135" actId="1035"/>
-          <ac:picMkLst>
-            <pc:docMk/>
-            <pc:sldMk cId="3165780414" sldId="1952"/>
-            <ac:picMk id="6" creationId="{C0169249-CDCB-4363-A4FD-F35961DBF75A}"/>
-          </ac:picMkLst>
-        </pc:picChg>
-        <pc:picChg chg="add mod">
-          <ac:chgData name="Ofer Zadikario" userId="f36b4b4543f14e71" providerId="LiveId" clId="{D25CF079-7669-47F7-A175-CD0DCA990239}" dt="2020-08-02T17:04:19.864" v="1121" actId="1038"/>
-          <ac:picMkLst>
-            <pc:docMk/>
-            <pc:sldMk cId="3165780414" sldId="1952"/>
-            <ac:picMk id="7" creationId="{E3E7C9EF-41D0-4648-B54A-3B7B0B951D5C}"/>
-          </ac:picMkLst>
-        </pc:picChg>
-      </pc:sldChg>
-      <pc:sldChg chg="addSp modSp new mod">
-        <pc:chgData name="Ofer Zadikario" userId="f36b4b4543f14e71" providerId="LiveId" clId="{D25CF079-7669-47F7-A175-CD0DCA990239}" dt="2020-08-09T14:42:30.180" v="7620" actId="20577"/>
-        <pc:sldMkLst>
-          <pc:docMk/>
-          <pc:sldMk cId="3672175715" sldId="1953"/>
-        </pc:sldMkLst>
-        <pc:spChg chg="mod">
-          <ac:chgData name="Ofer Zadikario" userId="f36b4b4543f14e71" providerId="LiveId" clId="{D25CF079-7669-47F7-A175-CD0DCA990239}" dt="2020-08-03T06:19:40.024" v="1417" actId="20577"/>
-          <ac:spMkLst>
-            <pc:docMk/>
-            <pc:sldMk cId="3672175715" sldId="1953"/>
-            <ac:spMk id="2" creationId="{680F74F8-8D62-4C90-884D-F516BD7B4D11}"/>
-          </ac:spMkLst>
-        </pc:spChg>
-        <pc:spChg chg="add mod">
-          <ac:chgData name="Ofer Zadikario" userId="f36b4b4543f14e71" providerId="LiveId" clId="{D25CF079-7669-47F7-A175-CD0DCA990239}" dt="2020-08-09T14:42:30.180" v="7620" actId="20577"/>
-          <ac:spMkLst>
-            <pc:docMk/>
-            <pc:sldMk cId="3672175715" sldId="1953"/>
-            <ac:spMk id="4" creationId="{27E82E66-2CB5-4E07-A5DF-E85ADB475E1F}"/>
-          </ac:spMkLst>
-        </pc:spChg>
-        <pc:picChg chg="add mod">
-          <ac:chgData name="Ofer Zadikario" userId="f36b4b4543f14e71" providerId="LiveId" clId="{D25CF079-7669-47F7-A175-CD0DCA990239}" dt="2020-08-03T06:30:36.196" v="1922" actId="1035"/>
-          <ac:picMkLst>
-            <pc:docMk/>
-            <pc:sldMk cId="3672175715" sldId="1953"/>
-            <ac:picMk id="5" creationId="{4C571EFF-65BF-4D8B-B2F4-34F8EE142F63}"/>
-          </ac:picMkLst>
-        </pc:picChg>
-      </pc:sldChg>
-      <pc:sldChg chg="addSp delSp modSp add mod">
-        <pc:chgData name="Ofer Zadikario" userId="f36b4b4543f14e71" providerId="LiveId" clId="{D25CF079-7669-47F7-A175-CD0DCA990239}" dt="2020-08-04T17:08:28.550" v="2135" actId="1037"/>
-        <pc:sldMkLst>
-          <pc:docMk/>
-          <pc:sldMk cId="1557348356" sldId="1954"/>
-        </pc:sldMkLst>
-        <pc:spChg chg="mod">
-          <ac:chgData name="Ofer Zadikario" userId="f36b4b4543f14e71" providerId="LiveId" clId="{D25CF079-7669-47F7-A175-CD0DCA990239}" dt="2020-08-04T17:06:20.903" v="2057" actId="20577"/>
-          <ac:spMkLst>
-            <pc:docMk/>
-            <pc:sldMk cId="1557348356" sldId="1954"/>
-            <ac:spMk id="2" creationId="{680F74F8-8D62-4C90-884D-F516BD7B4D11}"/>
-          </ac:spMkLst>
-        </pc:spChg>
-        <pc:spChg chg="del">
-          <ac:chgData name="Ofer Zadikario" userId="f36b4b4543f14e71" providerId="LiveId" clId="{D25CF079-7669-47F7-A175-CD0DCA990239}" dt="2020-08-04T17:06:31.061" v="2059" actId="478"/>
-          <ac:spMkLst>
-            <pc:docMk/>
-            <pc:sldMk cId="1557348356" sldId="1954"/>
-            <ac:spMk id="4" creationId="{27E82E66-2CB5-4E07-A5DF-E85ADB475E1F}"/>
-          </ac:spMkLst>
-        </pc:spChg>
-        <pc:picChg chg="add mod">
-          <ac:chgData name="Ofer Zadikario" userId="f36b4b4543f14e71" providerId="LiveId" clId="{D25CF079-7669-47F7-A175-CD0DCA990239}" dt="2020-08-04T17:08:28.550" v="2135" actId="1037"/>
-          <ac:picMkLst>
-            <pc:docMk/>
-            <pc:sldMk cId="1557348356" sldId="1954"/>
-            <ac:picMk id="3" creationId="{E4FF6A41-E593-40B1-A982-69585192C0D5}"/>
-          </ac:picMkLst>
-        </pc:picChg>
-        <pc:picChg chg="del">
-          <ac:chgData name="Ofer Zadikario" userId="f36b4b4543f14e71" providerId="LiveId" clId="{D25CF079-7669-47F7-A175-CD0DCA990239}" dt="2020-08-04T17:06:26.725" v="2058" actId="478"/>
-          <ac:picMkLst>
-            <pc:docMk/>
-            <pc:sldMk cId="1557348356" sldId="1954"/>
-            <ac:picMk id="5" creationId="{4C571EFF-65BF-4D8B-B2F4-34F8EE142F63}"/>
-          </ac:picMkLst>
-        </pc:picChg>
-      </pc:sldChg>
-      <pc:sldChg chg="addSp delSp modSp add mod">
-        <pc:chgData name="Ofer Zadikario" userId="f36b4b4543f14e71" providerId="LiveId" clId="{D25CF079-7669-47F7-A175-CD0DCA990239}" dt="2020-08-05T11:21:20.849" v="4844" actId="20577"/>
-        <pc:sldMkLst>
-          <pc:docMk/>
-          <pc:sldMk cId="2080903524" sldId="1955"/>
-        </pc:sldMkLst>
-        <pc:spChg chg="mod">
-          <ac:chgData name="Ofer Zadikario" userId="f36b4b4543f14e71" providerId="LiveId" clId="{D25CF079-7669-47F7-A175-CD0DCA990239}" dt="2020-08-05T10:56:10.931" v="2991" actId="20577"/>
-          <ac:spMkLst>
-            <pc:docMk/>
-            <pc:sldMk cId="2080903524" sldId="1955"/>
-            <ac:spMk id="2" creationId="{680F74F8-8D62-4C90-884D-F516BD7B4D11}"/>
-          </ac:spMkLst>
-        </pc:spChg>
-        <pc:spChg chg="add mod">
-          <ac:chgData name="Ofer Zadikario" userId="f36b4b4543f14e71" providerId="LiveId" clId="{D25CF079-7669-47F7-A175-CD0DCA990239}" dt="2020-08-05T11:21:20.849" v="4844" actId="20577"/>
-          <ac:spMkLst>
-            <pc:docMk/>
-            <pc:sldMk cId="2080903524" sldId="1955"/>
-            <ac:spMk id="5" creationId="{113541F3-C076-46F2-869C-362D848E0D9F}"/>
-          </ac:spMkLst>
-        </pc:spChg>
-        <pc:picChg chg="add del mod">
-          <ac:chgData name="Ofer Zadikario" userId="f36b4b4543f14e71" providerId="LiveId" clId="{D25CF079-7669-47F7-A175-CD0DCA990239}" dt="2020-08-05T10:56:13.283" v="2992" actId="478"/>
-          <ac:picMkLst>
-            <pc:docMk/>
-            <pc:sldMk cId="2080903524" sldId="1955"/>
-            <ac:picMk id="3" creationId="{9A12DD40-D890-4CAA-91E5-7383DDA47F72}"/>
-          </ac:picMkLst>
-        </pc:picChg>
-        <pc:picChg chg="add mod">
-          <ac:chgData name="Ofer Zadikario" userId="f36b4b4543f14e71" providerId="LiveId" clId="{D25CF079-7669-47F7-A175-CD0DCA990239}" dt="2020-08-05T10:56:29.289" v="2996" actId="1076"/>
-          <ac:picMkLst>
-            <pc:docMk/>
-            <pc:sldMk cId="2080903524" sldId="1955"/>
-            <ac:picMk id="4" creationId="{C5855952-0932-4FFB-BC62-6B2E78F600AE}"/>
-          </ac:picMkLst>
-        </pc:picChg>
-      </pc:sldChg>
-      <pc:sldChg chg="addSp delSp modSp add mod">
-        <pc:chgData name="Ofer Zadikario" userId="f36b4b4543f14e71" providerId="LiveId" clId="{D25CF079-7669-47F7-A175-CD0DCA990239}" dt="2020-08-05T21:50:22.902" v="5464" actId="14100"/>
-        <pc:sldMkLst>
-          <pc:docMk/>
-          <pc:sldMk cId="1590753289" sldId="1956"/>
-        </pc:sldMkLst>
-        <pc:spChg chg="mod">
-          <ac:chgData name="Ofer Zadikario" userId="f36b4b4543f14e71" providerId="LiveId" clId="{D25CF079-7669-47F7-A175-CD0DCA990239}" dt="2020-08-05T12:27:52.625" v="5445" actId="20577"/>
-          <ac:spMkLst>
-            <pc:docMk/>
-            <pc:sldMk cId="1590753289" sldId="1956"/>
-            <ac:spMk id="2" creationId="{680F74F8-8D62-4C90-884D-F516BD7B4D11}"/>
-          </ac:spMkLst>
-        </pc:spChg>
-        <pc:spChg chg="del">
-          <ac:chgData name="Ofer Zadikario" userId="f36b4b4543f14e71" providerId="LiveId" clId="{D25CF079-7669-47F7-A175-CD0DCA990239}" dt="2020-08-04T17:20:10.456" v="2369" actId="478"/>
-          <ac:spMkLst>
-            <pc:docMk/>
-            <pc:sldMk cId="1590753289" sldId="1956"/>
-            <ac:spMk id="5" creationId="{113541F3-C076-46F2-869C-362D848E0D9F}"/>
-          </ac:spMkLst>
-        </pc:spChg>
-        <pc:spChg chg="add mod">
-          <ac:chgData name="Ofer Zadikario" userId="f36b4b4543f14e71" providerId="LiveId" clId="{D25CF079-7669-47F7-A175-CD0DCA990239}" dt="2020-08-05T21:50:22.902" v="5464" actId="14100"/>
-          <ac:spMkLst>
-            <pc:docMk/>
-            <pc:sldMk cId="1590753289" sldId="1956"/>
-            <ac:spMk id="7" creationId="{E073F0E1-2FEC-484E-8E8F-17CCCBACFC1F}"/>
-          </ac:spMkLst>
-        </pc:spChg>
-        <pc:picChg chg="del">
-          <ac:chgData name="Ofer Zadikario" userId="f36b4b4543f14e71" providerId="LiveId" clId="{D25CF079-7669-47F7-A175-CD0DCA990239}" dt="2020-08-04T17:18:42.383" v="2368" actId="478"/>
-          <ac:picMkLst>
-            <pc:docMk/>
-            <pc:sldMk cId="1590753289" sldId="1956"/>
-            <ac:picMk id="3" creationId="{9A12DD40-D890-4CAA-91E5-7383DDA47F72}"/>
-          </ac:picMkLst>
-        </pc:picChg>
-        <pc:picChg chg="add mod">
-          <ac:chgData name="Ofer Zadikario" userId="f36b4b4543f14e71" providerId="LiveId" clId="{D25CF079-7669-47F7-A175-CD0DCA990239}" dt="2020-08-04T17:20:27.381" v="2411" actId="1035"/>
-          <ac:picMkLst>
-            <pc:docMk/>
-            <pc:sldMk cId="1590753289" sldId="1956"/>
-            <ac:picMk id="4" creationId="{8433F1E8-E0A6-4ED4-BC92-3168FEF70022}"/>
-          </ac:picMkLst>
-        </pc:picChg>
-      </pc:sldChg>
-      <pc:sldChg chg="addSp delSp modSp add mod">
-        <pc:chgData name="Ofer Zadikario" userId="f36b4b4543f14e71" providerId="LiveId" clId="{D25CF079-7669-47F7-A175-CD0DCA990239}" dt="2020-08-04T17:32:40.825" v="2984" actId="14100"/>
-        <pc:sldMkLst>
-          <pc:docMk/>
-          <pc:sldMk cId="1345258554" sldId="1957"/>
-        </pc:sldMkLst>
-        <pc:spChg chg="mod">
-          <ac:chgData name="Ofer Zadikario" userId="f36b4b4543f14e71" providerId="LiveId" clId="{D25CF079-7669-47F7-A175-CD0DCA990239}" dt="2020-08-04T17:24:46.935" v="2614" actId="20577"/>
-          <ac:spMkLst>
-            <pc:docMk/>
-            <pc:sldMk cId="1345258554" sldId="1957"/>
-            <ac:spMk id="2" creationId="{680F74F8-8D62-4C90-884D-F516BD7B4D11}"/>
-          </ac:spMkLst>
-        </pc:spChg>
-        <pc:spChg chg="del mod">
-          <ac:chgData name="Ofer Zadikario" userId="f36b4b4543f14e71" providerId="LiveId" clId="{D25CF079-7669-47F7-A175-CD0DCA990239}" dt="2020-08-04T17:27:28.927" v="2676" actId="478"/>
-          <ac:spMkLst>
-            <pc:docMk/>
-            <pc:sldMk cId="1345258554" sldId="1957"/>
-            <ac:spMk id="7" creationId="{E073F0E1-2FEC-484E-8E8F-17CCCBACFC1F}"/>
-          </ac:spMkLst>
-        </pc:spChg>
-        <pc:picChg chg="add del mod">
-          <ac:chgData name="Ofer Zadikario" userId="f36b4b4543f14e71" providerId="LiveId" clId="{D25CF079-7669-47F7-A175-CD0DCA990239}" dt="2020-08-04T17:30:55.775" v="2720" actId="478"/>
-          <ac:picMkLst>
-            <pc:docMk/>
-            <pc:sldMk cId="1345258554" sldId="1957"/>
-            <ac:picMk id="3" creationId="{278DEA3C-8A08-4AF9-B94D-EC3833D53DFC}"/>
-          </ac:picMkLst>
-        </pc:picChg>
-        <pc:picChg chg="del">
-          <ac:chgData name="Ofer Zadikario" userId="f36b4b4543f14e71" providerId="LiveId" clId="{D25CF079-7669-47F7-A175-CD0DCA990239}" dt="2020-08-04T17:24:56.946" v="2615" actId="478"/>
-          <ac:picMkLst>
-            <pc:docMk/>
-            <pc:sldMk cId="1345258554" sldId="1957"/>
-            <ac:picMk id="4" creationId="{8433F1E8-E0A6-4ED4-BC92-3168FEF70022}"/>
-          </ac:picMkLst>
-        </pc:picChg>
-        <pc:picChg chg="add mod">
-          <ac:chgData name="Ofer Zadikario" userId="f36b4b4543f14e71" providerId="LiveId" clId="{D25CF079-7669-47F7-A175-CD0DCA990239}" dt="2020-08-04T17:31:02.220" v="2789" actId="1035"/>
-          <ac:picMkLst>
-            <pc:docMk/>
-            <pc:sldMk cId="1345258554" sldId="1957"/>
-            <ac:picMk id="5" creationId="{D6776CB9-44DC-4266-B518-166921DAA9CE}"/>
-          </ac:picMkLst>
-        </pc:picChg>
-        <pc:picChg chg="add mod">
-          <ac:chgData name="Ofer Zadikario" userId="f36b4b4543f14e71" providerId="LiveId" clId="{D25CF079-7669-47F7-A175-CD0DCA990239}" dt="2020-08-04T17:31:34.417" v="2869" actId="1037"/>
-          <ac:picMkLst>
-            <pc:docMk/>
-            <pc:sldMk cId="1345258554" sldId="1957"/>
-            <ac:picMk id="6" creationId="{7A6B5029-408C-4355-88E6-751FE9F45858}"/>
-          </ac:picMkLst>
-        </pc:picChg>
-        <pc:picChg chg="add mod modCrop">
-          <ac:chgData name="Ofer Zadikario" userId="f36b4b4543f14e71" providerId="LiveId" clId="{D25CF079-7669-47F7-A175-CD0DCA990239}" dt="2020-08-04T17:32:40.825" v="2984" actId="14100"/>
-          <ac:picMkLst>
-            <pc:docMk/>
-            <pc:sldMk cId="1345258554" sldId="1957"/>
-            <ac:picMk id="8" creationId="{AB9A2741-1669-4420-8612-34F7A6D68E8B}"/>
-          </ac:picMkLst>
-        </pc:picChg>
-      </pc:sldChg>
-      <pc:sldChg chg="addSp delSp modSp add mod">
-        <pc:chgData name="Ofer Zadikario" userId="f36b4b4543f14e71" providerId="LiveId" clId="{D25CF079-7669-47F7-A175-CD0DCA990239}" dt="2020-08-04T17:29:00.247" v="2718" actId="1035"/>
-        <pc:sldMkLst>
-          <pc:docMk/>
-          <pc:sldMk cId="3034860970" sldId="1958"/>
-        </pc:sldMkLst>
-        <pc:picChg chg="del">
-          <ac:chgData name="Ofer Zadikario" userId="f36b4b4543f14e71" providerId="LiveId" clId="{D25CF079-7669-47F7-A175-CD0DCA990239}" dt="2020-08-04T17:28:26.826" v="2678" actId="478"/>
-          <ac:picMkLst>
-            <pc:docMk/>
-            <pc:sldMk cId="3034860970" sldId="1958"/>
-            <ac:picMk id="3" creationId="{278DEA3C-8A08-4AF9-B94D-EC3833D53DFC}"/>
-          </ac:picMkLst>
-        </pc:picChg>
-        <pc:picChg chg="add mod">
-          <ac:chgData name="Ofer Zadikario" userId="f36b4b4543f14e71" providerId="LiveId" clId="{D25CF079-7669-47F7-A175-CD0DCA990239}" dt="2020-08-04T17:29:00.247" v="2718" actId="1035"/>
-          <ac:picMkLst>
-            <pc:docMk/>
-            <pc:sldMk cId="3034860970" sldId="1958"/>
-            <ac:picMk id="4" creationId="{DD67405A-6072-4E1D-B71F-F1EE6C8F67A1}"/>
-          </ac:picMkLst>
-        </pc:picChg>
-      </pc:sldChg>
-      <pc:sldChg chg="add">
-        <pc:chgData name="Ofer Zadikario" userId="f36b4b4543f14e71" providerId="LiveId" clId="{D25CF079-7669-47F7-A175-CD0DCA990239}" dt="2020-08-04T17:30:02.941" v="2719"/>
-        <pc:sldMkLst>
-          <pc:docMk/>
-          <pc:sldMk cId="3401382756" sldId="1959"/>
-        </pc:sldMkLst>
-      </pc:sldChg>
-      <pc:sldChg chg="add">
-        <pc:chgData name="Ofer Zadikario" userId="f36b4b4543f14e71" providerId="LiveId" clId="{D25CF079-7669-47F7-A175-CD0DCA990239}" dt="2020-08-05T10:55:54.643" v="2985"/>
-        <pc:sldMkLst>
-          <pc:docMk/>
-          <pc:sldMk cId="198625629" sldId="1960"/>
-        </pc:sldMkLst>
-      </pc:sldChg>
-      <pc:sldChg chg="addSp delSp modSp add mod">
-        <pc:chgData name="Ofer Zadikario" userId="f36b4b4543f14e71" providerId="LiveId" clId="{D25CF079-7669-47F7-A175-CD0DCA990239}" dt="2020-08-05T11:14:30.139" v="4140" actId="20577"/>
-        <pc:sldMkLst>
-          <pc:docMk/>
-          <pc:sldMk cId="1384333643" sldId="1961"/>
-        </pc:sldMkLst>
-        <pc:spChg chg="mod">
-          <ac:chgData name="Ofer Zadikario" userId="f36b4b4543f14e71" providerId="LiveId" clId="{D25CF079-7669-47F7-A175-CD0DCA990239}" dt="2020-08-05T11:14:30.139" v="4140" actId="20577"/>
-          <ac:spMkLst>
-            <pc:docMk/>
-            <pc:sldMk cId="1384333643" sldId="1961"/>
-            <ac:spMk id="2" creationId="{680F74F8-8D62-4C90-884D-F516BD7B4D11}"/>
-          </ac:spMkLst>
-        </pc:spChg>
-        <pc:spChg chg="mod">
-          <ac:chgData name="Ofer Zadikario" userId="f36b4b4543f14e71" providerId="LiveId" clId="{D25CF079-7669-47F7-A175-CD0DCA990239}" dt="2020-08-05T11:07:05.654" v="3582" actId="20577"/>
-          <ac:spMkLst>
-            <pc:docMk/>
-            <pc:sldMk cId="1384333643" sldId="1961"/>
-            <ac:spMk id="5" creationId="{113541F3-C076-46F2-869C-362D848E0D9F}"/>
-          </ac:spMkLst>
-        </pc:spChg>
-        <pc:picChg chg="add mod">
-          <ac:chgData name="Ofer Zadikario" userId="f36b4b4543f14e71" providerId="LiveId" clId="{D25CF079-7669-47F7-A175-CD0DCA990239}" dt="2020-08-05T11:00:06.871" v="3180" actId="14100"/>
-          <ac:picMkLst>
-            <pc:docMk/>
-            <pc:sldMk cId="1384333643" sldId="1961"/>
-            <ac:picMk id="3" creationId="{CDCFE9FE-3934-4EE3-BC7D-E5F2C7FCEEF1}"/>
-          </ac:picMkLst>
-        </pc:picChg>
-        <pc:picChg chg="del">
-          <ac:chgData name="Ofer Zadikario" userId="f36b4b4543f14e71" providerId="LiveId" clId="{D25CF079-7669-47F7-A175-CD0DCA990239}" dt="2020-08-05T10:58:35.010" v="3068" actId="478"/>
-          <ac:picMkLst>
-            <pc:docMk/>
-            <pc:sldMk cId="1384333643" sldId="1961"/>
-            <ac:picMk id="4" creationId="{C5855952-0932-4FFB-BC62-6B2E78F600AE}"/>
-          </ac:picMkLst>
-        </pc:picChg>
-        <pc:picChg chg="add mod">
-          <ac:chgData name="Ofer Zadikario" userId="f36b4b4543f14e71" providerId="LiveId" clId="{D25CF079-7669-47F7-A175-CD0DCA990239}" dt="2020-08-05T11:00:17.323" v="3184" actId="1037"/>
-          <ac:picMkLst>
-            <pc:docMk/>
-            <pc:sldMk cId="1384333643" sldId="1961"/>
-            <ac:picMk id="6" creationId="{55244A11-FF9C-450D-8DBF-1772009484E6}"/>
-          </ac:picMkLst>
-        </pc:picChg>
-      </pc:sldChg>
-      <pc:sldChg chg="new del">
-        <pc:chgData name="Ofer Zadikario" userId="f36b4b4543f14e71" providerId="LiveId" clId="{D25CF079-7669-47F7-A175-CD0DCA990239}" dt="2020-08-05T10:58:08.401" v="3041" actId="680"/>
-        <pc:sldMkLst>
-          <pc:docMk/>
-          <pc:sldMk cId="3462261850" sldId="1961"/>
-        </pc:sldMkLst>
-      </pc:sldChg>
-      <pc:sldChg chg="addSp delSp modSp add mod">
-        <pc:chgData name="Ofer Zadikario" userId="f36b4b4543f14e71" providerId="LiveId" clId="{D25CF079-7669-47F7-A175-CD0DCA990239}" dt="2020-08-05T11:14:38.388" v="4148" actId="20577"/>
-        <pc:sldMkLst>
-          <pc:docMk/>
-          <pc:sldMk cId="412931416" sldId="1962"/>
-        </pc:sldMkLst>
-        <pc:spChg chg="mod">
-          <ac:chgData name="Ofer Zadikario" userId="f36b4b4543f14e71" providerId="LiveId" clId="{D25CF079-7669-47F7-A175-CD0DCA990239}" dt="2020-08-05T11:14:38.388" v="4148" actId="20577"/>
-          <ac:spMkLst>
-            <pc:docMk/>
-            <pc:sldMk cId="412931416" sldId="1962"/>
-            <ac:spMk id="2" creationId="{680F74F8-8D62-4C90-884D-F516BD7B4D11}"/>
-          </ac:spMkLst>
-        </pc:spChg>
-        <pc:spChg chg="mod">
-          <ac:chgData name="Ofer Zadikario" userId="f36b4b4543f14e71" providerId="LiveId" clId="{D25CF079-7669-47F7-A175-CD0DCA990239}" dt="2020-08-05T11:12:17.297" v="4024" actId="20577"/>
-          <ac:spMkLst>
-            <pc:docMk/>
-            <pc:sldMk cId="412931416" sldId="1962"/>
-            <ac:spMk id="5" creationId="{113541F3-C076-46F2-869C-362D848E0D9F}"/>
-          </ac:spMkLst>
-        </pc:spChg>
-        <pc:picChg chg="del">
-          <ac:chgData name="Ofer Zadikario" userId="f36b4b4543f14e71" providerId="LiveId" clId="{D25CF079-7669-47F7-A175-CD0DCA990239}" dt="2020-08-05T11:08:02.505" v="3595" actId="478"/>
-          <ac:picMkLst>
-            <pc:docMk/>
-            <pc:sldMk cId="412931416" sldId="1962"/>
-            <ac:picMk id="3" creationId="{CDCFE9FE-3934-4EE3-BC7D-E5F2C7FCEEF1}"/>
-          </ac:picMkLst>
-        </pc:picChg>
-        <pc:picChg chg="add mod">
-          <ac:chgData name="Ofer Zadikario" userId="f36b4b4543f14e71" providerId="LiveId" clId="{D25CF079-7669-47F7-A175-CD0DCA990239}" dt="2020-08-05T11:08:17.315" v="3683" actId="1037"/>
-          <ac:picMkLst>
-            <pc:docMk/>
-            <pc:sldMk cId="412931416" sldId="1962"/>
-            <ac:picMk id="4" creationId="{2ED866C4-0E43-42C7-920E-A5025CF316F7}"/>
-          </ac:picMkLst>
-        </pc:picChg>
-        <pc:picChg chg="del">
-          <ac:chgData name="Ofer Zadikario" userId="f36b4b4543f14e71" providerId="LiveId" clId="{D25CF079-7669-47F7-A175-CD0DCA990239}" dt="2020-08-05T11:08:04.265" v="3596" actId="478"/>
-          <ac:picMkLst>
-            <pc:docMk/>
-            <pc:sldMk cId="412931416" sldId="1962"/>
-            <ac:picMk id="6" creationId="{55244A11-FF9C-450D-8DBF-1772009484E6}"/>
-          </ac:picMkLst>
-        </pc:picChg>
-      </pc:sldChg>
-      <pc:sldChg chg="addSp delSp modSp add mod">
-        <pc:chgData name="Ofer Zadikario" userId="f36b4b4543f14e71" providerId="LiveId" clId="{D25CF079-7669-47F7-A175-CD0DCA990239}" dt="2020-08-05T11:21:01.060" v="4839" actId="1038"/>
-        <pc:sldMkLst>
-          <pc:docMk/>
-          <pc:sldMk cId="1468426400" sldId="1963"/>
-        </pc:sldMkLst>
-        <pc:spChg chg="mod">
-          <ac:chgData name="Ofer Zadikario" userId="f36b4b4543f14e71" providerId="LiveId" clId="{D25CF079-7669-47F7-A175-CD0DCA990239}" dt="2020-08-05T11:15:10.072" v="4165" actId="20577"/>
-          <ac:spMkLst>
-            <pc:docMk/>
-            <pc:sldMk cId="1468426400" sldId="1963"/>
-            <ac:spMk id="2" creationId="{680F74F8-8D62-4C90-884D-F516BD7B4D11}"/>
-          </ac:spMkLst>
-        </pc:spChg>
-        <pc:spChg chg="mod">
-          <ac:chgData name="Ofer Zadikario" userId="f36b4b4543f14e71" providerId="LiveId" clId="{D25CF079-7669-47F7-A175-CD0DCA990239}" dt="2020-08-05T11:20:27.970" v="4739" actId="20577"/>
-          <ac:spMkLst>
-            <pc:docMk/>
-            <pc:sldMk cId="1468426400" sldId="1963"/>
-            <ac:spMk id="5" creationId="{113541F3-C076-46F2-869C-362D848E0D9F}"/>
-          </ac:spMkLst>
-        </pc:spChg>
-        <pc:picChg chg="add del mod">
-          <ac:chgData name="Ofer Zadikario" userId="f36b4b4543f14e71" providerId="LiveId" clId="{D25CF079-7669-47F7-A175-CD0DCA990239}" dt="2020-08-05T11:18:02.125" v="4395" actId="478"/>
-          <ac:picMkLst>
-            <pc:docMk/>
-            <pc:sldMk cId="1468426400" sldId="1963"/>
-            <ac:picMk id="3" creationId="{4542197C-8651-49C8-8E71-95A6B7EF8983}"/>
-          </ac:picMkLst>
-        </pc:picChg>
-        <pc:picChg chg="del">
-          <ac:chgData name="Ofer Zadikario" userId="f36b4b4543f14e71" providerId="LiveId" clId="{D25CF079-7669-47F7-A175-CD0DCA990239}" dt="2020-08-05T11:15:15.618" v="4166" actId="478"/>
-          <ac:picMkLst>
-            <pc:docMk/>
-            <pc:sldMk cId="1468426400" sldId="1963"/>
-            <ac:picMk id="4" creationId="{2ED866C4-0E43-42C7-920E-A5025CF316F7}"/>
-          </ac:picMkLst>
-        </pc:picChg>
-        <pc:picChg chg="add mod">
-          <ac:chgData name="Ofer Zadikario" userId="f36b4b4543f14e71" providerId="LiveId" clId="{D25CF079-7669-47F7-A175-CD0DCA990239}" dt="2020-08-05T11:16:35.874" v="4334" actId="1037"/>
-          <ac:picMkLst>
-            <pc:docMk/>
-            <pc:sldMk cId="1468426400" sldId="1963"/>
-            <ac:picMk id="6" creationId="{4EB79074-0324-4F1F-9659-68731EA8ECB0}"/>
-          </ac:picMkLst>
-        </pc:picChg>
-        <pc:picChg chg="add mod">
-          <ac:chgData name="Ofer Zadikario" userId="f36b4b4543f14e71" providerId="LiveId" clId="{D25CF079-7669-47F7-A175-CD0DCA990239}" dt="2020-08-05T11:18:11.598" v="4482" actId="1037"/>
-          <ac:picMkLst>
-            <pc:docMk/>
-            <pc:sldMk cId="1468426400" sldId="1963"/>
-            <ac:picMk id="7" creationId="{0F0B81D5-D6F0-442A-AC44-B7CF37F58E35}"/>
-          </ac:picMkLst>
-        </pc:picChg>
-        <pc:picChg chg="add mod">
-          <ac:chgData name="Ofer Zadikario" userId="f36b4b4543f14e71" providerId="LiveId" clId="{D25CF079-7669-47F7-A175-CD0DCA990239}" dt="2020-08-05T11:21:01.060" v="4839" actId="1038"/>
-          <ac:picMkLst>
-            <pc:docMk/>
-            <pc:sldMk cId="1468426400" sldId="1963"/>
-            <ac:picMk id="8" creationId="{9324CC16-837C-48F9-81B1-B1A2C6DD8E70}"/>
-          </ac:picMkLst>
-        </pc:picChg>
-      </pc:sldChg>
-      <pc:sldChg chg="addSp delSp modSp add mod">
-        <pc:chgData name="Ofer Zadikario" userId="f36b4b4543f14e71" providerId="LiveId" clId="{D25CF079-7669-47F7-A175-CD0DCA990239}" dt="2020-08-05T12:25:56.640" v="5435" actId="1035"/>
-        <pc:sldMkLst>
-          <pc:docMk/>
-          <pc:sldMk cId="992557239" sldId="1964"/>
-        </pc:sldMkLst>
-        <pc:spChg chg="mod">
-          <ac:chgData name="Ofer Zadikario" userId="f36b4b4543f14e71" providerId="LiveId" clId="{D25CF079-7669-47F7-A175-CD0DCA990239}" dt="2020-08-05T11:21:49.587" v="4868" actId="20577"/>
-          <ac:spMkLst>
-            <pc:docMk/>
-            <pc:sldMk cId="992557239" sldId="1964"/>
-            <ac:spMk id="2" creationId="{680F74F8-8D62-4C90-884D-F516BD7B4D11}"/>
-          </ac:spMkLst>
-        </pc:spChg>
-        <pc:spChg chg="mod">
-          <ac:chgData name="Ofer Zadikario" userId="f36b4b4543f14e71" providerId="LiveId" clId="{D25CF079-7669-47F7-A175-CD0DCA990239}" dt="2020-08-05T12:25:22.929" v="5434" actId="20577"/>
-          <ac:spMkLst>
-            <pc:docMk/>
-            <pc:sldMk cId="992557239" sldId="1964"/>
-            <ac:spMk id="5" creationId="{113541F3-C076-46F2-869C-362D848E0D9F}"/>
-          </ac:spMkLst>
-        </pc:spChg>
-        <pc:picChg chg="add mod">
-          <ac:chgData name="Ofer Zadikario" userId="f36b4b4543f14e71" providerId="LiveId" clId="{D25CF079-7669-47F7-A175-CD0DCA990239}" dt="2020-08-05T12:23:42.262" v="5188" actId="1036"/>
-          <ac:picMkLst>
-            <pc:docMk/>
-            <pc:sldMk cId="992557239" sldId="1964"/>
-            <ac:picMk id="3" creationId="{E0B85D4C-3A06-49A2-8181-9C1F6D6F5A58}"/>
-          </ac:picMkLst>
-        </pc:picChg>
-        <pc:picChg chg="add mod">
-          <ac:chgData name="Ofer Zadikario" userId="f36b4b4543f14e71" providerId="LiveId" clId="{D25CF079-7669-47F7-A175-CD0DCA990239}" dt="2020-08-05T12:24:50.270" v="5356" actId="1076"/>
-          <ac:picMkLst>
-            <pc:docMk/>
-            <pc:sldMk cId="992557239" sldId="1964"/>
-            <ac:picMk id="4" creationId="{AA9D5439-983E-4918-A524-DA0ED660D8DC}"/>
-          </ac:picMkLst>
-        </pc:picChg>
-        <pc:picChg chg="del">
-          <ac:chgData name="Ofer Zadikario" userId="f36b4b4543f14e71" providerId="LiveId" clId="{D25CF079-7669-47F7-A175-CD0DCA990239}" dt="2020-08-05T11:21:54.172" v="4870" actId="478"/>
-          <ac:picMkLst>
-            <pc:docMk/>
-            <pc:sldMk cId="992557239" sldId="1964"/>
-            <ac:picMk id="6" creationId="{4EB79074-0324-4F1F-9659-68731EA8ECB0}"/>
-          </ac:picMkLst>
-        </pc:picChg>
-        <pc:picChg chg="del">
-          <ac:chgData name="Ofer Zadikario" userId="f36b4b4543f14e71" providerId="LiveId" clId="{D25CF079-7669-47F7-A175-CD0DCA990239}" dt="2020-08-05T11:21:52.274" v="4869" actId="478"/>
-          <ac:picMkLst>
-            <pc:docMk/>
-            <pc:sldMk cId="992557239" sldId="1964"/>
-            <ac:picMk id="7" creationId="{0F0B81D5-D6F0-442A-AC44-B7CF37F58E35}"/>
-          </ac:picMkLst>
-        </pc:picChg>
-        <pc:picChg chg="del">
-          <ac:chgData name="Ofer Zadikario" userId="f36b4b4543f14e71" providerId="LiveId" clId="{D25CF079-7669-47F7-A175-CD0DCA990239}" dt="2020-08-05T11:21:56.556" v="4871" actId="478"/>
-          <ac:picMkLst>
-            <pc:docMk/>
-            <pc:sldMk cId="992557239" sldId="1964"/>
-            <ac:picMk id="8" creationId="{9324CC16-837C-48F9-81B1-B1A2C6DD8E70}"/>
-          </ac:picMkLst>
-        </pc:picChg>
-        <pc:picChg chg="add mod">
-          <ac:chgData name="Ofer Zadikario" userId="f36b4b4543f14e71" providerId="LiveId" clId="{D25CF079-7669-47F7-A175-CD0DCA990239}" dt="2020-08-05T12:25:56.640" v="5435" actId="1035"/>
-          <ac:picMkLst>
-            <pc:docMk/>
-            <pc:sldMk cId="992557239" sldId="1964"/>
-            <ac:picMk id="9" creationId="{B3C41688-6C65-4C45-AF0C-1588524317C7}"/>
-          </ac:picMkLst>
-        </pc:picChg>
-      </pc:sldChg>
-      <pc:sldChg chg="addSp delSp modSp add mod">
-        <pc:chgData name="Ofer Zadikario" userId="f36b4b4543f14e71" providerId="LiveId" clId="{D25CF079-7669-47F7-A175-CD0DCA990239}" dt="2020-08-05T21:51:40.823" v="5551" actId="1037"/>
-        <pc:sldMkLst>
-          <pc:docMk/>
-          <pc:sldMk cId="752971190" sldId="1965"/>
-        </pc:sldMkLst>
-        <pc:spChg chg="mod">
-          <ac:chgData name="Ofer Zadikario" userId="f36b4b4543f14e71" providerId="LiveId" clId="{D25CF079-7669-47F7-A175-CD0DCA990239}" dt="2020-08-05T21:50:59.315" v="5485" actId="20577"/>
-          <ac:spMkLst>
-            <pc:docMk/>
-            <pc:sldMk cId="752971190" sldId="1965"/>
-            <ac:spMk id="2" creationId="{680F74F8-8D62-4C90-884D-F516BD7B4D11}"/>
-          </ac:spMkLst>
-        </pc:spChg>
-        <pc:picChg chg="add mod">
-          <ac:chgData name="Ofer Zadikario" userId="f36b4b4543f14e71" providerId="LiveId" clId="{D25CF079-7669-47F7-A175-CD0DCA990239}" dt="2020-08-05T21:51:40.823" v="5551" actId="1037"/>
-          <ac:picMkLst>
-            <pc:docMk/>
-            <pc:sldMk cId="752971190" sldId="1965"/>
-            <ac:picMk id="3" creationId="{598858B8-1E69-4545-9FC0-BC5163D7256D}"/>
-          </ac:picMkLst>
-        </pc:picChg>
-        <pc:picChg chg="del">
-          <ac:chgData name="Ofer Zadikario" userId="f36b4b4543f14e71" providerId="LiveId" clId="{D25CF079-7669-47F7-A175-CD0DCA990239}" dt="2020-08-05T21:51:01.655" v="5486" actId="478"/>
-          <ac:picMkLst>
-            <pc:docMk/>
-            <pc:sldMk cId="752971190" sldId="1965"/>
-            <ac:picMk id="4" creationId="{DD67405A-6072-4E1D-B71F-F1EE6C8F67A1}"/>
-          </ac:picMkLst>
-        </pc:picChg>
-      </pc:sldChg>
-      <pc:sldChg chg="addSp delSp modSp add mod">
-        <pc:chgData name="Ofer Zadikario" userId="f36b4b4543f14e71" providerId="LiveId" clId="{D25CF079-7669-47F7-A175-CD0DCA990239}" dt="2020-08-06T07:43:13.559" v="7609" actId="5793"/>
-        <pc:sldMkLst>
-          <pc:docMk/>
-          <pc:sldMk cId="1216390747" sldId="1966"/>
-        </pc:sldMkLst>
-        <pc:spChg chg="mod">
-          <ac:chgData name="Ofer Zadikario" userId="f36b4b4543f14e71" providerId="LiveId" clId="{D25CF079-7669-47F7-A175-CD0DCA990239}" dt="2020-08-05T21:52:14.854" v="5608" actId="20577"/>
-          <ac:spMkLst>
-            <pc:docMk/>
-            <pc:sldMk cId="1216390747" sldId="1966"/>
-            <ac:spMk id="2" creationId="{680F74F8-8D62-4C90-884D-F516BD7B4D11}"/>
-          </ac:spMkLst>
-        </pc:spChg>
-        <pc:spChg chg="add mod">
-          <ac:chgData name="Ofer Zadikario" userId="f36b4b4543f14e71" providerId="LiveId" clId="{D25CF079-7669-47F7-A175-CD0DCA990239}" dt="2020-08-06T07:43:13.559" v="7609" actId="5793"/>
-          <ac:spMkLst>
-            <pc:docMk/>
-            <pc:sldMk cId="1216390747" sldId="1966"/>
-            <ac:spMk id="5" creationId="{3B4BC402-54F3-4D5F-BD4B-CDE6258B47F8}"/>
-          </ac:spMkLst>
-        </pc:spChg>
-        <pc:picChg chg="del">
-          <ac:chgData name="Ofer Zadikario" userId="f36b4b4543f14e71" providerId="LiveId" clId="{D25CF079-7669-47F7-A175-CD0DCA990239}" dt="2020-08-05T21:52:26.893" v="5609" actId="478"/>
-          <ac:picMkLst>
-            <pc:docMk/>
-            <pc:sldMk cId="1216390747" sldId="1966"/>
-            <ac:picMk id="3" creationId="{598858B8-1E69-4545-9FC0-BC5163D7256D}"/>
-          </ac:picMkLst>
-        </pc:picChg>
-      </pc:sldChg>
-      <pc:sldChg chg="modSp add mod ord">
-        <pc:chgData name="Ofer Zadikario" userId="f36b4b4543f14e71" providerId="LiveId" clId="{D25CF079-7669-47F7-A175-CD0DCA990239}" dt="2020-08-06T07:09:25.968" v="6097"/>
-        <pc:sldMkLst>
-          <pc:docMk/>
-          <pc:sldMk cId="2701256735" sldId="1967"/>
-        </pc:sldMkLst>
-        <pc:spChg chg="mod">
-          <ac:chgData name="Ofer Zadikario" userId="f36b4b4543f14e71" providerId="LiveId" clId="{D25CF079-7669-47F7-A175-CD0DCA990239}" dt="2020-08-05T22:06:23.739" v="5709" actId="20577"/>
-          <ac:spMkLst>
-            <pc:docMk/>
-            <pc:sldMk cId="2701256735" sldId="1967"/>
-            <ac:spMk id="2" creationId="{680F74F8-8D62-4C90-884D-F516BD7B4D11}"/>
-          </ac:spMkLst>
-        </pc:spChg>
-        <pc:spChg chg="mod">
-          <ac:chgData name="Ofer Zadikario" userId="f36b4b4543f14e71" providerId="LiveId" clId="{D25CF079-7669-47F7-A175-CD0DCA990239}" dt="2020-08-06T07:09:07.680" v="6095" actId="20577"/>
-          <ac:spMkLst>
-            <pc:docMk/>
-            <pc:sldMk cId="2701256735" sldId="1967"/>
-            <ac:spMk id="5" creationId="{3B4BC402-54F3-4D5F-BD4B-CDE6258B47F8}"/>
-          </ac:spMkLst>
-        </pc:spChg>
-      </pc:sldChg>
-      <pc:sldChg chg="modSp add mod">
-        <pc:chgData name="Ofer Zadikario" userId="f36b4b4543f14e71" providerId="LiveId" clId="{D25CF079-7669-47F7-A175-CD0DCA990239}" dt="2020-08-06T07:42:51.843" v="7605" actId="20577"/>
-        <pc:sldMkLst>
-          <pc:docMk/>
-          <pc:sldMk cId="3523454618" sldId="1968"/>
-        </pc:sldMkLst>
-        <pc:spChg chg="mod">
-          <ac:chgData name="Ofer Zadikario" userId="f36b4b4543f14e71" providerId="LiveId" clId="{D25CF079-7669-47F7-A175-CD0DCA990239}" dt="2020-08-06T07:42:51.843" v="7605" actId="20577"/>
-          <ac:spMkLst>
-            <pc:docMk/>
-            <pc:sldMk cId="3523454618" sldId="1968"/>
-            <ac:spMk id="5" creationId="{3B4BC402-54F3-4D5F-BD4B-CDE6258B47F8}"/>
-          </ac:spMkLst>
-        </pc:spChg>
-      </pc:sldChg>
-      <pc:sldChg chg="modSp add mod">
-        <pc:chgData name="Ofer Zadikario" userId="f36b4b4543f14e71" providerId="LiveId" clId="{D25CF079-7669-47F7-A175-CD0DCA990239}" dt="2020-08-06T07:42:36.852" v="7604" actId="20577"/>
-        <pc:sldMkLst>
-          <pc:docMk/>
-          <pc:sldMk cId="908680033" sldId="1969"/>
-        </pc:sldMkLst>
-        <pc:spChg chg="mod">
-          <ac:chgData name="Ofer Zadikario" userId="f36b4b4543f14e71" providerId="LiveId" clId="{D25CF079-7669-47F7-A175-CD0DCA990239}" dt="2020-08-06T07:42:36.852" v="7604" actId="20577"/>
-          <ac:spMkLst>
-            <pc:docMk/>
-            <pc:sldMk cId="908680033" sldId="1969"/>
-            <ac:spMk id="5" creationId="{3B4BC402-54F3-4D5F-BD4B-CDE6258B47F8}"/>
-          </ac:spMkLst>
-        </pc:spChg>
       </pc:sldChg>
     </pc:docChg>
   </pc:docChgLst>
@@ -2365,1775 +4134,6 @@
           </pc:sldLayoutMkLst>
         </pc:sldLayoutChg>
       </pc:sldMasterChg>
-    </pc:docChg>
-  </pc:docChgLst>
-  <pc:docChgLst>
-    <pc:chgData name="Ofer Zadikario" userId="f36b4b4543f14e71" providerId="LiveId" clId="{1B21135D-3E2A-4062-A932-3953D53E119A}"/>
-    <pc:docChg chg="undo custSel addSld delSld modSld modSection">
-      <pc:chgData name="Ofer Zadikario" userId="f36b4b4543f14e71" providerId="LiveId" clId="{1B21135D-3E2A-4062-A932-3953D53E119A}" dt="2020-08-18T07:54:56.554" v="4978" actId="20577"/>
-      <pc:docMkLst>
-        <pc:docMk/>
-      </pc:docMkLst>
-      <pc:sldChg chg="addSp delSp modSp add mod">
-        <pc:chgData name="Ofer Zadikario" userId="f36b4b4543f14e71" providerId="LiveId" clId="{1B21135D-3E2A-4062-A932-3953D53E119A}" dt="2020-08-13T07:54:25.481" v="219" actId="1036"/>
-        <pc:sldMkLst>
-          <pc:docMk/>
-          <pc:sldMk cId="3676793758" sldId="294"/>
-        </pc:sldMkLst>
-        <pc:spChg chg="add del mod">
-          <ac:chgData name="Ofer Zadikario" userId="f36b4b4543f14e71" providerId="LiveId" clId="{1B21135D-3E2A-4062-A932-3953D53E119A}" dt="2020-08-13T07:54:15.596" v="196" actId="478"/>
-          <ac:spMkLst>
-            <pc:docMk/>
-            <pc:sldMk cId="3676793758" sldId="294"/>
-            <ac:spMk id="2" creationId="{7C3133A6-6999-4F83-8179-F75CE1BFAA48}"/>
-          </ac:spMkLst>
-        </pc:spChg>
-        <pc:spChg chg="mod">
-          <ac:chgData name="Ofer Zadikario" userId="f36b4b4543f14e71" providerId="LiveId" clId="{1B21135D-3E2A-4062-A932-3953D53E119A}" dt="2020-08-13T07:54:25.481" v="219" actId="1036"/>
-          <ac:spMkLst>
-            <pc:docMk/>
-            <pc:sldMk cId="3676793758" sldId="294"/>
-            <ac:spMk id="10" creationId="{73B4565D-1CE1-4C01-9E9C-E590E8071E0D}"/>
-          </ac:spMkLst>
-        </pc:spChg>
-        <pc:spChg chg="mod">
-          <ac:chgData name="Ofer Zadikario" userId="f36b4b4543f14e71" providerId="LiveId" clId="{1B21135D-3E2A-4062-A932-3953D53E119A}" dt="2020-08-13T07:53:29.284" v="194"/>
-          <ac:spMkLst>
-            <pc:docMk/>
-            <pc:sldMk cId="3676793758" sldId="294"/>
-            <ac:spMk id="29" creationId="{672C66F4-D583-4A43-8E9E-A8C667A98E0B}"/>
-          </ac:spMkLst>
-        </pc:spChg>
-      </pc:sldChg>
-      <pc:sldChg chg="modSp add mod">
-        <pc:chgData name="Ofer Zadikario" userId="f36b4b4543f14e71" providerId="LiveId" clId="{1B21135D-3E2A-4062-A932-3953D53E119A}" dt="2020-08-12T16:29:32.095" v="39" actId="121"/>
-        <pc:sldMkLst>
-          <pc:docMk/>
-          <pc:sldMk cId="1916808491" sldId="333"/>
-        </pc:sldMkLst>
-        <pc:spChg chg="mod">
-          <ac:chgData name="Ofer Zadikario" userId="f36b4b4543f14e71" providerId="LiveId" clId="{1B21135D-3E2A-4062-A932-3953D53E119A}" dt="2020-08-12T16:29:32.095" v="39" actId="121"/>
-          <ac:spMkLst>
-            <pc:docMk/>
-            <pc:sldMk cId="1916808491" sldId="333"/>
-            <ac:spMk id="4" creationId="{2881ED75-A011-45A1-BD9B-32ED925A8D6A}"/>
-          </ac:spMkLst>
-        </pc:spChg>
-        <pc:spChg chg="mod">
-          <ac:chgData name="Ofer Zadikario" userId="f36b4b4543f14e71" providerId="LiveId" clId="{1B21135D-3E2A-4062-A932-3953D53E119A}" dt="2020-08-12T16:29:21.105" v="37" actId="122"/>
-          <ac:spMkLst>
-            <pc:docMk/>
-            <pc:sldMk cId="1916808491" sldId="333"/>
-            <ac:spMk id="10" creationId="{73B4565D-1CE1-4C01-9E9C-E590E8071E0D}"/>
-          </ac:spMkLst>
-        </pc:spChg>
-      </pc:sldChg>
-      <pc:sldChg chg="modSp add mod">
-        <pc:chgData name="Ofer Zadikario" userId="f36b4b4543f14e71" providerId="LiveId" clId="{1B21135D-3E2A-4062-A932-3953D53E119A}" dt="2020-08-13T09:58:19.773" v="281" actId="20577"/>
-        <pc:sldMkLst>
-          <pc:docMk/>
-          <pc:sldMk cId="2040829739" sldId="334"/>
-        </pc:sldMkLst>
-        <pc:spChg chg="mod">
-          <ac:chgData name="Ofer Zadikario" userId="f36b4b4543f14e71" providerId="LiveId" clId="{1B21135D-3E2A-4062-A932-3953D53E119A}" dt="2020-08-12T16:31:44.904" v="70" actId="20577"/>
-          <ac:spMkLst>
-            <pc:docMk/>
-            <pc:sldMk cId="2040829739" sldId="334"/>
-            <ac:spMk id="10" creationId="{73B4565D-1CE1-4C01-9E9C-E590E8071E0D}"/>
-          </ac:spMkLst>
-        </pc:spChg>
-        <pc:spChg chg="mod">
-          <ac:chgData name="Ofer Zadikario" userId="f36b4b4543f14e71" providerId="LiveId" clId="{1B21135D-3E2A-4062-A932-3953D53E119A}" dt="2020-08-12T16:32:51.494" v="103" actId="1038"/>
-          <ac:spMkLst>
-            <pc:docMk/>
-            <pc:sldMk cId="2040829739" sldId="334"/>
-            <ac:spMk id="24" creationId="{1054D28C-8895-4B63-A7C7-1E1909C6D108}"/>
-          </ac:spMkLst>
-        </pc:spChg>
-        <pc:spChg chg="mod">
-          <ac:chgData name="Ofer Zadikario" userId="f36b4b4543f14e71" providerId="LiveId" clId="{1B21135D-3E2A-4062-A932-3953D53E119A}" dt="2020-08-12T16:32:18.342" v="71" actId="20577"/>
-          <ac:spMkLst>
-            <pc:docMk/>
-            <pc:sldMk cId="2040829739" sldId="334"/>
-            <ac:spMk id="29" creationId="{A9DE621D-53B0-4B39-90E5-A805E0B0F48D}"/>
-          </ac:spMkLst>
-        </pc:spChg>
-        <pc:spChg chg="mod">
-          <ac:chgData name="Ofer Zadikario" userId="f36b4b4543f14e71" providerId="LiveId" clId="{1B21135D-3E2A-4062-A932-3953D53E119A}" dt="2020-08-13T09:58:19.773" v="281" actId="20577"/>
-          <ac:spMkLst>
-            <pc:docMk/>
-            <pc:sldMk cId="2040829739" sldId="334"/>
-            <ac:spMk id="37" creationId="{8B3A8FB5-01D2-4F71-ADFD-F9554D620183}"/>
-          </ac:spMkLst>
-        </pc:spChg>
-        <pc:spChg chg="mod">
-          <ac:chgData name="Ofer Zadikario" userId="f36b4b4543f14e71" providerId="LiveId" clId="{1B21135D-3E2A-4062-A932-3953D53E119A}" dt="2020-08-12T16:38:28.965" v="191" actId="404"/>
-          <ac:spMkLst>
-            <pc:docMk/>
-            <pc:sldMk cId="2040829739" sldId="334"/>
-            <ac:spMk id="43" creationId="{364C28A1-2C75-491B-8FD5-AA655AE7ED1A}"/>
-          </ac:spMkLst>
-        </pc:spChg>
-      </pc:sldChg>
-      <pc:sldChg chg="addSp delSp modSp add del mod delAnim modAnim">
-        <pc:chgData name="Ofer Zadikario" userId="f36b4b4543f14e71" providerId="LiveId" clId="{1B21135D-3E2A-4062-A932-3953D53E119A}" dt="2020-08-13T15:49:31.236" v="1120" actId="2696"/>
-        <pc:sldMkLst>
-          <pc:docMk/>
-          <pc:sldMk cId="146314159" sldId="335"/>
-        </pc:sldMkLst>
-        <pc:spChg chg="mod">
-          <ac:chgData name="Ofer Zadikario" userId="f36b4b4543f14e71" providerId="LiveId" clId="{1B21135D-3E2A-4062-A932-3953D53E119A}" dt="2020-08-13T15:15:37.332" v="649" actId="1076"/>
-          <ac:spMkLst>
-            <pc:docMk/>
-            <pc:sldMk cId="146314159" sldId="335"/>
-            <ac:spMk id="2" creationId="{CFC2F051-B147-4DAC-97A5-0C81F81987DA}"/>
-          </ac:spMkLst>
-        </pc:spChg>
-        <pc:spChg chg="mod">
-          <ac:chgData name="Ofer Zadikario" userId="f36b4b4543f14e71" providerId="LiveId" clId="{1B21135D-3E2A-4062-A932-3953D53E119A}" dt="2020-08-13T07:56:22.312" v="253" actId="20577"/>
-          <ac:spMkLst>
-            <pc:docMk/>
-            <pc:sldMk cId="146314159" sldId="335"/>
-            <ac:spMk id="10" creationId="{73B4565D-1CE1-4C01-9E9C-E590E8071E0D}"/>
-          </ac:spMkLst>
-        </pc:spChg>
-        <pc:spChg chg="add mod">
-          <ac:chgData name="Ofer Zadikario" userId="f36b4b4543f14e71" providerId="LiveId" clId="{1B21135D-3E2A-4062-A932-3953D53E119A}" dt="2020-08-13T15:16:42.963" v="829" actId="1076"/>
-          <ac:spMkLst>
-            <pc:docMk/>
-            <pc:sldMk cId="146314159" sldId="335"/>
-            <ac:spMk id="12" creationId="{9B7163D1-B444-4472-816F-7AB0F2204A32}"/>
-          </ac:spMkLst>
-        </pc:spChg>
-        <pc:spChg chg="add mod">
-          <ac:chgData name="Ofer Zadikario" userId="f36b4b4543f14e71" providerId="LiveId" clId="{1B21135D-3E2A-4062-A932-3953D53E119A}" dt="2020-08-13T15:16:29.022" v="828" actId="20577"/>
-          <ac:spMkLst>
-            <pc:docMk/>
-            <pc:sldMk cId="146314159" sldId="335"/>
-            <ac:spMk id="18" creationId="{11D68A85-0317-46E4-AD01-808B51195D1F}"/>
-          </ac:spMkLst>
-        </pc:spChg>
-        <pc:spChg chg="del">
-          <ac:chgData name="Ofer Zadikario" userId="f36b4b4543f14e71" providerId="LiveId" clId="{1B21135D-3E2A-4062-A932-3953D53E119A}" dt="2020-08-13T15:00:44.285" v="495" actId="478"/>
-          <ac:spMkLst>
-            <pc:docMk/>
-            <pc:sldMk cId="146314159" sldId="335"/>
-            <ac:spMk id="47" creationId="{F6EEBCDC-55CF-4763-B146-D93682EE1249}"/>
-          </ac:spMkLst>
-        </pc:spChg>
-        <pc:spChg chg="mod">
-          <ac:chgData name="Ofer Zadikario" userId="f36b4b4543f14e71" providerId="LiveId" clId="{1B21135D-3E2A-4062-A932-3953D53E119A}" dt="2020-08-13T15:16:03.569" v="737" actId="20577"/>
-          <ac:spMkLst>
-            <pc:docMk/>
-            <pc:sldMk cId="146314159" sldId="335"/>
-            <ac:spMk id="48" creationId="{A5B0F5A0-8099-4A73-A38F-3F7658929DC0}"/>
-          </ac:spMkLst>
-        </pc:spChg>
-        <pc:picChg chg="del">
-          <ac:chgData name="Ofer Zadikario" userId="f36b4b4543f14e71" providerId="LiveId" clId="{1B21135D-3E2A-4062-A932-3953D53E119A}" dt="2020-08-13T15:00:31.737" v="412" actId="478"/>
-          <ac:picMkLst>
-            <pc:docMk/>
-            <pc:sldMk cId="146314159" sldId="335"/>
-            <ac:picMk id="4" creationId="{85AD470E-E6D3-48EE-9752-98EB81C73A6B}"/>
-          </ac:picMkLst>
-        </pc:picChg>
-        <pc:picChg chg="add del mod">
-          <ac:chgData name="Ofer Zadikario" userId="f36b4b4543f14e71" providerId="LiveId" clId="{1B21135D-3E2A-4062-A932-3953D53E119A}" dt="2020-08-13T15:14:22.132" v="498" actId="478"/>
-          <ac:picMkLst>
-            <pc:docMk/>
-            <pc:sldMk cId="146314159" sldId="335"/>
-            <ac:picMk id="6" creationId="{45424FD6-E668-4A61-87FD-F3709747B4C5}"/>
-          </ac:picMkLst>
-        </pc:picChg>
-        <pc:picChg chg="add mod">
-          <ac:chgData name="Ofer Zadikario" userId="f36b4b4543f14e71" providerId="LiveId" clId="{1B21135D-3E2A-4062-A932-3953D53E119A}" dt="2020-08-13T15:15:23.719" v="647" actId="1076"/>
-          <ac:picMkLst>
-            <pc:docMk/>
-            <pc:sldMk cId="146314159" sldId="335"/>
-            <ac:picMk id="7" creationId="{E1A6AD8E-CD7D-405B-B4AE-DB69714E90F1}"/>
-          </ac:picMkLst>
-        </pc:picChg>
-        <pc:cxnChg chg="mod">
-          <ac:chgData name="Ofer Zadikario" userId="f36b4b4543f14e71" providerId="LiveId" clId="{1B21135D-3E2A-4062-A932-3953D53E119A}" dt="2020-08-13T15:14:36.848" v="632" actId="1036"/>
-          <ac:cxnSpMkLst>
-            <pc:docMk/>
-            <pc:sldMk cId="146314159" sldId="335"/>
-            <ac:cxnSpMk id="8" creationId="{2E9CBEAB-72D4-42A8-9A4D-2F1644AAF8F3}"/>
-          </ac:cxnSpMkLst>
-        </pc:cxnChg>
-        <pc:cxnChg chg="add mod">
-          <ac:chgData name="Ofer Zadikario" userId="f36b4b4543f14e71" providerId="LiveId" clId="{1B21135D-3E2A-4062-A932-3953D53E119A}" dt="2020-08-13T15:15:57.240" v="726" actId="14100"/>
-          <ac:cxnSpMkLst>
-            <pc:docMk/>
-            <pc:sldMk cId="146314159" sldId="335"/>
-            <ac:cxnSpMk id="15" creationId="{03A37DFA-D9FE-47CE-B61C-29D647074789}"/>
-          </ac:cxnSpMkLst>
-        </pc:cxnChg>
-      </pc:sldChg>
-      <pc:sldChg chg="modSp mod">
-        <pc:chgData name="Ofer Zadikario" userId="f36b4b4543f14e71" providerId="LiveId" clId="{1B21135D-3E2A-4062-A932-3953D53E119A}" dt="2020-08-18T07:54:56.554" v="4978" actId="20577"/>
-        <pc:sldMkLst>
-          <pc:docMk/>
-          <pc:sldMk cId="377166578" sldId="1945"/>
-        </pc:sldMkLst>
-        <pc:spChg chg="mod">
-          <ac:chgData name="Ofer Zadikario" userId="f36b4b4543f14e71" providerId="LiveId" clId="{1B21135D-3E2A-4062-A932-3953D53E119A}" dt="2020-08-18T07:54:56.554" v="4978" actId="20577"/>
-          <ac:spMkLst>
-            <pc:docMk/>
-            <pc:sldMk cId="377166578" sldId="1945"/>
-            <ac:spMk id="3" creationId="{EAC9D90D-41ED-7A4E-AF05-87821125D59E}"/>
-          </ac:spMkLst>
-        </pc:spChg>
-      </pc:sldChg>
-      <pc:sldChg chg="delSp modSp mod">
-        <pc:chgData name="Ofer Zadikario" userId="f36b4b4543f14e71" providerId="LiveId" clId="{1B21135D-3E2A-4062-A932-3953D53E119A}" dt="2020-08-13T16:01:16.922" v="1468" actId="20577"/>
-        <pc:sldMkLst>
-          <pc:docMk/>
-          <pc:sldMk cId="740251951" sldId="1951"/>
-        </pc:sldMkLst>
-        <pc:spChg chg="mod">
-          <ac:chgData name="Ofer Zadikario" userId="f36b4b4543f14e71" providerId="LiveId" clId="{1B21135D-3E2A-4062-A932-3953D53E119A}" dt="2020-08-13T15:52:43.853" v="1155" actId="20577"/>
-          <ac:spMkLst>
-            <pc:docMk/>
-            <pc:sldMk cId="740251951" sldId="1951"/>
-            <ac:spMk id="2" creationId="{00000000-0000-0000-0000-000000000000}"/>
-          </ac:spMkLst>
-        </pc:spChg>
-        <pc:spChg chg="del">
-          <ac:chgData name="Ofer Zadikario" userId="f36b4b4543f14e71" providerId="LiveId" clId="{1B21135D-3E2A-4062-A932-3953D53E119A}" dt="2020-08-13T15:57:32.049" v="1157" actId="478"/>
-          <ac:spMkLst>
-            <pc:docMk/>
-            <pc:sldMk cId="740251951" sldId="1951"/>
-            <ac:spMk id="7" creationId="{370E65CB-FA93-402F-AD8F-10D4E465591F}"/>
-          </ac:spMkLst>
-        </pc:spChg>
-        <pc:spChg chg="mod">
-          <ac:chgData name="Ofer Zadikario" userId="f36b4b4543f14e71" providerId="LiveId" clId="{1B21135D-3E2A-4062-A932-3953D53E119A}" dt="2020-08-13T16:01:16.922" v="1468" actId="20577"/>
-          <ac:spMkLst>
-            <pc:docMk/>
-            <pc:sldMk cId="740251951" sldId="1951"/>
-            <ac:spMk id="14" creationId="{00000000-0000-0000-0000-000000000000}"/>
-          </ac:spMkLst>
-        </pc:spChg>
-        <pc:picChg chg="del">
-          <ac:chgData name="Ofer Zadikario" userId="f36b4b4543f14e71" providerId="LiveId" clId="{1B21135D-3E2A-4062-A932-3953D53E119A}" dt="2020-08-13T15:57:29.112" v="1156" actId="478"/>
-          <ac:picMkLst>
-            <pc:docMk/>
-            <pc:sldMk cId="740251951" sldId="1951"/>
-            <ac:picMk id="6" creationId="{B5E64A9C-8A02-4C64-907C-D503B56773E4}"/>
-          </ac:picMkLst>
-        </pc:picChg>
-      </pc:sldChg>
-      <pc:sldChg chg="delSp modSp mod">
-        <pc:chgData name="Ofer Zadikario" userId="f36b4b4543f14e71" providerId="LiveId" clId="{1B21135D-3E2A-4062-A932-3953D53E119A}" dt="2020-08-17T14:48:33.975" v="2592" actId="5793"/>
-        <pc:sldMkLst>
-          <pc:docMk/>
-          <pc:sldMk cId="580161270" sldId="1970"/>
-        </pc:sldMkLst>
-        <pc:spChg chg="mod">
-          <ac:chgData name="Ofer Zadikario" userId="f36b4b4543f14e71" providerId="LiveId" clId="{1B21135D-3E2A-4062-A932-3953D53E119A}" dt="2020-08-17T08:17:01.299" v="2107" actId="20577"/>
-          <ac:spMkLst>
-            <pc:docMk/>
-            <pc:sldMk cId="580161270" sldId="1970"/>
-            <ac:spMk id="2" creationId="{00000000-0000-0000-0000-000000000000}"/>
-          </ac:spMkLst>
-        </pc:spChg>
-        <pc:spChg chg="del">
-          <ac:chgData name="Ofer Zadikario" userId="f36b4b4543f14e71" providerId="LiveId" clId="{1B21135D-3E2A-4062-A932-3953D53E119A}" dt="2020-08-13T16:20:36.295" v="2039" actId="478"/>
-          <ac:spMkLst>
-            <pc:docMk/>
-            <pc:sldMk cId="580161270" sldId="1970"/>
-            <ac:spMk id="7" creationId="{370E65CB-FA93-402F-AD8F-10D4E465591F}"/>
-          </ac:spMkLst>
-        </pc:spChg>
-        <pc:spChg chg="mod">
-          <ac:chgData name="Ofer Zadikario" userId="f36b4b4543f14e71" providerId="LiveId" clId="{1B21135D-3E2A-4062-A932-3953D53E119A}" dt="2020-08-17T14:48:33.975" v="2592" actId="5793"/>
-          <ac:spMkLst>
-            <pc:docMk/>
-            <pc:sldMk cId="580161270" sldId="1970"/>
-            <ac:spMk id="14" creationId="{00000000-0000-0000-0000-000000000000}"/>
-          </ac:spMkLst>
-        </pc:spChg>
-        <pc:picChg chg="del">
-          <ac:chgData name="Ofer Zadikario" userId="f36b4b4543f14e71" providerId="LiveId" clId="{1B21135D-3E2A-4062-A932-3953D53E119A}" dt="2020-08-13T16:20:36.295" v="2039" actId="478"/>
-          <ac:picMkLst>
-            <pc:docMk/>
-            <pc:sldMk cId="580161270" sldId="1970"/>
-            <ac:picMk id="6" creationId="{B5E64A9C-8A02-4C64-907C-D503B56773E4}"/>
-          </ac:picMkLst>
-        </pc:picChg>
-      </pc:sldChg>
-      <pc:sldChg chg="del">
-        <pc:chgData name="Ofer Zadikario" userId="f36b4b4543f14e71" providerId="LiveId" clId="{1B21135D-3E2A-4062-A932-3953D53E119A}" dt="2020-08-13T16:20:18.630" v="2038" actId="47"/>
-        <pc:sldMkLst>
-          <pc:docMk/>
-          <pc:sldMk cId="3703443423" sldId="1971"/>
-        </pc:sldMkLst>
-      </pc:sldChg>
-      <pc:sldChg chg="del">
-        <pc:chgData name="Ofer Zadikario" userId="f36b4b4543f14e71" providerId="LiveId" clId="{1B21135D-3E2A-4062-A932-3953D53E119A}" dt="2020-08-13T16:20:18.630" v="2038" actId="47"/>
-        <pc:sldMkLst>
-          <pc:docMk/>
-          <pc:sldMk cId="1795222773" sldId="1972"/>
-        </pc:sldMkLst>
-      </pc:sldChg>
-      <pc:sldChg chg="del">
-        <pc:chgData name="Ofer Zadikario" userId="f36b4b4543f14e71" providerId="LiveId" clId="{1B21135D-3E2A-4062-A932-3953D53E119A}" dt="2020-08-13T16:20:18.630" v="2038" actId="47"/>
-        <pc:sldMkLst>
-          <pc:docMk/>
-          <pc:sldMk cId="2579778010" sldId="1973"/>
-        </pc:sldMkLst>
-      </pc:sldChg>
-      <pc:sldChg chg="del">
-        <pc:chgData name="Ofer Zadikario" userId="f36b4b4543f14e71" providerId="LiveId" clId="{1B21135D-3E2A-4062-A932-3953D53E119A}" dt="2020-08-13T16:20:18.630" v="2038" actId="47"/>
-        <pc:sldMkLst>
-          <pc:docMk/>
-          <pc:sldMk cId="1116719099" sldId="1974"/>
-        </pc:sldMkLst>
-      </pc:sldChg>
-      <pc:sldChg chg="del">
-        <pc:chgData name="Ofer Zadikario" userId="f36b4b4543f14e71" providerId="LiveId" clId="{1B21135D-3E2A-4062-A932-3953D53E119A}" dt="2020-08-13T16:20:18.630" v="2038" actId="47"/>
-        <pc:sldMkLst>
-          <pc:docMk/>
-          <pc:sldMk cId="2973147236" sldId="1975"/>
-        </pc:sldMkLst>
-      </pc:sldChg>
-      <pc:sldChg chg="addSp delSp modSp new mod modAnim">
-        <pc:chgData name="Ofer Zadikario" userId="f36b4b4543f14e71" providerId="LiveId" clId="{1B21135D-3E2A-4062-A932-3953D53E119A}" dt="2020-08-13T15:46:43.152" v="1119"/>
-        <pc:sldMkLst>
-          <pc:docMk/>
-          <pc:sldMk cId="734876951" sldId="1976"/>
-        </pc:sldMkLst>
-        <pc:spChg chg="mod">
-          <ac:chgData name="Ofer Zadikario" userId="f36b4b4543f14e71" providerId="LiveId" clId="{1B21135D-3E2A-4062-A932-3953D53E119A}" dt="2020-08-13T15:42:26.182" v="1103" actId="1076"/>
-          <ac:spMkLst>
-            <pc:docMk/>
-            <pc:sldMk cId="734876951" sldId="1976"/>
-            <ac:spMk id="2" creationId="{32394582-6FA3-4562-B7EC-51A65D326FFF}"/>
-          </ac:spMkLst>
-        </pc:spChg>
-        <pc:spChg chg="del">
-          <ac:chgData name="Ofer Zadikario" userId="f36b4b4543f14e71" providerId="LiveId" clId="{1B21135D-3E2A-4062-A932-3953D53E119A}" dt="2020-08-13T15:30:22.730" v="831" actId="478"/>
-          <ac:spMkLst>
-            <pc:docMk/>
-            <pc:sldMk cId="734876951" sldId="1976"/>
-            <ac:spMk id="3" creationId="{B68E3EA1-EA1C-4139-825F-1AFD4AC1E7E4}"/>
-          </ac:spMkLst>
-        </pc:spChg>
-        <pc:spChg chg="mod">
-          <ac:chgData name="Ofer Zadikario" userId="f36b4b4543f14e71" providerId="LiveId" clId="{1B21135D-3E2A-4062-A932-3953D53E119A}" dt="2020-08-13T15:30:24.856" v="832"/>
-          <ac:spMkLst>
-            <pc:docMk/>
-            <pc:sldMk cId="734876951" sldId="1976"/>
-            <ac:spMk id="5" creationId="{81B96186-25FE-4CB0-B563-E54891F7C249}"/>
-          </ac:spMkLst>
-        </pc:spChg>
-        <pc:spChg chg="mod">
-          <ac:chgData name="Ofer Zadikario" userId="f36b4b4543f14e71" providerId="LiveId" clId="{1B21135D-3E2A-4062-A932-3953D53E119A}" dt="2020-08-13T15:30:24.856" v="832"/>
-          <ac:spMkLst>
-            <pc:docMk/>
-            <pc:sldMk cId="734876951" sldId="1976"/>
-            <ac:spMk id="6" creationId="{B8D6F635-B5FD-482B-A77D-7F394197333B}"/>
-          </ac:spMkLst>
-        </pc:spChg>
-        <pc:spChg chg="mod">
-          <ac:chgData name="Ofer Zadikario" userId="f36b4b4543f14e71" providerId="LiveId" clId="{1B21135D-3E2A-4062-A932-3953D53E119A}" dt="2020-08-13T15:30:24.856" v="832"/>
-          <ac:spMkLst>
-            <pc:docMk/>
-            <pc:sldMk cId="734876951" sldId="1976"/>
-            <ac:spMk id="8" creationId="{ECCD92F2-4601-499B-8A95-34886DFACCB2}"/>
-          </ac:spMkLst>
-        </pc:spChg>
-        <pc:spChg chg="mod">
-          <ac:chgData name="Ofer Zadikario" userId="f36b4b4543f14e71" providerId="LiveId" clId="{1B21135D-3E2A-4062-A932-3953D53E119A}" dt="2020-08-13T15:30:24.856" v="832"/>
-          <ac:spMkLst>
-            <pc:docMk/>
-            <pc:sldMk cId="734876951" sldId="1976"/>
-            <ac:spMk id="9" creationId="{09EF276A-9F37-4C36-A781-9279F3ADF19D}"/>
-          </ac:spMkLst>
-        </pc:spChg>
-        <pc:spChg chg="mod">
-          <ac:chgData name="Ofer Zadikario" userId="f36b4b4543f14e71" providerId="LiveId" clId="{1B21135D-3E2A-4062-A932-3953D53E119A}" dt="2020-08-13T15:30:24.856" v="832"/>
-          <ac:spMkLst>
-            <pc:docMk/>
-            <pc:sldMk cId="734876951" sldId="1976"/>
-            <ac:spMk id="11" creationId="{0312F638-7B0A-4F4F-8F34-BC63667B1786}"/>
-          </ac:spMkLst>
-        </pc:spChg>
-        <pc:spChg chg="mod">
-          <ac:chgData name="Ofer Zadikario" userId="f36b4b4543f14e71" providerId="LiveId" clId="{1B21135D-3E2A-4062-A932-3953D53E119A}" dt="2020-08-13T15:30:24.856" v="832"/>
-          <ac:spMkLst>
-            <pc:docMk/>
-            <pc:sldMk cId="734876951" sldId="1976"/>
-            <ac:spMk id="12" creationId="{37305103-11D3-47E1-823B-288455EA91AB}"/>
-          </ac:spMkLst>
-        </pc:spChg>
-        <pc:spChg chg="mod">
-          <ac:chgData name="Ofer Zadikario" userId="f36b4b4543f14e71" providerId="LiveId" clId="{1B21135D-3E2A-4062-A932-3953D53E119A}" dt="2020-08-13T15:30:24.856" v="832"/>
-          <ac:spMkLst>
-            <pc:docMk/>
-            <pc:sldMk cId="734876951" sldId="1976"/>
-            <ac:spMk id="14" creationId="{43A4C0EE-2194-4C01-AE53-897529846AA4}"/>
-          </ac:spMkLst>
-        </pc:spChg>
-        <pc:spChg chg="mod">
-          <ac:chgData name="Ofer Zadikario" userId="f36b4b4543f14e71" providerId="LiveId" clId="{1B21135D-3E2A-4062-A932-3953D53E119A}" dt="2020-08-13T15:30:24.856" v="832"/>
-          <ac:spMkLst>
-            <pc:docMk/>
-            <pc:sldMk cId="734876951" sldId="1976"/>
-            <ac:spMk id="15" creationId="{D6B58021-F90C-46E7-A61C-872731F09149}"/>
-          </ac:spMkLst>
-        </pc:spChg>
-        <pc:spChg chg="mod">
-          <ac:chgData name="Ofer Zadikario" userId="f36b4b4543f14e71" providerId="LiveId" clId="{1B21135D-3E2A-4062-A932-3953D53E119A}" dt="2020-08-13T15:30:24.856" v="832"/>
-          <ac:spMkLst>
-            <pc:docMk/>
-            <pc:sldMk cId="734876951" sldId="1976"/>
-            <ac:spMk id="17" creationId="{7B7B6AE1-B910-4FC1-97FC-3D09244A451B}"/>
-          </ac:spMkLst>
-        </pc:spChg>
-        <pc:spChg chg="mod">
-          <ac:chgData name="Ofer Zadikario" userId="f36b4b4543f14e71" providerId="LiveId" clId="{1B21135D-3E2A-4062-A932-3953D53E119A}" dt="2020-08-13T15:30:24.856" v="832"/>
-          <ac:spMkLst>
-            <pc:docMk/>
-            <pc:sldMk cId="734876951" sldId="1976"/>
-            <ac:spMk id="18" creationId="{278F0737-3C31-4F09-AA07-BF48421CB6FC}"/>
-          </ac:spMkLst>
-        </pc:spChg>
-        <pc:spChg chg="mod">
-          <ac:chgData name="Ofer Zadikario" userId="f36b4b4543f14e71" providerId="LiveId" clId="{1B21135D-3E2A-4062-A932-3953D53E119A}" dt="2020-08-13T15:30:24.856" v="832"/>
-          <ac:spMkLst>
-            <pc:docMk/>
-            <pc:sldMk cId="734876951" sldId="1976"/>
-            <ac:spMk id="20" creationId="{AE676D7F-A1AD-48C6-AE3D-201B6803148C}"/>
-          </ac:spMkLst>
-        </pc:spChg>
-        <pc:spChg chg="mod">
-          <ac:chgData name="Ofer Zadikario" userId="f36b4b4543f14e71" providerId="LiveId" clId="{1B21135D-3E2A-4062-A932-3953D53E119A}" dt="2020-08-13T15:30:24.856" v="832"/>
-          <ac:spMkLst>
-            <pc:docMk/>
-            <pc:sldMk cId="734876951" sldId="1976"/>
-            <ac:spMk id="21" creationId="{A2CC188D-1C69-4033-8B87-89955C09DDE4}"/>
-          </ac:spMkLst>
-        </pc:spChg>
-        <pc:spChg chg="add del mod">
-          <ac:chgData name="Ofer Zadikario" userId="f36b4b4543f14e71" providerId="LiveId" clId="{1B21135D-3E2A-4062-A932-3953D53E119A}" dt="2020-08-13T15:31:07.524" v="834" actId="478"/>
-          <ac:spMkLst>
-            <pc:docMk/>
-            <pc:sldMk cId="734876951" sldId="1976"/>
-            <ac:spMk id="22" creationId="{0A79F840-F51D-4609-BD73-0428A3AAB30C}"/>
-          </ac:spMkLst>
-        </pc:spChg>
-        <pc:spChg chg="add del mod">
-          <ac:chgData name="Ofer Zadikario" userId="f36b4b4543f14e71" providerId="LiveId" clId="{1B21135D-3E2A-4062-A932-3953D53E119A}" dt="2020-08-13T15:31:07.524" v="834" actId="478"/>
-          <ac:spMkLst>
-            <pc:docMk/>
-            <pc:sldMk cId="734876951" sldId="1976"/>
-            <ac:spMk id="23" creationId="{11438FC1-EEB5-46D0-8CA5-69F794AD0EEA}"/>
-          </ac:spMkLst>
-        </pc:spChg>
-        <pc:spChg chg="add del mod">
-          <ac:chgData name="Ofer Zadikario" userId="f36b4b4543f14e71" providerId="LiveId" clId="{1B21135D-3E2A-4062-A932-3953D53E119A}" dt="2020-08-13T15:31:07.524" v="834" actId="478"/>
-          <ac:spMkLst>
-            <pc:docMk/>
-            <pc:sldMk cId="734876951" sldId="1976"/>
-            <ac:spMk id="24" creationId="{7400AAC9-300B-4D98-BCB5-2FF3FB31EC41}"/>
-          </ac:spMkLst>
-        </pc:spChg>
-        <pc:spChg chg="add del mod">
-          <ac:chgData name="Ofer Zadikario" userId="f36b4b4543f14e71" providerId="LiveId" clId="{1B21135D-3E2A-4062-A932-3953D53E119A}" dt="2020-08-13T15:31:07.524" v="834" actId="478"/>
-          <ac:spMkLst>
-            <pc:docMk/>
-            <pc:sldMk cId="734876951" sldId="1976"/>
-            <ac:spMk id="25" creationId="{ECAF8996-9585-4BFF-84CF-B48FAF296B51}"/>
-          </ac:spMkLst>
-        </pc:spChg>
-        <pc:spChg chg="add del mod">
-          <ac:chgData name="Ofer Zadikario" userId="f36b4b4543f14e71" providerId="LiveId" clId="{1B21135D-3E2A-4062-A932-3953D53E119A}" dt="2020-08-13T15:31:07.524" v="834" actId="478"/>
-          <ac:spMkLst>
-            <pc:docMk/>
-            <pc:sldMk cId="734876951" sldId="1976"/>
-            <ac:spMk id="26" creationId="{1A29696A-274B-4180-A511-289BF3B8479C}"/>
-          </ac:spMkLst>
-        </pc:spChg>
-        <pc:spChg chg="add del mod">
-          <ac:chgData name="Ofer Zadikario" userId="f36b4b4543f14e71" providerId="LiveId" clId="{1B21135D-3E2A-4062-A932-3953D53E119A}" dt="2020-08-13T15:31:07.524" v="834" actId="478"/>
-          <ac:spMkLst>
-            <pc:docMk/>
-            <pc:sldMk cId="734876951" sldId="1976"/>
-            <ac:spMk id="27" creationId="{15F8222B-F2B3-4D43-B95A-AA5C6A997902}"/>
-          </ac:spMkLst>
-        </pc:spChg>
-        <pc:spChg chg="add del mod">
-          <ac:chgData name="Ofer Zadikario" userId="f36b4b4543f14e71" providerId="LiveId" clId="{1B21135D-3E2A-4062-A932-3953D53E119A}" dt="2020-08-13T15:31:07.524" v="834" actId="478"/>
-          <ac:spMkLst>
-            <pc:docMk/>
-            <pc:sldMk cId="734876951" sldId="1976"/>
-            <ac:spMk id="28" creationId="{8FE35A31-E2AF-4F71-A1C9-7D2CBD4CB191}"/>
-          </ac:spMkLst>
-        </pc:spChg>
-        <pc:spChg chg="add del mod">
-          <ac:chgData name="Ofer Zadikario" userId="f36b4b4543f14e71" providerId="LiveId" clId="{1B21135D-3E2A-4062-A932-3953D53E119A}" dt="2020-08-13T15:31:07.524" v="834" actId="478"/>
-          <ac:spMkLst>
-            <pc:docMk/>
-            <pc:sldMk cId="734876951" sldId="1976"/>
-            <ac:spMk id="29" creationId="{622982C8-0252-4C08-8FEF-FF66E73A1741}"/>
-          </ac:spMkLst>
-        </pc:spChg>
-        <pc:spChg chg="add del mod">
-          <ac:chgData name="Ofer Zadikario" userId="f36b4b4543f14e71" providerId="LiveId" clId="{1B21135D-3E2A-4062-A932-3953D53E119A}" dt="2020-08-13T15:31:07.524" v="834" actId="478"/>
-          <ac:spMkLst>
-            <pc:docMk/>
-            <pc:sldMk cId="734876951" sldId="1976"/>
-            <ac:spMk id="30" creationId="{AFD43EC5-68D9-4DDA-A9B2-A49592214FF8}"/>
-          </ac:spMkLst>
-        </pc:spChg>
-        <pc:spChg chg="add del mod">
-          <ac:chgData name="Ofer Zadikario" userId="f36b4b4543f14e71" providerId="LiveId" clId="{1B21135D-3E2A-4062-A932-3953D53E119A}" dt="2020-08-13T15:31:07.524" v="834" actId="478"/>
-          <ac:spMkLst>
-            <pc:docMk/>
-            <pc:sldMk cId="734876951" sldId="1976"/>
-            <ac:spMk id="31" creationId="{74A8F76B-33F2-4329-A3D3-A17A568CA60A}"/>
-          </ac:spMkLst>
-        </pc:spChg>
-        <pc:spChg chg="add del mod">
-          <ac:chgData name="Ofer Zadikario" userId="f36b4b4543f14e71" providerId="LiveId" clId="{1B21135D-3E2A-4062-A932-3953D53E119A}" dt="2020-08-13T15:30:48.803" v="833" actId="478"/>
-          <ac:spMkLst>
-            <pc:docMk/>
-            <pc:sldMk cId="734876951" sldId="1976"/>
-            <ac:spMk id="32" creationId="{16E21FB7-B59E-4A3A-9AEB-5D8A38F51E4F}"/>
-          </ac:spMkLst>
-        </pc:spChg>
-        <pc:spChg chg="add del mod">
-          <ac:chgData name="Ofer Zadikario" userId="f36b4b4543f14e71" providerId="LiveId" clId="{1B21135D-3E2A-4062-A932-3953D53E119A}" dt="2020-08-13T15:31:07.524" v="834" actId="478"/>
-          <ac:spMkLst>
-            <pc:docMk/>
-            <pc:sldMk cId="734876951" sldId="1976"/>
-            <ac:spMk id="33" creationId="{D77A76BE-FF6F-4F14-A697-76F242D85EE6}"/>
-          </ac:spMkLst>
-        </pc:spChg>
-        <pc:spChg chg="add del mod">
-          <ac:chgData name="Ofer Zadikario" userId="f36b4b4543f14e71" providerId="LiveId" clId="{1B21135D-3E2A-4062-A932-3953D53E119A}" dt="2020-08-13T15:31:07.524" v="834" actId="478"/>
-          <ac:spMkLst>
-            <pc:docMk/>
-            <pc:sldMk cId="734876951" sldId="1976"/>
-            <ac:spMk id="34" creationId="{009C2749-2D94-4B47-9B27-E1E2464577F5}"/>
-          </ac:spMkLst>
-        </pc:spChg>
-        <pc:spChg chg="add del mod">
-          <ac:chgData name="Ofer Zadikario" userId="f36b4b4543f14e71" providerId="LiveId" clId="{1B21135D-3E2A-4062-A932-3953D53E119A}" dt="2020-08-13T15:31:07.524" v="834" actId="478"/>
-          <ac:spMkLst>
-            <pc:docMk/>
-            <pc:sldMk cId="734876951" sldId="1976"/>
-            <ac:spMk id="35" creationId="{D3AC494D-06B0-45BF-A536-6BC42E302BFE}"/>
-          </ac:spMkLst>
-        </pc:spChg>
-        <pc:spChg chg="add del mod">
-          <ac:chgData name="Ofer Zadikario" userId="f36b4b4543f14e71" providerId="LiveId" clId="{1B21135D-3E2A-4062-A932-3953D53E119A}" dt="2020-08-13T15:31:07.524" v="834" actId="478"/>
-          <ac:spMkLst>
-            <pc:docMk/>
-            <pc:sldMk cId="734876951" sldId="1976"/>
-            <ac:spMk id="36" creationId="{7719856B-D056-4684-A441-83A3A82EEEC0}"/>
-          </ac:spMkLst>
-        </pc:spChg>
-        <pc:spChg chg="add mod">
-          <ac:chgData name="Ofer Zadikario" userId="f36b4b4543f14e71" providerId="LiveId" clId="{1B21135D-3E2A-4062-A932-3953D53E119A}" dt="2020-08-13T15:42:49.106" v="1105" actId="20577"/>
-          <ac:spMkLst>
-            <pc:docMk/>
-            <pc:sldMk cId="734876951" sldId="1976"/>
-            <ac:spMk id="41" creationId="{81698B50-E847-4B86-85CE-CA5583778DEB}"/>
-          </ac:spMkLst>
-        </pc:spChg>
-        <pc:spChg chg="add mod">
-          <ac:chgData name="Ofer Zadikario" userId="f36b4b4543f14e71" providerId="LiveId" clId="{1B21135D-3E2A-4062-A932-3953D53E119A}" dt="2020-08-13T15:43:09.335" v="1109" actId="20577"/>
-          <ac:spMkLst>
-            <pc:docMk/>
-            <pc:sldMk cId="734876951" sldId="1976"/>
-            <ac:spMk id="42" creationId="{801D2443-A53E-417D-BA22-B49D6457E963}"/>
-          </ac:spMkLst>
-        </pc:spChg>
-        <pc:grpChg chg="add del mod">
-          <ac:chgData name="Ofer Zadikario" userId="f36b4b4543f14e71" providerId="LiveId" clId="{1B21135D-3E2A-4062-A932-3953D53E119A}" dt="2020-08-13T15:31:07.524" v="834" actId="478"/>
-          <ac:grpSpMkLst>
-            <pc:docMk/>
-            <pc:sldMk cId="734876951" sldId="1976"/>
-            <ac:grpSpMk id="4" creationId="{F4468B38-48D4-402D-A810-79567EE4781D}"/>
-          </ac:grpSpMkLst>
-        </pc:grpChg>
-        <pc:grpChg chg="add del mod">
-          <ac:chgData name="Ofer Zadikario" userId="f36b4b4543f14e71" providerId="LiveId" clId="{1B21135D-3E2A-4062-A932-3953D53E119A}" dt="2020-08-13T15:31:07.524" v="834" actId="478"/>
-          <ac:grpSpMkLst>
-            <pc:docMk/>
-            <pc:sldMk cId="734876951" sldId="1976"/>
-            <ac:grpSpMk id="7" creationId="{84B39D87-AAC1-448A-B24D-C5554CDE417D}"/>
-          </ac:grpSpMkLst>
-        </pc:grpChg>
-        <pc:grpChg chg="add del mod">
-          <ac:chgData name="Ofer Zadikario" userId="f36b4b4543f14e71" providerId="LiveId" clId="{1B21135D-3E2A-4062-A932-3953D53E119A}" dt="2020-08-13T15:31:07.524" v="834" actId="478"/>
-          <ac:grpSpMkLst>
-            <pc:docMk/>
-            <pc:sldMk cId="734876951" sldId="1976"/>
-            <ac:grpSpMk id="10" creationId="{EE90D2D0-7496-4FD5-8935-7C73DFE5860D}"/>
-          </ac:grpSpMkLst>
-        </pc:grpChg>
-        <pc:grpChg chg="add del mod">
-          <ac:chgData name="Ofer Zadikario" userId="f36b4b4543f14e71" providerId="LiveId" clId="{1B21135D-3E2A-4062-A932-3953D53E119A}" dt="2020-08-13T15:31:07.524" v="834" actId="478"/>
-          <ac:grpSpMkLst>
-            <pc:docMk/>
-            <pc:sldMk cId="734876951" sldId="1976"/>
-            <ac:grpSpMk id="13" creationId="{6707FB59-B3A1-43F8-A064-3230C1715DCF}"/>
-          </ac:grpSpMkLst>
-        </pc:grpChg>
-        <pc:grpChg chg="add del mod">
-          <ac:chgData name="Ofer Zadikario" userId="f36b4b4543f14e71" providerId="LiveId" clId="{1B21135D-3E2A-4062-A932-3953D53E119A}" dt="2020-08-13T15:31:07.524" v="834" actId="478"/>
-          <ac:grpSpMkLst>
-            <pc:docMk/>
-            <pc:sldMk cId="734876951" sldId="1976"/>
-            <ac:grpSpMk id="16" creationId="{1883DABF-E0EF-4306-90E6-10E5785AC6D0}"/>
-          </ac:grpSpMkLst>
-        </pc:grpChg>
-        <pc:grpChg chg="add del mod">
-          <ac:chgData name="Ofer Zadikario" userId="f36b4b4543f14e71" providerId="LiveId" clId="{1B21135D-3E2A-4062-A932-3953D53E119A}" dt="2020-08-13T15:31:07.524" v="834" actId="478"/>
-          <ac:grpSpMkLst>
-            <pc:docMk/>
-            <pc:sldMk cId="734876951" sldId="1976"/>
-            <ac:grpSpMk id="19" creationId="{79AE532D-9141-4030-9420-B82E054496C0}"/>
-          </ac:grpSpMkLst>
-        </pc:grpChg>
-        <pc:picChg chg="add mod">
-          <ac:chgData name="Ofer Zadikario" userId="f36b4b4543f14e71" providerId="LiveId" clId="{1B21135D-3E2A-4062-A932-3953D53E119A}" dt="2020-08-13T15:42:13.124" v="1101" actId="1076"/>
-          <ac:picMkLst>
-            <pc:docMk/>
-            <pc:sldMk cId="734876951" sldId="1976"/>
-            <ac:picMk id="37" creationId="{C55DA5BA-39A9-4853-9519-8D67FA3797C9}"/>
-          </ac:picMkLst>
-        </pc:picChg>
-        <pc:picChg chg="add mod">
-          <ac:chgData name="Ofer Zadikario" userId="f36b4b4543f14e71" providerId="LiveId" clId="{1B21135D-3E2A-4062-A932-3953D53E119A}" dt="2020-08-13T15:41:16.472" v="1096" actId="1036"/>
-          <ac:picMkLst>
-            <pc:docMk/>
-            <pc:sldMk cId="734876951" sldId="1976"/>
-            <ac:picMk id="38" creationId="{C1C1676F-E1DE-4EF4-B1B9-3C344B36AFF4}"/>
-          </ac:picMkLst>
-        </pc:picChg>
-        <pc:picChg chg="add mod">
-          <ac:chgData name="Ofer Zadikario" userId="f36b4b4543f14e71" providerId="LiveId" clId="{1B21135D-3E2A-4062-A932-3953D53E119A}" dt="2020-08-13T15:41:16.472" v="1096" actId="1036"/>
-          <ac:picMkLst>
-            <pc:docMk/>
-            <pc:sldMk cId="734876951" sldId="1976"/>
-            <ac:picMk id="39" creationId="{9B50007E-DCFC-4D2C-9BEB-97E47EA07F17}"/>
-          </ac:picMkLst>
-        </pc:picChg>
-        <pc:picChg chg="add mod">
-          <ac:chgData name="Ofer Zadikario" userId="f36b4b4543f14e71" providerId="LiveId" clId="{1B21135D-3E2A-4062-A932-3953D53E119A}" dt="2020-08-13T15:41:16.472" v="1096" actId="1036"/>
-          <ac:picMkLst>
-            <pc:docMk/>
-            <pc:sldMk cId="734876951" sldId="1976"/>
-            <ac:picMk id="40" creationId="{98C63CD0-935F-4ACB-8CB6-EA346124C443}"/>
-          </ac:picMkLst>
-        </pc:picChg>
-      </pc:sldChg>
-      <pc:sldChg chg="addSp delSp modSp add mod modAnim">
-        <pc:chgData name="Ofer Zadikario" userId="f36b4b4543f14e71" providerId="LiveId" clId="{1B21135D-3E2A-4062-A932-3953D53E119A}" dt="2020-08-13T16:19:03.812" v="2026"/>
-        <pc:sldMkLst>
-          <pc:docMk/>
-          <pc:sldMk cId="771297805" sldId="1977"/>
-        </pc:sldMkLst>
-        <pc:spChg chg="mod">
-          <ac:chgData name="Ofer Zadikario" userId="f36b4b4543f14e71" providerId="LiveId" clId="{1B21135D-3E2A-4062-A932-3953D53E119A}" dt="2020-08-13T16:01:43.725" v="1529" actId="20577"/>
-          <ac:spMkLst>
-            <pc:docMk/>
-            <pc:sldMk cId="771297805" sldId="1977"/>
-            <ac:spMk id="2" creationId="{00000000-0000-0000-0000-000000000000}"/>
-          </ac:spMkLst>
-        </pc:spChg>
-        <pc:spChg chg="add mod">
-          <ac:chgData name="Ofer Zadikario" userId="f36b4b4543f14e71" providerId="LiveId" clId="{1B21135D-3E2A-4062-A932-3953D53E119A}" dt="2020-08-13T16:16:32.195" v="1862" actId="1076"/>
-          <ac:spMkLst>
-            <pc:docMk/>
-            <pc:sldMk cId="771297805" sldId="1977"/>
-            <ac:spMk id="13" creationId="{69238FB2-E7B0-4201-B025-6D73C88FD984}"/>
-          </ac:spMkLst>
-        </pc:spChg>
-        <pc:spChg chg="del mod">
-          <ac:chgData name="Ofer Zadikario" userId="f36b4b4543f14e71" providerId="LiveId" clId="{1B21135D-3E2A-4062-A932-3953D53E119A}" dt="2020-08-13T16:07:23.556" v="1544" actId="478"/>
-          <ac:spMkLst>
-            <pc:docMk/>
-            <pc:sldMk cId="771297805" sldId="1977"/>
-            <ac:spMk id="14" creationId="{00000000-0000-0000-0000-000000000000}"/>
-          </ac:spMkLst>
-        </pc:spChg>
-        <pc:spChg chg="add mod">
-          <ac:chgData name="Ofer Zadikario" userId="f36b4b4543f14e71" providerId="LiveId" clId="{1B21135D-3E2A-4062-A932-3953D53E119A}" dt="2020-08-13T16:17:30.314" v="1960" actId="1038"/>
-          <ac:spMkLst>
-            <pc:docMk/>
-            <pc:sldMk cId="771297805" sldId="1977"/>
-            <ac:spMk id="16" creationId="{B0C63474-7B87-4EBD-A86A-3D6FA4812177}"/>
-          </ac:spMkLst>
-        </pc:spChg>
-        <pc:spChg chg="add mod">
-          <ac:chgData name="Ofer Zadikario" userId="f36b4b4543f14e71" providerId="LiveId" clId="{1B21135D-3E2A-4062-A932-3953D53E119A}" dt="2020-08-13T16:17:48.326" v="2017" actId="1035"/>
-          <ac:spMkLst>
-            <pc:docMk/>
-            <pc:sldMk cId="771297805" sldId="1977"/>
-            <ac:spMk id="21" creationId="{2E94C3C0-220E-4D38-9A7C-A703F541AA33}"/>
-          </ac:spMkLst>
-        </pc:spChg>
-        <pc:spChg chg="add mod">
-          <ac:chgData name="Ofer Zadikario" userId="f36b4b4543f14e71" providerId="LiveId" clId="{1B21135D-3E2A-4062-A932-3953D53E119A}" dt="2020-08-13T16:17:48.326" v="2017" actId="1035"/>
-          <ac:spMkLst>
-            <pc:docMk/>
-            <pc:sldMk cId="771297805" sldId="1977"/>
-            <ac:spMk id="23" creationId="{2FC2CA8B-6E0F-4FC7-9B0C-5F065AA9FF21}"/>
-          </ac:spMkLst>
-        </pc:spChg>
-        <pc:picChg chg="add mod">
-          <ac:chgData name="Ofer Zadikario" userId="f36b4b4543f14e71" providerId="LiveId" clId="{1B21135D-3E2A-4062-A932-3953D53E119A}" dt="2020-08-13T16:02:37.206" v="1532" actId="14100"/>
-          <ac:picMkLst>
-            <pc:docMk/>
-            <pc:sldMk cId="771297805" sldId="1977"/>
-            <ac:picMk id="3" creationId="{943470CB-8CFE-4B72-B775-2D136BA646D8}"/>
-          </ac:picMkLst>
-        </pc:picChg>
-        <pc:picChg chg="add mod">
-          <ac:chgData name="Ofer Zadikario" userId="f36b4b4543f14e71" providerId="LiveId" clId="{1B21135D-3E2A-4062-A932-3953D53E119A}" dt="2020-08-13T16:14:34.432" v="1838" actId="1076"/>
-          <ac:picMkLst>
-            <pc:docMk/>
-            <pc:sldMk cId="771297805" sldId="1977"/>
-            <ac:picMk id="4" creationId="{785DBB4A-94D0-41B5-8585-A2D0F88AECA5}"/>
-          </ac:picMkLst>
-        </pc:picChg>
-        <pc:picChg chg="add mod">
-          <ac:chgData name="Ofer Zadikario" userId="f36b4b4543f14e71" providerId="LiveId" clId="{1B21135D-3E2A-4062-A932-3953D53E119A}" dt="2020-08-13T16:14:50.448" v="1842" actId="1076"/>
-          <ac:picMkLst>
-            <pc:docMk/>
-            <pc:sldMk cId="771297805" sldId="1977"/>
-            <ac:picMk id="5" creationId="{8D7E75D8-9E8D-4A94-B289-EA7AF0C4B555}"/>
-          </ac:picMkLst>
-        </pc:picChg>
-        <pc:picChg chg="add del mod">
-          <ac:chgData name="Ofer Zadikario" userId="f36b4b4543f14e71" providerId="LiveId" clId="{1B21135D-3E2A-4062-A932-3953D53E119A}" dt="2020-08-13T16:12:00.817" v="1682" actId="478"/>
-          <ac:picMkLst>
-            <pc:docMk/>
-            <pc:sldMk cId="771297805" sldId="1977"/>
-            <ac:picMk id="6" creationId="{5FEB5E94-B223-44AC-94E8-2FF3C8CA89AD}"/>
-          </ac:picMkLst>
-        </pc:picChg>
-        <pc:picChg chg="add del mod">
-          <ac:chgData name="Ofer Zadikario" userId="f36b4b4543f14e71" providerId="LiveId" clId="{1B21135D-3E2A-4062-A932-3953D53E119A}" dt="2020-08-13T16:13:10.754" v="1748" actId="478"/>
-          <ac:picMkLst>
-            <pc:docMk/>
-            <pc:sldMk cId="771297805" sldId="1977"/>
-            <ac:picMk id="7" creationId="{9E9D1AD1-BD2D-41F9-9489-FFCDC6494995}"/>
-          </ac:picMkLst>
-        </pc:picChg>
-        <pc:picChg chg="add del mod">
-          <ac:chgData name="Ofer Zadikario" userId="f36b4b4543f14e71" providerId="LiveId" clId="{1B21135D-3E2A-4062-A932-3953D53E119A}" dt="2020-08-13T16:13:15.397" v="1750" actId="478"/>
-          <ac:picMkLst>
-            <pc:docMk/>
-            <pc:sldMk cId="771297805" sldId="1977"/>
-            <ac:picMk id="8" creationId="{9A288DA0-36EA-42EA-BD17-808AB8062E84}"/>
-          </ac:picMkLst>
-        </pc:picChg>
-        <pc:picChg chg="add mod">
-          <ac:chgData name="Ofer Zadikario" userId="f36b4b4543f14e71" providerId="LiveId" clId="{1B21135D-3E2A-4062-A932-3953D53E119A}" dt="2020-08-13T16:14:53.184" v="1843" actId="1076"/>
-          <ac:picMkLst>
-            <pc:docMk/>
-            <pc:sldMk cId="771297805" sldId="1977"/>
-            <ac:picMk id="9" creationId="{442E651C-781B-4EA6-B080-03F699D1BEAF}"/>
-          </ac:picMkLst>
-        </pc:picChg>
-        <pc:picChg chg="add mod">
-          <ac:chgData name="Ofer Zadikario" userId="f36b4b4543f14e71" providerId="LiveId" clId="{1B21135D-3E2A-4062-A932-3953D53E119A}" dt="2020-08-13T16:14:47.302" v="1841" actId="1076"/>
-          <ac:picMkLst>
-            <pc:docMk/>
-            <pc:sldMk cId="771297805" sldId="1977"/>
-            <ac:picMk id="10" creationId="{B474ACB8-91A3-4E9C-AE9C-4A280D5C0944}"/>
-          </ac:picMkLst>
-        </pc:picChg>
-        <pc:cxnChg chg="add">
-          <ac:chgData name="Ofer Zadikario" userId="f36b4b4543f14e71" providerId="LiveId" clId="{1B21135D-3E2A-4062-A932-3953D53E119A}" dt="2020-08-13T16:15:35.957" v="1844" actId="11529"/>
-          <ac:cxnSpMkLst>
-            <pc:docMk/>
-            <pc:sldMk cId="771297805" sldId="1977"/>
-            <ac:cxnSpMk id="12" creationId="{7F7EFBA7-3E95-44A3-A672-7929A24A7325}"/>
-          </ac:cxnSpMkLst>
-        </pc:cxnChg>
-        <pc:cxnChg chg="add mod">
-          <ac:chgData name="Ofer Zadikario" userId="f36b4b4543f14e71" providerId="LiveId" clId="{1B21135D-3E2A-4062-A932-3953D53E119A}" dt="2020-08-13T16:17:22.822" v="1935" actId="14100"/>
-          <ac:cxnSpMkLst>
-            <pc:docMk/>
-            <pc:sldMk cId="771297805" sldId="1977"/>
-            <ac:cxnSpMk id="15" creationId="{BCA68D7A-14F5-47E1-A9E5-803B3A9C1AB6}"/>
-          </ac:cxnSpMkLst>
-        </pc:cxnChg>
-        <pc:cxnChg chg="add mod">
-          <ac:chgData name="Ofer Zadikario" userId="f36b4b4543f14e71" providerId="LiveId" clId="{1B21135D-3E2A-4062-A932-3953D53E119A}" dt="2020-08-13T16:17:48.326" v="2017" actId="1035"/>
-          <ac:cxnSpMkLst>
-            <pc:docMk/>
-            <pc:sldMk cId="771297805" sldId="1977"/>
-            <ac:cxnSpMk id="20" creationId="{BDB41183-AC3A-4345-982E-2845D5C381FF}"/>
-          </ac:cxnSpMkLst>
-        </pc:cxnChg>
-        <pc:cxnChg chg="add mod">
-          <ac:chgData name="Ofer Zadikario" userId="f36b4b4543f14e71" providerId="LiveId" clId="{1B21135D-3E2A-4062-A932-3953D53E119A}" dt="2020-08-13T16:17:48.326" v="2017" actId="1035"/>
-          <ac:cxnSpMkLst>
-            <pc:docMk/>
-            <pc:sldMk cId="771297805" sldId="1977"/>
-            <ac:cxnSpMk id="22" creationId="{F60649A9-7BE9-4DE0-8948-35DB9527018B}"/>
-          </ac:cxnSpMkLst>
-        </pc:cxnChg>
-      </pc:sldChg>
-      <pc:sldChg chg="addSp delSp modSp add mod delAnim">
-        <pc:chgData name="Ofer Zadikario" userId="f36b4b4543f14e71" providerId="LiveId" clId="{1B21135D-3E2A-4062-A932-3953D53E119A}" dt="2020-08-17T14:46:42.058" v="2589" actId="404"/>
-        <pc:sldMkLst>
-          <pc:docMk/>
-          <pc:sldMk cId="871966903" sldId="1978"/>
-        </pc:sldMkLst>
-        <pc:spChg chg="add mod">
-          <ac:chgData name="Ofer Zadikario" userId="f36b4b4543f14e71" providerId="LiveId" clId="{1B21135D-3E2A-4062-A932-3953D53E119A}" dt="2020-08-17T14:46:42.058" v="2589" actId="404"/>
-          <ac:spMkLst>
-            <pc:docMk/>
-            <pc:sldMk cId="871966903" sldId="1978"/>
-            <ac:spMk id="3" creationId="{381AC275-8FC3-48A2-8A6E-30F17389BDB4}"/>
-          </ac:spMkLst>
-        </pc:spChg>
-        <pc:spChg chg="add mod">
-          <ac:chgData name="Ofer Zadikario" userId="f36b4b4543f14e71" providerId="LiveId" clId="{1B21135D-3E2A-4062-A932-3953D53E119A}" dt="2020-08-17T14:44:25.017" v="2391" actId="693"/>
-          <ac:spMkLst>
-            <pc:docMk/>
-            <pc:sldMk cId="871966903" sldId="1978"/>
-            <ac:spMk id="4" creationId="{6B396C3F-5A8C-4271-8EB8-72F2913B37E4}"/>
-          </ac:spMkLst>
-        </pc:spChg>
-        <pc:spChg chg="del">
-          <ac:chgData name="Ofer Zadikario" userId="f36b4b4543f14e71" providerId="LiveId" clId="{1B21135D-3E2A-4062-A932-3953D53E119A}" dt="2020-08-17T14:41:56.692" v="2244" actId="478"/>
-          <ac:spMkLst>
-            <pc:docMk/>
-            <pc:sldMk cId="871966903" sldId="1978"/>
-            <ac:spMk id="41" creationId="{81698B50-E847-4B86-85CE-CA5583778DEB}"/>
-          </ac:spMkLst>
-        </pc:spChg>
-        <pc:spChg chg="del mod">
-          <ac:chgData name="Ofer Zadikario" userId="f36b4b4543f14e71" providerId="LiveId" clId="{1B21135D-3E2A-4062-A932-3953D53E119A}" dt="2020-08-17T14:42:01.241" v="2246" actId="478"/>
-          <ac:spMkLst>
-            <pc:docMk/>
-            <pc:sldMk cId="871966903" sldId="1978"/>
-            <ac:spMk id="42" creationId="{801D2443-A53E-417D-BA22-B49D6457E963}"/>
-          </ac:spMkLst>
-        </pc:spChg>
-      </pc:sldChg>
-      <pc:sldChg chg="modSp add del mod">
-        <pc:chgData name="Ofer Zadikario" userId="f36b4b4543f14e71" providerId="LiveId" clId="{1B21135D-3E2A-4062-A932-3953D53E119A}" dt="2020-08-17T08:18:16.682" v="2242" actId="2696"/>
-        <pc:sldMkLst>
-          <pc:docMk/>
-          <pc:sldMk cId="1332181442" sldId="1978"/>
-        </pc:sldMkLst>
-        <pc:spChg chg="mod">
-          <ac:chgData name="Ofer Zadikario" userId="f36b4b4543f14e71" providerId="LiveId" clId="{1B21135D-3E2A-4062-A932-3953D53E119A}" dt="2020-08-13T16:21:37.738" v="2089" actId="20577"/>
-          <ac:spMkLst>
-            <pc:docMk/>
-            <pc:sldMk cId="1332181442" sldId="1978"/>
-            <ac:spMk id="2" creationId="{00000000-0000-0000-0000-000000000000}"/>
-          </ac:spMkLst>
-        </pc:spChg>
-      </pc:sldChg>
-      <pc:sldChg chg="addSp delSp modSp add mod">
-        <pc:chgData name="Ofer Zadikario" userId="f36b4b4543f14e71" providerId="LiveId" clId="{1B21135D-3E2A-4062-A932-3953D53E119A}" dt="2020-08-17T14:51:50.339" v="2748" actId="1035"/>
-        <pc:sldMkLst>
-          <pc:docMk/>
-          <pc:sldMk cId="2039785200" sldId="1979"/>
-        </pc:sldMkLst>
-        <pc:spChg chg="mod">
-          <ac:chgData name="Ofer Zadikario" userId="f36b4b4543f14e71" providerId="LiveId" clId="{1B21135D-3E2A-4062-A932-3953D53E119A}" dt="2020-08-17T14:48:45.966" v="2603" actId="20577"/>
-          <ac:spMkLst>
-            <pc:docMk/>
-            <pc:sldMk cId="2039785200" sldId="1979"/>
-            <ac:spMk id="2" creationId="{00000000-0000-0000-0000-000000000000}"/>
-          </ac:spMkLst>
-        </pc:spChg>
-        <pc:spChg chg="add del">
-          <ac:chgData name="Ofer Zadikario" userId="f36b4b4543f14e71" providerId="LiveId" clId="{1B21135D-3E2A-4062-A932-3953D53E119A}" dt="2020-08-17T14:50:30.909" v="2676"/>
-          <ac:spMkLst>
-            <pc:docMk/>
-            <pc:sldMk cId="2039785200" sldId="1979"/>
-            <ac:spMk id="3" creationId="{B06AAD65-F40A-4141-A4AB-59E0A8616288}"/>
-          </ac:spMkLst>
-        </pc:spChg>
-        <pc:spChg chg="add del">
-          <ac:chgData name="Ofer Zadikario" userId="f36b4b4543f14e71" providerId="LiveId" clId="{1B21135D-3E2A-4062-A932-3953D53E119A}" dt="2020-08-17T14:50:46.904" v="2678"/>
-          <ac:spMkLst>
-            <pc:docMk/>
-            <pc:sldMk cId="2039785200" sldId="1979"/>
-            <ac:spMk id="4" creationId="{CA9AD1A9-C8D7-44E9-B7F2-3CAECC1D2011}"/>
-          </ac:spMkLst>
-        </pc:spChg>
-        <pc:spChg chg="mod">
-          <ac:chgData name="Ofer Zadikario" userId="f36b4b4543f14e71" providerId="LiveId" clId="{1B21135D-3E2A-4062-A932-3953D53E119A}" dt="2020-08-17T14:50:18.213" v="2674" actId="20577"/>
-          <ac:spMkLst>
-            <pc:docMk/>
-            <pc:sldMk cId="2039785200" sldId="1979"/>
-            <ac:spMk id="14" creationId="{00000000-0000-0000-0000-000000000000}"/>
-          </ac:spMkLst>
-        </pc:spChg>
-        <pc:picChg chg="add mod">
-          <ac:chgData name="Ofer Zadikario" userId="f36b4b4543f14e71" providerId="LiveId" clId="{1B21135D-3E2A-4062-A932-3953D53E119A}" dt="2020-08-17T14:51:50.339" v="2748" actId="1035"/>
-          <ac:picMkLst>
-            <pc:docMk/>
-            <pc:sldMk cId="2039785200" sldId="1979"/>
-            <ac:picMk id="5" creationId="{9EE8ECEF-D803-4D18-9686-ABF4372D11EA}"/>
-          </ac:picMkLst>
-        </pc:picChg>
-      </pc:sldChg>
-      <pc:sldChg chg="delSp modSp add mod">
-        <pc:chgData name="Ofer Zadikario" userId="f36b4b4543f14e71" providerId="LiveId" clId="{1B21135D-3E2A-4062-A932-3953D53E119A}" dt="2020-08-18T07:20:54.878" v="3872" actId="20577"/>
-        <pc:sldMkLst>
-          <pc:docMk/>
-          <pc:sldMk cId="1279745891" sldId="1980"/>
-        </pc:sldMkLst>
-        <pc:spChg chg="mod">
-          <ac:chgData name="Ofer Zadikario" userId="f36b4b4543f14e71" providerId="LiveId" clId="{1B21135D-3E2A-4062-A932-3953D53E119A}" dt="2020-08-18T07:20:54.878" v="3872" actId="20577"/>
-          <ac:spMkLst>
-            <pc:docMk/>
-            <pc:sldMk cId="1279745891" sldId="1980"/>
-            <ac:spMk id="2" creationId="{00000000-0000-0000-0000-000000000000}"/>
-          </ac:spMkLst>
-        </pc:spChg>
-        <pc:spChg chg="mod">
-          <ac:chgData name="Ofer Zadikario" userId="f36b4b4543f14e71" providerId="LiveId" clId="{1B21135D-3E2A-4062-A932-3953D53E119A}" dt="2020-08-18T07:07:36.820" v="3393" actId="20577"/>
-          <ac:spMkLst>
-            <pc:docMk/>
-            <pc:sldMk cId="1279745891" sldId="1980"/>
-            <ac:spMk id="14" creationId="{00000000-0000-0000-0000-000000000000}"/>
-          </ac:spMkLst>
-        </pc:spChg>
-        <pc:picChg chg="del">
-          <ac:chgData name="Ofer Zadikario" userId="f36b4b4543f14e71" providerId="LiveId" clId="{1B21135D-3E2A-4062-A932-3953D53E119A}" dt="2020-08-18T07:00:56.356" v="2750" actId="478"/>
-          <ac:picMkLst>
-            <pc:docMk/>
-            <pc:sldMk cId="1279745891" sldId="1980"/>
-            <ac:picMk id="5" creationId="{9EE8ECEF-D803-4D18-9686-ABF4372D11EA}"/>
-          </ac:picMkLst>
-        </pc:picChg>
-      </pc:sldChg>
-      <pc:sldChg chg="modSp add mod">
-        <pc:chgData name="Ofer Zadikario" userId="f36b4b4543f14e71" providerId="LiveId" clId="{1B21135D-3E2A-4062-A932-3953D53E119A}" dt="2020-08-18T07:20:41.661" v="3853" actId="20577"/>
-        <pc:sldMkLst>
-          <pc:docMk/>
-          <pc:sldMk cId="150318377" sldId="1981"/>
-        </pc:sldMkLst>
-        <pc:spChg chg="mod">
-          <ac:chgData name="Ofer Zadikario" userId="f36b4b4543f14e71" providerId="LiveId" clId="{1B21135D-3E2A-4062-A932-3953D53E119A}" dt="2020-08-18T07:20:41.661" v="3853" actId="20577"/>
-          <ac:spMkLst>
-            <pc:docMk/>
-            <pc:sldMk cId="150318377" sldId="1981"/>
-            <ac:spMk id="2" creationId="{00000000-0000-0000-0000-000000000000}"/>
-          </ac:spMkLst>
-        </pc:spChg>
-        <pc:spChg chg="mod">
-          <ac:chgData name="Ofer Zadikario" userId="f36b4b4543f14e71" providerId="LiveId" clId="{1B21135D-3E2A-4062-A932-3953D53E119A}" dt="2020-08-18T07:20:29.667" v="3833" actId="20577"/>
-          <ac:spMkLst>
-            <pc:docMk/>
-            <pc:sldMk cId="150318377" sldId="1981"/>
-            <ac:spMk id="14" creationId="{00000000-0000-0000-0000-000000000000}"/>
-          </ac:spMkLst>
-        </pc:spChg>
-      </pc:sldChg>
-      <pc:sldChg chg="addSp modSp add mod">
-        <pc:chgData name="Ofer Zadikario" userId="f36b4b4543f14e71" providerId="LiveId" clId="{1B21135D-3E2A-4062-A932-3953D53E119A}" dt="2020-08-18T07:53:40.023" v="4921" actId="1035"/>
-        <pc:sldMkLst>
-          <pc:docMk/>
-          <pc:sldMk cId="1941660991" sldId="1982"/>
-        </pc:sldMkLst>
-        <pc:spChg chg="mod">
-          <ac:chgData name="Ofer Zadikario" userId="f36b4b4543f14e71" providerId="LiveId" clId="{1B21135D-3E2A-4062-A932-3953D53E119A}" dt="2020-08-18T07:23:04.311" v="3988" actId="20577"/>
-          <ac:spMkLst>
-            <pc:docMk/>
-            <pc:sldMk cId="1941660991" sldId="1982"/>
-            <ac:spMk id="2" creationId="{00000000-0000-0000-0000-000000000000}"/>
-          </ac:spMkLst>
-        </pc:spChg>
-        <pc:spChg chg="mod">
-          <ac:chgData name="Ofer Zadikario" userId="f36b4b4543f14e71" providerId="LiveId" clId="{1B21135D-3E2A-4062-A932-3953D53E119A}" dt="2020-08-18T07:53:13.984" v="4899" actId="20577"/>
-          <ac:spMkLst>
-            <pc:docMk/>
-            <pc:sldMk cId="1941660991" sldId="1982"/>
-            <ac:spMk id="14" creationId="{00000000-0000-0000-0000-000000000000}"/>
-          </ac:spMkLst>
-        </pc:spChg>
-        <pc:picChg chg="add mod">
-          <ac:chgData name="Ofer Zadikario" userId="f36b4b4543f14e71" providerId="LiveId" clId="{1B21135D-3E2A-4062-A932-3953D53E119A}" dt="2020-08-18T07:53:40.023" v="4921" actId="1035"/>
-          <ac:picMkLst>
-            <pc:docMk/>
-            <pc:sldMk cId="1941660991" sldId="1982"/>
-            <ac:picMk id="3" creationId="{844E6DA8-3F06-41DF-A771-2DD7D1C3CCE5}"/>
-          </ac:picMkLst>
-        </pc:picChg>
-      </pc:sldChg>
-    </pc:docChg>
-  </pc:docChgLst>
-  <pc:docChgLst>
-    <pc:chgData name="Ofer Zadikario" userId="f36b4b4543f14e71" providerId="LiveId" clId="{1DF6B681-7612-4A94-98A4-480CACCF0D73}"/>
-    <pc:docChg chg="undo custSel addSld delSld modSld modSection">
-      <pc:chgData name="Ofer Zadikario" userId="f36b4b4543f14e71" providerId="LiveId" clId="{1DF6B681-7612-4A94-98A4-480CACCF0D73}" dt="2024-04-07T13:41:51.397" v="2098" actId="20577"/>
-      <pc:docMkLst>
-        <pc:docMk/>
-      </pc:docMkLst>
-      <pc:sldChg chg="del">
-        <pc:chgData name="Ofer Zadikario" userId="f36b4b4543f14e71" providerId="LiveId" clId="{1DF6B681-7612-4A94-98A4-480CACCF0D73}" dt="2024-04-07T12:31:40.048" v="15" actId="47"/>
-        <pc:sldMkLst>
-          <pc:docMk/>
-          <pc:sldMk cId="3676793758" sldId="294"/>
-        </pc:sldMkLst>
-      </pc:sldChg>
-      <pc:sldChg chg="del">
-        <pc:chgData name="Ofer Zadikario" userId="f36b4b4543f14e71" providerId="LiveId" clId="{1DF6B681-7612-4A94-98A4-480CACCF0D73}" dt="2024-04-07T12:31:41.792" v="16" actId="47"/>
-        <pc:sldMkLst>
-          <pc:docMk/>
-          <pc:sldMk cId="1916808491" sldId="333"/>
-        </pc:sldMkLst>
-      </pc:sldChg>
-      <pc:sldChg chg="modSp mod">
-        <pc:chgData name="Ofer Zadikario" userId="f36b4b4543f14e71" providerId="LiveId" clId="{1DF6B681-7612-4A94-98A4-480CACCF0D73}" dt="2024-04-07T12:31:32.453" v="14" actId="20577"/>
-        <pc:sldMkLst>
-          <pc:docMk/>
-          <pc:sldMk cId="377166578" sldId="1945"/>
-        </pc:sldMkLst>
-        <pc:spChg chg="mod">
-          <ac:chgData name="Ofer Zadikario" userId="f36b4b4543f14e71" providerId="LiveId" clId="{1DF6B681-7612-4A94-98A4-480CACCF0D73}" dt="2024-04-07T12:31:32.453" v="14" actId="20577"/>
-          <ac:spMkLst>
-            <pc:docMk/>
-            <pc:sldMk cId="377166578" sldId="1945"/>
-            <ac:spMk id="3" creationId="{EAC9D90D-41ED-7A4E-AF05-87821125D59E}"/>
-          </ac:spMkLst>
-        </pc:spChg>
-      </pc:sldChg>
-      <pc:sldChg chg="del">
-        <pc:chgData name="Ofer Zadikario" userId="f36b4b4543f14e71" providerId="LiveId" clId="{1DF6B681-7612-4A94-98A4-480CACCF0D73}" dt="2024-04-07T12:35:16.801" v="86" actId="47"/>
-        <pc:sldMkLst>
-          <pc:docMk/>
-          <pc:sldMk cId="740251951" sldId="1951"/>
-        </pc:sldMkLst>
-      </pc:sldChg>
-      <pc:sldChg chg="del">
-        <pc:chgData name="Ofer Zadikario" userId="f36b4b4543f14e71" providerId="LiveId" clId="{1DF6B681-7612-4A94-98A4-480CACCF0D73}" dt="2024-04-07T12:35:24.883" v="88" actId="47"/>
-        <pc:sldMkLst>
-          <pc:docMk/>
-          <pc:sldMk cId="580161270" sldId="1970"/>
-        </pc:sldMkLst>
-      </pc:sldChg>
-      <pc:sldChg chg="del">
-        <pc:chgData name="Ofer Zadikario" userId="f36b4b4543f14e71" providerId="LiveId" clId="{1DF6B681-7612-4A94-98A4-480CACCF0D73}" dt="2024-04-07T12:35:23.351" v="87" actId="47"/>
-        <pc:sldMkLst>
-          <pc:docMk/>
-          <pc:sldMk cId="771297805" sldId="1977"/>
-        </pc:sldMkLst>
-      </pc:sldChg>
-      <pc:sldChg chg="del">
-        <pc:chgData name="Ofer Zadikario" userId="f36b4b4543f14e71" providerId="LiveId" clId="{1DF6B681-7612-4A94-98A4-480CACCF0D73}" dt="2024-04-07T13:14:38.216" v="1964" actId="47"/>
-        <pc:sldMkLst>
-          <pc:docMk/>
-          <pc:sldMk cId="2039785200" sldId="1979"/>
-        </pc:sldMkLst>
-      </pc:sldChg>
-      <pc:sldChg chg="addSp modSp mod">
-        <pc:chgData name="Ofer Zadikario" userId="f36b4b4543f14e71" providerId="LiveId" clId="{1DF6B681-7612-4A94-98A4-480CACCF0D73}" dt="2024-04-07T13:05:42.901" v="1265" actId="1076"/>
-        <pc:sldMkLst>
-          <pc:docMk/>
-          <pc:sldMk cId="1279745891" sldId="1980"/>
-        </pc:sldMkLst>
-        <pc:spChg chg="mod">
-          <ac:chgData name="Ofer Zadikario" userId="f36b4b4543f14e71" providerId="LiveId" clId="{1DF6B681-7612-4A94-98A4-480CACCF0D73}" dt="2024-04-07T13:00:42.179" v="1037" actId="20577"/>
-          <ac:spMkLst>
-            <pc:docMk/>
-            <pc:sldMk cId="1279745891" sldId="1980"/>
-            <ac:spMk id="2" creationId="{00000000-0000-0000-0000-000000000000}"/>
-          </ac:spMkLst>
-        </pc:spChg>
-        <pc:spChg chg="add mod">
-          <ac:chgData name="Ofer Zadikario" userId="f36b4b4543f14e71" providerId="LiveId" clId="{1DF6B681-7612-4A94-98A4-480CACCF0D73}" dt="2024-04-07T13:05:42.901" v="1265" actId="1076"/>
-          <ac:spMkLst>
-            <pc:docMk/>
-            <pc:sldMk cId="1279745891" sldId="1980"/>
-            <ac:spMk id="9" creationId="{86804593-7642-5CF5-4D70-1B982A58E386}"/>
-          </ac:spMkLst>
-        </pc:spChg>
-        <pc:spChg chg="mod">
-          <ac:chgData name="Ofer Zadikario" userId="f36b4b4543f14e71" providerId="LiveId" clId="{1DF6B681-7612-4A94-98A4-480CACCF0D73}" dt="2024-04-07T13:04:14.382" v="1247" actId="20577"/>
-          <ac:spMkLst>
-            <pc:docMk/>
-            <pc:sldMk cId="1279745891" sldId="1980"/>
-            <ac:spMk id="14" creationId="{00000000-0000-0000-0000-000000000000}"/>
-          </ac:spMkLst>
-        </pc:spChg>
-        <pc:picChg chg="add mod">
-          <ac:chgData name="Ofer Zadikario" userId="f36b4b4543f14e71" providerId="LiveId" clId="{1DF6B681-7612-4A94-98A4-480CACCF0D73}" dt="2024-04-07T13:03:12.056" v="1233" actId="1076"/>
-          <ac:picMkLst>
-            <pc:docMk/>
-            <pc:sldMk cId="1279745891" sldId="1980"/>
-            <ac:picMk id="4" creationId="{DAEC3767-2241-9308-1D14-074DDAB31CDE}"/>
-          </ac:picMkLst>
-        </pc:picChg>
-        <pc:picChg chg="add mod">
-          <ac:chgData name="Ofer Zadikario" userId="f36b4b4543f14e71" providerId="LiveId" clId="{1DF6B681-7612-4A94-98A4-480CACCF0D73}" dt="2024-04-07T13:04:04.581" v="1236" actId="14100"/>
-          <ac:picMkLst>
-            <pc:docMk/>
-            <pc:sldMk cId="1279745891" sldId="1980"/>
-            <ac:picMk id="6" creationId="{B56C7B47-7D46-EDD7-5C5F-FE895A4A41EB}"/>
-          </ac:picMkLst>
-        </pc:picChg>
-        <pc:cxnChg chg="add mod">
-          <ac:chgData name="Ofer Zadikario" userId="f36b4b4543f14e71" providerId="LiveId" clId="{1DF6B681-7612-4A94-98A4-480CACCF0D73}" dt="2024-04-07T13:05:15.176" v="1259" actId="692"/>
-          <ac:cxnSpMkLst>
-            <pc:docMk/>
-            <pc:sldMk cId="1279745891" sldId="1980"/>
-            <ac:cxnSpMk id="8" creationId="{6B604D6F-6E0D-AD8A-FA44-8F31D772762A}"/>
-          </ac:cxnSpMkLst>
-        </pc:cxnChg>
-      </pc:sldChg>
-      <pc:sldChg chg="del">
-        <pc:chgData name="Ofer Zadikario" userId="f36b4b4543f14e71" providerId="LiveId" clId="{1DF6B681-7612-4A94-98A4-480CACCF0D73}" dt="2024-04-07T13:14:38.216" v="1964" actId="47"/>
-        <pc:sldMkLst>
-          <pc:docMk/>
-          <pc:sldMk cId="150318377" sldId="1981"/>
-        </pc:sldMkLst>
-      </pc:sldChg>
-      <pc:sldChg chg="del">
-        <pc:chgData name="Ofer Zadikario" userId="f36b4b4543f14e71" providerId="LiveId" clId="{1DF6B681-7612-4A94-98A4-480CACCF0D73}" dt="2024-04-07T13:14:38.216" v="1964" actId="47"/>
-        <pc:sldMkLst>
-          <pc:docMk/>
-          <pc:sldMk cId="1941660991" sldId="1982"/>
-        </pc:sldMkLst>
-      </pc:sldChg>
-      <pc:sldChg chg="addSp delSp modSp mod">
-        <pc:chgData name="Ofer Zadikario" userId="f36b4b4543f14e71" providerId="LiveId" clId="{1DF6B681-7612-4A94-98A4-480CACCF0D73}" dt="2024-04-07T12:46:04.299" v="720" actId="9405"/>
-        <pc:sldMkLst>
-          <pc:docMk/>
-          <pc:sldMk cId="550718314" sldId="1983"/>
-        </pc:sldMkLst>
-        <pc:spChg chg="mod">
-          <ac:chgData name="Ofer Zadikario" userId="f36b4b4543f14e71" providerId="LiveId" clId="{1DF6B681-7612-4A94-98A4-480CACCF0D73}" dt="2024-04-07T12:43:57.607" v="709" actId="20577"/>
-          <ac:spMkLst>
-            <pc:docMk/>
-            <pc:sldMk cId="550718314" sldId="1983"/>
-            <ac:spMk id="2" creationId="{00000000-0000-0000-0000-000000000000}"/>
-          </ac:spMkLst>
-        </pc:spChg>
-        <pc:picChg chg="del">
-          <ac:chgData name="Ofer Zadikario" userId="f36b4b4543f14e71" providerId="LiveId" clId="{1DF6B681-7612-4A94-98A4-480CACCF0D73}" dt="2024-04-07T12:44:00.832" v="710" actId="478"/>
-          <ac:picMkLst>
-            <pc:docMk/>
-            <pc:sldMk cId="550718314" sldId="1983"/>
-            <ac:picMk id="4" creationId="{6FA4BC03-4FDB-6CA6-A5AC-B023B3830191}"/>
-          </ac:picMkLst>
-        </pc:picChg>
-        <pc:picChg chg="add">
-          <ac:chgData name="Ofer Zadikario" userId="f36b4b4543f14e71" providerId="LiveId" clId="{1DF6B681-7612-4A94-98A4-480CACCF0D73}" dt="2024-04-07T12:45:04.070" v="713" actId="22"/>
-          <ac:picMkLst>
-            <pc:docMk/>
-            <pc:sldMk cId="550718314" sldId="1983"/>
-            <ac:picMk id="7" creationId="{19B26778-1408-61E4-E80B-A86D6B1F28A6}"/>
-          </ac:picMkLst>
-        </pc:picChg>
-        <pc:inkChg chg="del">
-          <ac:chgData name="Ofer Zadikario" userId="f36b4b4543f14e71" providerId="LiveId" clId="{1DF6B681-7612-4A94-98A4-480CACCF0D73}" dt="2024-04-07T12:45:01.202" v="711" actId="478"/>
-          <ac:inkMkLst>
-            <pc:docMk/>
-            <pc:sldMk cId="550718314" sldId="1983"/>
-            <ac:inkMk id="5" creationId="{423D2FE6-11D2-5C9A-1D5C-5E68A423BB2B}"/>
-          </ac:inkMkLst>
-        </pc:inkChg>
-        <pc:inkChg chg="del">
-          <ac:chgData name="Ofer Zadikario" userId="f36b4b4543f14e71" providerId="LiveId" clId="{1DF6B681-7612-4A94-98A4-480CACCF0D73}" dt="2024-04-07T12:45:03.120" v="712" actId="478"/>
-          <ac:inkMkLst>
-            <pc:docMk/>
-            <pc:sldMk cId="550718314" sldId="1983"/>
-            <ac:inkMk id="6" creationId="{DE2DFFB1-F41F-8C5F-1D02-553FDAA45BAF}"/>
-          </ac:inkMkLst>
-        </pc:inkChg>
-        <pc:inkChg chg="add">
-          <ac:chgData name="Ofer Zadikario" userId="f36b4b4543f14e71" providerId="LiveId" clId="{1DF6B681-7612-4A94-98A4-480CACCF0D73}" dt="2024-04-07T12:45:14.722" v="714" actId="9405"/>
-          <ac:inkMkLst>
-            <pc:docMk/>
-            <pc:sldMk cId="550718314" sldId="1983"/>
-            <ac:inkMk id="8" creationId="{69F1FFEE-69C3-BBD0-872C-7DCFDF5EFD66}"/>
-          </ac:inkMkLst>
-        </pc:inkChg>
-        <pc:inkChg chg="add del">
-          <ac:chgData name="Ofer Zadikario" userId="f36b4b4543f14e71" providerId="LiveId" clId="{1DF6B681-7612-4A94-98A4-480CACCF0D73}" dt="2024-04-07T12:45:29.842" v="716" actId="9405"/>
-          <ac:inkMkLst>
-            <pc:docMk/>
-            <pc:sldMk cId="550718314" sldId="1983"/>
-            <ac:inkMk id="9" creationId="{3942956E-0C30-9AAF-DB5B-752DB2D16906}"/>
-          </ac:inkMkLst>
-        </pc:inkChg>
-        <pc:inkChg chg="add">
-          <ac:chgData name="Ofer Zadikario" userId="f36b4b4543f14e71" providerId="LiveId" clId="{1DF6B681-7612-4A94-98A4-480CACCF0D73}" dt="2024-04-07T12:45:38.151" v="717" actId="9405"/>
-          <ac:inkMkLst>
-            <pc:docMk/>
-            <pc:sldMk cId="550718314" sldId="1983"/>
-            <ac:inkMk id="10" creationId="{E34FCB8B-6150-8FCD-AB2B-2A72716926C2}"/>
-          </ac:inkMkLst>
-        </pc:inkChg>
-        <pc:inkChg chg="add">
-          <ac:chgData name="Ofer Zadikario" userId="f36b4b4543f14e71" providerId="LiveId" clId="{1DF6B681-7612-4A94-98A4-480CACCF0D73}" dt="2024-04-07T12:45:49.494" v="718" actId="9405"/>
-          <ac:inkMkLst>
-            <pc:docMk/>
-            <pc:sldMk cId="550718314" sldId="1983"/>
-            <ac:inkMk id="11" creationId="{A86044B2-F6A6-6487-716F-3BF32E98EF55}"/>
-          </ac:inkMkLst>
-        </pc:inkChg>
-        <pc:inkChg chg="add">
-          <ac:chgData name="Ofer Zadikario" userId="f36b4b4543f14e71" providerId="LiveId" clId="{1DF6B681-7612-4A94-98A4-480CACCF0D73}" dt="2024-04-07T12:46:00.991" v="719" actId="9405"/>
-          <ac:inkMkLst>
-            <pc:docMk/>
-            <pc:sldMk cId="550718314" sldId="1983"/>
-            <ac:inkMk id="12" creationId="{56EBC4B2-65B0-D059-62BA-E78DDE839EC4}"/>
-          </ac:inkMkLst>
-        </pc:inkChg>
-        <pc:inkChg chg="add">
-          <ac:chgData name="Ofer Zadikario" userId="f36b4b4543f14e71" providerId="LiveId" clId="{1DF6B681-7612-4A94-98A4-480CACCF0D73}" dt="2024-04-07T12:46:04.299" v="720" actId="9405"/>
-          <ac:inkMkLst>
-            <pc:docMk/>
-            <pc:sldMk cId="550718314" sldId="1983"/>
-            <ac:inkMk id="13" creationId="{969D2D6E-B98B-6B0A-5DEA-E064D6D13C5E}"/>
-          </ac:inkMkLst>
-        </pc:inkChg>
-      </pc:sldChg>
-      <pc:sldChg chg="addSp delSp modSp mod">
-        <pc:chgData name="Ofer Zadikario" userId="f36b4b4543f14e71" providerId="LiveId" clId="{1DF6B681-7612-4A94-98A4-480CACCF0D73}" dt="2024-04-07T12:43:20.651" v="693" actId="20577"/>
-        <pc:sldMkLst>
-          <pc:docMk/>
-          <pc:sldMk cId="1560697618" sldId="1984"/>
-        </pc:sldMkLst>
-        <pc:spChg chg="mod">
-          <ac:chgData name="Ofer Zadikario" userId="f36b4b4543f14e71" providerId="LiveId" clId="{1DF6B681-7612-4A94-98A4-480CACCF0D73}" dt="2024-04-07T12:36:41.271" v="127" actId="20577"/>
-          <ac:spMkLst>
-            <pc:docMk/>
-            <pc:sldMk cId="1560697618" sldId="1984"/>
-            <ac:spMk id="2" creationId="{00000000-0000-0000-0000-000000000000}"/>
-          </ac:spMkLst>
-        </pc:spChg>
-        <pc:spChg chg="mod">
-          <ac:chgData name="Ofer Zadikario" userId="f36b4b4543f14e71" providerId="LiveId" clId="{1DF6B681-7612-4A94-98A4-480CACCF0D73}" dt="2024-04-07T12:43:20.651" v="693" actId="20577"/>
-          <ac:spMkLst>
-            <pc:docMk/>
-            <pc:sldMk cId="1560697618" sldId="1984"/>
-            <ac:spMk id="3" creationId="{452A6BD1-C422-931A-117D-D7D62FCEE2CF}"/>
-          </ac:spMkLst>
-        </pc:spChg>
-        <pc:picChg chg="add mod">
-          <ac:chgData name="Ofer Zadikario" userId="f36b4b4543f14e71" providerId="LiveId" clId="{1DF6B681-7612-4A94-98A4-480CACCF0D73}" dt="2024-04-07T12:36:26.531" v="110" actId="1076"/>
-          <ac:picMkLst>
-            <pc:docMk/>
-            <pc:sldMk cId="1560697618" sldId="1984"/>
-            <ac:picMk id="5" creationId="{99B2A643-8C5B-3E8D-A7DE-BCB8B7821EDE}"/>
-          </ac:picMkLst>
-        </pc:picChg>
-        <pc:picChg chg="del">
-          <ac:chgData name="Ofer Zadikario" userId="f36b4b4543f14e71" providerId="LiveId" clId="{1DF6B681-7612-4A94-98A4-480CACCF0D73}" dt="2024-04-07T12:35:58.299" v="108" actId="478"/>
-          <ac:picMkLst>
-            <pc:docMk/>
-            <pc:sldMk cId="1560697618" sldId="1984"/>
-            <ac:picMk id="6" creationId="{8C711DD0-651D-84CF-F40C-21FFEEDB95AA}"/>
-          </ac:picMkLst>
-        </pc:picChg>
-      </pc:sldChg>
-      <pc:sldChg chg="addSp delSp modSp mod">
-        <pc:chgData name="Ofer Zadikario" userId="f36b4b4543f14e71" providerId="LiveId" clId="{1DF6B681-7612-4A94-98A4-480CACCF0D73}" dt="2024-04-07T12:48:53.231" v="773" actId="9405"/>
-        <pc:sldMkLst>
-          <pc:docMk/>
-          <pc:sldMk cId="3497319438" sldId="1985"/>
-        </pc:sldMkLst>
-        <pc:spChg chg="mod">
-          <ac:chgData name="Ofer Zadikario" userId="f36b4b4543f14e71" providerId="LiveId" clId="{1DF6B681-7612-4A94-98A4-480CACCF0D73}" dt="2024-04-07T12:46:57.055" v="766" actId="20577"/>
-          <ac:spMkLst>
-            <pc:docMk/>
-            <pc:sldMk cId="3497319438" sldId="1985"/>
-            <ac:spMk id="2" creationId="{00000000-0000-0000-0000-000000000000}"/>
-          </ac:spMkLst>
-        </pc:spChg>
-        <pc:spChg chg="del">
-          <ac:chgData name="Ofer Zadikario" userId="f36b4b4543f14e71" providerId="LiveId" clId="{1DF6B681-7612-4A94-98A4-480CACCF0D73}" dt="2024-04-07T12:46:50.918" v="755" actId="478"/>
-          <ac:spMkLst>
-            <pc:docMk/>
-            <pc:sldMk cId="3497319438" sldId="1985"/>
-            <ac:spMk id="8" creationId="{A45C4027-640E-4BDA-C1ED-E42EC16180CA}"/>
-          </ac:spMkLst>
-        </pc:spChg>
-        <pc:picChg chg="add mod">
-          <ac:chgData name="Ofer Zadikario" userId="f36b4b4543f14e71" providerId="LiveId" clId="{1DF6B681-7612-4A94-98A4-480CACCF0D73}" dt="2024-04-07T12:47:34.228" v="768" actId="14100"/>
-          <ac:picMkLst>
-            <pc:docMk/>
-            <pc:sldMk cId="3497319438" sldId="1985"/>
-            <ac:picMk id="4" creationId="{1CA0BC7D-1C82-2872-B352-5374CCFB2CDA}"/>
-          </ac:picMkLst>
-        </pc:picChg>
-        <pc:picChg chg="del">
-          <ac:chgData name="Ofer Zadikario" userId="f36b4b4543f14e71" providerId="LiveId" clId="{1DF6B681-7612-4A94-98A4-480CACCF0D73}" dt="2024-04-07T12:46:46.636" v="754" actId="478"/>
-          <ac:picMkLst>
-            <pc:docMk/>
-            <pc:sldMk cId="3497319438" sldId="1985"/>
-            <ac:picMk id="15" creationId="{C547FB7D-0A5C-7DC6-E5CF-1BA5A6131E86}"/>
-          </ac:picMkLst>
-        </pc:picChg>
-        <pc:inkChg chg="add">
-          <ac:chgData name="Ofer Zadikario" userId="f36b4b4543f14e71" providerId="LiveId" clId="{1DF6B681-7612-4A94-98A4-480CACCF0D73}" dt="2024-04-07T12:47:56.414" v="769" actId="9405"/>
-          <ac:inkMkLst>
-            <pc:docMk/>
-            <pc:sldMk cId="3497319438" sldId="1985"/>
-            <ac:inkMk id="5" creationId="{BB83A6C0-057A-DDED-975E-0DAA94C4819F}"/>
-          </ac:inkMkLst>
-        </pc:inkChg>
-        <pc:inkChg chg="add">
-          <ac:chgData name="Ofer Zadikario" userId="f36b4b4543f14e71" providerId="LiveId" clId="{1DF6B681-7612-4A94-98A4-480CACCF0D73}" dt="2024-04-07T12:48:31.138" v="770" actId="9405"/>
-          <ac:inkMkLst>
-            <pc:docMk/>
-            <pc:sldMk cId="3497319438" sldId="1985"/>
-            <ac:inkMk id="6" creationId="{E6F68E65-BAE5-DE54-86D8-72B6086DFB57}"/>
-          </ac:inkMkLst>
-        </pc:inkChg>
-        <pc:inkChg chg="add">
-          <ac:chgData name="Ofer Zadikario" userId="f36b4b4543f14e71" providerId="LiveId" clId="{1DF6B681-7612-4A94-98A4-480CACCF0D73}" dt="2024-04-07T12:48:42.994" v="771" actId="9405"/>
-          <ac:inkMkLst>
-            <pc:docMk/>
-            <pc:sldMk cId="3497319438" sldId="1985"/>
-            <ac:inkMk id="7" creationId="{B0A8E405-BD8E-8024-B3F4-A981B9A350B6}"/>
-          </ac:inkMkLst>
-        </pc:inkChg>
-        <pc:inkChg chg="add">
-          <ac:chgData name="Ofer Zadikario" userId="f36b4b4543f14e71" providerId="LiveId" clId="{1DF6B681-7612-4A94-98A4-480CACCF0D73}" dt="2024-04-07T12:48:46.892" v="772" actId="9405"/>
-          <ac:inkMkLst>
-            <pc:docMk/>
-            <pc:sldMk cId="3497319438" sldId="1985"/>
-            <ac:inkMk id="9" creationId="{2580520C-0FF8-408F-F818-0FB7DCE839CA}"/>
-          </ac:inkMkLst>
-        </pc:inkChg>
-        <pc:inkChg chg="add">
-          <ac:chgData name="Ofer Zadikario" userId="f36b4b4543f14e71" providerId="LiveId" clId="{1DF6B681-7612-4A94-98A4-480CACCF0D73}" dt="2024-04-07T12:48:53.231" v="773" actId="9405"/>
-          <ac:inkMkLst>
-            <pc:docMk/>
-            <pc:sldMk cId="3497319438" sldId="1985"/>
-            <ac:inkMk id="11" creationId="{0B19D5F7-E4FA-5AB1-DB2A-EFAF01097D7E}"/>
-          </ac:inkMkLst>
-        </pc:inkChg>
-        <pc:cxnChg chg="del">
-          <ac:chgData name="Ofer Zadikario" userId="f36b4b4543f14e71" providerId="LiveId" clId="{1DF6B681-7612-4A94-98A4-480CACCF0D73}" dt="2024-04-07T12:46:50.918" v="755" actId="478"/>
-          <ac:cxnSpMkLst>
-            <pc:docMk/>
-            <pc:sldMk cId="3497319438" sldId="1985"/>
-            <ac:cxnSpMk id="10" creationId="{B06EC271-B37B-7CDD-F3C9-6CD87724EBD8}"/>
-          </ac:cxnSpMkLst>
-        </pc:cxnChg>
-        <pc:cxnChg chg="del mod">
-          <ac:chgData name="Ofer Zadikario" userId="f36b4b4543f14e71" providerId="LiveId" clId="{1DF6B681-7612-4A94-98A4-480CACCF0D73}" dt="2024-04-07T12:46:50.918" v="755" actId="478"/>
-          <ac:cxnSpMkLst>
-            <pc:docMk/>
-            <pc:sldMk cId="3497319438" sldId="1985"/>
-            <ac:cxnSpMk id="12" creationId="{0ACC72E5-94EC-55BD-8F31-B6F2ABE5F58C}"/>
-          </ac:cxnSpMkLst>
-        </pc:cxnChg>
-      </pc:sldChg>
-      <pc:sldChg chg="del">
-        <pc:chgData name="Ofer Zadikario" userId="f36b4b4543f14e71" providerId="LiveId" clId="{1DF6B681-7612-4A94-98A4-480CACCF0D73}" dt="2024-04-07T13:14:38.216" v="1964" actId="47"/>
-        <pc:sldMkLst>
-          <pc:docMk/>
-          <pc:sldMk cId="2386915115" sldId="1986"/>
-        </pc:sldMkLst>
-      </pc:sldChg>
-      <pc:sldChg chg="delSp modSp add mod delAnim">
-        <pc:chgData name="Ofer Zadikario" userId="f36b4b4543f14e71" providerId="LiveId" clId="{1DF6B681-7612-4A94-98A4-480CACCF0D73}" dt="2024-04-07T12:35:05.488" v="85" actId="478"/>
-        <pc:sldMkLst>
-          <pc:docMk/>
-          <pc:sldMk cId="2527822806" sldId="1987"/>
-        </pc:sldMkLst>
-        <pc:spChg chg="mod">
-          <ac:chgData name="Ofer Zadikario" userId="f36b4b4543f14e71" providerId="LiveId" clId="{1DF6B681-7612-4A94-98A4-480CACCF0D73}" dt="2024-04-07T12:33:50.656" v="57" actId="20577"/>
-          <ac:spMkLst>
-            <pc:docMk/>
-            <pc:sldMk cId="2527822806" sldId="1987"/>
-            <ac:spMk id="2" creationId="{32394582-6FA3-4562-B7EC-51A65D326FFF}"/>
-          </ac:spMkLst>
-        </pc:spChg>
-        <pc:spChg chg="del">
-          <ac:chgData name="Ofer Zadikario" userId="f36b4b4543f14e71" providerId="LiveId" clId="{1DF6B681-7612-4A94-98A4-480CACCF0D73}" dt="2024-04-07T12:34:25.257" v="61" actId="478"/>
-          <ac:spMkLst>
-            <pc:docMk/>
-            <pc:sldMk cId="2527822806" sldId="1987"/>
-            <ac:spMk id="3" creationId="{381AC275-8FC3-48A2-8A6E-30F17389BDB4}"/>
-          </ac:spMkLst>
-        </pc:spChg>
-        <pc:spChg chg="mod">
-          <ac:chgData name="Ofer Zadikario" userId="f36b4b4543f14e71" providerId="LiveId" clId="{1DF6B681-7612-4A94-98A4-480CACCF0D73}" dt="2024-04-07T12:34:33.004" v="82" actId="1036"/>
-          <ac:spMkLst>
-            <pc:docMk/>
-            <pc:sldMk cId="2527822806" sldId="1987"/>
-            <ac:spMk id="4" creationId="{6B396C3F-5A8C-4271-8EB8-72F2913B37E4}"/>
-          </ac:spMkLst>
-        </pc:spChg>
-        <pc:picChg chg="mod">
-          <ac:chgData name="Ofer Zadikario" userId="f36b4b4543f14e71" providerId="LiveId" clId="{1DF6B681-7612-4A94-98A4-480CACCF0D73}" dt="2024-04-07T12:34:33.004" v="82" actId="1036"/>
-          <ac:picMkLst>
-            <pc:docMk/>
-            <pc:sldMk cId="2527822806" sldId="1987"/>
-            <ac:picMk id="37" creationId="{C55DA5BA-39A9-4853-9519-8D67FA3797C9}"/>
-          </ac:picMkLst>
-        </pc:picChg>
-        <pc:picChg chg="del mod">
-          <ac:chgData name="Ofer Zadikario" userId="f36b4b4543f14e71" providerId="LiveId" clId="{1DF6B681-7612-4A94-98A4-480CACCF0D73}" dt="2024-04-07T12:35:00.762" v="83" actId="478"/>
-          <ac:picMkLst>
-            <pc:docMk/>
-            <pc:sldMk cId="2527822806" sldId="1987"/>
-            <ac:picMk id="38" creationId="{C1C1676F-E1DE-4EF4-B1B9-3C344B36AFF4}"/>
-          </ac:picMkLst>
-        </pc:picChg>
-        <pc:picChg chg="del mod">
-          <ac:chgData name="Ofer Zadikario" userId="f36b4b4543f14e71" providerId="LiveId" clId="{1DF6B681-7612-4A94-98A4-480CACCF0D73}" dt="2024-04-07T12:35:02.674" v="84" actId="478"/>
-          <ac:picMkLst>
-            <pc:docMk/>
-            <pc:sldMk cId="2527822806" sldId="1987"/>
-            <ac:picMk id="39" creationId="{9B50007E-DCFC-4D2C-9BEB-97E47EA07F17}"/>
-          </ac:picMkLst>
-        </pc:picChg>
-        <pc:picChg chg="del mod">
-          <ac:chgData name="Ofer Zadikario" userId="f36b4b4543f14e71" providerId="LiveId" clId="{1DF6B681-7612-4A94-98A4-480CACCF0D73}" dt="2024-04-07T12:35:05.488" v="85" actId="478"/>
-          <ac:picMkLst>
-            <pc:docMk/>
-            <pc:sldMk cId="2527822806" sldId="1987"/>
-            <ac:picMk id="40" creationId="{98C63CD0-935F-4ACB-8CB6-EA346124C443}"/>
-          </ac:picMkLst>
-        </pc:picChg>
-      </pc:sldChg>
-      <pc:sldChg chg="addSp delSp modSp add mod">
-        <pc:chgData name="Ofer Zadikario" userId="f36b4b4543f14e71" providerId="LiveId" clId="{1DF6B681-7612-4A94-98A4-480CACCF0D73}" dt="2024-04-07T12:50:27.014" v="787" actId="9405"/>
-        <pc:sldMkLst>
-          <pc:docMk/>
-          <pc:sldMk cId="3931364593" sldId="1988"/>
-        </pc:sldMkLst>
-        <pc:spChg chg="mod">
-          <ac:chgData name="Ofer Zadikario" userId="f36b4b4543f14e71" providerId="LiveId" clId="{1DF6B681-7612-4A94-98A4-480CACCF0D73}" dt="2024-04-07T12:49:18.259" v="777" actId="20577"/>
-          <ac:spMkLst>
-            <pc:docMk/>
-            <pc:sldMk cId="3931364593" sldId="1988"/>
-            <ac:spMk id="2" creationId="{00000000-0000-0000-0000-000000000000}"/>
-          </ac:spMkLst>
-        </pc:spChg>
-        <pc:picChg chg="del">
-          <ac:chgData name="Ofer Zadikario" userId="f36b4b4543f14e71" providerId="LiveId" clId="{1DF6B681-7612-4A94-98A4-480CACCF0D73}" dt="2024-04-07T12:49:20.917" v="778" actId="478"/>
-          <ac:picMkLst>
-            <pc:docMk/>
-            <pc:sldMk cId="3931364593" sldId="1988"/>
-            <ac:picMk id="4" creationId="{1CA0BC7D-1C82-2872-B352-5374CCFB2CDA}"/>
-          </ac:picMkLst>
-        </pc:picChg>
-        <pc:picChg chg="add mod">
-          <ac:chgData name="Ofer Zadikario" userId="f36b4b4543f14e71" providerId="LiveId" clId="{1DF6B681-7612-4A94-98A4-480CACCF0D73}" dt="2024-04-07T12:49:55.473" v="783" actId="1036"/>
-          <ac:picMkLst>
-            <pc:docMk/>
-            <pc:sldMk cId="3931364593" sldId="1988"/>
-            <ac:picMk id="8" creationId="{D1C14C27-2880-270F-9C57-CEDCFFD8DEC9}"/>
-          </ac:picMkLst>
-        </pc:picChg>
-        <pc:inkChg chg="add">
-          <ac:chgData name="Ofer Zadikario" userId="f36b4b4543f14e71" providerId="LiveId" clId="{1DF6B681-7612-4A94-98A4-480CACCF0D73}" dt="2024-04-07T12:50:10.921" v="784" actId="9405"/>
-          <ac:inkMkLst>
-            <pc:docMk/>
-            <pc:sldMk cId="3931364593" sldId="1988"/>
-            <ac:inkMk id="10" creationId="{BCF91DDA-019B-8024-E7AE-3C378B2E9E57}"/>
-          </ac:inkMkLst>
-        </pc:inkChg>
-        <pc:inkChg chg="add">
-          <ac:chgData name="Ofer Zadikario" userId="f36b4b4543f14e71" providerId="LiveId" clId="{1DF6B681-7612-4A94-98A4-480CACCF0D73}" dt="2024-04-07T12:50:14.697" v="785" actId="9405"/>
-          <ac:inkMkLst>
-            <pc:docMk/>
-            <pc:sldMk cId="3931364593" sldId="1988"/>
-            <ac:inkMk id="12" creationId="{5A06A0B7-627C-D174-F4E2-87A2CF215D16}"/>
-          </ac:inkMkLst>
-        </pc:inkChg>
-        <pc:inkChg chg="add">
-          <ac:chgData name="Ofer Zadikario" userId="f36b4b4543f14e71" providerId="LiveId" clId="{1DF6B681-7612-4A94-98A4-480CACCF0D73}" dt="2024-04-07T12:50:18.072" v="786" actId="9405"/>
-          <ac:inkMkLst>
-            <pc:docMk/>
-            <pc:sldMk cId="3931364593" sldId="1988"/>
-            <ac:inkMk id="13" creationId="{742E8D15-AE1A-C76A-0E89-A0727A56680A}"/>
-          </ac:inkMkLst>
-        </pc:inkChg>
-        <pc:inkChg chg="add">
-          <ac:chgData name="Ofer Zadikario" userId="f36b4b4543f14e71" providerId="LiveId" clId="{1DF6B681-7612-4A94-98A4-480CACCF0D73}" dt="2024-04-07T12:50:27.014" v="787" actId="9405"/>
-          <ac:inkMkLst>
-            <pc:docMk/>
-            <pc:sldMk cId="3931364593" sldId="1988"/>
-            <ac:inkMk id="14" creationId="{97F3E63C-1FC7-19AE-1842-79F9DA5FBFC7}"/>
-          </ac:inkMkLst>
-        </pc:inkChg>
-      </pc:sldChg>
-      <pc:sldChg chg="addSp delSp modSp add mod">
-        <pc:chgData name="Ofer Zadikario" userId="f36b4b4543f14e71" providerId="LiveId" clId="{1DF6B681-7612-4A94-98A4-480CACCF0D73}" dt="2024-04-07T12:52:49.137" v="945" actId="22"/>
-        <pc:sldMkLst>
-          <pc:docMk/>
-          <pc:sldMk cId="1783922410" sldId="1989"/>
-        </pc:sldMkLst>
-        <pc:spChg chg="mod">
-          <ac:chgData name="Ofer Zadikario" userId="f36b4b4543f14e71" providerId="LiveId" clId="{1DF6B681-7612-4A94-98A4-480CACCF0D73}" dt="2024-04-07T12:52:08.379" v="941" actId="20577"/>
-          <ac:spMkLst>
-            <pc:docMk/>
-            <pc:sldMk cId="1783922410" sldId="1989"/>
-            <ac:spMk id="2" creationId="{00000000-0000-0000-0000-000000000000}"/>
-          </ac:spMkLst>
-        </pc:spChg>
-        <pc:picChg chg="add">
-          <ac:chgData name="Ofer Zadikario" userId="f36b4b4543f14e71" providerId="LiveId" clId="{1DF6B681-7612-4A94-98A4-480CACCF0D73}" dt="2024-04-07T12:52:49.137" v="945" actId="22"/>
-          <ac:picMkLst>
-            <pc:docMk/>
-            <pc:sldMk cId="1783922410" sldId="1989"/>
-            <ac:picMk id="4" creationId="{0132383D-E576-3B04-DD57-F88C79DBF550}"/>
-          </ac:picMkLst>
-        </pc:picChg>
-        <pc:picChg chg="del">
-          <ac:chgData name="Ofer Zadikario" userId="f36b4b4543f14e71" providerId="LiveId" clId="{1DF6B681-7612-4A94-98A4-480CACCF0D73}" dt="2024-04-07T12:52:10.887" v="942" actId="478"/>
-          <ac:picMkLst>
-            <pc:docMk/>
-            <pc:sldMk cId="1783922410" sldId="1989"/>
-            <ac:picMk id="8" creationId="{D1C14C27-2880-270F-9C57-CEDCFFD8DEC9}"/>
-          </ac:picMkLst>
-        </pc:picChg>
-        <pc:inkChg chg="del">
-          <ac:chgData name="Ofer Zadikario" userId="f36b4b4543f14e71" providerId="LiveId" clId="{1DF6B681-7612-4A94-98A4-480CACCF0D73}" dt="2024-04-07T12:52:19.534" v="944" actId="478"/>
-          <ac:inkMkLst>
-            <pc:docMk/>
-            <pc:sldMk cId="1783922410" sldId="1989"/>
-            <ac:inkMk id="5" creationId="{BB83A6C0-057A-DDED-975E-0DAA94C4819F}"/>
-          </ac:inkMkLst>
-        </pc:inkChg>
-        <pc:inkChg chg="del">
-          <ac:chgData name="Ofer Zadikario" userId="f36b4b4543f14e71" providerId="LiveId" clId="{1DF6B681-7612-4A94-98A4-480CACCF0D73}" dt="2024-04-07T12:52:19.534" v="944" actId="478"/>
-          <ac:inkMkLst>
-            <pc:docMk/>
-            <pc:sldMk cId="1783922410" sldId="1989"/>
-            <ac:inkMk id="6" creationId="{E6F68E65-BAE5-DE54-86D8-72B6086DFB57}"/>
-          </ac:inkMkLst>
-        </pc:inkChg>
-        <pc:inkChg chg="del">
-          <ac:chgData name="Ofer Zadikario" userId="f36b4b4543f14e71" providerId="LiveId" clId="{1DF6B681-7612-4A94-98A4-480CACCF0D73}" dt="2024-04-07T12:52:19.534" v="944" actId="478"/>
-          <ac:inkMkLst>
-            <pc:docMk/>
-            <pc:sldMk cId="1783922410" sldId="1989"/>
-            <ac:inkMk id="7" creationId="{B0A8E405-BD8E-8024-B3F4-A981B9A350B6}"/>
-          </ac:inkMkLst>
-        </pc:inkChg>
-        <pc:inkChg chg="del">
-          <ac:chgData name="Ofer Zadikario" userId="f36b4b4543f14e71" providerId="LiveId" clId="{1DF6B681-7612-4A94-98A4-480CACCF0D73}" dt="2024-04-07T12:52:19.534" v="944" actId="478"/>
-          <ac:inkMkLst>
-            <pc:docMk/>
-            <pc:sldMk cId="1783922410" sldId="1989"/>
-            <ac:inkMk id="9" creationId="{2580520C-0FF8-408F-F818-0FB7DCE839CA}"/>
-          </ac:inkMkLst>
-        </pc:inkChg>
-        <pc:inkChg chg="del">
-          <ac:chgData name="Ofer Zadikario" userId="f36b4b4543f14e71" providerId="LiveId" clId="{1DF6B681-7612-4A94-98A4-480CACCF0D73}" dt="2024-04-07T12:52:13.970" v="943" actId="478"/>
-          <ac:inkMkLst>
-            <pc:docMk/>
-            <pc:sldMk cId="1783922410" sldId="1989"/>
-            <ac:inkMk id="10" creationId="{BCF91DDA-019B-8024-E7AE-3C378B2E9E57}"/>
-          </ac:inkMkLst>
-        </pc:inkChg>
-        <pc:inkChg chg="del">
-          <ac:chgData name="Ofer Zadikario" userId="f36b4b4543f14e71" providerId="LiveId" clId="{1DF6B681-7612-4A94-98A4-480CACCF0D73}" dt="2024-04-07T12:52:19.534" v="944" actId="478"/>
-          <ac:inkMkLst>
-            <pc:docMk/>
-            <pc:sldMk cId="1783922410" sldId="1989"/>
-            <ac:inkMk id="11" creationId="{0B19D5F7-E4FA-5AB1-DB2A-EFAF01097D7E}"/>
-          </ac:inkMkLst>
-        </pc:inkChg>
-        <pc:inkChg chg="del">
-          <ac:chgData name="Ofer Zadikario" userId="f36b4b4543f14e71" providerId="LiveId" clId="{1DF6B681-7612-4A94-98A4-480CACCF0D73}" dt="2024-04-07T12:52:19.534" v="944" actId="478"/>
-          <ac:inkMkLst>
-            <pc:docMk/>
-            <pc:sldMk cId="1783922410" sldId="1989"/>
-            <ac:inkMk id="12" creationId="{5A06A0B7-627C-D174-F4E2-87A2CF215D16}"/>
-          </ac:inkMkLst>
-        </pc:inkChg>
-        <pc:inkChg chg="del">
-          <ac:chgData name="Ofer Zadikario" userId="f36b4b4543f14e71" providerId="LiveId" clId="{1DF6B681-7612-4A94-98A4-480CACCF0D73}" dt="2024-04-07T12:52:19.534" v="944" actId="478"/>
-          <ac:inkMkLst>
-            <pc:docMk/>
-            <pc:sldMk cId="1783922410" sldId="1989"/>
-            <ac:inkMk id="13" creationId="{742E8D15-AE1A-C76A-0E89-A0727A56680A}"/>
-          </ac:inkMkLst>
-        </pc:inkChg>
-        <pc:inkChg chg="del">
-          <ac:chgData name="Ofer Zadikario" userId="f36b4b4543f14e71" providerId="LiveId" clId="{1DF6B681-7612-4A94-98A4-480CACCF0D73}" dt="2024-04-07T12:52:19.534" v="944" actId="478"/>
-          <ac:inkMkLst>
-            <pc:docMk/>
-            <pc:sldMk cId="1783922410" sldId="1989"/>
-            <ac:inkMk id="14" creationId="{97F3E63C-1FC7-19AE-1842-79F9DA5FBFC7}"/>
-          </ac:inkMkLst>
-        </pc:inkChg>
-      </pc:sldChg>
-      <pc:sldChg chg="addSp delSp modSp add mod">
-        <pc:chgData name="Ofer Zadikario" userId="f36b4b4543f14e71" providerId="LiveId" clId="{1DF6B681-7612-4A94-98A4-480CACCF0D73}" dt="2024-04-07T12:55:32.093" v="988" actId="1076"/>
-        <pc:sldMkLst>
-          <pc:docMk/>
-          <pc:sldMk cId="2225870416" sldId="1990"/>
-        </pc:sldMkLst>
-        <pc:spChg chg="mod">
-          <ac:chgData name="Ofer Zadikario" userId="f36b4b4543f14e71" providerId="LiveId" clId="{1DF6B681-7612-4A94-98A4-480CACCF0D73}" dt="2024-04-07T12:53:27.526" v="981" actId="20577"/>
-          <ac:spMkLst>
-            <pc:docMk/>
-            <pc:sldMk cId="2225870416" sldId="1990"/>
-            <ac:spMk id="2" creationId="{00000000-0000-0000-0000-000000000000}"/>
-          </ac:spMkLst>
-        </pc:spChg>
-        <pc:picChg chg="del">
-          <ac:chgData name="Ofer Zadikario" userId="f36b4b4543f14e71" providerId="LiveId" clId="{1DF6B681-7612-4A94-98A4-480CACCF0D73}" dt="2024-04-07T12:53:36.547" v="982" actId="478"/>
-          <ac:picMkLst>
-            <pc:docMk/>
-            <pc:sldMk cId="2225870416" sldId="1990"/>
-            <ac:picMk id="4" creationId="{0132383D-E576-3B04-DD57-F88C79DBF550}"/>
-          </ac:picMkLst>
-        </pc:picChg>
-        <pc:picChg chg="add mod">
-          <ac:chgData name="Ofer Zadikario" userId="f36b4b4543f14e71" providerId="LiveId" clId="{1DF6B681-7612-4A94-98A4-480CACCF0D73}" dt="2024-04-07T12:54:52.446" v="984" actId="1076"/>
-          <ac:picMkLst>
-            <pc:docMk/>
-            <pc:sldMk cId="2225870416" sldId="1990"/>
-            <ac:picMk id="5" creationId="{B5E177A8-C610-158F-828B-94DA61393671}"/>
-          </ac:picMkLst>
-        </pc:picChg>
-        <pc:picChg chg="add mod">
-          <ac:chgData name="Ofer Zadikario" userId="f36b4b4543f14e71" providerId="LiveId" clId="{1DF6B681-7612-4A94-98A4-480CACCF0D73}" dt="2024-04-07T12:55:32.093" v="988" actId="1076"/>
-          <ac:picMkLst>
-            <pc:docMk/>
-            <pc:sldMk cId="2225870416" sldId="1990"/>
-            <ac:picMk id="9" creationId="{BC225BEB-DDA3-36EC-A711-C4E15D4A276F}"/>
-          </ac:picMkLst>
-        </pc:picChg>
-        <pc:inkChg chg="add">
-          <ac:chgData name="Ofer Zadikario" userId="f36b4b4543f14e71" providerId="LiveId" clId="{1DF6B681-7612-4A94-98A4-480CACCF0D73}" dt="2024-04-07T12:55:00.299" v="985" actId="9405"/>
-          <ac:inkMkLst>
-            <pc:docMk/>
-            <pc:sldMk cId="2225870416" sldId="1990"/>
-            <ac:inkMk id="6" creationId="{FD66E389-1ACB-DEFE-17C7-0F95C2404D89}"/>
-          </ac:inkMkLst>
-        </pc:inkChg>
-        <pc:inkChg chg="add">
-          <ac:chgData name="Ofer Zadikario" userId="f36b4b4543f14e71" providerId="LiveId" clId="{1DF6B681-7612-4A94-98A4-480CACCF0D73}" dt="2024-04-07T12:55:03.443" v="986" actId="9405"/>
-          <ac:inkMkLst>
-            <pc:docMk/>
-            <pc:sldMk cId="2225870416" sldId="1990"/>
-            <ac:inkMk id="7" creationId="{B419B7E0-15E7-961F-66DE-903DDA9F976C}"/>
-          </ac:inkMkLst>
-        </pc:inkChg>
-      </pc:sldChg>
-      <pc:sldChg chg="addSp delSp modSp add mod">
-        <pc:chgData name="Ofer Zadikario" userId="f36b4b4543f14e71" providerId="LiveId" clId="{1DF6B681-7612-4A94-98A4-480CACCF0D73}" dt="2024-04-07T12:58:11.379" v="1002" actId="9405"/>
-        <pc:sldMkLst>
-          <pc:docMk/>
-          <pc:sldMk cId="2250148081" sldId="1991"/>
-        </pc:sldMkLst>
-        <pc:picChg chg="add mod">
-          <ac:chgData name="Ofer Zadikario" userId="f36b4b4543f14e71" providerId="LiveId" clId="{1DF6B681-7612-4A94-98A4-480CACCF0D73}" dt="2024-04-07T12:57:48.091" v="999" actId="1076"/>
-          <ac:picMkLst>
-            <pc:docMk/>
-            <pc:sldMk cId="2250148081" sldId="1991"/>
-            <ac:picMk id="4" creationId="{E51B9FBF-8A05-2DF9-4BFE-F6E555CC2437}"/>
-          </ac:picMkLst>
-        </pc:picChg>
-        <pc:picChg chg="del">
-          <ac:chgData name="Ofer Zadikario" userId="f36b4b4543f14e71" providerId="LiveId" clId="{1DF6B681-7612-4A94-98A4-480CACCF0D73}" dt="2024-04-07T12:55:49.867" v="990" actId="478"/>
-          <ac:picMkLst>
-            <pc:docMk/>
-            <pc:sldMk cId="2250148081" sldId="1991"/>
-            <ac:picMk id="5" creationId="{B5E177A8-C610-158F-828B-94DA61393671}"/>
-          </ac:picMkLst>
-        </pc:picChg>
-        <pc:picChg chg="del">
-          <ac:chgData name="Ofer Zadikario" userId="f36b4b4543f14e71" providerId="LiveId" clId="{1DF6B681-7612-4A94-98A4-480CACCF0D73}" dt="2024-04-07T12:55:56.155" v="993" actId="478"/>
-          <ac:picMkLst>
-            <pc:docMk/>
-            <pc:sldMk cId="2250148081" sldId="1991"/>
-            <ac:picMk id="9" creationId="{BC225BEB-DDA3-36EC-A711-C4E15D4A276F}"/>
-          </ac:picMkLst>
-        </pc:picChg>
-        <pc:picChg chg="add mod">
-          <ac:chgData name="Ofer Zadikario" userId="f36b4b4543f14e71" providerId="LiveId" clId="{1DF6B681-7612-4A94-98A4-480CACCF0D73}" dt="2024-04-07T12:57:50.992" v="1000" actId="1076"/>
-          <ac:picMkLst>
-            <pc:docMk/>
-            <pc:sldMk cId="2250148081" sldId="1991"/>
-            <ac:picMk id="10" creationId="{BA9D9B5F-AA0D-35DD-2C75-DF468B66132F}"/>
-          </ac:picMkLst>
-        </pc:picChg>
-        <pc:inkChg chg="del">
-          <ac:chgData name="Ofer Zadikario" userId="f36b4b4543f14e71" providerId="LiveId" clId="{1DF6B681-7612-4A94-98A4-480CACCF0D73}" dt="2024-04-07T12:55:53.344" v="992" actId="478"/>
-          <ac:inkMkLst>
-            <pc:docMk/>
-            <pc:sldMk cId="2250148081" sldId="1991"/>
-            <ac:inkMk id="6" creationId="{FD66E389-1ACB-DEFE-17C7-0F95C2404D89}"/>
-          </ac:inkMkLst>
-        </pc:inkChg>
-        <pc:inkChg chg="del">
-          <ac:chgData name="Ofer Zadikario" userId="f36b4b4543f14e71" providerId="LiveId" clId="{1DF6B681-7612-4A94-98A4-480CACCF0D73}" dt="2024-04-07T12:55:51.505" v="991" actId="478"/>
-          <ac:inkMkLst>
-            <pc:docMk/>
-            <pc:sldMk cId="2250148081" sldId="1991"/>
-            <ac:inkMk id="7" creationId="{B419B7E0-15E7-961F-66DE-903DDA9F976C}"/>
-          </ac:inkMkLst>
-        </pc:inkChg>
-        <pc:inkChg chg="add">
-          <ac:chgData name="Ofer Zadikario" userId="f36b4b4543f14e71" providerId="LiveId" clId="{1DF6B681-7612-4A94-98A4-480CACCF0D73}" dt="2024-04-07T12:57:58.555" v="1001" actId="9405"/>
-          <ac:inkMkLst>
-            <pc:docMk/>
-            <pc:sldMk cId="2250148081" sldId="1991"/>
-            <ac:inkMk id="11" creationId="{FA2A2D13-2006-FFA9-EFF1-3F94BDC2483E}"/>
-          </ac:inkMkLst>
-        </pc:inkChg>
-        <pc:inkChg chg="add">
-          <ac:chgData name="Ofer Zadikario" userId="f36b4b4543f14e71" providerId="LiveId" clId="{1DF6B681-7612-4A94-98A4-480CACCF0D73}" dt="2024-04-07T12:58:11.379" v="1002" actId="9405"/>
-          <ac:inkMkLst>
-            <pc:docMk/>
-            <pc:sldMk cId="2250148081" sldId="1991"/>
-            <ac:inkMk id="12" creationId="{CC47DA40-E6DC-14B8-60E9-A4792991BADB}"/>
-          </ac:inkMkLst>
-        </pc:inkChg>
-      </pc:sldChg>
-      <pc:sldChg chg="modSp add mod">
-        <pc:chgData name="Ofer Zadikario" userId="f36b4b4543f14e71" providerId="LiveId" clId="{1DF6B681-7612-4A94-98A4-480CACCF0D73}" dt="2024-04-07T13:14:25.535" v="1963" actId="20577"/>
-        <pc:sldMkLst>
-          <pc:docMk/>
-          <pc:sldMk cId="2102506559" sldId="1992"/>
-        </pc:sldMkLst>
-        <pc:spChg chg="mod">
-          <ac:chgData name="Ofer Zadikario" userId="f36b4b4543f14e71" providerId="LiveId" clId="{1DF6B681-7612-4A94-98A4-480CACCF0D73}" dt="2024-04-07T13:14:25.535" v="1963" actId="20577"/>
-          <ac:spMkLst>
-            <pc:docMk/>
-            <pc:sldMk cId="2102506559" sldId="1992"/>
-            <ac:spMk id="14" creationId="{00000000-0000-0000-0000-000000000000}"/>
-          </ac:spMkLst>
-        </pc:spChg>
-      </pc:sldChg>
-      <pc:sldChg chg="modSp add mod modShow">
-        <pc:chgData name="Ofer Zadikario" userId="f36b4b4543f14e71" providerId="LiveId" clId="{1DF6B681-7612-4A94-98A4-480CACCF0D73}" dt="2024-04-07T13:41:51.397" v="2098" actId="20577"/>
-        <pc:sldMkLst>
-          <pc:docMk/>
-          <pc:sldMk cId="2014012050" sldId="1993"/>
-        </pc:sldMkLst>
-        <pc:spChg chg="mod">
-          <ac:chgData name="Ofer Zadikario" userId="f36b4b4543f14e71" providerId="LiveId" clId="{1DF6B681-7612-4A94-98A4-480CACCF0D73}" dt="2024-04-07T13:39:24.138" v="1978" actId="20577"/>
-          <ac:spMkLst>
-            <pc:docMk/>
-            <pc:sldMk cId="2014012050" sldId="1993"/>
-            <ac:spMk id="2" creationId="{00000000-0000-0000-0000-000000000000}"/>
-          </ac:spMkLst>
-        </pc:spChg>
-        <pc:spChg chg="mod">
-          <ac:chgData name="Ofer Zadikario" userId="f36b4b4543f14e71" providerId="LiveId" clId="{1DF6B681-7612-4A94-98A4-480CACCF0D73}" dt="2024-04-07T13:41:51.397" v="2098" actId="20577"/>
-          <ac:spMkLst>
-            <pc:docMk/>
-            <pc:sldMk cId="2014012050" sldId="1993"/>
-            <ac:spMk id="14" creationId="{00000000-0000-0000-0000-000000000000}"/>
-          </ac:spMkLst>
-        </pc:spChg>
-      </pc:sldChg>
     </pc:docChg>
   </pc:docChgLst>
 </pc:chgInfo>
@@ -4888,7 +4888,7 @@
           <a:p>
             <a:fld id="{18438622-0837-4E9E-A16C-0B0206CE676E}" type="datetimeFigureOut">
               <a:rPr lang="en-US" smtClean="0"/>
-              <a:t>4/7/2024</a:t>
+              <a:t>4/10/2024</a:t>
             </a:fld>
             <a:endParaRPr lang="en-US"/>
           </a:p>
@@ -5262,7 +5262,7 @@
                   <a:prstClr val="black"/>
                 </a:solidFill>
               </a:rPr>
-              <a:t>4/7/2024 3:31 PM</a:t>
+              <a:t>4/10/2024 9:28 AM</a:t>
             </a:fld>
             <a:endParaRPr lang="en-US">
               <a:solidFill>
@@ -5608,7 +5608,7 @@
                 <a:tabLst/>
                 <a:defRPr/>
               </a:pPr>
-              <a:t>4/7/2024 3:31 PM</a:t>
+              <a:t>4/10/2024 9:28 AM</a:t>
             </a:fld>
             <a:endParaRPr kumimoji="0" lang="en-US" sz="1800" b="0" i="0" u="none" strike="noStrike" kern="0" cap="none" spc="0" normalizeH="0" baseline="0" noProof="0" dirty="0">
               <a:ln>
@@ -5984,7 +5984,7 @@
                 <a:tabLst/>
                 <a:defRPr/>
               </a:pPr>
-              <a:t>4/7/2024 4:00 PM</a:t>
+              <a:t>4/10/2024 9:28 AM</a:t>
             </a:fld>
             <a:endParaRPr kumimoji="0" lang="en-US" sz="1800" b="0" i="0" u="none" strike="noStrike" kern="0" cap="none" spc="0" normalizeH="0" baseline="0" noProof="0" dirty="0">
               <a:ln>
@@ -6360,7 +6360,7 @@
                 <a:tabLst/>
                 <a:defRPr/>
               </a:pPr>
-              <a:t>4/7/2024 4:14 PM</a:t>
+              <a:t>4/10/2024 9:28 AM</a:t>
             </a:fld>
             <a:endParaRPr kumimoji="0" lang="en-US" sz="1800" b="0" i="0" u="none" strike="noStrike" kern="0" cap="none" spc="0" normalizeH="0" baseline="0" noProof="0" dirty="0">
               <a:ln>
@@ -6829,7 +6829,7 @@
                 <a:tabLst/>
                 <a:defRPr/>
               </a:pPr>
-              <a:t>4/7/2024 3:31 PM</a:t>
+              <a:t>4/10/2024 9:28 AM</a:t>
             </a:fld>
             <a:endParaRPr kumimoji="0" lang="en-US" sz="1800" b="0" i="0" u="none" strike="noStrike" kern="0" cap="none" spc="0" normalizeH="0" baseline="0" noProof="0" dirty="0">
               <a:ln>
@@ -7205,7 +7205,7 @@
                 <a:tabLst/>
                 <a:defRPr/>
               </a:pPr>
-              <a:t>4/7/2024 3:31 PM</a:t>
+              <a:t>4/10/2024 9:28 AM</a:t>
             </a:fld>
             <a:endParaRPr kumimoji="0" lang="en-US" sz="1800" b="0" i="0" u="none" strike="noStrike" kern="0" cap="none" spc="0" normalizeH="0" baseline="0" noProof="0" dirty="0">
               <a:ln>
@@ -7581,7 +7581,7 @@
                 <a:tabLst/>
                 <a:defRPr/>
               </a:pPr>
-              <a:t>4/7/2024 3:31 PM</a:t>
+              <a:t>4/10/2024 9:28 AM</a:t>
             </a:fld>
             <a:endParaRPr kumimoji="0" lang="en-US" sz="1800" b="0" i="0" u="none" strike="noStrike" kern="0" cap="none" spc="0" normalizeH="0" baseline="0" noProof="0" dirty="0">
               <a:ln>
@@ -7957,7 +7957,7 @@
                 <a:tabLst/>
                 <a:defRPr/>
               </a:pPr>
-              <a:t>4/7/2024 3:49 PM</a:t>
+              <a:t>4/10/2024 9:28 AM</a:t>
             </a:fld>
             <a:endParaRPr kumimoji="0" lang="en-US" sz="1800" b="0" i="0" u="none" strike="noStrike" kern="0" cap="none" spc="0" normalizeH="0" baseline="0" noProof="0" dirty="0">
               <a:ln>
@@ -8333,7 +8333,7 @@
                 <a:tabLst/>
                 <a:defRPr/>
               </a:pPr>
-              <a:t>4/7/2024 3:50 PM</a:t>
+              <a:t>4/10/2024 9:28 AM</a:t>
             </a:fld>
             <a:endParaRPr kumimoji="0" lang="en-US" sz="1800" b="0" i="0" u="none" strike="noStrike" kern="0" cap="none" spc="0" normalizeH="0" baseline="0" noProof="0" dirty="0">
               <a:ln>
@@ -8709,7 +8709,7 @@
                 <a:tabLst/>
                 <a:defRPr/>
               </a:pPr>
-              <a:t>4/7/2024 3:53 PM</a:t>
+              <a:t>4/10/2024 9:28 AM</a:t>
             </a:fld>
             <a:endParaRPr kumimoji="0" lang="en-US" sz="1800" b="0" i="0" u="none" strike="noStrike" kern="0" cap="none" spc="0" normalizeH="0" baseline="0" noProof="0" dirty="0">
               <a:ln>
@@ -9085,7 +9085,7 @@
                 <a:tabLst/>
                 <a:defRPr/>
               </a:pPr>
-              <a:t>4/7/2024 3:55 PM</a:t>
+              <a:t>4/10/2024 9:28 AM</a:t>
             </a:fld>
             <a:endParaRPr kumimoji="0" lang="en-US" sz="1800" b="0" i="0" u="none" strike="noStrike" kern="0" cap="none" spc="0" normalizeH="0" baseline="0" noProof="0" dirty="0">
               <a:ln>
@@ -10496,7 +10496,7 @@
             <a:fld id="{FE218764-B9AD-4A05-A31E-84CE4FE50E8B}" type="datetime8">
               <a:rPr lang="he-IL" smtClean="0"/>
               <a:pPr/>
-              <a:t>07 אפריל 24</a:t>
+              <a:t>10 אפריל 24</a:t>
             </a:fld>
             <a:endParaRPr lang="he-IL" dirty="0"/>
           </a:p>
@@ -14432,8 +14432,8 @@
           </a:prstGeom>
         </p:spPr>
       </p:pic>
-      <mc:AlternateContent xmlns:mc="http://schemas.openxmlformats.org/markup-compatibility/2006">
-        <mc:Choice xmlns:p14="http://schemas.microsoft.com/office/powerpoint/2010/main" Requires="p14">
+      <mc:AlternateContent xmlns:mc="http://schemas.openxmlformats.org/markup-compatibility/2006" xmlns:p14="http://schemas.microsoft.com/office/powerpoint/2010/main">
+        <mc:Choice Requires="p14">
           <p:contentPart p14:bwMode="auto" r:id="rId4">
             <p14:nvContentPartPr>
               <p14:cNvPr id="6" name="Ink 5">
@@ -14452,7 +14452,7 @@
             </p14:xfrm>
           </p:contentPart>
         </mc:Choice>
-        <mc:Fallback>
+        <mc:Fallback xmlns="">
           <p:pic>
             <p:nvPicPr>
               <p:cNvPr id="6" name="Ink 5">
@@ -14483,8 +14483,8 @@
           </p:pic>
         </mc:Fallback>
       </mc:AlternateContent>
-      <mc:AlternateContent xmlns:mc="http://schemas.openxmlformats.org/markup-compatibility/2006">
-        <mc:Choice xmlns:p14="http://schemas.microsoft.com/office/powerpoint/2010/main" Requires="p14">
+      <mc:AlternateContent xmlns:mc="http://schemas.openxmlformats.org/markup-compatibility/2006" xmlns:p14="http://schemas.microsoft.com/office/powerpoint/2010/main">
+        <mc:Choice Requires="p14">
           <p:contentPart p14:bwMode="auto" r:id="rId6">
             <p14:nvContentPartPr>
               <p14:cNvPr id="7" name="Ink 6">
@@ -14503,7 +14503,7 @@
             </p14:xfrm>
           </p:contentPart>
         </mc:Choice>
-        <mc:Fallback>
+        <mc:Fallback xmlns="">
           <p:pic>
             <p:nvPicPr>
               <p:cNvPr id="7" name="Ink 6">
@@ -14682,8 +14682,8 @@
           </a:prstGeom>
         </p:spPr>
       </p:pic>
-      <mc:AlternateContent xmlns:mc="http://schemas.openxmlformats.org/markup-compatibility/2006">
-        <mc:Choice xmlns:p14="http://schemas.microsoft.com/office/powerpoint/2010/main" Requires="p14">
+      <mc:AlternateContent xmlns:mc="http://schemas.openxmlformats.org/markup-compatibility/2006" xmlns:p14="http://schemas.microsoft.com/office/powerpoint/2010/main">
+        <mc:Choice Requires="p14">
           <p:contentPart p14:bwMode="auto" r:id="rId5">
             <p14:nvContentPartPr>
               <p14:cNvPr id="11" name="Ink 10">
@@ -14702,7 +14702,7 @@
             </p14:xfrm>
           </p:contentPart>
         </mc:Choice>
-        <mc:Fallback>
+        <mc:Fallback xmlns="">
           <p:pic>
             <p:nvPicPr>
               <p:cNvPr id="11" name="Ink 10">
@@ -14733,8 +14733,8 @@
           </p:pic>
         </mc:Fallback>
       </mc:AlternateContent>
-      <mc:AlternateContent xmlns:mc="http://schemas.openxmlformats.org/markup-compatibility/2006">
-        <mc:Choice xmlns:p14="http://schemas.microsoft.com/office/powerpoint/2010/main" Requires="p14">
+      <mc:AlternateContent xmlns:mc="http://schemas.openxmlformats.org/markup-compatibility/2006" xmlns:p14="http://schemas.microsoft.com/office/powerpoint/2010/main">
+        <mc:Choice Requires="p14">
           <p:contentPart p14:bwMode="auto" r:id="rId7">
             <p14:nvContentPartPr>
               <p14:cNvPr id="12" name="Ink 11">
@@ -14753,7 +14753,7 @@
             </p14:xfrm>
           </p:contentPart>
         </mc:Choice>
-        <mc:Fallback>
+        <mc:Fallback xmlns="">
           <p:pic>
             <p:nvPicPr>
               <p:cNvPr id="12" name="Ink 11">
@@ -23592,8 +23592,8 @@
           </a:prstGeom>
         </p:spPr>
       </p:pic>
-      <mc:AlternateContent xmlns:mc="http://schemas.openxmlformats.org/markup-compatibility/2006">
-        <mc:Choice xmlns:p14="http://schemas.microsoft.com/office/powerpoint/2010/main" Requires="p14">
+      <mc:AlternateContent xmlns:mc="http://schemas.openxmlformats.org/markup-compatibility/2006" xmlns:p14="http://schemas.microsoft.com/office/powerpoint/2010/main">
+        <mc:Choice Requires="p14">
           <p:contentPart p14:bwMode="auto" r:id="rId4">
             <p14:nvContentPartPr>
               <p14:cNvPr id="8" name="Ink 7">
@@ -23612,7 +23612,7 @@
             </p14:xfrm>
           </p:contentPart>
         </mc:Choice>
-        <mc:Fallback>
+        <mc:Fallback xmlns="">
           <p:pic>
             <p:nvPicPr>
               <p:cNvPr id="8" name="Ink 7">
@@ -23643,8 +23643,8 @@
           </p:pic>
         </mc:Fallback>
       </mc:AlternateContent>
-      <mc:AlternateContent xmlns:mc="http://schemas.openxmlformats.org/markup-compatibility/2006">
-        <mc:Choice xmlns:p14="http://schemas.microsoft.com/office/powerpoint/2010/main" Requires="p14">
+      <mc:AlternateContent xmlns:mc="http://schemas.openxmlformats.org/markup-compatibility/2006" xmlns:p14="http://schemas.microsoft.com/office/powerpoint/2010/main">
+        <mc:Choice Requires="p14">
           <p:contentPart p14:bwMode="auto" r:id="rId6">
             <p14:nvContentPartPr>
               <p14:cNvPr id="10" name="Ink 9">
@@ -23663,7 +23663,7 @@
             </p14:xfrm>
           </p:contentPart>
         </mc:Choice>
-        <mc:Fallback>
+        <mc:Fallback xmlns="">
           <p:pic>
             <p:nvPicPr>
               <p:cNvPr id="10" name="Ink 9">
@@ -23694,8 +23694,8 @@
           </p:pic>
         </mc:Fallback>
       </mc:AlternateContent>
-      <mc:AlternateContent xmlns:mc="http://schemas.openxmlformats.org/markup-compatibility/2006">
-        <mc:Choice xmlns:p14="http://schemas.microsoft.com/office/powerpoint/2010/main" Requires="p14">
+      <mc:AlternateContent xmlns:mc="http://schemas.openxmlformats.org/markup-compatibility/2006" xmlns:p14="http://schemas.microsoft.com/office/powerpoint/2010/main">
+        <mc:Choice Requires="p14">
           <p:contentPart p14:bwMode="auto" r:id="rId8">
             <p14:nvContentPartPr>
               <p14:cNvPr id="11" name="Ink 10">
@@ -23714,7 +23714,7 @@
             </p14:xfrm>
           </p:contentPart>
         </mc:Choice>
-        <mc:Fallback>
+        <mc:Fallback xmlns="">
           <p:pic>
             <p:nvPicPr>
               <p:cNvPr id="11" name="Ink 10">
@@ -23745,8 +23745,8 @@
           </p:pic>
         </mc:Fallback>
       </mc:AlternateContent>
-      <mc:AlternateContent xmlns:mc="http://schemas.openxmlformats.org/markup-compatibility/2006">
-        <mc:Choice xmlns:p14="http://schemas.microsoft.com/office/powerpoint/2010/main" Requires="p14">
+      <mc:AlternateContent xmlns:mc="http://schemas.openxmlformats.org/markup-compatibility/2006" xmlns:p14="http://schemas.microsoft.com/office/powerpoint/2010/main">
+        <mc:Choice Requires="p14">
           <p:contentPart p14:bwMode="auto" r:id="rId10">
             <p14:nvContentPartPr>
               <p14:cNvPr id="12" name="Ink 11">
@@ -23765,7 +23765,7 @@
             </p14:xfrm>
           </p:contentPart>
         </mc:Choice>
-        <mc:Fallback>
+        <mc:Fallback xmlns="">
           <p:pic>
             <p:nvPicPr>
               <p:cNvPr id="12" name="Ink 11">
@@ -23796,8 +23796,8 @@
           </p:pic>
         </mc:Fallback>
       </mc:AlternateContent>
-      <mc:AlternateContent xmlns:mc="http://schemas.openxmlformats.org/markup-compatibility/2006">
-        <mc:Choice xmlns:p14="http://schemas.microsoft.com/office/powerpoint/2010/main" Requires="p14">
+      <mc:AlternateContent xmlns:mc="http://schemas.openxmlformats.org/markup-compatibility/2006" xmlns:p14="http://schemas.microsoft.com/office/powerpoint/2010/main">
+        <mc:Choice Requires="p14">
           <p:contentPart p14:bwMode="auto" r:id="rId12">
             <p14:nvContentPartPr>
               <p14:cNvPr id="13" name="Ink 12">
@@ -23816,7 +23816,7 @@
             </p14:xfrm>
           </p:contentPart>
         </mc:Choice>
-        <mc:Fallback>
+        <mc:Fallback xmlns="">
           <p:pic>
             <p:nvPicPr>
               <p:cNvPr id="13" name="Ink 12">
@@ -23935,8 +23935,8 @@
           </a:prstGeom>
         </p:spPr>
       </p:pic>
-      <mc:AlternateContent xmlns:mc="http://schemas.openxmlformats.org/markup-compatibility/2006">
-        <mc:Choice xmlns:p14="http://schemas.microsoft.com/office/powerpoint/2010/main" Requires="p14">
+      <mc:AlternateContent xmlns:mc="http://schemas.openxmlformats.org/markup-compatibility/2006" xmlns:p14="http://schemas.microsoft.com/office/powerpoint/2010/main">
+        <mc:Choice Requires="p14">
           <p:contentPart p14:bwMode="auto" r:id="rId4">
             <p14:nvContentPartPr>
               <p14:cNvPr id="5" name="Ink 4">
@@ -23955,7 +23955,7 @@
             </p14:xfrm>
           </p:contentPart>
         </mc:Choice>
-        <mc:Fallback>
+        <mc:Fallback xmlns="">
           <p:pic>
             <p:nvPicPr>
               <p:cNvPr id="5" name="Ink 4">
@@ -23986,8 +23986,8 @@
           </p:pic>
         </mc:Fallback>
       </mc:AlternateContent>
-      <mc:AlternateContent xmlns:mc="http://schemas.openxmlformats.org/markup-compatibility/2006">
-        <mc:Choice xmlns:p14="http://schemas.microsoft.com/office/powerpoint/2010/main" Requires="p14">
+      <mc:AlternateContent xmlns:mc="http://schemas.openxmlformats.org/markup-compatibility/2006" xmlns:p14="http://schemas.microsoft.com/office/powerpoint/2010/main">
+        <mc:Choice Requires="p14">
           <p:contentPart p14:bwMode="auto" r:id="rId6">
             <p14:nvContentPartPr>
               <p14:cNvPr id="6" name="Ink 5">
@@ -24006,7 +24006,7 @@
             </p14:xfrm>
           </p:contentPart>
         </mc:Choice>
-        <mc:Fallback>
+        <mc:Fallback xmlns="">
           <p:pic>
             <p:nvPicPr>
               <p:cNvPr id="6" name="Ink 5">
@@ -24037,8 +24037,8 @@
           </p:pic>
         </mc:Fallback>
       </mc:AlternateContent>
-      <mc:AlternateContent xmlns:mc="http://schemas.openxmlformats.org/markup-compatibility/2006">
-        <mc:Choice xmlns:p14="http://schemas.microsoft.com/office/powerpoint/2010/main" Requires="p14">
+      <mc:AlternateContent xmlns:mc="http://schemas.openxmlformats.org/markup-compatibility/2006" xmlns:p14="http://schemas.microsoft.com/office/powerpoint/2010/main">
+        <mc:Choice Requires="p14">
           <p:contentPart p14:bwMode="auto" r:id="rId8">
             <p14:nvContentPartPr>
               <p14:cNvPr id="7" name="Ink 6">
@@ -24057,7 +24057,7 @@
             </p14:xfrm>
           </p:contentPart>
         </mc:Choice>
-        <mc:Fallback>
+        <mc:Fallback xmlns="">
           <p:pic>
             <p:nvPicPr>
               <p:cNvPr id="7" name="Ink 6">
@@ -24088,8 +24088,8 @@
           </p:pic>
         </mc:Fallback>
       </mc:AlternateContent>
-      <mc:AlternateContent xmlns:mc="http://schemas.openxmlformats.org/markup-compatibility/2006">
-        <mc:Choice xmlns:p14="http://schemas.microsoft.com/office/powerpoint/2010/main" Requires="p14">
+      <mc:AlternateContent xmlns:mc="http://schemas.openxmlformats.org/markup-compatibility/2006" xmlns:p14="http://schemas.microsoft.com/office/powerpoint/2010/main">
+        <mc:Choice Requires="p14">
           <p:contentPart p14:bwMode="auto" r:id="rId10">
             <p14:nvContentPartPr>
               <p14:cNvPr id="9" name="Ink 8">
@@ -24108,7 +24108,7 @@
             </p14:xfrm>
           </p:contentPart>
         </mc:Choice>
-        <mc:Fallback>
+        <mc:Fallback xmlns="">
           <p:pic>
             <p:nvPicPr>
               <p:cNvPr id="9" name="Ink 8">
@@ -24139,8 +24139,8 @@
           </p:pic>
         </mc:Fallback>
       </mc:AlternateContent>
-      <mc:AlternateContent xmlns:mc="http://schemas.openxmlformats.org/markup-compatibility/2006">
-        <mc:Choice xmlns:p14="http://schemas.microsoft.com/office/powerpoint/2010/main" Requires="p14">
+      <mc:AlternateContent xmlns:mc="http://schemas.openxmlformats.org/markup-compatibility/2006" xmlns:p14="http://schemas.microsoft.com/office/powerpoint/2010/main">
+        <mc:Choice Requires="p14">
           <p:contentPart p14:bwMode="auto" r:id="rId12">
             <p14:nvContentPartPr>
               <p14:cNvPr id="11" name="Ink 10">
@@ -24159,7 +24159,7 @@
             </p14:xfrm>
           </p:contentPart>
         </mc:Choice>
-        <mc:Fallback>
+        <mc:Fallback xmlns="">
           <p:pic>
             <p:nvPicPr>
               <p:cNvPr id="11" name="Ink 10">
@@ -24248,8 +24248,8 @@
           </a:p>
         </p:txBody>
       </p:sp>
-      <mc:AlternateContent xmlns:mc="http://schemas.openxmlformats.org/markup-compatibility/2006">
-        <mc:Choice xmlns:p14="http://schemas.microsoft.com/office/powerpoint/2010/main" Requires="p14">
+      <mc:AlternateContent xmlns:mc="http://schemas.openxmlformats.org/markup-compatibility/2006" xmlns:p14="http://schemas.microsoft.com/office/powerpoint/2010/main">
+        <mc:Choice Requires="p14">
           <p:contentPart p14:bwMode="auto" r:id="rId3">
             <p14:nvContentPartPr>
               <p14:cNvPr id="5" name="Ink 4">
@@ -24268,7 +24268,7 @@
             </p14:xfrm>
           </p:contentPart>
         </mc:Choice>
-        <mc:Fallback>
+        <mc:Fallback xmlns="">
           <p:pic>
             <p:nvPicPr>
               <p:cNvPr id="5" name="Ink 4">
@@ -24299,8 +24299,8 @@
           </p:pic>
         </mc:Fallback>
       </mc:AlternateContent>
-      <mc:AlternateContent xmlns:mc="http://schemas.openxmlformats.org/markup-compatibility/2006">
-        <mc:Choice xmlns:p14="http://schemas.microsoft.com/office/powerpoint/2010/main" Requires="p14">
+      <mc:AlternateContent xmlns:mc="http://schemas.openxmlformats.org/markup-compatibility/2006" xmlns:p14="http://schemas.microsoft.com/office/powerpoint/2010/main">
+        <mc:Choice Requires="p14">
           <p:contentPart p14:bwMode="auto" r:id="rId5">
             <p14:nvContentPartPr>
               <p14:cNvPr id="6" name="Ink 5">
@@ -24319,7 +24319,7 @@
             </p14:xfrm>
           </p:contentPart>
         </mc:Choice>
-        <mc:Fallback>
+        <mc:Fallback xmlns="">
           <p:pic>
             <p:nvPicPr>
               <p:cNvPr id="6" name="Ink 5">
@@ -24350,8 +24350,8 @@
           </p:pic>
         </mc:Fallback>
       </mc:AlternateContent>
-      <mc:AlternateContent xmlns:mc="http://schemas.openxmlformats.org/markup-compatibility/2006">
-        <mc:Choice xmlns:p14="http://schemas.microsoft.com/office/powerpoint/2010/main" Requires="p14">
+      <mc:AlternateContent xmlns:mc="http://schemas.openxmlformats.org/markup-compatibility/2006" xmlns:p14="http://schemas.microsoft.com/office/powerpoint/2010/main">
+        <mc:Choice Requires="p14">
           <p:contentPart p14:bwMode="auto" r:id="rId7">
             <p14:nvContentPartPr>
               <p14:cNvPr id="7" name="Ink 6">
@@ -24370,7 +24370,7 @@
             </p14:xfrm>
           </p:contentPart>
         </mc:Choice>
-        <mc:Fallback>
+        <mc:Fallback xmlns="">
           <p:pic>
             <p:nvPicPr>
               <p:cNvPr id="7" name="Ink 6">
@@ -24401,8 +24401,8 @@
           </p:pic>
         </mc:Fallback>
       </mc:AlternateContent>
-      <mc:AlternateContent xmlns:mc="http://schemas.openxmlformats.org/markup-compatibility/2006">
-        <mc:Choice xmlns:p14="http://schemas.microsoft.com/office/powerpoint/2010/main" Requires="p14">
+      <mc:AlternateContent xmlns:mc="http://schemas.openxmlformats.org/markup-compatibility/2006" xmlns:p14="http://schemas.microsoft.com/office/powerpoint/2010/main">
+        <mc:Choice Requires="p14">
           <p:contentPart p14:bwMode="auto" r:id="rId9">
             <p14:nvContentPartPr>
               <p14:cNvPr id="9" name="Ink 8">
@@ -24421,7 +24421,7 @@
             </p14:xfrm>
           </p:contentPart>
         </mc:Choice>
-        <mc:Fallback>
+        <mc:Fallback xmlns="">
           <p:pic>
             <p:nvPicPr>
               <p:cNvPr id="9" name="Ink 8">
@@ -24452,8 +24452,8 @@
           </p:pic>
         </mc:Fallback>
       </mc:AlternateContent>
-      <mc:AlternateContent xmlns:mc="http://schemas.openxmlformats.org/markup-compatibility/2006">
-        <mc:Choice xmlns:p14="http://schemas.microsoft.com/office/powerpoint/2010/main" Requires="p14">
+      <mc:AlternateContent xmlns:mc="http://schemas.openxmlformats.org/markup-compatibility/2006" xmlns:p14="http://schemas.microsoft.com/office/powerpoint/2010/main">
+        <mc:Choice Requires="p14">
           <p:contentPart p14:bwMode="auto" r:id="rId11">
             <p14:nvContentPartPr>
               <p14:cNvPr id="11" name="Ink 10">
@@ -24472,7 +24472,7 @@
             </p14:xfrm>
           </p:contentPart>
         </mc:Choice>
-        <mc:Fallback>
+        <mc:Fallback xmlns="">
           <p:pic>
             <p:nvPicPr>
               <p:cNvPr id="11" name="Ink 10">
@@ -24533,8 +24533,8 @@
           </a:prstGeom>
         </p:spPr>
       </p:pic>
-      <mc:AlternateContent xmlns:mc="http://schemas.openxmlformats.org/markup-compatibility/2006">
-        <mc:Choice xmlns:p14="http://schemas.microsoft.com/office/powerpoint/2010/main" Requires="p14">
+      <mc:AlternateContent xmlns:mc="http://schemas.openxmlformats.org/markup-compatibility/2006" xmlns:p14="http://schemas.microsoft.com/office/powerpoint/2010/main">
+        <mc:Choice Requires="p14">
           <p:contentPart p14:bwMode="auto" r:id="rId14">
             <p14:nvContentPartPr>
               <p14:cNvPr id="10" name="Ink 9">
@@ -24553,7 +24553,7 @@
             </p14:xfrm>
           </p:contentPart>
         </mc:Choice>
-        <mc:Fallback>
+        <mc:Fallback xmlns="">
           <p:pic>
             <p:nvPicPr>
               <p:cNvPr id="10" name="Ink 9">
@@ -24584,8 +24584,8 @@
           </p:pic>
         </mc:Fallback>
       </mc:AlternateContent>
-      <mc:AlternateContent xmlns:mc="http://schemas.openxmlformats.org/markup-compatibility/2006">
-        <mc:Choice xmlns:p14="http://schemas.microsoft.com/office/powerpoint/2010/main" Requires="p14">
+      <mc:AlternateContent xmlns:mc="http://schemas.openxmlformats.org/markup-compatibility/2006" xmlns:p14="http://schemas.microsoft.com/office/powerpoint/2010/main">
+        <mc:Choice Requires="p14">
           <p:contentPart p14:bwMode="auto" r:id="rId16">
             <p14:nvContentPartPr>
               <p14:cNvPr id="12" name="Ink 11">
@@ -24604,7 +24604,7 @@
             </p14:xfrm>
           </p:contentPart>
         </mc:Choice>
-        <mc:Fallback>
+        <mc:Fallback xmlns="">
           <p:pic>
             <p:nvPicPr>
               <p:cNvPr id="12" name="Ink 11">
@@ -24635,8 +24635,8 @@
           </p:pic>
         </mc:Fallback>
       </mc:AlternateContent>
-      <mc:AlternateContent xmlns:mc="http://schemas.openxmlformats.org/markup-compatibility/2006">
-        <mc:Choice xmlns:p14="http://schemas.microsoft.com/office/powerpoint/2010/main" Requires="p14">
+      <mc:AlternateContent xmlns:mc="http://schemas.openxmlformats.org/markup-compatibility/2006" xmlns:p14="http://schemas.microsoft.com/office/powerpoint/2010/main">
+        <mc:Choice Requires="p14">
           <p:contentPart p14:bwMode="auto" r:id="rId18">
             <p14:nvContentPartPr>
               <p14:cNvPr id="13" name="Ink 12">
@@ -24655,7 +24655,7 @@
             </p14:xfrm>
           </p:contentPart>
         </mc:Choice>
-        <mc:Fallback>
+        <mc:Fallback xmlns="">
           <p:pic>
             <p:nvPicPr>
               <p:cNvPr id="13" name="Ink 12">
@@ -24686,8 +24686,8 @@
           </p:pic>
         </mc:Fallback>
       </mc:AlternateContent>
-      <mc:AlternateContent xmlns:mc="http://schemas.openxmlformats.org/markup-compatibility/2006">
-        <mc:Choice xmlns:p14="http://schemas.microsoft.com/office/powerpoint/2010/main" Requires="p14">
+      <mc:AlternateContent xmlns:mc="http://schemas.openxmlformats.org/markup-compatibility/2006" xmlns:p14="http://schemas.microsoft.com/office/powerpoint/2010/main">
+        <mc:Choice Requires="p14">
           <p:contentPart p14:bwMode="auto" r:id="rId20">
             <p14:nvContentPartPr>
               <p14:cNvPr id="14" name="Ink 13">
@@ -24706,7 +24706,7 @@
             </p14:xfrm>
           </p:contentPart>
         </mc:Choice>
-        <mc:Fallback>
+        <mc:Fallback xmlns="">
           <p:pic>
             <p:nvPicPr>
               <p:cNvPr id="14" name="Ink 13">
@@ -25348,24 +25348,6 @@
 </file>
 
 <file path=customXml/item1.xml><?xml version="1.0" encoding="utf-8"?>
-<p:properties xmlns:p="http://schemas.microsoft.com/office/2006/metadata/properties" xmlns:xsi="http://www.w3.org/2001/XMLSchema-instance" xmlns:pc="http://schemas.microsoft.com/office/infopath/2007/PartnerControls">
-  <documentManagement>
-    <_ip_UnifiedCompliancePolicyProperties xmlns="http://schemas.microsoft.com/sharepoint/v3" xsi:nil="true"/>
-    <_ip_UnifiedCompliancePolicyUIAction xmlns="http://schemas.microsoft.com/sharepoint/v3" xsi:nil="true"/>
-    <LastSharedByUser xmlns="11245976-3b4d-4794-a754-317688483df2">jogallow@microsoft.com</LastSharedByUser>
-    <SharedWithUsers xmlns="11245976-3b4d-4794-a754-317688483df2">
-      <UserInfo>
-        <DisplayName>Martin Woodward</DisplayName>
-        <AccountId>67</AccountId>
-        <AccountType/>
-      </UserInfo>
-    </SharedWithUsers>
-    <LastSharedByTime xmlns="11245976-3b4d-4794-a754-317688483df2">2018-03-16T04:12:59+00:00</LastSharedByTime>
-  </documentManagement>
-</p:properties>
-</file>
-
-<file path=customXml/item2.xml><?xml version="1.0" encoding="utf-8"?>
 <ct:contentTypeSchema xmlns:ct="http://schemas.microsoft.com/office/2006/metadata/contentType" xmlns:ma="http://schemas.microsoft.com/office/2006/metadata/properties/metaAttributes" ct:_="" ma:_="" ma:contentTypeName="Document" ma:contentTypeID="0x01010022F88B0CCF1BBA489747F146E6B5E06D" ma:contentTypeVersion="15" ma:contentTypeDescription="Create a new document." ma:contentTypeScope="" ma:versionID="3a81cc4177a2cfbc51d69d3922f78c36">
   <xsd:schema xmlns:xsd="http://www.w3.org/2001/XMLSchema" xmlns:xs="http://www.w3.org/2001/XMLSchema" xmlns:p="http://schemas.microsoft.com/office/2006/metadata/properties" xmlns:ns1="http://schemas.microsoft.com/sharepoint/v3" xmlns:ns2="569b343d-e775-480b-9b2b-6a6986deb9b0" xmlns:ns3="11245976-3b4d-4794-a754-317688483df2" targetNamespace="http://schemas.microsoft.com/office/2006/metadata/properties" ma:root="true" ma:fieldsID="b609d5801db63fe484c47c44deb589b2" ns1:_="" ns2:_="" ns3:_="">
     <xsd:import namespace="http://schemas.microsoft.com/sharepoint/v3"/>
@@ -25605,6 +25587,24 @@
 </ct:contentTypeSchema>
 </file>
 
+<file path=customXml/item2.xml><?xml version="1.0" encoding="utf-8"?>
+<p:properties xmlns:p="http://schemas.microsoft.com/office/2006/metadata/properties" xmlns:xsi="http://www.w3.org/2001/XMLSchema-instance" xmlns:pc="http://schemas.microsoft.com/office/infopath/2007/PartnerControls">
+  <documentManagement>
+    <_ip_UnifiedCompliancePolicyProperties xmlns="http://schemas.microsoft.com/sharepoint/v3" xsi:nil="true"/>
+    <_ip_UnifiedCompliancePolicyUIAction xmlns="http://schemas.microsoft.com/sharepoint/v3" xsi:nil="true"/>
+    <LastSharedByUser xmlns="11245976-3b4d-4794-a754-317688483df2">jogallow@microsoft.com</LastSharedByUser>
+    <SharedWithUsers xmlns="11245976-3b4d-4794-a754-317688483df2">
+      <UserInfo>
+        <DisplayName>Martin Woodward</DisplayName>
+        <AccountId>67</AccountId>
+        <AccountType/>
+      </UserInfo>
+    </SharedWithUsers>
+    <LastSharedByTime xmlns="11245976-3b4d-4794-a754-317688483df2">2018-03-16T04:12:59+00:00</LastSharedByTime>
+  </documentManagement>
+</p:properties>
+</file>
+
 <file path=customXml/item3.xml><?xml version="1.0" encoding="utf-8"?>
 <?mso-contentType ?>
 <FormTemplates xmlns="http://schemas.microsoft.com/sharepoint/v3/contenttype/forms">
@@ -25615,17 +25615,6 @@
 </file>
 
 <file path=customXml/itemProps1.xml><?xml version="1.0" encoding="utf-8"?>
-<ds:datastoreItem xmlns:ds="http://schemas.openxmlformats.org/officeDocument/2006/customXml" ds:itemID="{D23E43D6-DB2F-4C33-A8C8-D28F777A5DE7}">
-  <ds:schemaRefs>
-    <ds:schemaRef ds:uri="http://schemas.microsoft.com/office/2006/metadata/properties"/>
-    <ds:schemaRef ds:uri="http://schemas.microsoft.com/office/infopath/2007/PartnerControls"/>
-    <ds:schemaRef ds:uri="http://schemas.microsoft.com/sharepoint/v3"/>
-    <ds:schemaRef ds:uri="11245976-3b4d-4794-a754-317688483df2"/>
-  </ds:schemaRefs>
-</ds:datastoreItem>
-</file>
-
-<file path=customXml/itemProps2.xml><?xml version="1.0" encoding="utf-8"?>
 <ds:datastoreItem xmlns:ds="http://schemas.openxmlformats.org/officeDocument/2006/customXml" ds:itemID="{3EC7A57B-883B-4750-9166-6F76DB12FD37}">
   <ds:schemaRefs>
     <ds:schemaRef ds:uri="http://schemas.microsoft.com/office/2006/metadata/contentType"/>
@@ -25645,6 +25634,17 @@
 </ds:datastoreItem>
 </file>
 
+<file path=customXml/itemProps2.xml><?xml version="1.0" encoding="utf-8"?>
+<ds:datastoreItem xmlns:ds="http://schemas.openxmlformats.org/officeDocument/2006/customXml" ds:itemID="{D23E43D6-DB2F-4C33-A8C8-D28F777A5DE7}">
+  <ds:schemaRefs>
+    <ds:schemaRef ds:uri="http://schemas.microsoft.com/office/2006/metadata/properties"/>
+    <ds:schemaRef ds:uri="http://schemas.microsoft.com/office/infopath/2007/PartnerControls"/>
+    <ds:schemaRef ds:uri="http://schemas.microsoft.com/sharepoint/v3"/>
+    <ds:schemaRef ds:uri="11245976-3b4d-4794-a754-317688483df2"/>
+  </ds:schemaRefs>
+</ds:datastoreItem>
+</file>
+
 <file path=customXml/itemProps3.xml><?xml version="1.0" encoding="utf-8"?>
 <ds:datastoreItem xmlns:ds="http://schemas.openxmlformats.org/officeDocument/2006/customXml" ds:itemID="{093821A7-5528-48BE-BD00-067FBFDD28D5}">
   <ds:schemaRefs>
